--- a/docs/Software Development - CISSP.pptx
+++ b/docs/Software Development - CISSP.pptx
@@ -10,6 +10,7 @@
     <p:sldId id="258" r:id="rId4"/>
     <p:sldId id="259" r:id="rId5"/>
     <p:sldId id="260" r:id="rId6"/>
+    <p:sldId id="261" r:id="rId7"/>
   </p:sldIdLst>
   <p:sldSz cx="12192000" cy="6858000"/>
   <p:notesSz cx="6858000" cy="9144000"/>
@@ -108,7 +109,16 @@
       </a:defRPr>
     </a:lvl9pPr>
   </p:defaultTextStyle>
+  <p:extLst>
+    <p:ext uri="{EFAFB233-063F-42B5-8137-9DF3F51BA10A}">
+      <p15:sldGuideLst xmlns:p15="http://schemas.microsoft.com/office/powerpoint/2012/main"/>
+    </p:ext>
+  </p:extLst>
 </p:presentation>
+</file>
+
+<file path=ppt/revisionInfo.xml><?xml version="1.0" encoding="utf-8"?>
+<p1510:revInfo xmlns:a="http://schemas.openxmlformats.org/drawingml/2006/main" xmlns:r="http://schemas.openxmlformats.org/officeDocument/2006/relationships" xmlns:p1510="http://schemas.microsoft.com/office/powerpoint/2015/10/main"/>
 </file>
 
 <file path=ppt/slideLayouts/slideLayout1.xml><?xml version="1.0" encoding="utf-8"?>
@@ -170,7 +180,7 @@
           </a:lstStyle>
           <a:p>
             <a:r>
-              <a:rPr lang="en-US" smtClean="0"/>
+              <a:rPr lang="en-US"/>
               <a:t>Click to edit Master title style</a:t>
             </a:r>
             <a:endParaRPr lang="en-US" dirty="0"/>
@@ -289,7 +299,7 @@
           </a:lstStyle>
           <a:p>
             <a:r>
-              <a:rPr lang="en-US" smtClean="0"/>
+              <a:rPr lang="en-US"/>
               <a:t>Click to edit Master subtitle style</a:t>
             </a:r>
             <a:endParaRPr lang="en-US" dirty="0"/>
@@ -314,7 +324,7 @@
             <a:fld id="{B61BEF0D-F0BB-DE4B-95CE-6DB70DBA9567}" type="datetimeFigureOut">
               <a:rPr lang="en-US" smtClean="0"/>
               <a:pPr/>
-              <a:t>11/13/2017</a:t>
+              <a:t>11/15/2017</a:t>
             </a:fld>
             <a:endParaRPr lang="en-US" dirty="0"/>
           </a:p>
@@ -425,7 +435,7 @@
           </a:lstStyle>
           <a:p>
             <a:r>
-              <a:rPr lang="en-US" smtClean="0"/>
+              <a:rPr lang="en-US"/>
               <a:t>Click to edit Master title style</a:t>
             </a:r>
             <a:endParaRPr lang="en-US" dirty="0"/>
@@ -520,7 +530,7 @@
           </a:lstStyle>
           <a:p>
             <a:r>
-              <a:rPr lang="en-US" smtClean="0"/>
+              <a:rPr lang="en-US"/>
               <a:t>Click icon to add picture</a:t>
             </a:r>
             <a:endParaRPr lang="en-US" dirty="0"/>
@@ -588,7 +598,7 @@
           <a:p>
             <a:pPr lvl="0"/>
             <a:r>
-              <a:rPr lang="en-US" smtClean="0"/>
+              <a:rPr lang="en-US"/>
               <a:t>Click to edit Master text styles</a:t>
             </a:r>
           </a:p>
@@ -612,7 +622,7 @@
             <a:fld id="{B61BEF0D-F0BB-DE4B-95CE-6DB70DBA9567}" type="datetimeFigureOut">
               <a:rPr lang="en-US" smtClean="0"/>
               <a:pPr/>
-              <a:t>11/13/2017</a:t>
+              <a:t>11/15/2017</a:t>
             </a:fld>
             <a:endParaRPr lang="en-US" dirty="0"/>
           </a:p>
@@ -718,7 +728,7 @@
           </a:lstStyle>
           <a:p>
             <a:r>
-              <a:rPr lang="en-US" smtClean="0"/>
+              <a:rPr lang="en-US"/>
               <a:t>Click to edit Master title style</a:t>
             </a:r>
             <a:endParaRPr lang="en-US" dirty="0"/>
@@ -838,7 +848,7 @@
           <a:p>
             <a:pPr lvl="0"/>
             <a:r>
-              <a:rPr lang="en-US" smtClean="0"/>
+              <a:rPr lang="en-US"/>
               <a:t>Click to edit Master text styles</a:t>
             </a:r>
           </a:p>
@@ -862,7 +872,7 @@
             <a:fld id="{B61BEF0D-F0BB-DE4B-95CE-6DB70DBA9567}" type="datetimeFigureOut">
               <a:rPr lang="en-US" smtClean="0"/>
               <a:pPr/>
-              <a:t>11/13/2017</a:t>
+              <a:t>11/15/2017</a:t>
             </a:fld>
             <a:endParaRPr lang="en-US" dirty="0"/>
           </a:p>
@@ -1202,7 +1212,7 @@
           </a:lstStyle>
           <a:p>
             <a:r>
-              <a:rPr lang="en-US" smtClean="0"/>
+              <a:rPr lang="en-US"/>
               <a:t>Click to edit Master title style</a:t>
             </a:r>
             <a:endParaRPr lang="en-US" dirty="0"/>
@@ -1257,7 +1267,7 @@
           <a:p>
             <a:pPr lvl="0"/>
             <a:r>
-              <a:rPr lang="en-US" smtClean="0"/>
+              <a:rPr lang="en-US"/>
               <a:t>Click to edit Master text styles</a:t>
             </a:r>
           </a:p>
@@ -1376,7 +1386,7 @@
           <a:p>
             <a:pPr lvl="0"/>
             <a:r>
-              <a:rPr lang="en-US" smtClean="0"/>
+              <a:rPr lang="en-US"/>
               <a:t>Click to edit Master text styles</a:t>
             </a:r>
           </a:p>
@@ -1400,7 +1410,7 @@
             <a:fld id="{B61BEF0D-F0BB-DE4B-95CE-6DB70DBA9567}" type="datetimeFigureOut">
               <a:rPr lang="en-US" smtClean="0"/>
               <a:pPr/>
-              <a:t>11/13/2017</a:t>
+              <a:t>11/15/2017</a:t>
             </a:fld>
             <a:endParaRPr lang="en-US" dirty="0"/>
           </a:p>
@@ -1506,7 +1516,7 @@
           </a:lstStyle>
           <a:p>
             <a:r>
-              <a:rPr lang="en-US" smtClean="0"/>
+              <a:rPr lang="en-US"/>
               <a:t>Click to edit Master title style</a:t>
             </a:r>
             <a:endParaRPr lang="en-US" dirty="0"/>
@@ -1626,7 +1636,7 @@
           <a:p>
             <a:pPr lvl="0"/>
             <a:r>
-              <a:rPr lang="en-US" smtClean="0"/>
+              <a:rPr lang="en-US"/>
               <a:t>Click to edit Master text styles</a:t>
             </a:r>
           </a:p>
@@ -1650,7 +1660,7 @@
             <a:fld id="{B61BEF0D-F0BB-DE4B-95CE-6DB70DBA9567}" type="datetimeFigureOut">
               <a:rPr lang="en-US" smtClean="0"/>
               <a:pPr/>
-              <a:t>11/13/2017</a:t>
+              <a:t>11/15/2017</a:t>
             </a:fld>
             <a:endParaRPr lang="en-US" dirty="0"/>
           </a:p>
@@ -1990,7 +2000,7 @@
           </a:lstStyle>
           <a:p>
             <a:r>
-              <a:rPr lang="en-US" smtClean="0"/>
+              <a:rPr lang="en-US"/>
               <a:t>Click to edit Master title style</a:t>
             </a:r>
             <a:endParaRPr lang="en-US" dirty="0"/>
@@ -2052,7 +2062,7 @@
               <a:buNone/>
             </a:pPr>
             <a:r>
-              <a:rPr lang="en-US" smtClean="0"/>
+              <a:rPr lang="en-US"/>
               <a:t>Click to edit Master text styles</a:t>
             </a:r>
           </a:p>
@@ -2171,7 +2181,7 @@
           <a:p>
             <a:pPr lvl="0"/>
             <a:r>
-              <a:rPr lang="en-US" smtClean="0"/>
+              <a:rPr lang="en-US"/>
               <a:t>Click to edit Master text styles</a:t>
             </a:r>
           </a:p>
@@ -2195,7 +2205,7 @@
             <a:fld id="{B61BEF0D-F0BB-DE4B-95CE-6DB70DBA9567}" type="datetimeFigureOut">
               <a:rPr lang="en-US" smtClean="0"/>
               <a:pPr/>
-              <a:t>11/13/2017</a:t>
+              <a:t>11/15/2017</a:t>
             </a:fld>
             <a:endParaRPr lang="en-US" dirty="0"/>
           </a:p>
@@ -2302,7 +2312,7 @@
           <a:p>
             <a:pPr marL="0" lvl="0"/>
             <a:r>
-              <a:rPr lang="en-US" smtClean="0"/>
+              <a:rPr lang="en-US"/>
               <a:t>Click to edit Master title style</a:t>
             </a:r>
             <a:endParaRPr lang="en-US" dirty="0"/>
@@ -2364,7 +2374,7 @@
               <a:buNone/>
             </a:pPr>
             <a:r>
-              <a:rPr lang="en-US" smtClean="0"/>
+              <a:rPr lang="en-US"/>
               <a:t>Click to edit Master text styles</a:t>
             </a:r>
           </a:p>
@@ -2483,7 +2493,7 @@
           <a:p>
             <a:pPr lvl="0"/>
             <a:r>
-              <a:rPr lang="en-US" smtClean="0"/>
+              <a:rPr lang="en-US"/>
               <a:t>Click to edit Master text styles</a:t>
             </a:r>
           </a:p>
@@ -2507,7 +2517,7 @@
             <a:fld id="{B61BEF0D-F0BB-DE4B-95CE-6DB70DBA9567}" type="datetimeFigureOut">
               <a:rPr lang="en-US" smtClean="0"/>
               <a:pPr/>
-              <a:t>11/13/2017</a:t>
+              <a:t>11/15/2017</a:t>
             </a:fld>
             <a:endParaRPr lang="en-US" dirty="0"/>
           </a:p>
@@ -2607,7 +2617,7 @@
           <a:lstStyle/>
           <a:p>
             <a:r>
-              <a:rPr lang="en-US" smtClean="0"/>
+              <a:rPr lang="en-US"/>
               <a:t>Click to edit Master title style</a:t>
             </a:r>
             <a:endParaRPr lang="en-US" dirty="0"/>
@@ -2631,35 +2641,35 @@
           <a:p>
             <a:pPr lvl="0"/>
             <a:r>
-              <a:rPr lang="en-US" smtClean="0"/>
+              <a:rPr lang="en-US"/>
               <a:t>Click to edit Master text styles</a:t>
             </a:r>
           </a:p>
           <a:p>
             <a:pPr lvl="1"/>
             <a:r>
-              <a:rPr lang="en-US" smtClean="0"/>
+              <a:rPr lang="en-US"/>
               <a:t>Second level</a:t>
             </a:r>
           </a:p>
           <a:p>
             <a:pPr lvl="2"/>
             <a:r>
-              <a:rPr lang="en-US" smtClean="0"/>
+              <a:rPr lang="en-US"/>
               <a:t>Third level</a:t>
             </a:r>
           </a:p>
           <a:p>
             <a:pPr lvl="3"/>
             <a:r>
-              <a:rPr lang="en-US" smtClean="0"/>
+              <a:rPr lang="en-US"/>
               <a:t>Fourth level</a:t>
             </a:r>
           </a:p>
           <a:p>
             <a:pPr lvl="4"/>
             <a:r>
-              <a:rPr lang="en-US" smtClean="0"/>
+              <a:rPr lang="en-US"/>
               <a:t>Fifth level</a:t>
             </a:r>
             <a:endParaRPr lang="en-US" dirty="0"/>
@@ -2684,7 +2694,7 @@
             <a:fld id="{B61BEF0D-F0BB-DE4B-95CE-6DB70DBA9567}" type="datetimeFigureOut">
               <a:rPr lang="en-US" smtClean="0"/>
               <a:pPr/>
-              <a:t>11/13/2017</a:t>
+              <a:t>11/15/2017</a:t>
             </a:fld>
             <a:endParaRPr lang="en-US" dirty="0"/>
           </a:p>
@@ -2784,7 +2794,7 @@
           <a:lstStyle/>
           <a:p>
             <a:r>
-              <a:rPr lang="en-US" smtClean="0"/>
+              <a:rPr lang="en-US"/>
               <a:t>Click to edit Master title style</a:t>
             </a:r>
             <a:endParaRPr lang="en-US" dirty="0"/>
@@ -2813,35 +2823,35 @@
           <a:p>
             <a:pPr lvl="0"/>
             <a:r>
-              <a:rPr lang="en-US" smtClean="0"/>
+              <a:rPr lang="en-US"/>
               <a:t>Click to edit Master text styles</a:t>
             </a:r>
           </a:p>
           <a:p>
             <a:pPr lvl="1"/>
             <a:r>
-              <a:rPr lang="en-US" smtClean="0"/>
+              <a:rPr lang="en-US"/>
               <a:t>Second level</a:t>
             </a:r>
           </a:p>
           <a:p>
             <a:pPr lvl="2"/>
             <a:r>
-              <a:rPr lang="en-US" smtClean="0"/>
+              <a:rPr lang="en-US"/>
               <a:t>Third level</a:t>
             </a:r>
           </a:p>
           <a:p>
             <a:pPr lvl="3"/>
             <a:r>
-              <a:rPr lang="en-US" smtClean="0"/>
+              <a:rPr lang="en-US"/>
               <a:t>Fourth level</a:t>
             </a:r>
           </a:p>
           <a:p>
             <a:pPr lvl="4"/>
             <a:r>
-              <a:rPr lang="en-US" smtClean="0"/>
+              <a:rPr lang="en-US"/>
               <a:t>Fifth level</a:t>
             </a:r>
             <a:endParaRPr lang="en-US" dirty="0"/>
@@ -2866,7 +2876,7 @@
             <a:fld id="{B61BEF0D-F0BB-DE4B-95CE-6DB70DBA9567}" type="datetimeFigureOut">
               <a:rPr lang="en-US" smtClean="0"/>
               <a:pPr/>
-              <a:t>11/13/2017</a:t>
+              <a:t>11/15/2017</a:t>
             </a:fld>
             <a:endParaRPr lang="en-US" dirty="0"/>
           </a:p>
@@ -2966,7 +2976,7 @@
           <a:lstStyle/>
           <a:p>
             <a:r>
-              <a:rPr lang="en-US" smtClean="0"/>
+              <a:rPr lang="en-US"/>
               <a:t>Click to edit Master title style</a:t>
             </a:r>
             <a:endParaRPr lang="en-US" dirty="0"/>
@@ -2990,35 +3000,35 @@
           <a:p>
             <a:pPr lvl="0"/>
             <a:r>
-              <a:rPr lang="en-US" smtClean="0"/>
+              <a:rPr lang="en-US"/>
               <a:t>Click to edit Master text styles</a:t>
             </a:r>
           </a:p>
           <a:p>
             <a:pPr lvl="1"/>
             <a:r>
-              <a:rPr lang="en-US" smtClean="0"/>
+              <a:rPr lang="en-US"/>
               <a:t>Second level</a:t>
             </a:r>
           </a:p>
           <a:p>
             <a:pPr lvl="2"/>
             <a:r>
-              <a:rPr lang="en-US" smtClean="0"/>
+              <a:rPr lang="en-US"/>
               <a:t>Third level</a:t>
             </a:r>
           </a:p>
           <a:p>
             <a:pPr lvl="3"/>
             <a:r>
-              <a:rPr lang="en-US" smtClean="0"/>
+              <a:rPr lang="en-US"/>
               <a:t>Fourth level</a:t>
             </a:r>
           </a:p>
           <a:p>
             <a:pPr lvl="4"/>
             <a:r>
-              <a:rPr lang="en-US" smtClean="0"/>
+              <a:rPr lang="en-US"/>
               <a:t>Fifth level</a:t>
             </a:r>
             <a:endParaRPr lang="en-US" dirty="0"/>
@@ -3043,7 +3053,7 @@
             <a:fld id="{B61BEF0D-F0BB-DE4B-95CE-6DB70DBA9567}" type="datetimeFigureOut">
               <a:rPr lang="en-US" smtClean="0"/>
               <a:pPr/>
-              <a:t>11/13/2017</a:t>
+              <a:t>11/15/2017</a:t>
             </a:fld>
             <a:endParaRPr lang="en-US" dirty="0"/>
           </a:p>
@@ -3147,7 +3157,7 @@
           </a:lstStyle>
           <a:p>
             <a:r>
-              <a:rPr lang="en-US" smtClean="0"/>
+              <a:rPr lang="en-US"/>
               <a:t>Click to edit Master title style</a:t>
             </a:r>
             <a:endParaRPr lang="en-US" dirty="0"/>
@@ -3267,7 +3277,7 @@
           <a:p>
             <a:pPr lvl="0"/>
             <a:r>
-              <a:rPr lang="en-US" smtClean="0"/>
+              <a:rPr lang="en-US"/>
               <a:t>Click to edit Master text styles</a:t>
             </a:r>
           </a:p>
@@ -3291,7 +3301,7 @@
             <a:fld id="{B61BEF0D-F0BB-DE4B-95CE-6DB70DBA9567}" type="datetimeFigureOut">
               <a:rPr lang="en-US" smtClean="0"/>
               <a:pPr/>
-              <a:t>11/13/2017</a:t>
+              <a:t>11/15/2017</a:t>
             </a:fld>
             <a:endParaRPr lang="en-US" dirty="0"/>
           </a:p>
@@ -3391,7 +3401,7 @@
           <a:lstStyle/>
           <a:p>
             <a:r>
-              <a:rPr lang="en-US" smtClean="0"/>
+              <a:rPr lang="en-US"/>
               <a:t>Click to edit Master title style</a:t>
             </a:r>
             <a:endParaRPr lang="en-US" dirty="0"/>
@@ -3450,35 +3460,35 @@
           <a:p>
             <a:pPr lvl="0"/>
             <a:r>
-              <a:rPr lang="en-US" smtClean="0"/>
+              <a:rPr lang="en-US"/>
               <a:t>Click to edit Master text styles</a:t>
             </a:r>
           </a:p>
           <a:p>
             <a:pPr lvl="1"/>
             <a:r>
-              <a:rPr lang="en-US" smtClean="0"/>
+              <a:rPr lang="en-US"/>
               <a:t>Second level</a:t>
             </a:r>
           </a:p>
           <a:p>
             <a:pPr lvl="2"/>
             <a:r>
-              <a:rPr lang="en-US" smtClean="0"/>
+              <a:rPr lang="en-US"/>
               <a:t>Third level</a:t>
             </a:r>
           </a:p>
           <a:p>
             <a:pPr lvl="3"/>
             <a:r>
-              <a:rPr lang="en-US" smtClean="0"/>
+              <a:rPr lang="en-US"/>
               <a:t>Fourth level</a:t>
             </a:r>
           </a:p>
           <a:p>
             <a:pPr lvl="4"/>
             <a:r>
-              <a:rPr lang="en-US" smtClean="0"/>
+              <a:rPr lang="en-US"/>
               <a:t>Fifth level</a:t>
             </a:r>
             <a:endParaRPr lang="en-US" dirty="0"/>
@@ -3537,35 +3547,35 @@
           <a:p>
             <a:pPr lvl="0"/>
             <a:r>
-              <a:rPr lang="en-US" smtClean="0"/>
+              <a:rPr lang="en-US"/>
               <a:t>Click to edit Master text styles</a:t>
             </a:r>
           </a:p>
           <a:p>
             <a:pPr lvl="1"/>
             <a:r>
-              <a:rPr lang="en-US" smtClean="0"/>
+              <a:rPr lang="en-US"/>
               <a:t>Second level</a:t>
             </a:r>
           </a:p>
           <a:p>
             <a:pPr lvl="2"/>
             <a:r>
-              <a:rPr lang="en-US" smtClean="0"/>
+              <a:rPr lang="en-US"/>
               <a:t>Third level</a:t>
             </a:r>
           </a:p>
           <a:p>
             <a:pPr lvl="3"/>
             <a:r>
-              <a:rPr lang="en-US" smtClean="0"/>
+              <a:rPr lang="en-US"/>
               <a:t>Fourth level</a:t>
             </a:r>
           </a:p>
           <a:p>
             <a:pPr lvl="4"/>
             <a:r>
-              <a:rPr lang="en-US" smtClean="0"/>
+              <a:rPr lang="en-US"/>
               <a:t>Fifth level</a:t>
             </a:r>
             <a:endParaRPr lang="en-US" dirty="0"/>
@@ -3590,7 +3600,7 @@
             <a:fld id="{B61BEF0D-F0BB-DE4B-95CE-6DB70DBA9567}" type="datetimeFigureOut">
               <a:rPr lang="en-US" smtClean="0"/>
               <a:pPr/>
-              <a:t>11/13/2017</a:t>
+              <a:t>11/15/2017</a:t>
             </a:fld>
             <a:endParaRPr lang="en-US" dirty="0"/>
           </a:p>
@@ -3689,7 +3699,7 @@
           </a:lstStyle>
           <a:p>
             <a:r>
-              <a:rPr lang="en-US" smtClean="0"/>
+              <a:rPr lang="en-US"/>
               <a:t>Click to edit Master title style</a:t>
             </a:r>
             <a:endParaRPr lang="en-US" dirty="0"/>
@@ -3757,7 +3767,7 @@
           <a:p>
             <a:pPr lvl="0"/>
             <a:r>
-              <a:rPr lang="en-US" smtClean="0"/>
+              <a:rPr lang="en-US"/>
               <a:t>Click to edit Master text styles</a:t>
             </a:r>
           </a:p>
@@ -3815,35 +3825,35 @@
           <a:p>
             <a:pPr lvl="0"/>
             <a:r>
-              <a:rPr lang="en-US" smtClean="0"/>
+              <a:rPr lang="en-US"/>
               <a:t>Click to edit Master text styles</a:t>
             </a:r>
           </a:p>
           <a:p>
             <a:pPr lvl="1"/>
             <a:r>
-              <a:rPr lang="en-US" smtClean="0"/>
+              <a:rPr lang="en-US"/>
               <a:t>Second level</a:t>
             </a:r>
           </a:p>
           <a:p>
             <a:pPr lvl="2"/>
             <a:r>
-              <a:rPr lang="en-US" smtClean="0"/>
+              <a:rPr lang="en-US"/>
               <a:t>Third level</a:t>
             </a:r>
           </a:p>
           <a:p>
             <a:pPr lvl="3"/>
             <a:r>
-              <a:rPr lang="en-US" smtClean="0"/>
+              <a:rPr lang="en-US"/>
               <a:t>Fourth level</a:t>
             </a:r>
           </a:p>
           <a:p>
             <a:pPr lvl="4"/>
             <a:r>
-              <a:rPr lang="en-US" smtClean="0"/>
+              <a:rPr lang="en-US"/>
               <a:t>Fifth level</a:t>
             </a:r>
             <a:endParaRPr lang="en-US" dirty="0"/>
@@ -3911,7 +3921,7 @@
           <a:p>
             <a:pPr lvl="0"/>
             <a:r>
-              <a:rPr lang="en-US" smtClean="0"/>
+              <a:rPr lang="en-US"/>
               <a:t>Click to edit Master text styles</a:t>
             </a:r>
           </a:p>
@@ -3969,35 +3979,35 @@
           <a:p>
             <a:pPr lvl="0"/>
             <a:r>
-              <a:rPr lang="en-US" smtClean="0"/>
+              <a:rPr lang="en-US"/>
               <a:t>Click to edit Master text styles</a:t>
             </a:r>
           </a:p>
           <a:p>
             <a:pPr lvl="1"/>
             <a:r>
-              <a:rPr lang="en-US" smtClean="0"/>
+              <a:rPr lang="en-US"/>
               <a:t>Second level</a:t>
             </a:r>
           </a:p>
           <a:p>
             <a:pPr lvl="2"/>
             <a:r>
-              <a:rPr lang="en-US" smtClean="0"/>
+              <a:rPr lang="en-US"/>
               <a:t>Third level</a:t>
             </a:r>
           </a:p>
           <a:p>
             <a:pPr lvl="3"/>
             <a:r>
-              <a:rPr lang="en-US" smtClean="0"/>
+              <a:rPr lang="en-US"/>
               <a:t>Fourth level</a:t>
             </a:r>
           </a:p>
           <a:p>
             <a:pPr lvl="4"/>
             <a:r>
-              <a:rPr lang="en-US" smtClean="0"/>
+              <a:rPr lang="en-US"/>
               <a:t>Fifth level</a:t>
             </a:r>
             <a:endParaRPr lang="en-US" dirty="0"/>
@@ -4022,7 +4032,7 @@
             <a:fld id="{B61BEF0D-F0BB-DE4B-95CE-6DB70DBA9567}" type="datetimeFigureOut">
               <a:rPr lang="en-US" smtClean="0"/>
               <a:pPr/>
-              <a:t>11/13/2017</a:t>
+              <a:t>11/15/2017</a:t>
             </a:fld>
             <a:endParaRPr lang="en-US" dirty="0"/>
           </a:p>
@@ -4122,7 +4132,7 @@
           <a:lstStyle/>
           <a:p>
             <a:r>
-              <a:rPr lang="en-US" smtClean="0"/>
+              <a:rPr lang="en-US"/>
               <a:t>Click to edit Master title style</a:t>
             </a:r>
             <a:endParaRPr lang="en-US" dirty="0"/>
@@ -4147,7 +4157,7 @@
             <a:fld id="{B61BEF0D-F0BB-DE4B-95CE-6DB70DBA9567}" type="datetimeFigureOut">
               <a:rPr lang="en-US" smtClean="0"/>
               <a:pPr/>
-              <a:t>11/13/2017</a:t>
+              <a:t>11/15/2017</a:t>
             </a:fld>
             <a:endParaRPr lang="en-US" dirty="0"/>
           </a:p>
@@ -4244,7 +4254,7 @@
             <a:fld id="{B61BEF0D-F0BB-DE4B-95CE-6DB70DBA9567}" type="datetimeFigureOut">
               <a:rPr lang="en-US" smtClean="0"/>
               <a:pPr/>
-              <a:t>11/13/2017</a:t>
+              <a:t>11/15/2017</a:t>
             </a:fld>
             <a:endParaRPr lang="en-US" dirty="0"/>
           </a:p>
@@ -4350,7 +4360,7 @@
           </a:lstStyle>
           <a:p>
             <a:r>
-              <a:rPr lang="en-US" smtClean="0"/>
+              <a:rPr lang="en-US"/>
               <a:t>Click to edit Master title style</a:t>
             </a:r>
             <a:endParaRPr lang="en-US" dirty="0"/>
@@ -4409,35 +4419,35 @@
           <a:p>
             <a:pPr lvl="0"/>
             <a:r>
-              <a:rPr lang="en-US" smtClean="0"/>
+              <a:rPr lang="en-US"/>
               <a:t>Click to edit Master text styles</a:t>
             </a:r>
           </a:p>
           <a:p>
             <a:pPr lvl="1"/>
             <a:r>
-              <a:rPr lang="en-US" smtClean="0"/>
+              <a:rPr lang="en-US"/>
               <a:t>Second level</a:t>
             </a:r>
           </a:p>
           <a:p>
             <a:pPr lvl="2"/>
             <a:r>
-              <a:rPr lang="en-US" smtClean="0"/>
+              <a:rPr lang="en-US"/>
               <a:t>Third level</a:t>
             </a:r>
           </a:p>
           <a:p>
             <a:pPr lvl="3"/>
             <a:r>
-              <a:rPr lang="en-US" smtClean="0"/>
+              <a:rPr lang="en-US"/>
               <a:t>Fourth level</a:t>
             </a:r>
           </a:p>
           <a:p>
             <a:pPr lvl="4"/>
             <a:r>
-              <a:rPr lang="en-US" smtClean="0"/>
+              <a:rPr lang="en-US"/>
               <a:t>Fifth level</a:t>
             </a:r>
             <a:endParaRPr lang="en-US" dirty="0"/>
@@ -4505,7 +4515,7 @@
           <a:p>
             <a:pPr lvl="0"/>
             <a:r>
-              <a:rPr lang="en-US" smtClean="0"/>
+              <a:rPr lang="en-US"/>
               <a:t>Click to edit Master text styles</a:t>
             </a:r>
           </a:p>
@@ -4529,7 +4539,7 @@
             <a:fld id="{B61BEF0D-F0BB-DE4B-95CE-6DB70DBA9567}" type="datetimeFigureOut">
               <a:rPr lang="en-US" smtClean="0"/>
               <a:pPr/>
-              <a:t>11/13/2017</a:t>
+              <a:t>11/15/2017</a:t>
             </a:fld>
             <a:endParaRPr lang="en-US" dirty="0"/>
           </a:p>
@@ -4635,7 +4645,7 @@
           </a:lstStyle>
           <a:p>
             <a:r>
-              <a:rPr lang="en-US" smtClean="0"/>
+              <a:rPr lang="en-US"/>
               <a:t>Click to edit Master title style</a:t>
             </a:r>
             <a:endParaRPr lang="en-US" dirty="0"/>
@@ -4725,7 +4735,7 @@
           </a:lstStyle>
           <a:p>
             <a:r>
-              <a:rPr lang="en-US" smtClean="0"/>
+              <a:rPr lang="en-US"/>
               <a:t>Click icon to add picture</a:t>
             </a:r>
             <a:endParaRPr lang="en-US" dirty="0"/>
@@ -4793,7 +4803,7 @@
           <a:p>
             <a:pPr lvl="0"/>
             <a:r>
-              <a:rPr lang="en-US" smtClean="0"/>
+              <a:rPr lang="en-US"/>
               <a:t>Click to edit Master text styles</a:t>
             </a:r>
           </a:p>
@@ -4822,7 +4832,7 @@
             <a:fld id="{B61BEF0D-F0BB-DE4B-95CE-6DB70DBA9567}" type="datetimeFigureOut">
               <a:rPr lang="en-US" smtClean="0"/>
               <a:pPr/>
-              <a:t>11/13/2017</a:t>
+              <a:t>11/15/2017</a:t>
             </a:fld>
             <a:endParaRPr lang="en-US" dirty="0"/>
           </a:p>
@@ -4942,7 +4952,7 @@
           <a:lstStyle/>
           <a:p>
             <a:r>
-              <a:rPr lang="en-US" smtClean="0"/>
+              <a:rPr lang="en-US"/>
               <a:t>Click to edit Master title style</a:t>
             </a:r>
             <a:endParaRPr lang="en-US" dirty="0"/>
@@ -4976,35 +4986,35 @@
           <a:p>
             <a:pPr lvl="0"/>
             <a:r>
-              <a:rPr lang="en-US" smtClean="0"/>
+              <a:rPr lang="en-US"/>
               <a:t>Click to edit Master text styles</a:t>
             </a:r>
           </a:p>
           <a:p>
             <a:pPr lvl="1"/>
             <a:r>
-              <a:rPr lang="en-US" smtClean="0"/>
+              <a:rPr lang="en-US"/>
               <a:t>Second level</a:t>
             </a:r>
           </a:p>
           <a:p>
             <a:pPr lvl="2"/>
             <a:r>
-              <a:rPr lang="en-US" smtClean="0"/>
+              <a:rPr lang="en-US"/>
               <a:t>Third level</a:t>
             </a:r>
           </a:p>
           <a:p>
             <a:pPr lvl="3"/>
             <a:r>
-              <a:rPr lang="en-US" smtClean="0"/>
+              <a:rPr lang="en-US"/>
               <a:t>Fourth level</a:t>
             </a:r>
           </a:p>
           <a:p>
             <a:pPr lvl="4"/>
             <a:r>
-              <a:rPr lang="en-US" smtClean="0"/>
+              <a:rPr lang="en-US"/>
               <a:t>Fifth level</a:t>
             </a:r>
             <a:endParaRPr lang="en-US" dirty="0"/>
@@ -5055,7 +5065,7 @@
             <a:fld id="{B61BEF0D-F0BB-DE4B-95CE-6DB70DBA9567}" type="datetimeFigureOut">
               <a:rPr lang="en-US" smtClean="0"/>
               <a:pPr/>
-              <a:t>11/13/2017</a:t>
+              <a:t>11/15/2017</a:t>
             </a:fld>
             <a:endParaRPr lang="en-US" dirty="0"/>
           </a:p>
@@ -5736,10 +5746,9 @@
           <a:lstStyle/>
           <a:p>
             <a:r>
-              <a:rPr lang="en-US" dirty="0" smtClean="0"/>
+              <a:rPr lang="en-US" dirty="0"/>
               <a:t>Software Development</a:t>
             </a:r>
-            <a:endParaRPr lang="en-US" dirty="0"/>
           </a:p>
         </p:txBody>
       </p:sp>
@@ -5761,10 +5770,9 @@
           <a:lstStyle/>
           <a:p>
             <a:r>
-              <a:rPr lang="en-US" sz="2400" dirty="0" smtClean="0"/>
-              <a:t>What It Really Looks Like</a:t>
-            </a:r>
-            <a:endParaRPr lang="en-US" sz="2400" dirty="0"/>
+              <a:rPr lang="en-US" sz="2400" dirty="0"/>
+              <a:t>Street Credibility for Cyber Defenders</a:t>
+            </a:r>
           </a:p>
         </p:txBody>
       </p:sp>
@@ -5778,13 +5786,6 @@
   <p:clrMapOvr>
     <a:masterClrMapping/>
   </p:clrMapOvr>
-  <p:timing>
-    <p:tnLst>
-      <p:par>
-        <p:cTn id="1" dur="indefinite" restart="never" nodeType="tmRoot"/>
-      </p:par>
-    </p:tnLst>
-  </p:timing>
 </p:sld>
 </file>
 
@@ -5826,10 +5827,9 @@
           <a:lstStyle/>
           <a:p>
             <a:r>
-              <a:rPr lang="en-US" dirty="0" smtClean="0"/>
+              <a:rPr lang="en-US" dirty="0"/>
               <a:t>Background</a:t>
             </a:r>
-            <a:endParaRPr lang="en-US" dirty="0"/>
           </a:p>
         </p:txBody>
       </p:sp>
@@ -5856,43 +5856,42 @@
           <a:lstStyle/>
           <a:p>
             <a:r>
-              <a:rPr lang="en-US" sz="2400" dirty="0" smtClean="0">
+              <a:rPr lang="en-US" sz="2400" dirty="0">
                 <a:hlinkClick r:id="rId2"/>
               </a:rPr>
               <a:t>josh.martin@gmail.com</a:t>
             </a:r>
-            <a:endParaRPr lang="en-US" sz="2400" dirty="0" smtClean="0"/>
-          </a:p>
-          <a:p>
-            <a:r>
-              <a:rPr lang="en-US" sz="2400" dirty="0" smtClean="0"/>
+            <a:endParaRPr lang="en-US" sz="2400" dirty="0"/>
+          </a:p>
+          <a:p>
+            <a:r>
+              <a:rPr lang="en-US" sz="2400" dirty="0"/>
               <a:t>~20 years of experience in software… By way of finance</a:t>
             </a:r>
           </a:p>
           <a:p>
             <a:r>
-              <a:rPr lang="en-US" sz="2400" dirty="0" smtClean="0"/>
+              <a:rPr lang="en-US" sz="2400" dirty="0"/>
               <a:t>Big, Small, and In Between – GE, My own “social network”</a:t>
             </a:r>
           </a:p>
           <a:p>
             <a:r>
-              <a:rPr lang="en-US" sz="2400" dirty="0" smtClean="0"/>
+              <a:rPr lang="en-US" sz="2400" dirty="0"/>
               <a:t>Most Professional Work – Java/Oracle/Web</a:t>
             </a:r>
           </a:p>
           <a:p>
             <a:r>
-              <a:rPr lang="en-US" sz="2400" dirty="0" smtClean="0"/>
+              <a:rPr lang="en-US" sz="2400" dirty="0"/>
               <a:t>Favorite: Python/Data</a:t>
             </a:r>
           </a:p>
           <a:p>
             <a:r>
-              <a:rPr lang="en-US" sz="2400" dirty="0" smtClean="0"/>
+              <a:rPr lang="en-US" sz="2400" dirty="0"/>
               <a:t>Now: Not my day job, but a fun hobby</a:t>
             </a:r>
-            <a:endParaRPr lang="en-US" sz="2400" dirty="0"/>
           </a:p>
         </p:txBody>
       </p:sp>
@@ -5906,13 +5905,6 @@
   <p:clrMapOvr>
     <a:masterClrMapping/>
   </p:clrMapOvr>
-  <p:timing>
-    <p:tnLst>
-      <p:par>
-        <p:cTn id="1" dur="indefinite" restart="never" nodeType="tmRoot"/>
-      </p:par>
-    </p:tnLst>
-  </p:timing>
 </p:sld>
 </file>
 
@@ -5954,10 +5946,9 @@
           <a:lstStyle/>
           <a:p>
             <a:r>
-              <a:rPr lang="en-US" dirty="0" smtClean="0"/>
+              <a:rPr lang="en-US" dirty="0"/>
               <a:t>What I would Like to Do Tonight</a:t>
             </a:r>
-            <a:endParaRPr lang="en-US" dirty="0"/>
           </a:p>
         </p:txBody>
       </p:sp>
@@ -5984,33 +5975,33 @@
           <a:lstStyle/>
           <a:p>
             <a:r>
-              <a:rPr lang="en-US" sz="2400" dirty="0" smtClean="0"/>
+              <a:rPr lang="en-US" sz="2400" dirty="0"/>
               <a:t>Provide a “lay of the land” in software technologies</a:t>
             </a:r>
           </a:p>
           <a:p>
             <a:r>
-              <a:rPr lang="en-US" sz="2400" dirty="0" smtClean="0"/>
+              <a:rPr lang="en-US" sz="2400" dirty="0"/>
               <a:t>Add real world context to the CISSP section on software</a:t>
             </a:r>
           </a:p>
           <a:p>
             <a:r>
-              <a:rPr lang="en-US" sz="2400" dirty="0" smtClean="0"/>
+              <a:rPr lang="en-US" sz="2400" dirty="0"/>
               <a:t>Show some code</a:t>
             </a:r>
           </a:p>
           <a:p>
             <a:r>
-              <a:rPr lang="en-US" sz="2400" dirty="0" smtClean="0"/>
+              <a:rPr lang="en-US" sz="2400" dirty="0"/>
               <a:t>Give some tips on interacting with development teams</a:t>
             </a:r>
           </a:p>
           <a:p>
-            <a:endParaRPr lang="en-US" sz="2400" dirty="0" smtClean="0"/>
-          </a:p>
-          <a:p>
-            <a:endParaRPr lang="en-US" sz="2400" dirty="0" smtClean="0"/>
+            <a:endParaRPr lang="en-US" sz="2400" dirty="0"/>
+          </a:p>
+          <a:p>
+            <a:endParaRPr lang="en-US" sz="2400" dirty="0"/>
           </a:p>
         </p:txBody>
       </p:sp>
@@ -6024,13 +6015,6 @@
   <p:clrMapOvr>
     <a:masterClrMapping/>
   </p:clrMapOvr>
-  <p:timing>
-    <p:tnLst>
-      <p:par>
-        <p:cTn id="1" dur="indefinite" restart="never" nodeType="tmRoot"/>
-      </p:par>
-    </p:tnLst>
-  </p:timing>
 </p:sld>
 </file>
 
@@ -6072,10 +6056,9 @@
           <a:lstStyle/>
           <a:p>
             <a:r>
-              <a:rPr lang="en-US" dirty="0" smtClean="0"/>
+              <a:rPr lang="en-US" dirty="0"/>
               <a:t>My Results: CISSP – Chapter 8 Practice Test</a:t>
             </a:r>
-            <a:endParaRPr lang="en-US" dirty="0"/>
           </a:p>
         </p:txBody>
       </p:sp>
@@ -6105,7 +6088,7 @@
               <a:buNone/>
             </a:pPr>
             <a:r>
-              <a:rPr lang="en-US" sz="8000" dirty="0" smtClean="0"/>
+              <a:rPr lang="en-US" sz="8000" dirty="0"/>
               <a:t>70%</a:t>
             </a:r>
           </a:p>
@@ -6114,7 +6097,7 @@
               <a:buNone/>
             </a:pPr>
             <a:r>
-              <a:rPr lang="en-US" sz="3600" dirty="0" smtClean="0">
+              <a:rPr lang="en-US" sz="3600" dirty="0">
                 <a:solidFill>
                   <a:schemeClr val="bg1">
                     <a:lumMod val="95000"/>
@@ -6127,7 +6110,7 @@
           </a:p>
           <a:p>
             <a:pPr algn="ctr"/>
-            <a:endParaRPr lang="en-US" sz="8000" dirty="0" smtClean="0"/>
+            <a:endParaRPr lang="en-US" sz="8000" dirty="0"/>
           </a:p>
         </p:txBody>
       </p:sp>
@@ -6141,13 +6124,6 @@
   <p:clrMapOvr>
     <a:masterClrMapping/>
   </p:clrMapOvr>
-  <p:timing>
-    <p:tnLst>
-      <p:par>
-        <p:cTn id="1" dur="indefinite" restart="never" nodeType="tmRoot"/>
-      </p:par>
-    </p:tnLst>
-  </p:timing>
 </p:sld>
 </file>
 
@@ -6189,10 +6165,9 @@
           <a:lstStyle/>
           <a:p>
             <a:r>
-              <a:rPr lang="en-US" dirty="0" smtClean="0"/>
+              <a:rPr lang="en-US" dirty="0"/>
               <a:t>A Few Other Things</a:t>
             </a:r>
-            <a:endParaRPr lang="en-US" dirty="0"/>
           </a:p>
         </p:txBody>
       </p:sp>
@@ -6219,46 +6194,46 @@
           <a:lstStyle/>
           <a:p>
             <a:r>
-              <a:rPr lang="en-US" sz="2400" dirty="0" smtClean="0"/>
+              <a:rPr lang="en-US" sz="2400" dirty="0"/>
               <a:t>Notes are optional – not sure how much this will help on the test</a:t>
             </a:r>
           </a:p>
           <a:p>
             <a:pPr lvl="1"/>
             <a:r>
-              <a:rPr lang="en-US" sz="2200" dirty="0" smtClean="0"/>
+              <a:rPr lang="en-US" sz="2200" dirty="0"/>
               <a:t>I hope it helps when you are out there working</a:t>
             </a:r>
           </a:p>
           <a:p>
             <a:r>
-              <a:rPr lang="en-US" sz="2400" dirty="0" smtClean="0"/>
+              <a:rPr lang="en-US" sz="2400" dirty="0"/>
               <a:t>Questions at any time</a:t>
             </a:r>
           </a:p>
           <a:p>
             <a:r>
-              <a:rPr lang="en-US" sz="2400" dirty="0" smtClean="0"/>
+              <a:rPr lang="en-US" sz="2400" dirty="0"/>
               <a:t>Feel free to email me</a:t>
             </a:r>
           </a:p>
           <a:p>
             <a:pPr lvl="1"/>
             <a:r>
-              <a:rPr lang="en-US" sz="2200" dirty="0" smtClean="0"/>
+              <a:rPr lang="en-US" sz="2200" dirty="0"/>
               <a:t>especially if you think software development is better than cybersecurity</a:t>
             </a:r>
           </a:p>
           <a:p>
             <a:r>
-              <a:rPr lang="en-US" sz="2400" dirty="0" smtClean="0"/>
+              <a:rPr lang="en-US" sz="2400" dirty="0"/>
               <a:t>The Test – looks to need some real study</a:t>
             </a:r>
           </a:p>
           <a:p>
             <a:pPr lvl="1"/>
             <a:r>
-              <a:rPr lang="en-US" sz="2200" dirty="0" smtClean="0"/>
+              <a:rPr lang="en-US" sz="2200" dirty="0"/>
               <a:t>Good breadth mixed with nitpicking</a:t>
             </a:r>
           </a:p>
@@ -6274,13 +6249,105 @@
   <p:clrMapOvr>
     <a:masterClrMapping/>
   </p:clrMapOvr>
-  <p:timing>
-    <p:tnLst>
-      <p:par>
-        <p:cTn id="1" dur="indefinite" restart="never" nodeType="tmRoot"/>
-      </p:par>
-    </p:tnLst>
-  </p:timing>
+</p:sld>
+</file>
+
+<file path=ppt/slides/slide6.xml><?xml version="1.0" encoding="utf-8"?>
+<p:sld xmlns:a="http://schemas.openxmlformats.org/drawingml/2006/main" xmlns:r="http://schemas.openxmlformats.org/officeDocument/2006/relationships" xmlns:p="http://schemas.openxmlformats.org/presentationml/2006/main">
+  <p:cSld>
+    <p:spTree>
+      <p:nvGrpSpPr>
+        <p:cNvPr id="1" name=""/>
+        <p:cNvGrpSpPr/>
+        <p:nvPr/>
+      </p:nvGrpSpPr>
+      <p:grpSpPr>
+        <a:xfrm>
+          <a:off x="0" y="0"/>
+          <a:ext cx="0" cy="0"/>
+          <a:chOff x="0" y="0"/>
+          <a:chExt cx="0" cy="0"/>
+        </a:xfrm>
+      </p:grpSpPr>
+      <p:sp>
+        <p:nvSpPr>
+          <p:cNvPr id="2" name="Title 1"/>
+          <p:cNvSpPr>
+            <a:spLocks noGrp="1"/>
+          </p:cNvSpPr>
+          <p:nvPr>
+            <p:ph type="title"/>
+          </p:nvPr>
+        </p:nvSpPr>
+        <p:spPr>
+          <a:xfrm>
+            <a:off x="1141413" y="609600"/>
+            <a:ext cx="9905998" cy="963827"/>
+          </a:xfrm>
+        </p:spPr>
+        <p:txBody>
+          <a:bodyPr/>
+          <a:lstStyle/>
+          <a:p>
+            <a:r>
+              <a:rPr lang="en-US" dirty="0"/>
+              <a:t>Street Credibility – Why?</a:t>
+            </a:r>
+          </a:p>
+        </p:txBody>
+      </p:sp>
+      <p:sp>
+        <p:nvSpPr>
+          <p:cNvPr id="3" name="Content Placeholder 2"/>
+          <p:cNvSpPr>
+            <a:spLocks noGrp="1"/>
+          </p:cNvSpPr>
+          <p:nvPr>
+            <p:ph idx="1"/>
+          </p:nvPr>
+        </p:nvSpPr>
+        <p:spPr>
+          <a:xfrm>
+            <a:off x="1141413" y="1754659"/>
+            <a:ext cx="9905998" cy="4036541"/>
+          </a:xfrm>
+        </p:spPr>
+        <p:txBody>
+          <a:bodyPr>
+            <a:normAutofit/>
+          </a:bodyPr>
+          <a:lstStyle/>
+          <a:p>
+            <a:r>
+              <a:rPr lang="en-US" sz="2400" dirty="0"/>
+              <a:t>Slide with pictures</a:t>
+            </a:r>
+          </a:p>
+          <a:p>
+            <a:r>
+              <a:rPr lang="en-US" sz="2400" dirty="0"/>
+              <a:t>How Development May See You</a:t>
+            </a:r>
+          </a:p>
+          <a:p>
+            <a:r>
+              <a:rPr lang="en-US" sz="2400" dirty="0"/>
+              <a:t>What you can do about it – Street Cred (Programming, etc.)</a:t>
+            </a:r>
+            <a:endParaRPr lang="en-US" sz="2200" dirty="0"/>
+          </a:p>
+        </p:txBody>
+      </p:sp>
+    </p:spTree>
+    <p:extLst>
+      <p:ext uri="{BB962C8B-B14F-4D97-AF65-F5344CB8AC3E}">
+        <p14:creationId xmlns:p14="http://schemas.microsoft.com/office/powerpoint/2010/main" val="1017323421"/>
+      </p:ext>
+    </p:extLst>
+  </p:cSld>
+  <p:clrMapOvr>
+    <a:masterClrMapping/>
+  </p:clrMapOvr>
 </p:sld>
 </file>
 

--- a/docs/Software Development - CISSP.pptx
+++ b/docs/Software Development - CISSP.pptx
@@ -6,11 +6,31 @@
   </p:sldMasterIdLst>
   <p:sldIdLst>
     <p:sldId id="256" r:id="rId2"/>
-    <p:sldId id="257" r:id="rId3"/>
-    <p:sldId id="258" r:id="rId4"/>
+    <p:sldId id="258" r:id="rId3"/>
+    <p:sldId id="257" r:id="rId4"/>
     <p:sldId id="259" r:id="rId5"/>
     <p:sldId id="260" r:id="rId6"/>
     <p:sldId id="261" r:id="rId7"/>
+    <p:sldId id="262" r:id="rId8"/>
+    <p:sldId id="263" r:id="rId9"/>
+    <p:sldId id="264" r:id="rId10"/>
+    <p:sldId id="265" r:id="rId11"/>
+    <p:sldId id="266" r:id="rId12"/>
+    <p:sldId id="267" r:id="rId13"/>
+    <p:sldId id="268" r:id="rId14"/>
+    <p:sldId id="269" r:id="rId15"/>
+    <p:sldId id="270" r:id="rId16"/>
+    <p:sldId id="271" r:id="rId17"/>
+    <p:sldId id="272" r:id="rId18"/>
+    <p:sldId id="273" r:id="rId19"/>
+    <p:sldId id="274" r:id="rId20"/>
+    <p:sldId id="275" r:id="rId21"/>
+    <p:sldId id="276" r:id="rId22"/>
+    <p:sldId id="277" r:id="rId23"/>
+    <p:sldId id="278" r:id="rId24"/>
+    <p:sldId id="279" r:id="rId25"/>
+    <p:sldId id="280" r:id="rId26"/>
+    <p:sldId id="281" r:id="rId27"/>
   </p:sldIdLst>
   <p:sldSz cx="12192000" cy="6858000"/>
   <p:notesSz cx="6858000" cy="9144000"/>
@@ -324,7 +344,7 @@
             <a:fld id="{B61BEF0D-F0BB-DE4B-95CE-6DB70DBA9567}" type="datetimeFigureOut">
               <a:rPr lang="en-US" smtClean="0"/>
               <a:pPr/>
-              <a:t>11/15/2017</a:t>
+              <a:t>11/16/2017</a:t>
             </a:fld>
             <a:endParaRPr lang="en-US" dirty="0"/>
           </a:p>
@@ -622,7 +642,7 @@
             <a:fld id="{B61BEF0D-F0BB-DE4B-95CE-6DB70DBA9567}" type="datetimeFigureOut">
               <a:rPr lang="en-US" smtClean="0"/>
               <a:pPr/>
-              <a:t>11/15/2017</a:t>
+              <a:t>11/16/2017</a:t>
             </a:fld>
             <a:endParaRPr lang="en-US" dirty="0"/>
           </a:p>
@@ -872,7 +892,7 @@
             <a:fld id="{B61BEF0D-F0BB-DE4B-95CE-6DB70DBA9567}" type="datetimeFigureOut">
               <a:rPr lang="en-US" smtClean="0"/>
               <a:pPr/>
-              <a:t>11/15/2017</a:t>
+              <a:t>11/16/2017</a:t>
             </a:fld>
             <a:endParaRPr lang="en-US" dirty="0"/>
           </a:p>
@@ -1410,7 +1430,7 @@
             <a:fld id="{B61BEF0D-F0BB-DE4B-95CE-6DB70DBA9567}" type="datetimeFigureOut">
               <a:rPr lang="en-US" smtClean="0"/>
               <a:pPr/>
-              <a:t>11/15/2017</a:t>
+              <a:t>11/16/2017</a:t>
             </a:fld>
             <a:endParaRPr lang="en-US" dirty="0"/>
           </a:p>
@@ -1660,7 +1680,7 @@
             <a:fld id="{B61BEF0D-F0BB-DE4B-95CE-6DB70DBA9567}" type="datetimeFigureOut">
               <a:rPr lang="en-US" smtClean="0"/>
               <a:pPr/>
-              <a:t>11/15/2017</a:t>
+              <a:t>11/16/2017</a:t>
             </a:fld>
             <a:endParaRPr lang="en-US" dirty="0"/>
           </a:p>
@@ -2205,7 +2225,7 @@
             <a:fld id="{B61BEF0D-F0BB-DE4B-95CE-6DB70DBA9567}" type="datetimeFigureOut">
               <a:rPr lang="en-US" smtClean="0"/>
               <a:pPr/>
-              <a:t>11/15/2017</a:t>
+              <a:t>11/16/2017</a:t>
             </a:fld>
             <a:endParaRPr lang="en-US" dirty="0"/>
           </a:p>
@@ -2517,7 +2537,7 @@
             <a:fld id="{B61BEF0D-F0BB-DE4B-95CE-6DB70DBA9567}" type="datetimeFigureOut">
               <a:rPr lang="en-US" smtClean="0"/>
               <a:pPr/>
-              <a:t>11/15/2017</a:t>
+              <a:t>11/16/2017</a:t>
             </a:fld>
             <a:endParaRPr lang="en-US" dirty="0"/>
           </a:p>
@@ -2694,7 +2714,7 @@
             <a:fld id="{B61BEF0D-F0BB-DE4B-95CE-6DB70DBA9567}" type="datetimeFigureOut">
               <a:rPr lang="en-US" smtClean="0"/>
               <a:pPr/>
-              <a:t>11/15/2017</a:t>
+              <a:t>11/16/2017</a:t>
             </a:fld>
             <a:endParaRPr lang="en-US" dirty="0"/>
           </a:p>
@@ -2876,7 +2896,7 @@
             <a:fld id="{B61BEF0D-F0BB-DE4B-95CE-6DB70DBA9567}" type="datetimeFigureOut">
               <a:rPr lang="en-US" smtClean="0"/>
               <a:pPr/>
-              <a:t>11/15/2017</a:t>
+              <a:t>11/16/2017</a:t>
             </a:fld>
             <a:endParaRPr lang="en-US" dirty="0"/>
           </a:p>
@@ -3053,7 +3073,7 @@
             <a:fld id="{B61BEF0D-F0BB-DE4B-95CE-6DB70DBA9567}" type="datetimeFigureOut">
               <a:rPr lang="en-US" smtClean="0"/>
               <a:pPr/>
-              <a:t>11/15/2017</a:t>
+              <a:t>11/16/2017</a:t>
             </a:fld>
             <a:endParaRPr lang="en-US" dirty="0"/>
           </a:p>
@@ -3301,7 +3321,7 @@
             <a:fld id="{B61BEF0D-F0BB-DE4B-95CE-6DB70DBA9567}" type="datetimeFigureOut">
               <a:rPr lang="en-US" smtClean="0"/>
               <a:pPr/>
-              <a:t>11/15/2017</a:t>
+              <a:t>11/16/2017</a:t>
             </a:fld>
             <a:endParaRPr lang="en-US" dirty="0"/>
           </a:p>
@@ -3600,7 +3620,7 @@
             <a:fld id="{B61BEF0D-F0BB-DE4B-95CE-6DB70DBA9567}" type="datetimeFigureOut">
               <a:rPr lang="en-US" smtClean="0"/>
               <a:pPr/>
-              <a:t>11/15/2017</a:t>
+              <a:t>11/16/2017</a:t>
             </a:fld>
             <a:endParaRPr lang="en-US" dirty="0"/>
           </a:p>
@@ -4032,7 +4052,7 @@
             <a:fld id="{B61BEF0D-F0BB-DE4B-95CE-6DB70DBA9567}" type="datetimeFigureOut">
               <a:rPr lang="en-US" smtClean="0"/>
               <a:pPr/>
-              <a:t>11/15/2017</a:t>
+              <a:t>11/16/2017</a:t>
             </a:fld>
             <a:endParaRPr lang="en-US" dirty="0"/>
           </a:p>
@@ -4157,7 +4177,7 @@
             <a:fld id="{B61BEF0D-F0BB-DE4B-95CE-6DB70DBA9567}" type="datetimeFigureOut">
               <a:rPr lang="en-US" smtClean="0"/>
               <a:pPr/>
-              <a:t>11/15/2017</a:t>
+              <a:t>11/16/2017</a:t>
             </a:fld>
             <a:endParaRPr lang="en-US" dirty="0"/>
           </a:p>
@@ -4254,7 +4274,7 @@
             <a:fld id="{B61BEF0D-F0BB-DE4B-95CE-6DB70DBA9567}" type="datetimeFigureOut">
               <a:rPr lang="en-US" smtClean="0"/>
               <a:pPr/>
-              <a:t>11/15/2017</a:t>
+              <a:t>11/16/2017</a:t>
             </a:fld>
             <a:endParaRPr lang="en-US" dirty="0"/>
           </a:p>
@@ -4539,7 +4559,7 @@
             <a:fld id="{B61BEF0D-F0BB-DE4B-95CE-6DB70DBA9567}" type="datetimeFigureOut">
               <a:rPr lang="en-US" smtClean="0"/>
               <a:pPr/>
-              <a:t>11/15/2017</a:t>
+              <a:t>11/16/2017</a:t>
             </a:fld>
             <a:endParaRPr lang="en-US" dirty="0"/>
           </a:p>
@@ -4832,7 +4852,7 @@
             <a:fld id="{B61BEF0D-F0BB-DE4B-95CE-6DB70DBA9567}" type="datetimeFigureOut">
               <a:rPr lang="en-US" smtClean="0"/>
               <a:pPr/>
-              <a:t>11/15/2017</a:t>
+              <a:t>11/16/2017</a:t>
             </a:fld>
             <a:endParaRPr lang="en-US" dirty="0"/>
           </a:p>
@@ -5065,7 +5085,7 @@
             <a:fld id="{B61BEF0D-F0BB-DE4B-95CE-6DB70DBA9567}" type="datetimeFigureOut">
               <a:rPr lang="en-US" smtClean="0"/>
               <a:pPr/>
-              <a:t>11/15/2017</a:t>
+              <a:t>11/16/2017</a:t>
             </a:fld>
             <a:endParaRPr lang="en-US" dirty="0"/>
           </a:p>
@@ -5771,8 +5791,13 @@
           <a:p>
             <a:r>
               <a:rPr lang="en-US" sz="2400" dirty="0"/>
-              <a:t>Street Credibility for Cyber Defenders</a:t>
-            </a:r>
+              <a:t>Street Credibility for </a:t>
+            </a:r>
+            <a:r>
+              <a:rPr lang="en-US" sz="2400" dirty="0" smtClean="0"/>
+              <a:t>Cybersecurity Practitioners</a:t>
+            </a:r>
+            <a:endParaRPr lang="en-US" sz="2400" dirty="0"/>
           </a:p>
         </p:txBody>
       </p:sp>
@@ -5786,6 +5811,935 @@
   <p:clrMapOvr>
     <a:masterClrMapping/>
   </p:clrMapOvr>
+  <p:timing>
+    <p:tnLst>
+      <p:par>
+        <p:cTn id="1" dur="indefinite" restart="never" nodeType="tmRoot"/>
+      </p:par>
+    </p:tnLst>
+  </p:timing>
+</p:sld>
+</file>
+
+<file path=ppt/slides/slide10.xml><?xml version="1.0" encoding="utf-8"?>
+<p:sld xmlns:a="http://schemas.openxmlformats.org/drawingml/2006/main" xmlns:r="http://schemas.openxmlformats.org/officeDocument/2006/relationships" xmlns:p="http://schemas.openxmlformats.org/presentationml/2006/main">
+  <p:cSld>
+    <p:spTree>
+      <p:nvGrpSpPr>
+        <p:cNvPr id="1" name=""/>
+        <p:cNvGrpSpPr/>
+        <p:nvPr/>
+      </p:nvGrpSpPr>
+      <p:grpSpPr>
+        <a:xfrm>
+          <a:off x="0" y="0"/>
+          <a:ext cx="0" cy="0"/>
+          <a:chOff x="0" y="0"/>
+          <a:chExt cx="0" cy="0"/>
+        </a:xfrm>
+      </p:grpSpPr>
+      <p:sp>
+        <p:nvSpPr>
+          <p:cNvPr id="2" name="Title 1"/>
+          <p:cNvSpPr>
+            <a:spLocks noGrp="1"/>
+          </p:cNvSpPr>
+          <p:nvPr>
+            <p:ph type="title"/>
+          </p:nvPr>
+        </p:nvSpPr>
+        <p:spPr>
+          <a:xfrm>
+            <a:off x="1141413" y="609600"/>
+            <a:ext cx="9905998" cy="963827"/>
+          </a:xfrm>
+        </p:spPr>
+        <p:txBody>
+          <a:bodyPr/>
+          <a:lstStyle/>
+          <a:p>
+            <a:r>
+              <a:rPr lang="en-US" dirty="0" smtClean="0"/>
+              <a:t>Web</a:t>
+            </a:r>
+            <a:r>
+              <a:rPr lang="en-US" baseline="0" dirty="0" smtClean="0"/>
+              <a:t> Technologies</a:t>
+            </a:r>
+            <a:endParaRPr lang="en-US" dirty="0"/>
+          </a:p>
+        </p:txBody>
+      </p:sp>
+      <p:sp>
+        <p:nvSpPr>
+          <p:cNvPr id="3" name="Content Placeholder 2"/>
+          <p:cNvSpPr>
+            <a:spLocks noGrp="1"/>
+          </p:cNvSpPr>
+          <p:nvPr>
+            <p:ph idx="1"/>
+          </p:nvPr>
+        </p:nvSpPr>
+        <p:spPr>
+          <a:xfrm>
+            <a:off x="1141413" y="1754659"/>
+            <a:ext cx="9905998" cy="4036541"/>
+          </a:xfrm>
+        </p:spPr>
+        <p:txBody>
+          <a:bodyPr>
+            <a:normAutofit/>
+          </a:bodyPr>
+          <a:lstStyle/>
+          <a:p>
+            <a:endParaRPr lang="en-US" sz="2400" dirty="0"/>
+          </a:p>
+        </p:txBody>
+      </p:sp>
+    </p:spTree>
+    <p:extLst>
+      <p:ext uri="{BB962C8B-B14F-4D97-AF65-F5344CB8AC3E}">
+        <p14:creationId xmlns:p14="http://schemas.microsoft.com/office/powerpoint/2010/main" val="3153944267"/>
+      </p:ext>
+    </p:extLst>
+  </p:cSld>
+  <p:clrMapOvr>
+    <a:masterClrMapping/>
+  </p:clrMapOvr>
+  <p:timing>
+    <p:tnLst>
+      <p:par>
+        <p:cTn id="1" dur="indefinite" restart="never" nodeType="tmRoot"/>
+      </p:par>
+    </p:tnLst>
+  </p:timing>
+</p:sld>
+</file>
+
+<file path=ppt/slides/slide11.xml><?xml version="1.0" encoding="utf-8"?>
+<p:sld xmlns:a="http://schemas.openxmlformats.org/drawingml/2006/main" xmlns:r="http://schemas.openxmlformats.org/officeDocument/2006/relationships" xmlns:p="http://schemas.openxmlformats.org/presentationml/2006/main">
+  <p:cSld>
+    <p:spTree>
+      <p:nvGrpSpPr>
+        <p:cNvPr id="1" name=""/>
+        <p:cNvGrpSpPr/>
+        <p:nvPr/>
+      </p:nvGrpSpPr>
+      <p:grpSpPr>
+        <a:xfrm>
+          <a:off x="0" y="0"/>
+          <a:ext cx="0" cy="0"/>
+          <a:chOff x="0" y="0"/>
+          <a:chExt cx="0" cy="0"/>
+        </a:xfrm>
+      </p:grpSpPr>
+      <p:sp>
+        <p:nvSpPr>
+          <p:cNvPr id="2" name="Title 1"/>
+          <p:cNvSpPr>
+            <a:spLocks noGrp="1"/>
+          </p:cNvSpPr>
+          <p:nvPr>
+            <p:ph type="title"/>
+          </p:nvPr>
+        </p:nvSpPr>
+        <p:spPr>
+          <a:xfrm>
+            <a:off x="1141413" y="609600"/>
+            <a:ext cx="9905998" cy="963827"/>
+          </a:xfrm>
+        </p:spPr>
+        <p:txBody>
+          <a:bodyPr/>
+          <a:lstStyle/>
+          <a:p>
+            <a:r>
+              <a:rPr lang="en-US" dirty="0" smtClean="0"/>
+              <a:t>Middleware</a:t>
+            </a:r>
+            <a:endParaRPr lang="en-US" dirty="0"/>
+          </a:p>
+        </p:txBody>
+      </p:sp>
+      <p:sp>
+        <p:nvSpPr>
+          <p:cNvPr id="3" name="Content Placeholder 2"/>
+          <p:cNvSpPr>
+            <a:spLocks noGrp="1"/>
+          </p:cNvSpPr>
+          <p:nvPr>
+            <p:ph idx="1"/>
+          </p:nvPr>
+        </p:nvSpPr>
+        <p:spPr>
+          <a:xfrm>
+            <a:off x="1141413" y="1754659"/>
+            <a:ext cx="9905998" cy="4036541"/>
+          </a:xfrm>
+        </p:spPr>
+        <p:txBody>
+          <a:bodyPr>
+            <a:normAutofit/>
+          </a:bodyPr>
+          <a:lstStyle/>
+          <a:p>
+            <a:endParaRPr lang="en-US" sz="2400" dirty="0"/>
+          </a:p>
+        </p:txBody>
+      </p:sp>
+    </p:spTree>
+    <p:extLst>
+      <p:ext uri="{BB962C8B-B14F-4D97-AF65-F5344CB8AC3E}">
+        <p14:creationId xmlns:p14="http://schemas.microsoft.com/office/powerpoint/2010/main" val="1024953526"/>
+      </p:ext>
+    </p:extLst>
+  </p:cSld>
+  <p:clrMapOvr>
+    <a:masterClrMapping/>
+  </p:clrMapOvr>
+  <p:timing>
+    <p:tnLst>
+      <p:par>
+        <p:cTn id="1" dur="indefinite" restart="never" nodeType="tmRoot"/>
+      </p:par>
+    </p:tnLst>
+  </p:timing>
+</p:sld>
+</file>
+
+<file path=ppt/slides/slide12.xml><?xml version="1.0" encoding="utf-8"?>
+<p:sld xmlns:a="http://schemas.openxmlformats.org/drawingml/2006/main" xmlns:r="http://schemas.openxmlformats.org/officeDocument/2006/relationships" xmlns:p="http://schemas.openxmlformats.org/presentationml/2006/main">
+  <p:cSld>
+    <p:spTree>
+      <p:nvGrpSpPr>
+        <p:cNvPr id="1" name=""/>
+        <p:cNvGrpSpPr/>
+        <p:nvPr/>
+      </p:nvGrpSpPr>
+      <p:grpSpPr>
+        <a:xfrm>
+          <a:off x="0" y="0"/>
+          <a:ext cx="0" cy="0"/>
+          <a:chOff x="0" y="0"/>
+          <a:chExt cx="0" cy="0"/>
+        </a:xfrm>
+      </p:grpSpPr>
+      <p:sp>
+        <p:nvSpPr>
+          <p:cNvPr id="2" name="Title 1"/>
+          <p:cNvSpPr>
+            <a:spLocks noGrp="1"/>
+          </p:cNvSpPr>
+          <p:nvPr>
+            <p:ph type="title"/>
+          </p:nvPr>
+        </p:nvSpPr>
+        <p:spPr>
+          <a:xfrm>
+            <a:off x="1141413" y="609600"/>
+            <a:ext cx="9905998" cy="963827"/>
+          </a:xfrm>
+        </p:spPr>
+        <p:txBody>
+          <a:bodyPr/>
+          <a:lstStyle/>
+          <a:p>
+            <a:r>
+              <a:rPr lang="en-US" dirty="0" smtClean="0"/>
+              <a:t>The</a:t>
+            </a:r>
+            <a:r>
+              <a:rPr lang="en-US" baseline="0" dirty="0" smtClean="0"/>
+              <a:t> “Backend”</a:t>
+            </a:r>
+            <a:endParaRPr lang="en-US" dirty="0"/>
+          </a:p>
+        </p:txBody>
+      </p:sp>
+      <p:sp>
+        <p:nvSpPr>
+          <p:cNvPr id="3" name="Content Placeholder 2"/>
+          <p:cNvSpPr>
+            <a:spLocks noGrp="1"/>
+          </p:cNvSpPr>
+          <p:nvPr>
+            <p:ph idx="1"/>
+          </p:nvPr>
+        </p:nvSpPr>
+        <p:spPr>
+          <a:xfrm>
+            <a:off x="1141413" y="1754659"/>
+            <a:ext cx="9905998" cy="4036541"/>
+          </a:xfrm>
+        </p:spPr>
+        <p:txBody>
+          <a:bodyPr>
+            <a:normAutofit/>
+          </a:bodyPr>
+          <a:lstStyle/>
+          <a:p>
+            <a:endParaRPr lang="en-US" sz="2400" dirty="0"/>
+          </a:p>
+        </p:txBody>
+      </p:sp>
+    </p:spTree>
+    <p:extLst>
+      <p:ext uri="{BB962C8B-B14F-4D97-AF65-F5344CB8AC3E}">
+        <p14:creationId xmlns:p14="http://schemas.microsoft.com/office/powerpoint/2010/main" val="683496896"/>
+      </p:ext>
+    </p:extLst>
+  </p:cSld>
+  <p:clrMapOvr>
+    <a:masterClrMapping/>
+  </p:clrMapOvr>
+  <p:timing>
+    <p:tnLst>
+      <p:par>
+        <p:cTn id="1" dur="indefinite" restart="never" nodeType="tmRoot"/>
+      </p:par>
+    </p:tnLst>
+  </p:timing>
+</p:sld>
+</file>
+
+<file path=ppt/slides/slide13.xml><?xml version="1.0" encoding="utf-8"?>
+<p:sld xmlns:a="http://schemas.openxmlformats.org/drawingml/2006/main" xmlns:r="http://schemas.openxmlformats.org/officeDocument/2006/relationships" xmlns:p="http://schemas.openxmlformats.org/presentationml/2006/main">
+  <p:cSld>
+    <p:spTree>
+      <p:nvGrpSpPr>
+        <p:cNvPr id="1" name=""/>
+        <p:cNvGrpSpPr/>
+        <p:nvPr/>
+      </p:nvGrpSpPr>
+      <p:grpSpPr>
+        <a:xfrm>
+          <a:off x="0" y="0"/>
+          <a:ext cx="0" cy="0"/>
+          <a:chOff x="0" y="0"/>
+          <a:chExt cx="0" cy="0"/>
+        </a:xfrm>
+      </p:grpSpPr>
+      <p:sp>
+        <p:nvSpPr>
+          <p:cNvPr id="2" name="Title 1"/>
+          <p:cNvSpPr>
+            <a:spLocks noGrp="1"/>
+          </p:cNvSpPr>
+          <p:nvPr>
+            <p:ph type="title"/>
+          </p:nvPr>
+        </p:nvSpPr>
+        <p:spPr>
+          <a:xfrm>
+            <a:off x="1141413" y="609600"/>
+            <a:ext cx="9905998" cy="963827"/>
+          </a:xfrm>
+        </p:spPr>
+        <p:txBody>
+          <a:bodyPr/>
+          <a:lstStyle/>
+          <a:p>
+            <a:r>
+              <a:rPr lang="en-US" dirty="0" smtClean="0"/>
+              <a:t>A note on mobile</a:t>
+            </a:r>
+            <a:endParaRPr lang="en-US" dirty="0"/>
+          </a:p>
+        </p:txBody>
+      </p:sp>
+      <p:sp>
+        <p:nvSpPr>
+          <p:cNvPr id="3" name="Content Placeholder 2"/>
+          <p:cNvSpPr>
+            <a:spLocks noGrp="1"/>
+          </p:cNvSpPr>
+          <p:nvPr>
+            <p:ph idx="1"/>
+          </p:nvPr>
+        </p:nvSpPr>
+        <p:spPr>
+          <a:xfrm>
+            <a:off x="1141413" y="1754659"/>
+            <a:ext cx="9905998" cy="4036541"/>
+          </a:xfrm>
+        </p:spPr>
+        <p:txBody>
+          <a:bodyPr>
+            <a:normAutofit/>
+          </a:bodyPr>
+          <a:lstStyle/>
+          <a:p>
+            <a:endParaRPr lang="en-US" sz="2400" dirty="0"/>
+          </a:p>
+        </p:txBody>
+      </p:sp>
+    </p:spTree>
+    <p:extLst>
+      <p:ext uri="{BB962C8B-B14F-4D97-AF65-F5344CB8AC3E}">
+        <p14:creationId xmlns:p14="http://schemas.microsoft.com/office/powerpoint/2010/main" val="2494301981"/>
+      </p:ext>
+    </p:extLst>
+  </p:cSld>
+  <p:clrMapOvr>
+    <a:masterClrMapping/>
+  </p:clrMapOvr>
+  <p:timing>
+    <p:tnLst>
+      <p:par>
+        <p:cTn id="1" dur="indefinite" restart="never" nodeType="tmRoot"/>
+      </p:par>
+    </p:tnLst>
+  </p:timing>
+</p:sld>
+</file>
+
+<file path=ppt/slides/slide14.xml><?xml version="1.0" encoding="utf-8"?>
+<p:sld xmlns:a="http://schemas.openxmlformats.org/drawingml/2006/main" xmlns:r="http://schemas.openxmlformats.org/officeDocument/2006/relationships" xmlns:p="http://schemas.openxmlformats.org/presentationml/2006/main">
+  <p:cSld>
+    <p:spTree>
+      <p:nvGrpSpPr>
+        <p:cNvPr id="1" name=""/>
+        <p:cNvGrpSpPr/>
+        <p:nvPr/>
+      </p:nvGrpSpPr>
+      <p:grpSpPr>
+        <a:xfrm>
+          <a:off x="0" y="0"/>
+          <a:ext cx="0" cy="0"/>
+          <a:chOff x="0" y="0"/>
+          <a:chExt cx="0" cy="0"/>
+        </a:xfrm>
+      </p:grpSpPr>
+      <p:sp>
+        <p:nvSpPr>
+          <p:cNvPr id="2" name="Title 1"/>
+          <p:cNvSpPr>
+            <a:spLocks noGrp="1"/>
+          </p:cNvSpPr>
+          <p:nvPr>
+            <p:ph type="title"/>
+          </p:nvPr>
+        </p:nvSpPr>
+        <p:spPr>
+          <a:xfrm>
+            <a:off x="1141413" y="609600"/>
+            <a:ext cx="9905998" cy="963827"/>
+          </a:xfrm>
+        </p:spPr>
+        <p:txBody>
+          <a:bodyPr/>
+          <a:lstStyle/>
+          <a:p>
+            <a:r>
+              <a:rPr lang="en-US" dirty="0" smtClean="0"/>
+              <a:t>The</a:t>
+            </a:r>
+            <a:r>
+              <a:rPr lang="en-US" baseline="0" dirty="0" smtClean="0"/>
+              <a:t> Build</a:t>
+            </a:r>
+            <a:endParaRPr lang="en-US" dirty="0"/>
+          </a:p>
+        </p:txBody>
+      </p:sp>
+      <p:sp>
+        <p:nvSpPr>
+          <p:cNvPr id="3" name="Content Placeholder 2"/>
+          <p:cNvSpPr>
+            <a:spLocks noGrp="1"/>
+          </p:cNvSpPr>
+          <p:nvPr>
+            <p:ph idx="1"/>
+          </p:nvPr>
+        </p:nvSpPr>
+        <p:spPr>
+          <a:xfrm>
+            <a:off x="1141413" y="1754659"/>
+            <a:ext cx="9905998" cy="4036541"/>
+          </a:xfrm>
+        </p:spPr>
+        <p:txBody>
+          <a:bodyPr>
+            <a:normAutofit/>
+          </a:bodyPr>
+          <a:lstStyle/>
+          <a:p>
+            <a:endParaRPr lang="en-US" sz="2400" dirty="0"/>
+          </a:p>
+        </p:txBody>
+      </p:sp>
+    </p:spTree>
+    <p:extLst>
+      <p:ext uri="{BB962C8B-B14F-4D97-AF65-F5344CB8AC3E}">
+        <p14:creationId xmlns:p14="http://schemas.microsoft.com/office/powerpoint/2010/main" val="363750846"/>
+      </p:ext>
+    </p:extLst>
+  </p:cSld>
+  <p:clrMapOvr>
+    <a:masterClrMapping/>
+  </p:clrMapOvr>
+  <p:timing>
+    <p:tnLst>
+      <p:par>
+        <p:cTn id="1" dur="indefinite" restart="never" nodeType="tmRoot"/>
+      </p:par>
+    </p:tnLst>
+  </p:timing>
+</p:sld>
+</file>
+
+<file path=ppt/slides/slide15.xml><?xml version="1.0" encoding="utf-8"?>
+<p:sld xmlns:a="http://schemas.openxmlformats.org/drawingml/2006/main" xmlns:r="http://schemas.openxmlformats.org/officeDocument/2006/relationships" xmlns:p="http://schemas.openxmlformats.org/presentationml/2006/main">
+  <p:cSld>
+    <p:spTree>
+      <p:nvGrpSpPr>
+        <p:cNvPr id="1" name=""/>
+        <p:cNvGrpSpPr/>
+        <p:nvPr/>
+      </p:nvGrpSpPr>
+      <p:grpSpPr>
+        <a:xfrm>
+          <a:off x="0" y="0"/>
+          <a:ext cx="0" cy="0"/>
+          <a:chOff x="0" y="0"/>
+          <a:chExt cx="0" cy="0"/>
+        </a:xfrm>
+      </p:grpSpPr>
+      <p:sp>
+        <p:nvSpPr>
+          <p:cNvPr id="2" name="Title 1"/>
+          <p:cNvSpPr>
+            <a:spLocks noGrp="1"/>
+          </p:cNvSpPr>
+          <p:nvPr>
+            <p:ph type="title"/>
+          </p:nvPr>
+        </p:nvSpPr>
+        <p:spPr>
+          <a:xfrm>
+            <a:off x="1141413" y="609600"/>
+            <a:ext cx="9905998" cy="963827"/>
+          </a:xfrm>
+        </p:spPr>
+        <p:txBody>
+          <a:bodyPr/>
+          <a:lstStyle/>
+          <a:p>
+            <a:r>
+              <a:rPr lang="en-US" dirty="0" smtClean="0"/>
+              <a:t>Deployment</a:t>
+            </a:r>
+            <a:endParaRPr lang="en-US" dirty="0"/>
+          </a:p>
+        </p:txBody>
+      </p:sp>
+      <p:sp>
+        <p:nvSpPr>
+          <p:cNvPr id="3" name="Content Placeholder 2"/>
+          <p:cNvSpPr>
+            <a:spLocks noGrp="1"/>
+          </p:cNvSpPr>
+          <p:nvPr>
+            <p:ph idx="1"/>
+          </p:nvPr>
+        </p:nvSpPr>
+        <p:spPr>
+          <a:xfrm>
+            <a:off x="1141413" y="1754659"/>
+            <a:ext cx="9905998" cy="4036541"/>
+          </a:xfrm>
+        </p:spPr>
+        <p:txBody>
+          <a:bodyPr>
+            <a:normAutofit/>
+          </a:bodyPr>
+          <a:lstStyle/>
+          <a:p>
+            <a:endParaRPr lang="en-US" sz="2400" dirty="0"/>
+          </a:p>
+        </p:txBody>
+      </p:sp>
+    </p:spTree>
+    <p:extLst>
+      <p:ext uri="{BB962C8B-B14F-4D97-AF65-F5344CB8AC3E}">
+        <p14:creationId xmlns:p14="http://schemas.microsoft.com/office/powerpoint/2010/main" val="2219758624"/>
+      </p:ext>
+    </p:extLst>
+  </p:cSld>
+  <p:clrMapOvr>
+    <a:masterClrMapping/>
+  </p:clrMapOvr>
+  <p:timing>
+    <p:tnLst>
+      <p:par>
+        <p:cTn id="1" dur="indefinite" restart="never" nodeType="tmRoot"/>
+      </p:par>
+    </p:tnLst>
+  </p:timing>
+</p:sld>
+</file>
+
+<file path=ppt/slides/slide16.xml><?xml version="1.0" encoding="utf-8"?>
+<p:sld xmlns:a="http://schemas.openxmlformats.org/drawingml/2006/main" xmlns:r="http://schemas.openxmlformats.org/officeDocument/2006/relationships" xmlns:p="http://schemas.openxmlformats.org/presentationml/2006/main">
+  <p:cSld>
+    <p:spTree>
+      <p:nvGrpSpPr>
+        <p:cNvPr id="1" name=""/>
+        <p:cNvGrpSpPr/>
+        <p:nvPr/>
+      </p:nvGrpSpPr>
+      <p:grpSpPr>
+        <a:xfrm>
+          <a:off x="0" y="0"/>
+          <a:ext cx="0" cy="0"/>
+          <a:chOff x="0" y="0"/>
+          <a:chExt cx="0" cy="0"/>
+        </a:xfrm>
+      </p:grpSpPr>
+      <p:sp>
+        <p:nvSpPr>
+          <p:cNvPr id="2" name="Title 1"/>
+          <p:cNvSpPr>
+            <a:spLocks noGrp="1"/>
+          </p:cNvSpPr>
+          <p:nvPr>
+            <p:ph type="title"/>
+          </p:nvPr>
+        </p:nvSpPr>
+        <p:spPr>
+          <a:xfrm>
+            <a:off x="1141413" y="609600"/>
+            <a:ext cx="9905998" cy="963827"/>
+          </a:xfrm>
+        </p:spPr>
+        <p:txBody>
+          <a:bodyPr/>
+          <a:lstStyle/>
+          <a:p>
+            <a:r>
+              <a:rPr lang="en-US" dirty="0" smtClean="0"/>
+              <a:t>Testing</a:t>
+            </a:r>
+            <a:endParaRPr lang="en-US" dirty="0"/>
+          </a:p>
+        </p:txBody>
+      </p:sp>
+      <p:sp>
+        <p:nvSpPr>
+          <p:cNvPr id="3" name="Content Placeholder 2"/>
+          <p:cNvSpPr>
+            <a:spLocks noGrp="1"/>
+          </p:cNvSpPr>
+          <p:nvPr>
+            <p:ph idx="1"/>
+          </p:nvPr>
+        </p:nvSpPr>
+        <p:spPr>
+          <a:xfrm>
+            <a:off x="1141413" y="1754659"/>
+            <a:ext cx="9905998" cy="4036541"/>
+          </a:xfrm>
+        </p:spPr>
+        <p:txBody>
+          <a:bodyPr>
+            <a:normAutofit/>
+          </a:bodyPr>
+          <a:lstStyle/>
+          <a:p>
+            <a:endParaRPr lang="en-US" sz="2400" dirty="0"/>
+          </a:p>
+        </p:txBody>
+      </p:sp>
+    </p:spTree>
+    <p:extLst>
+      <p:ext uri="{BB962C8B-B14F-4D97-AF65-F5344CB8AC3E}">
+        <p14:creationId xmlns:p14="http://schemas.microsoft.com/office/powerpoint/2010/main" val="2002922170"/>
+      </p:ext>
+    </p:extLst>
+  </p:cSld>
+  <p:clrMapOvr>
+    <a:masterClrMapping/>
+  </p:clrMapOvr>
+  <p:timing>
+    <p:tnLst>
+      <p:par>
+        <p:cTn id="1" dur="indefinite" restart="never" nodeType="tmRoot"/>
+      </p:par>
+    </p:tnLst>
+  </p:timing>
+</p:sld>
+</file>
+
+<file path=ppt/slides/slide17.xml><?xml version="1.0" encoding="utf-8"?>
+<p:sld xmlns:a="http://schemas.openxmlformats.org/drawingml/2006/main" xmlns:r="http://schemas.openxmlformats.org/officeDocument/2006/relationships" xmlns:p="http://schemas.openxmlformats.org/presentationml/2006/main">
+  <p:cSld>
+    <p:spTree>
+      <p:nvGrpSpPr>
+        <p:cNvPr id="1" name=""/>
+        <p:cNvGrpSpPr/>
+        <p:nvPr/>
+      </p:nvGrpSpPr>
+      <p:grpSpPr>
+        <a:xfrm>
+          <a:off x="0" y="0"/>
+          <a:ext cx="0" cy="0"/>
+          <a:chOff x="0" y="0"/>
+          <a:chExt cx="0" cy="0"/>
+        </a:xfrm>
+      </p:grpSpPr>
+      <p:sp>
+        <p:nvSpPr>
+          <p:cNvPr id="2" name="Title 1"/>
+          <p:cNvSpPr>
+            <a:spLocks noGrp="1"/>
+          </p:cNvSpPr>
+          <p:nvPr>
+            <p:ph type="title"/>
+          </p:nvPr>
+        </p:nvSpPr>
+        <p:spPr>
+          <a:xfrm>
+            <a:off x="1141413" y="609600"/>
+            <a:ext cx="9905998" cy="963827"/>
+          </a:xfrm>
+        </p:spPr>
+        <p:txBody>
+          <a:bodyPr/>
+          <a:lstStyle/>
+          <a:p>
+            <a:r>
+              <a:rPr lang="en-US" dirty="0" smtClean="0"/>
+              <a:t>The Buzz</a:t>
+            </a:r>
+            <a:endParaRPr lang="en-US" dirty="0"/>
+          </a:p>
+        </p:txBody>
+      </p:sp>
+      <p:sp>
+        <p:nvSpPr>
+          <p:cNvPr id="3" name="Content Placeholder 2"/>
+          <p:cNvSpPr>
+            <a:spLocks noGrp="1"/>
+          </p:cNvSpPr>
+          <p:nvPr>
+            <p:ph idx="1"/>
+          </p:nvPr>
+        </p:nvSpPr>
+        <p:spPr>
+          <a:xfrm>
+            <a:off x="1141413" y="1754659"/>
+            <a:ext cx="9905998" cy="4036541"/>
+          </a:xfrm>
+        </p:spPr>
+        <p:txBody>
+          <a:bodyPr>
+            <a:normAutofit/>
+          </a:bodyPr>
+          <a:lstStyle/>
+          <a:p>
+            <a:endParaRPr lang="en-US" sz="2400" dirty="0"/>
+          </a:p>
+        </p:txBody>
+      </p:sp>
+    </p:spTree>
+    <p:extLst>
+      <p:ext uri="{BB962C8B-B14F-4D97-AF65-F5344CB8AC3E}">
+        <p14:creationId xmlns:p14="http://schemas.microsoft.com/office/powerpoint/2010/main" val="2748384818"/>
+      </p:ext>
+    </p:extLst>
+  </p:cSld>
+  <p:clrMapOvr>
+    <a:masterClrMapping/>
+  </p:clrMapOvr>
+  <p:timing>
+    <p:tnLst>
+      <p:par>
+        <p:cTn id="1" dur="indefinite" restart="never" nodeType="tmRoot"/>
+      </p:par>
+    </p:tnLst>
+  </p:timing>
+</p:sld>
+</file>
+
+<file path=ppt/slides/slide18.xml><?xml version="1.0" encoding="utf-8"?>
+<p:sld xmlns:a="http://schemas.openxmlformats.org/drawingml/2006/main" xmlns:r="http://schemas.openxmlformats.org/officeDocument/2006/relationships" xmlns:p="http://schemas.openxmlformats.org/presentationml/2006/main">
+  <p:cSld>
+    <p:spTree>
+      <p:nvGrpSpPr>
+        <p:cNvPr id="1" name=""/>
+        <p:cNvGrpSpPr/>
+        <p:nvPr/>
+      </p:nvGrpSpPr>
+      <p:grpSpPr>
+        <a:xfrm>
+          <a:off x="0" y="0"/>
+          <a:ext cx="0" cy="0"/>
+          <a:chOff x="0" y="0"/>
+          <a:chExt cx="0" cy="0"/>
+        </a:xfrm>
+      </p:grpSpPr>
+      <p:sp>
+        <p:nvSpPr>
+          <p:cNvPr id="2" name="Title 1"/>
+          <p:cNvSpPr>
+            <a:spLocks noGrp="1"/>
+          </p:cNvSpPr>
+          <p:nvPr>
+            <p:ph type="title"/>
+          </p:nvPr>
+        </p:nvSpPr>
+        <p:spPr>
+          <a:xfrm>
+            <a:off x="1141413" y="609600"/>
+            <a:ext cx="9905998" cy="963827"/>
+          </a:xfrm>
+        </p:spPr>
+        <p:txBody>
+          <a:bodyPr/>
+          <a:lstStyle/>
+          <a:p>
+            <a:r>
+              <a:rPr lang="en-US" dirty="0" smtClean="0"/>
+              <a:t>Cloud</a:t>
+            </a:r>
+            <a:endParaRPr lang="en-US" dirty="0"/>
+          </a:p>
+        </p:txBody>
+      </p:sp>
+      <p:sp>
+        <p:nvSpPr>
+          <p:cNvPr id="3" name="Content Placeholder 2"/>
+          <p:cNvSpPr>
+            <a:spLocks noGrp="1"/>
+          </p:cNvSpPr>
+          <p:nvPr>
+            <p:ph idx="1"/>
+          </p:nvPr>
+        </p:nvSpPr>
+        <p:spPr>
+          <a:xfrm>
+            <a:off x="1141413" y="1754659"/>
+            <a:ext cx="9905998" cy="4036541"/>
+          </a:xfrm>
+        </p:spPr>
+        <p:txBody>
+          <a:bodyPr>
+            <a:normAutofit/>
+          </a:bodyPr>
+          <a:lstStyle/>
+          <a:p>
+            <a:endParaRPr lang="en-US" sz="2400" dirty="0"/>
+          </a:p>
+        </p:txBody>
+      </p:sp>
+    </p:spTree>
+    <p:extLst>
+      <p:ext uri="{BB962C8B-B14F-4D97-AF65-F5344CB8AC3E}">
+        <p14:creationId xmlns:p14="http://schemas.microsoft.com/office/powerpoint/2010/main" val="4191256410"/>
+      </p:ext>
+    </p:extLst>
+  </p:cSld>
+  <p:clrMapOvr>
+    <a:masterClrMapping/>
+  </p:clrMapOvr>
+  <p:timing>
+    <p:tnLst>
+      <p:par>
+        <p:cTn id="1" dur="indefinite" restart="never" nodeType="tmRoot"/>
+      </p:par>
+    </p:tnLst>
+  </p:timing>
+</p:sld>
+</file>
+
+<file path=ppt/slides/slide19.xml><?xml version="1.0" encoding="utf-8"?>
+<p:sld xmlns:a="http://schemas.openxmlformats.org/drawingml/2006/main" xmlns:r="http://schemas.openxmlformats.org/officeDocument/2006/relationships" xmlns:p="http://schemas.openxmlformats.org/presentationml/2006/main">
+  <p:cSld>
+    <p:spTree>
+      <p:nvGrpSpPr>
+        <p:cNvPr id="1" name=""/>
+        <p:cNvGrpSpPr/>
+        <p:nvPr/>
+      </p:nvGrpSpPr>
+      <p:grpSpPr>
+        <a:xfrm>
+          <a:off x="0" y="0"/>
+          <a:ext cx="0" cy="0"/>
+          <a:chOff x="0" y="0"/>
+          <a:chExt cx="0" cy="0"/>
+        </a:xfrm>
+      </p:grpSpPr>
+      <p:sp>
+        <p:nvSpPr>
+          <p:cNvPr id="2" name="Title 1"/>
+          <p:cNvSpPr>
+            <a:spLocks noGrp="1"/>
+          </p:cNvSpPr>
+          <p:nvPr>
+            <p:ph type="title"/>
+          </p:nvPr>
+        </p:nvSpPr>
+        <p:spPr>
+          <a:xfrm>
+            <a:off x="1141413" y="609600"/>
+            <a:ext cx="9905998" cy="963827"/>
+          </a:xfrm>
+        </p:spPr>
+        <p:txBody>
+          <a:bodyPr/>
+          <a:lstStyle/>
+          <a:p>
+            <a:r>
+              <a:rPr lang="en-US" dirty="0" smtClean="0"/>
+              <a:t>Agile</a:t>
+            </a:r>
+            <a:endParaRPr lang="en-US" dirty="0"/>
+          </a:p>
+        </p:txBody>
+      </p:sp>
+      <p:sp>
+        <p:nvSpPr>
+          <p:cNvPr id="3" name="Content Placeholder 2"/>
+          <p:cNvSpPr>
+            <a:spLocks noGrp="1"/>
+          </p:cNvSpPr>
+          <p:nvPr>
+            <p:ph idx="1"/>
+          </p:nvPr>
+        </p:nvSpPr>
+        <p:spPr>
+          <a:xfrm>
+            <a:off x="1141413" y="1754659"/>
+            <a:ext cx="9905998" cy="4036541"/>
+          </a:xfrm>
+        </p:spPr>
+        <p:txBody>
+          <a:bodyPr>
+            <a:normAutofit/>
+          </a:bodyPr>
+          <a:lstStyle/>
+          <a:p>
+            <a:endParaRPr lang="en-US" sz="2400" dirty="0"/>
+          </a:p>
+        </p:txBody>
+      </p:sp>
+    </p:spTree>
+    <p:extLst>
+      <p:ext uri="{BB962C8B-B14F-4D97-AF65-F5344CB8AC3E}">
+        <p14:creationId xmlns:p14="http://schemas.microsoft.com/office/powerpoint/2010/main" val="3478160753"/>
+      </p:ext>
+    </p:extLst>
+  </p:cSld>
+  <p:clrMapOvr>
+    <a:masterClrMapping/>
+  </p:clrMapOvr>
+  <p:timing>
+    <p:tnLst>
+      <p:par>
+        <p:cTn id="1" dur="indefinite" restart="never" nodeType="tmRoot"/>
+      </p:par>
+    </p:tnLst>
+  </p:timing>
 </p:sld>
 </file>
 
@@ -5828,7 +6782,7 @@
           <a:p>
             <a:r>
               <a:rPr lang="en-US" dirty="0"/>
-              <a:t>Background</a:t>
+              <a:t>What I would Like to Do Tonight</a:t>
             </a:r>
           </a:p>
         </p:txBody>
@@ -5856,55 +6810,749 @@
           <a:lstStyle/>
           <a:p>
             <a:r>
-              <a:rPr lang="en-US" sz="2400" dirty="0">
-                <a:hlinkClick r:id="rId2"/>
-              </a:rPr>
-              <a:t>josh.martin@gmail.com</a:t>
+              <a:rPr lang="en-US" sz="2400" dirty="0" smtClean="0"/>
+              <a:t>Provide developer perspective – what security looks like</a:t>
+            </a:r>
+          </a:p>
+          <a:p>
+            <a:r>
+              <a:rPr lang="en-US" sz="2400" dirty="0" smtClean="0"/>
+              <a:t>What can help – “Street Credibility”</a:t>
+            </a:r>
+          </a:p>
+          <a:p>
+            <a:pPr lvl="1"/>
+            <a:r>
+              <a:rPr lang="en-US" sz="2200" dirty="0" smtClean="0"/>
+              <a:t>“</a:t>
+            </a:r>
+            <a:r>
+              <a:rPr lang="en-US" sz="2200" dirty="0"/>
+              <a:t>lay of the land” in software </a:t>
+            </a:r>
+            <a:r>
+              <a:rPr lang="en-US" sz="2200" dirty="0" smtClean="0"/>
+              <a:t>technologies</a:t>
+            </a:r>
+          </a:p>
+          <a:p>
+            <a:pPr lvl="1"/>
+            <a:r>
+              <a:rPr lang="en-US" sz="2200" dirty="0" smtClean="0"/>
+              <a:t>Code examples, including exploits</a:t>
+            </a:r>
+            <a:endParaRPr lang="en-US" sz="2200" dirty="0"/>
+          </a:p>
+          <a:p>
+            <a:r>
+              <a:rPr lang="en-US" sz="2400" dirty="0"/>
+              <a:t>Add real world context to the CISSP section on </a:t>
+            </a:r>
+            <a:r>
+              <a:rPr lang="en-US" sz="2400" dirty="0" smtClean="0"/>
+              <a:t>software</a:t>
             </a:r>
             <a:endParaRPr lang="en-US" sz="2400" dirty="0"/>
           </a:p>
           <a:p>
-            <a:r>
-              <a:rPr lang="en-US" sz="2400" dirty="0"/>
-              <a:t>~20 years of experience in software… By way of finance</a:t>
-            </a:r>
-          </a:p>
-          <a:p>
-            <a:r>
-              <a:rPr lang="en-US" sz="2400" dirty="0"/>
-              <a:t>Big, Small, and In Between – GE, My own “social network”</a:t>
-            </a:r>
-          </a:p>
-          <a:p>
-            <a:r>
-              <a:rPr lang="en-US" sz="2400" dirty="0"/>
-              <a:t>Most Professional Work – Java/Oracle/Web</a:t>
-            </a:r>
-          </a:p>
-          <a:p>
-            <a:r>
-              <a:rPr lang="en-US" sz="2400" dirty="0"/>
-              <a:t>Favorite: Python/Data</a:t>
-            </a:r>
-          </a:p>
-          <a:p>
-            <a:r>
-              <a:rPr lang="en-US" sz="2400" dirty="0"/>
-              <a:t>Now: Not my day job, but a fun hobby</a:t>
-            </a:r>
+            <a:endParaRPr lang="en-US" sz="2400" dirty="0"/>
           </a:p>
         </p:txBody>
       </p:sp>
     </p:spTree>
     <p:extLst>
       <p:ext uri="{BB962C8B-B14F-4D97-AF65-F5344CB8AC3E}">
-        <p14:creationId xmlns:p14="http://schemas.microsoft.com/office/powerpoint/2010/main" val="1459216169"/>
+        <p14:creationId xmlns:p14="http://schemas.microsoft.com/office/powerpoint/2010/main" val="2930340389"/>
       </p:ext>
     </p:extLst>
   </p:cSld>
   <p:clrMapOvr>
     <a:masterClrMapping/>
   </p:clrMapOvr>
+  <p:timing>
+    <p:tnLst>
+      <p:par>
+        <p:cTn id="1" dur="indefinite" restart="never" nodeType="tmRoot"/>
+      </p:par>
+    </p:tnLst>
+  </p:timing>
+</p:sld>
+</file>
+
+<file path=ppt/slides/slide20.xml><?xml version="1.0" encoding="utf-8"?>
+<p:sld xmlns:a="http://schemas.openxmlformats.org/drawingml/2006/main" xmlns:r="http://schemas.openxmlformats.org/officeDocument/2006/relationships" xmlns:p="http://schemas.openxmlformats.org/presentationml/2006/main">
+  <p:cSld>
+    <p:spTree>
+      <p:nvGrpSpPr>
+        <p:cNvPr id="1" name=""/>
+        <p:cNvGrpSpPr/>
+        <p:nvPr/>
+      </p:nvGrpSpPr>
+      <p:grpSpPr>
+        <a:xfrm>
+          <a:off x="0" y="0"/>
+          <a:ext cx="0" cy="0"/>
+          <a:chOff x="0" y="0"/>
+          <a:chExt cx="0" cy="0"/>
+        </a:xfrm>
+      </p:grpSpPr>
+      <p:sp>
+        <p:nvSpPr>
+          <p:cNvPr id="2" name="Title 1"/>
+          <p:cNvSpPr>
+            <a:spLocks noGrp="1"/>
+          </p:cNvSpPr>
+          <p:nvPr>
+            <p:ph type="title"/>
+          </p:nvPr>
+        </p:nvSpPr>
+        <p:spPr>
+          <a:xfrm>
+            <a:off x="1141413" y="609600"/>
+            <a:ext cx="9905998" cy="963827"/>
+          </a:xfrm>
+        </p:spPr>
+        <p:txBody>
+          <a:bodyPr/>
+          <a:lstStyle/>
+          <a:p>
+            <a:r>
+              <a:rPr lang="en-US" dirty="0" smtClean="0"/>
+              <a:t>DevOps</a:t>
+            </a:r>
+            <a:endParaRPr lang="en-US" dirty="0"/>
+          </a:p>
+        </p:txBody>
+      </p:sp>
+      <p:sp>
+        <p:nvSpPr>
+          <p:cNvPr id="3" name="Content Placeholder 2"/>
+          <p:cNvSpPr>
+            <a:spLocks noGrp="1"/>
+          </p:cNvSpPr>
+          <p:nvPr>
+            <p:ph idx="1"/>
+          </p:nvPr>
+        </p:nvSpPr>
+        <p:spPr>
+          <a:xfrm>
+            <a:off x="1141413" y="1754659"/>
+            <a:ext cx="9905998" cy="4036541"/>
+          </a:xfrm>
+        </p:spPr>
+        <p:txBody>
+          <a:bodyPr>
+            <a:normAutofit/>
+          </a:bodyPr>
+          <a:lstStyle/>
+          <a:p>
+            <a:endParaRPr lang="en-US" sz="2400" dirty="0"/>
+          </a:p>
+        </p:txBody>
+      </p:sp>
+    </p:spTree>
+    <p:extLst>
+      <p:ext uri="{BB962C8B-B14F-4D97-AF65-F5344CB8AC3E}">
+        <p14:creationId xmlns:p14="http://schemas.microsoft.com/office/powerpoint/2010/main" val="585404826"/>
+      </p:ext>
+    </p:extLst>
+  </p:cSld>
+  <p:clrMapOvr>
+    <a:masterClrMapping/>
+  </p:clrMapOvr>
+  <p:timing>
+    <p:tnLst>
+      <p:par>
+        <p:cTn id="1" dur="indefinite" restart="never" nodeType="tmRoot"/>
+      </p:par>
+    </p:tnLst>
+  </p:timing>
+</p:sld>
+</file>
+
+<file path=ppt/slides/slide21.xml><?xml version="1.0" encoding="utf-8"?>
+<p:sld xmlns:a="http://schemas.openxmlformats.org/drawingml/2006/main" xmlns:r="http://schemas.openxmlformats.org/officeDocument/2006/relationships" xmlns:p="http://schemas.openxmlformats.org/presentationml/2006/main">
+  <p:cSld>
+    <p:spTree>
+      <p:nvGrpSpPr>
+        <p:cNvPr id="1" name=""/>
+        <p:cNvGrpSpPr/>
+        <p:nvPr/>
+      </p:nvGrpSpPr>
+      <p:grpSpPr>
+        <a:xfrm>
+          <a:off x="0" y="0"/>
+          <a:ext cx="0" cy="0"/>
+          <a:chOff x="0" y="0"/>
+          <a:chExt cx="0" cy="0"/>
+        </a:xfrm>
+      </p:grpSpPr>
+      <p:sp>
+        <p:nvSpPr>
+          <p:cNvPr id="2" name="Title 1"/>
+          <p:cNvSpPr>
+            <a:spLocks noGrp="1"/>
+          </p:cNvSpPr>
+          <p:nvPr>
+            <p:ph type="title"/>
+          </p:nvPr>
+        </p:nvSpPr>
+        <p:spPr>
+          <a:xfrm>
+            <a:off x="1141413" y="609600"/>
+            <a:ext cx="9905998" cy="963827"/>
+          </a:xfrm>
+        </p:spPr>
+        <p:txBody>
+          <a:bodyPr/>
+          <a:lstStyle/>
+          <a:p>
+            <a:r>
+              <a:rPr lang="en-US" dirty="0" err="1" smtClean="0"/>
+              <a:t>SECDevOps</a:t>
+            </a:r>
+            <a:endParaRPr lang="en-US" dirty="0"/>
+          </a:p>
+        </p:txBody>
+      </p:sp>
+      <p:sp>
+        <p:nvSpPr>
+          <p:cNvPr id="3" name="Content Placeholder 2"/>
+          <p:cNvSpPr>
+            <a:spLocks noGrp="1"/>
+          </p:cNvSpPr>
+          <p:nvPr>
+            <p:ph idx="1"/>
+          </p:nvPr>
+        </p:nvSpPr>
+        <p:spPr>
+          <a:xfrm>
+            <a:off x="1141413" y="1754659"/>
+            <a:ext cx="9905998" cy="4036541"/>
+          </a:xfrm>
+        </p:spPr>
+        <p:txBody>
+          <a:bodyPr>
+            <a:normAutofit/>
+          </a:bodyPr>
+          <a:lstStyle/>
+          <a:p>
+            <a:endParaRPr lang="en-US" sz="2400" dirty="0"/>
+          </a:p>
+        </p:txBody>
+      </p:sp>
+    </p:spTree>
+    <p:extLst>
+      <p:ext uri="{BB962C8B-B14F-4D97-AF65-F5344CB8AC3E}">
+        <p14:creationId xmlns:p14="http://schemas.microsoft.com/office/powerpoint/2010/main" val="2834780622"/>
+      </p:ext>
+    </p:extLst>
+  </p:cSld>
+  <p:clrMapOvr>
+    <a:masterClrMapping/>
+  </p:clrMapOvr>
+  <p:timing>
+    <p:tnLst>
+      <p:par>
+        <p:cTn id="1" dur="indefinite" restart="never" nodeType="tmRoot"/>
+      </p:par>
+    </p:tnLst>
+  </p:timing>
+</p:sld>
+</file>
+
+<file path=ppt/slides/slide22.xml><?xml version="1.0" encoding="utf-8"?>
+<p:sld xmlns:a="http://schemas.openxmlformats.org/drawingml/2006/main" xmlns:r="http://schemas.openxmlformats.org/officeDocument/2006/relationships" xmlns:p="http://schemas.openxmlformats.org/presentationml/2006/main">
+  <p:cSld>
+    <p:spTree>
+      <p:nvGrpSpPr>
+        <p:cNvPr id="1" name=""/>
+        <p:cNvGrpSpPr/>
+        <p:nvPr/>
+      </p:nvGrpSpPr>
+      <p:grpSpPr>
+        <a:xfrm>
+          <a:off x="0" y="0"/>
+          <a:ext cx="0" cy="0"/>
+          <a:chOff x="0" y="0"/>
+          <a:chExt cx="0" cy="0"/>
+        </a:xfrm>
+      </p:grpSpPr>
+      <p:sp>
+        <p:nvSpPr>
+          <p:cNvPr id="2" name="Title 1"/>
+          <p:cNvSpPr>
+            <a:spLocks noGrp="1"/>
+          </p:cNvSpPr>
+          <p:nvPr>
+            <p:ph type="title"/>
+          </p:nvPr>
+        </p:nvSpPr>
+        <p:spPr>
+          <a:xfrm>
+            <a:off x="1141413" y="609600"/>
+            <a:ext cx="9905998" cy="963827"/>
+          </a:xfrm>
+        </p:spPr>
+        <p:txBody>
+          <a:bodyPr/>
+          <a:lstStyle/>
+          <a:p>
+            <a:r>
+              <a:rPr lang="en-US" dirty="0" smtClean="0"/>
+              <a:t>JJDM AWS</a:t>
+            </a:r>
+            <a:endParaRPr lang="en-US" dirty="0"/>
+          </a:p>
+        </p:txBody>
+      </p:sp>
+      <p:sp>
+        <p:nvSpPr>
+          <p:cNvPr id="3" name="Content Placeholder 2"/>
+          <p:cNvSpPr>
+            <a:spLocks noGrp="1"/>
+          </p:cNvSpPr>
+          <p:nvPr>
+            <p:ph idx="1"/>
+          </p:nvPr>
+        </p:nvSpPr>
+        <p:spPr>
+          <a:xfrm>
+            <a:off x="1141413" y="1754659"/>
+            <a:ext cx="9905998" cy="4036541"/>
+          </a:xfrm>
+        </p:spPr>
+        <p:txBody>
+          <a:bodyPr>
+            <a:normAutofit/>
+          </a:bodyPr>
+          <a:lstStyle/>
+          <a:p>
+            <a:r>
+              <a:rPr lang="en-US" sz="2400" dirty="0" smtClean="0"/>
+              <a:t>Spin up server</a:t>
+            </a:r>
+          </a:p>
+          <a:p>
+            <a:r>
+              <a:rPr lang="en-US" sz="2400" dirty="0" smtClean="0"/>
+              <a:t>Install Java</a:t>
+            </a:r>
+          </a:p>
+          <a:p>
+            <a:r>
+              <a:rPr lang="en-US" sz="2400" dirty="0" smtClean="0"/>
+              <a:t>Install Tomcat</a:t>
+            </a:r>
+          </a:p>
+          <a:p>
+            <a:r>
+              <a:rPr lang="en-US" sz="2400" dirty="0" smtClean="0"/>
+              <a:t>Install Maven</a:t>
+            </a:r>
+          </a:p>
+          <a:p>
+            <a:r>
+              <a:rPr lang="en-US" sz="2400" dirty="0" smtClean="0"/>
+              <a:t>Install </a:t>
+            </a:r>
+            <a:r>
+              <a:rPr lang="en-US" sz="2400" dirty="0" err="1" smtClean="0"/>
+              <a:t>Git</a:t>
+            </a:r>
+            <a:r>
+              <a:rPr lang="en-US" sz="2400" dirty="0" smtClean="0"/>
+              <a:t> (</a:t>
+            </a:r>
+            <a:r>
+              <a:rPr lang="en-US" sz="2400" smtClean="0"/>
+              <a:t>configure Security)</a:t>
+            </a:r>
+            <a:endParaRPr lang="en-US" sz="2400" dirty="0"/>
+          </a:p>
+        </p:txBody>
+      </p:sp>
+    </p:spTree>
+    <p:extLst>
+      <p:ext uri="{BB962C8B-B14F-4D97-AF65-F5344CB8AC3E}">
+        <p14:creationId xmlns:p14="http://schemas.microsoft.com/office/powerpoint/2010/main" val="775777869"/>
+      </p:ext>
+    </p:extLst>
+  </p:cSld>
+  <p:clrMapOvr>
+    <a:masterClrMapping/>
+  </p:clrMapOvr>
+  <p:timing>
+    <p:tnLst>
+      <p:par>
+        <p:cTn id="1" dur="indefinite" restart="never" nodeType="tmRoot"/>
+      </p:par>
+    </p:tnLst>
+  </p:timing>
+</p:sld>
+</file>
+
+<file path=ppt/slides/slide23.xml><?xml version="1.0" encoding="utf-8"?>
+<p:sld xmlns:a="http://schemas.openxmlformats.org/drawingml/2006/main" xmlns:r="http://schemas.openxmlformats.org/officeDocument/2006/relationships" xmlns:p="http://schemas.openxmlformats.org/presentationml/2006/main">
+  <p:cSld>
+    <p:spTree>
+      <p:nvGrpSpPr>
+        <p:cNvPr id="1" name=""/>
+        <p:cNvGrpSpPr/>
+        <p:nvPr/>
+      </p:nvGrpSpPr>
+      <p:grpSpPr>
+        <a:xfrm>
+          <a:off x="0" y="0"/>
+          <a:ext cx="0" cy="0"/>
+          <a:chOff x="0" y="0"/>
+          <a:chExt cx="0" cy="0"/>
+        </a:xfrm>
+      </p:grpSpPr>
+      <p:sp>
+        <p:nvSpPr>
+          <p:cNvPr id="2" name="Title 1"/>
+          <p:cNvSpPr>
+            <a:spLocks noGrp="1"/>
+          </p:cNvSpPr>
+          <p:nvPr>
+            <p:ph type="title"/>
+          </p:nvPr>
+        </p:nvSpPr>
+        <p:spPr>
+          <a:xfrm>
+            <a:off x="1141413" y="609600"/>
+            <a:ext cx="9905998" cy="963827"/>
+          </a:xfrm>
+        </p:spPr>
+        <p:txBody>
+          <a:bodyPr/>
+          <a:lstStyle/>
+          <a:p>
+            <a:r>
+              <a:rPr lang="en-US" dirty="0" smtClean="0"/>
+              <a:t>YYYYYYYYYYYYY</a:t>
+            </a:r>
+            <a:endParaRPr lang="en-US" dirty="0"/>
+          </a:p>
+        </p:txBody>
+      </p:sp>
+      <p:sp>
+        <p:nvSpPr>
+          <p:cNvPr id="3" name="Content Placeholder 2"/>
+          <p:cNvSpPr>
+            <a:spLocks noGrp="1"/>
+          </p:cNvSpPr>
+          <p:nvPr>
+            <p:ph idx="1"/>
+          </p:nvPr>
+        </p:nvSpPr>
+        <p:spPr>
+          <a:xfrm>
+            <a:off x="1141413" y="1754659"/>
+            <a:ext cx="9905998" cy="4036541"/>
+          </a:xfrm>
+        </p:spPr>
+        <p:txBody>
+          <a:bodyPr>
+            <a:normAutofit/>
+          </a:bodyPr>
+          <a:lstStyle/>
+          <a:p>
+            <a:endParaRPr lang="en-US" sz="2400" dirty="0"/>
+          </a:p>
+        </p:txBody>
+      </p:sp>
+    </p:spTree>
+    <p:extLst>
+      <p:ext uri="{BB962C8B-B14F-4D97-AF65-F5344CB8AC3E}">
+        <p14:creationId xmlns:p14="http://schemas.microsoft.com/office/powerpoint/2010/main" val="1492413066"/>
+      </p:ext>
+    </p:extLst>
+  </p:cSld>
+  <p:clrMapOvr>
+    <a:masterClrMapping/>
+  </p:clrMapOvr>
+  <p:timing>
+    <p:tnLst>
+      <p:par>
+        <p:cTn id="1" dur="indefinite" restart="never" nodeType="tmRoot"/>
+      </p:par>
+    </p:tnLst>
+  </p:timing>
+</p:sld>
+</file>
+
+<file path=ppt/slides/slide24.xml><?xml version="1.0" encoding="utf-8"?>
+<p:sld xmlns:a="http://schemas.openxmlformats.org/drawingml/2006/main" xmlns:r="http://schemas.openxmlformats.org/officeDocument/2006/relationships" xmlns:p="http://schemas.openxmlformats.org/presentationml/2006/main">
+  <p:cSld>
+    <p:spTree>
+      <p:nvGrpSpPr>
+        <p:cNvPr id="1" name=""/>
+        <p:cNvGrpSpPr/>
+        <p:nvPr/>
+      </p:nvGrpSpPr>
+      <p:grpSpPr>
+        <a:xfrm>
+          <a:off x="0" y="0"/>
+          <a:ext cx="0" cy="0"/>
+          <a:chOff x="0" y="0"/>
+          <a:chExt cx="0" cy="0"/>
+        </a:xfrm>
+      </p:grpSpPr>
+      <p:sp>
+        <p:nvSpPr>
+          <p:cNvPr id="2" name="Title 1"/>
+          <p:cNvSpPr>
+            <a:spLocks noGrp="1"/>
+          </p:cNvSpPr>
+          <p:nvPr>
+            <p:ph type="title"/>
+          </p:nvPr>
+        </p:nvSpPr>
+        <p:spPr>
+          <a:xfrm>
+            <a:off x="1141413" y="609600"/>
+            <a:ext cx="9905998" cy="963827"/>
+          </a:xfrm>
+        </p:spPr>
+        <p:txBody>
+          <a:bodyPr/>
+          <a:lstStyle/>
+          <a:p>
+            <a:r>
+              <a:rPr lang="en-US" dirty="0" smtClean="0"/>
+              <a:t>YYYYYYYYYYYYY</a:t>
+            </a:r>
+            <a:endParaRPr lang="en-US" dirty="0"/>
+          </a:p>
+        </p:txBody>
+      </p:sp>
+      <p:sp>
+        <p:nvSpPr>
+          <p:cNvPr id="3" name="Content Placeholder 2"/>
+          <p:cNvSpPr>
+            <a:spLocks noGrp="1"/>
+          </p:cNvSpPr>
+          <p:nvPr>
+            <p:ph idx="1"/>
+          </p:nvPr>
+        </p:nvSpPr>
+        <p:spPr>
+          <a:xfrm>
+            <a:off x="1141413" y="1754659"/>
+            <a:ext cx="9905998" cy="4036541"/>
+          </a:xfrm>
+        </p:spPr>
+        <p:txBody>
+          <a:bodyPr>
+            <a:normAutofit/>
+          </a:bodyPr>
+          <a:lstStyle/>
+          <a:p>
+            <a:endParaRPr lang="en-US" sz="2400" dirty="0"/>
+          </a:p>
+        </p:txBody>
+      </p:sp>
+    </p:spTree>
+    <p:extLst>
+      <p:ext uri="{BB962C8B-B14F-4D97-AF65-F5344CB8AC3E}">
+        <p14:creationId xmlns:p14="http://schemas.microsoft.com/office/powerpoint/2010/main" val="1802955238"/>
+      </p:ext>
+    </p:extLst>
+  </p:cSld>
+  <p:clrMapOvr>
+    <a:masterClrMapping/>
+  </p:clrMapOvr>
+  <p:timing>
+    <p:tnLst>
+      <p:par>
+        <p:cTn id="1" dur="indefinite" restart="never" nodeType="tmRoot"/>
+      </p:par>
+    </p:tnLst>
+  </p:timing>
+</p:sld>
+</file>
+
+<file path=ppt/slides/slide25.xml><?xml version="1.0" encoding="utf-8"?>
+<p:sld xmlns:a="http://schemas.openxmlformats.org/drawingml/2006/main" xmlns:r="http://schemas.openxmlformats.org/officeDocument/2006/relationships" xmlns:p="http://schemas.openxmlformats.org/presentationml/2006/main">
+  <p:cSld>
+    <p:spTree>
+      <p:nvGrpSpPr>
+        <p:cNvPr id="1" name=""/>
+        <p:cNvGrpSpPr/>
+        <p:nvPr/>
+      </p:nvGrpSpPr>
+      <p:grpSpPr>
+        <a:xfrm>
+          <a:off x="0" y="0"/>
+          <a:ext cx="0" cy="0"/>
+          <a:chOff x="0" y="0"/>
+          <a:chExt cx="0" cy="0"/>
+        </a:xfrm>
+      </p:grpSpPr>
+      <p:sp>
+        <p:nvSpPr>
+          <p:cNvPr id="2" name="Title 1"/>
+          <p:cNvSpPr>
+            <a:spLocks noGrp="1"/>
+          </p:cNvSpPr>
+          <p:nvPr>
+            <p:ph type="title"/>
+          </p:nvPr>
+        </p:nvSpPr>
+        <p:spPr>
+          <a:xfrm>
+            <a:off x="1141413" y="609600"/>
+            <a:ext cx="9905998" cy="963827"/>
+          </a:xfrm>
+        </p:spPr>
+        <p:txBody>
+          <a:bodyPr/>
+          <a:lstStyle/>
+          <a:p>
+            <a:r>
+              <a:rPr lang="en-US" dirty="0" smtClean="0"/>
+              <a:t>YYYYYYYYYYYYY</a:t>
+            </a:r>
+            <a:endParaRPr lang="en-US" dirty="0"/>
+          </a:p>
+        </p:txBody>
+      </p:sp>
+      <p:sp>
+        <p:nvSpPr>
+          <p:cNvPr id="3" name="Content Placeholder 2"/>
+          <p:cNvSpPr>
+            <a:spLocks noGrp="1"/>
+          </p:cNvSpPr>
+          <p:nvPr>
+            <p:ph idx="1"/>
+          </p:nvPr>
+        </p:nvSpPr>
+        <p:spPr>
+          <a:xfrm>
+            <a:off x="1141413" y="1754659"/>
+            <a:ext cx="9905998" cy="4036541"/>
+          </a:xfrm>
+        </p:spPr>
+        <p:txBody>
+          <a:bodyPr>
+            <a:normAutofit/>
+          </a:bodyPr>
+          <a:lstStyle/>
+          <a:p>
+            <a:endParaRPr lang="en-US" sz="2400" dirty="0"/>
+          </a:p>
+        </p:txBody>
+      </p:sp>
+    </p:spTree>
+    <p:extLst>
+      <p:ext uri="{BB962C8B-B14F-4D97-AF65-F5344CB8AC3E}">
+        <p14:creationId xmlns:p14="http://schemas.microsoft.com/office/powerpoint/2010/main" val="724999479"/>
+      </p:ext>
+    </p:extLst>
+  </p:cSld>
+  <p:clrMapOvr>
+    <a:masterClrMapping/>
+  </p:clrMapOvr>
+  <p:timing>
+    <p:tnLst>
+      <p:par>
+        <p:cTn id="1" dur="indefinite" restart="never" nodeType="tmRoot"/>
+      </p:par>
+    </p:tnLst>
+  </p:timing>
+</p:sld>
+</file>
+
+<file path=ppt/slides/slide26.xml><?xml version="1.0" encoding="utf-8"?>
+<p:sld xmlns:a="http://schemas.openxmlformats.org/drawingml/2006/main" xmlns:r="http://schemas.openxmlformats.org/officeDocument/2006/relationships" xmlns:p="http://schemas.openxmlformats.org/presentationml/2006/main">
+  <p:cSld>
+    <p:spTree>
+      <p:nvGrpSpPr>
+        <p:cNvPr id="1" name=""/>
+        <p:cNvGrpSpPr/>
+        <p:nvPr/>
+      </p:nvGrpSpPr>
+      <p:grpSpPr>
+        <a:xfrm>
+          <a:off x="0" y="0"/>
+          <a:ext cx="0" cy="0"/>
+          <a:chOff x="0" y="0"/>
+          <a:chExt cx="0" cy="0"/>
+        </a:xfrm>
+      </p:grpSpPr>
+      <p:sp>
+        <p:nvSpPr>
+          <p:cNvPr id="2" name="Title 1"/>
+          <p:cNvSpPr>
+            <a:spLocks noGrp="1"/>
+          </p:cNvSpPr>
+          <p:nvPr>
+            <p:ph type="title"/>
+          </p:nvPr>
+        </p:nvSpPr>
+        <p:spPr>
+          <a:xfrm>
+            <a:off x="1141413" y="609600"/>
+            <a:ext cx="9905998" cy="963827"/>
+          </a:xfrm>
+        </p:spPr>
+        <p:txBody>
+          <a:bodyPr/>
+          <a:lstStyle/>
+          <a:p>
+            <a:r>
+              <a:rPr lang="en-US" dirty="0" smtClean="0"/>
+              <a:t>YYYYYYYYYYYYY</a:t>
+            </a:r>
+            <a:endParaRPr lang="en-US" dirty="0"/>
+          </a:p>
+        </p:txBody>
+      </p:sp>
+      <p:sp>
+        <p:nvSpPr>
+          <p:cNvPr id="3" name="Content Placeholder 2"/>
+          <p:cNvSpPr>
+            <a:spLocks noGrp="1"/>
+          </p:cNvSpPr>
+          <p:nvPr>
+            <p:ph idx="1"/>
+          </p:nvPr>
+        </p:nvSpPr>
+        <p:spPr>
+          <a:xfrm>
+            <a:off x="1141413" y="1754659"/>
+            <a:ext cx="9905998" cy="4036541"/>
+          </a:xfrm>
+        </p:spPr>
+        <p:txBody>
+          <a:bodyPr>
+            <a:normAutofit/>
+          </a:bodyPr>
+          <a:lstStyle/>
+          <a:p>
+            <a:endParaRPr lang="en-US" sz="2400" dirty="0"/>
+          </a:p>
+        </p:txBody>
+      </p:sp>
+    </p:spTree>
+    <p:extLst>
+      <p:ext uri="{BB962C8B-B14F-4D97-AF65-F5344CB8AC3E}">
+        <p14:creationId xmlns:p14="http://schemas.microsoft.com/office/powerpoint/2010/main" val="3330761653"/>
+      </p:ext>
+    </p:extLst>
+  </p:cSld>
+  <p:clrMapOvr>
+    <a:masterClrMapping/>
+  </p:clrMapOvr>
+  <p:timing>
+    <p:tnLst>
+      <p:par>
+        <p:cTn id="1" dur="indefinite" restart="never" nodeType="tmRoot"/>
+      </p:par>
+    </p:tnLst>
+  </p:timing>
 </p:sld>
 </file>
 
@@ -5946,9 +7594,10 @@
           <a:lstStyle/>
           <a:p>
             <a:r>
-              <a:rPr lang="en-US" dirty="0"/>
-              <a:t>What I would Like to Do Tonight</a:t>
-            </a:r>
+              <a:rPr lang="en-US" dirty="0" smtClean="0"/>
+              <a:t>My Background</a:t>
+            </a:r>
+            <a:endParaRPr lang="en-US" dirty="0"/>
           </a:p>
         </p:txBody>
       </p:sp>
@@ -5975,46 +7624,57 @@
           <a:lstStyle/>
           <a:p>
             <a:r>
+              <a:rPr lang="en-US" sz="2400" dirty="0" smtClean="0"/>
+              <a:t>~</a:t>
+            </a:r>
+            <a:r>
               <a:rPr lang="en-US" sz="2400" dirty="0"/>
-              <a:t>Provide a “lay of the land” in software technologies</a:t>
+              <a:t>20 years of experience in software… By way of finance</a:t>
             </a:r>
           </a:p>
           <a:p>
             <a:r>
               <a:rPr lang="en-US" sz="2400" dirty="0"/>
-              <a:t>Add real world context to the CISSP section on software</a:t>
+              <a:t>Big, Small, and In Between – GE, My own “social network”</a:t>
             </a:r>
           </a:p>
           <a:p>
             <a:r>
               <a:rPr lang="en-US" sz="2400" dirty="0"/>
-              <a:t>Show some code</a:t>
+              <a:t>Most Professional Work – Java/Oracle/Web</a:t>
             </a:r>
           </a:p>
           <a:p>
             <a:r>
               <a:rPr lang="en-US" sz="2400" dirty="0"/>
-              <a:t>Give some tips on interacting with development teams</a:t>
-            </a:r>
-          </a:p>
-          <a:p>
-            <a:endParaRPr lang="en-US" sz="2400" dirty="0"/>
-          </a:p>
-          <a:p>
-            <a:endParaRPr lang="en-US" sz="2400" dirty="0"/>
+              <a:t>Favorite: Python/Data</a:t>
+            </a:r>
+          </a:p>
+          <a:p>
+            <a:r>
+              <a:rPr lang="en-US" sz="2400" dirty="0"/>
+              <a:t>Now: Not my day job, but a fun hobby</a:t>
+            </a:r>
           </a:p>
         </p:txBody>
       </p:sp>
     </p:spTree>
     <p:extLst>
       <p:ext uri="{BB962C8B-B14F-4D97-AF65-F5344CB8AC3E}">
-        <p14:creationId xmlns:p14="http://schemas.microsoft.com/office/powerpoint/2010/main" val="2930340389"/>
+        <p14:creationId xmlns:p14="http://schemas.microsoft.com/office/powerpoint/2010/main" val="1459216169"/>
       </p:ext>
     </p:extLst>
   </p:cSld>
   <p:clrMapOvr>
     <a:masterClrMapping/>
   </p:clrMapOvr>
+  <p:timing>
+    <p:tnLst>
+      <p:par>
+        <p:cTn id="1" dur="indefinite" restart="never" nodeType="tmRoot"/>
+      </p:par>
+    </p:tnLst>
+  </p:timing>
 </p:sld>
 </file>
 
@@ -6099,9 +7759,8 @@
             <a:r>
               <a:rPr lang="en-US" sz="3600" dirty="0">
                 <a:solidFill>
-                  <a:schemeClr val="bg1">
-                    <a:lumMod val="95000"/>
-                    <a:lumOff val="5000"/>
+                  <a:schemeClr val="accent6">
+                    <a:lumMod val="50000"/>
                   </a:schemeClr>
                 </a:solidFill>
               </a:rPr>
@@ -6124,6 +7783,13 @@
   <p:clrMapOvr>
     <a:masterClrMapping/>
   </p:clrMapOvr>
+  <p:timing>
+    <p:tnLst>
+      <p:par>
+        <p:cTn id="1" dur="indefinite" restart="never" nodeType="tmRoot"/>
+      </p:par>
+    </p:tnLst>
+  </p:timing>
 </p:sld>
 </file>
 
@@ -6207,35 +7873,85 @@
           </a:p>
           <a:p>
             <a:r>
+              <a:rPr lang="en-US" sz="2400" dirty="0" smtClean="0"/>
+              <a:t>Please ask questions </a:t>
+            </a:r>
+            <a:r>
               <a:rPr lang="en-US" sz="2400" dirty="0"/>
-              <a:t>Questions at any time</a:t>
-            </a:r>
-          </a:p>
-          <a:p>
+              <a:t>at any time</a:t>
+            </a:r>
+          </a:p>
+          <a:p>
+            <a:r>
+              <a:rPr lang="en-US" sz="2400" dirty="0" smtClean="0"/>
+              <a:t>The test will take some real </a:t>
+            </a:r>
             <a:r>
               <a:rPr lang="en-US" sz="2400" dirty="0"/>
-              <a:t>Feel free to email me</a:t>
+              <a:t>study</a:t>
             </a:r>
           </a:p>
           <a:p>
             <a:pPr lvl="1"/>
             <a:r>
               <a:rPr lang="en-US" sz="2200" dirty="0"/>
-              <a:t>especially if you think software development is better than cybersecurity</a:t>
+              <a:t>Good breadth </a:t>
+            </a:r>
+            <a:r>
+              <a:rPr lang="en-US" sz="2200" dirty="0" smtClean="0"/>
+              <a:t>and background </a:t>
+            </a:r>
+            <a:r>
+              <a:rPr lang="en-US" sz="2200" dirty="0" smtClean="0">
+                <a:solidFill>
+                  <a:schemeClr val="accent6">
+                    <a:lumMod val="50000"/>
+                  </a:schemeClr>
+                </a:solidFill>
+              </a:rPr>
+              <a:t>(Mixed </a:t>
+            </a:r>
+            <a:r>
+              <a:rPr lang="en-US" sz="2200" dirty="0">
+                <a:solidFill>
+                  <a:schemeClr val="accent6">
+                    <a:lumMod val="50000"/>
+                  </a:schemeClr>
+                </a:solidFill>
+              </a:rPr>
+              <a:t>with </a:t>
+            </a:r>
+            <a:r>
+              <a:rPr lang="en-US" sz="2200" dirty="0" smtClean="0">
+                <a:solidFill>
+                  <a:schemeClr val="accent6">
+                    <a:lumMod val="50000"/>
+                  </a:schemeClr>
+                </a:solidFill>
+              </a:rPr>
+              <a:t>nitpicking)</a:t>
             </a:r>
           </a:p>
           <a:p>
             <a:r>
               <a:rPr lang="en-US" sz="2400" dirty="0"/>
-              <a:t>The Test – looks to need some real study</a:t>
-            </a:r>
-          </a:p>
-          <a:p>
-            <a:pPr lvl="1"/>
-            <a:r>
-              <a:rPr lang="en-US" sz="2200" dirty="0"/>
-              <a:t>Good breadth mixed with nitpicking</a:t>
-            </a:r>
+              <a:t>Feel free to email </a:t>
+            </a:r>
+            <a:r>
+              <a:rPr lang="en-US" sz="2400" dirty="0" smtClean="0"/>
+              <a:t>me (</a:t>
+            </a:r>
+            <a:r>
+              <a:rPr lang="en-US" sz="2400" dirty="0" smtClean="0">
+                <a:hlinkClick r:id="rId2"/>
+              </a:rPr>
+              <a:t>josh.martin@gmail.com</a:t>
+            </a:r>
+            <a:r>
+              <a:rPr lang="en-US" sz="2400" dirty="0" smtClean="0"/>
+              <a:t>)</a:t>
+            </a:r>
+            <a:endParaRPr lang="en-US" sz="2400" dirty="0"/>
           </a:p>
         </p:txBody>
       </p:sp>
@@ -6249,6 +7965,13 @@
   <p:clrMapOvr>
     <a:masterClrMapping/>
   </p:clrMapOvr>
+  <p:timing>
+    <p:tnLst>
+      <p:par>
+        <p:cTn id="1" dur="indefinite" restart="never" nodeType="tmRoot"/>
+      </p:par>
+    </p:tnLst>
+  </p:timing>
 </p:sld>
 </file>
 
@@ -6290,15 +8013,221 @@
           <a:lstStyle/>
           <a:p>
             <a:r>
-              <a:rPr lang="en-US" dirty="0"/>
-              <a:t>Street Credibility – Why?</a:t>
-            </a:r>
-          </a:p>
-        </p:txBody>
-      </p:sp>
-      <p:sp>
-        <p:nvSpPr>
-          <p:cNvPr id="3" name="Content Placeholder 2"/>
+              <a:rPr lang="en-US" dirty="0" smtClean="0"/>
+              <a:t>“Street Credibility”</a:t>
+            </a:r>
+            <a:endParaRPr lang="en-US" dirty="0"/>
+          </a:p>
+        </p:txBody>
+      </p:sp>
+      <p:pic>
+        <p:nvPicPr>
+          <p:cNvPr id="1030" name="Picture 6" descr="Image result for programmer frustrated"/>
+          <p:cNvPicPr>
+            <a:picLocks noChangeAspect="1" noChangeArrowheads="1"/>
+          </p:cNvPicPr>
+          <p:nvPr/>
+        </p:nvPicPr>
+        <p:blipFill>
+          <a:blip r:embed="rId2" cstate="email">
+            <a:extLst>
+              <a:ext uri="{28A0092B-C50C-407E-A947-70E740481C1C}">
+                <a14:useLocalDpi xmlns:a14="http://schemas.microsoft.com/office/drawing/2010/main"/>
+              </a:ext>
+            </a:extLst>
+          </a:blip>
+          <a:srcRect/>
+          <a:stretch>
+            <a:fillRect/>
+          </a:stretch>
+        </p:blipFill>
+        <p:spPr bwMode="auto">
+          <a:xfrm>
+            <a:off x="427425" y="2010032"/>
+            <a:ext cx="2915646" cy="3887529"/>
+          </a:xfrm>
+          <a:prstGeom prst="rect">
+            <a:avLst/>
+          </a:prstGeom>
+          <a:noFill/>
+          <a:extLst>
+            <a:ext uri="{909E8E84-426E-40DD-AFC4-6F175D3DCCD1}">
+              <a14:hiddenFill xmlns:a14="http://schemas.microsoft.com/office/drawing/2010/main">
+                <a:solidFill>
+                  <a:srgbClr val="FFFFFF"/>
+                </a:solidFill>
+              </a14:hiddenFill>
+            </a:ext>
+          </a:extLst>
+        </p:spPr>
+      </p:pic>
+      <p:pic>
+        <p:nvPicPr>
+          <p:cNvPr id="1032" name="Picture 8" descr="Image result for programmer frustrated"/>
+          <p:cNvPicPr>
+            <a:picLocks noChangeAspect="1" noChangeArrowheads="1"/>
+          </p:cNvPicPr>
+          <p:nvPr/>
+        </p:nvPicPr>
+        <p:blipFill>
+          <a:blip r:embed="rId3" cstate="email">
+            <a:extLst>
+              <a:ext uri="{28A0092B-C50C-407E-A947-70E740481C1C}">
+                <a14:useLocalDpi xmlns:a14="http://schemas.microsoft.com/office/drawing/2010/main"/>
+              </a:ext>
+            </a:extLst>
+          </a:blip>
+          <a:srcRect/>
+          <a:stretch>
+            <a:fillRect/>
+          </a:stretch>
+        </p:blipFill>
+        <p:spPr bwMode="auto">
+          <a:xfrm>
+            <a:off x="3155993" y="1800267"/>
+            <a:ext cx="3446163" cy="2584622"/>
+          </a:xfrm>
+          <a:prstGeom prst="rect">
+            <a:avLst/>
+          </a:prstGeom>
+          <a:noFill/>
+          <a:extLst>
+            <a:ext uri="{909E8E84-426E-40DD-AFC4-6F175D3DCCD1}">
+              <a14:hiddenFill xmlns:a14="http://schemas.microsoft.com/office/drawing/2010/main">
+                <a:solidFill>
+                  <a:srgbClr val="FFFFFF"/>
+                </a:solidFill>
+              </a14:hiddenFill>
+            </a:ext>
+          </a:extLst>
+        </p:spPr>
+      </p:pic>
+      <p:pic>
+        <p:nvPicPr>
+          <p:cNvPr id="1034" name="Picture 10" descr="Image result for programmer"/>
+          <p:cNvPicPr>
+            <a:picLocks noChangeAspect="1" noChangeArrowheads="1"/>
+          </p:cNvPicPr>
+          <p:nvPr/>
+        </p:nvPicPr>
+        <p:blipFill>
+          <a:blip r:embed="rId4" cstate="email">
+            <a:extLst>
+              <a:ext uri="{28A0092B-C50C-407E-A947-70E740481C1C}">
+                <a14:useLocalDpi xmlns:a14="http://schemas.microsoft.com/office/drawing/2010/main"/>
+              </a:ext>
+            </a:extLst>
+          </a:blip>
+          <a:srcRect/>
+          <a:stretch>
+            <a:fillRect/>
+          </a:stretch>
+        </p:blipFill>
+        <p:spPr bwMode="auto">
+          <a:xfrm>
+            <a:off x="2824634" y="3953796"/>
+            <a:ext cx="4696102" cy="2641558"/>
+          </a:xfrm>
+          <a:prstGeom prst="rect">
+            <a:avLst/>
+          </a:prstGeom>
+          <a:noFill/>
+          <a:extLst>
+            <a:ext uri="{909E8E84-426E-40DD-AFC4-6F175D3DCCD1}">
+              <a14:hiddenFill xmlns:a14="http://schemas.microsoft.com/office/drawing/2010/main">
+                <a:solidFill>
+                  <a:srgbClr val="FFFFFF"/>
+                </a:solidFill>
+              </a14:hiddenFill>
+            </a:ext>
+          </a:extLst>
+        </p:spPr>
+      </p:pic>
+      <p:pic>
+        <p:nvPicPr>
+          <p:cNvPr id="1036" name="Picture 12" descr="Related image"/>
+          <p:cNvPicPr>
+            <a:picLocks noChangeAspect="1" noChangeArrowheads="1"/>
+          </p:cNvPicPr>
+          <p:nvPr/>
+        </p:nvPicPr>
+        <p:blipFill>
+          <a:blip r:embed="rId5" cstate="email">
+            <a:extLst>
+              <a:ext uri="{28A0092B-C50C-407E-A947-70E740481C1C}">
+                <a14:useLocalDpi xmlns:a14="http://schemas.microsoft.com/office/drawing/2010/main"/>
+              </a:ext>
+            </a:extLst>
+          </a:blip>
+          <a:srcRect/>
+          <a:stretch>
+            <a:fillRect/>
+          </a:stretch>
+        </p:blipFill>
+        <p:spPr bwMode="auto">
+          <a:xfrm>
+            <a:off x="6071639" y="994685"/>
+            <a:ext cx="2921027" cy="3537853"/>
+          </a:xfrm>
+          <a:prstGeom prst="rect">
+            <a:avLst/>
+          </a:prstGeom>
+          <a:noFill/>
+          <a:extLst>
+            <a:ext uri="{909E8E84-426E-40DD-AFC4-6F175D3DCCD1}">
+              <a14:hiddenFill xmlns:a14="http://schemas.microsoft.com/office/drawing/2010/main">
+                <a:solidFill>
+                  <a:srgbClr val="FFFFFF"/>
+                </a:solidFill>
+              </a14:hiddenFill>
+            </a:ext>
+          </a:extLst>
+        </p:spPr>
+      </p:pic>
+      <p:pic>
+        <p:nvPicPr>
+          <p:cNvPr id="1038" name="Picture 14" descr="Image result for software developer"/>
+          <p:cNvPicPr>
+            <a:picLocks noChangeAspect="1" noChangeArrowheads="1"/>
+          </p:cNvPicPr>
+          <p:nvPr/>
+        </p:nvPicPr>
+        <p:blipFill>
+          <a:blip r:embed="rId6" cstate="email">
+            <a:extLst>
+              <a:ext uri="{28A0092B-C50C-407E-A947-70E740481C1C}">
+                <a14:useLocalDpi xmlns:a14="http://schemas.microsoft.com/office/drawing/2010/main"/>
+              </a:ext>
+            </a:extLst>
+          </a:blip>
+          <a:srcRect/>
+          <a:stretch>
+            <a:fillRect/>
+          </a:stretch>
+        </p:blipFill>
+        <p:spPr bwMode="auto">
+          <a:xfrm>
+            <a:off x="7296020" y="3320233"/>
+            <a:ext cx="4496735" cy="2997824"/>
+          </a:xfrm>
+          <a:prstGeom prst="rect">
+            <a:avLst/>
+          </a:prstGeom>
+          <a:noFill/>
+          <a:extLst>
+            <a:ext uri="{909E8E84-426E-40DD-AFC4-6F175D3DCCD1}">
+              <a14:hiddenFill xmlns:a14="http://schemas.microsoft.com/office/drawing/2010/main">
+                <a:solidFill>
+                  <a:srgbClr val="FFFFFF"/>
+                </a:solidFill>
+              </a14:hiddenFill>
+            </a:ext>
+          </a:extLst>
+        </p:spPr>
+      </p:pic>
+      <p:sp>
+        <p:nvSpPr>
+          <p:cNvPr id="12" name="Content Placeholder 2"/>
           <p:cNvSpPr>
             <a:spLocks noGrp="1"/>
           </p:cNvSpPr>
@@ -6308,8 +8237,8 @@
         </p:nvSpPr>
         <p:spPr>
           <a:xfrm>
-            <a:off x="1141413" y="1754659"/>
-            <a:ext cx="9905998" cy="4036541"/>
+            <a:off x="9333402" y="863675"/>
+            <a:ext cx="2369989" cy="1899936"/>
           </a:xfrm>
         </p:spPr>
         <p:txBody>
@@ -6319,22 +8248,22 @@
           <a:lstStyle/>
           <a:p>
             <a:r>
-              <a:rPr lang="en-US" sz="2400" dirty="0"/>
-              <a:t>Slide with pictures</a:t>
-            </a:r>
-          </a:p>
-          <a:p>
-            <a:r>
-              <a:rPr lang="en-US" sz="2400" dirty="0"/>
-              <a:t>How Development May See You</a:t>
-            </a:r>
-          </a:p>
-          <a:p>
-            <a:r>
-              <a:rPr lang="en-US" sz="2400" dirty="0"/>
-              <a:t>What you can do about it – Street Cred (Programming, etc.)</a:t>
-            </a:r>
-            <a:endParaRPr lang="en-US" sz="2200" dirty="0"/>
+              <a:rPr lang="en-US" sz="2400" dirty="0" smtClean="0"/>
+              <a:t>Frustration</a:t>
+            </a:r>
+          </a:p>
+          <a:p>
+            <a:r>
+              <a:rPr lang="en-US" sz="2400" dirty="0" smtClean="0"/>
+              <a:t>Success</a:t>
+            </a:r>
+          </a:p>
+          <a:p>
+            <a:r>
+              <a:rPr lang="en-US" sz="2400" dirty="0" smtClean="0"/>
+              <a:t>Nostalgia</a:t>
+            </a:r>
+            <a:endParaRPr lang="en-US" sz="2400" dirty="0"/>
           </a:p>
         </p:txBody>
       </p:sp>
@@ -6348,6 +8277,286 @@
   <p:clrMapOvr>
     <a:masterClrMapping/>
   </p:clrMapOvr>
+  <p:timing>
+    <p:tnLst>
+      <p:par>
+        <p:cTn id="1" dur="indefinite" restart="never" nodeType="tmRoot"/>
+      </p:par>
+    </p:tnLst>
+  </p:timing>
+</p:sld>
+</file>
+
+<file path=ppt/slides/slide7.xml><?xml version="1.0" encoding="utf-8"?>
+<p:sld xmlns:a="http://schemas.openxmlformats.org/drawingml/2006/main" xmlns:r="http://schemas.openxmlformats.org/officeDocument/2006/relationships" xmlns:p="http://schemas.openxmlformats.org/presentationml/2006/main">
+  <p:cSld>
+    <p:spTree>
+      <p:nvGrpSpPr>
+        <p:cNvPr id="1" name=""/>
+        <p:cNvGrpSpPr/>
+        <p:nvPr/>
+      </p:nvGrpSpPr>
+      <p:grpSpPr>
+        <a:xfrm>
+          <a:off x="0" y="0"/>
+          <a:ext cx="0" cy="0"/>
+          <a:chOff x="0" y="0"/>
+          <a:chExt cx="0" cy="0"/>
+        </a:xfrm>
+      </p:grpSpPr>
+      <p:sp>
+        <p:nvSpPr>
+          <p:cNvPr id="2" name="Title 1"/>
+          <p:cNvSpPr>
+            <a:spLocks noGrp="1"/>
+          </p:cNvSpPr>
+          <p:nvPr>
+            <p:ph type="title"/>
+          </p:nvPr>
+        </p:nvSpPr>
+        <p:spPr>
+          <a:xfrm>
+            <a:off x="1141413" y="609600"/>
+            <a:ext cx="9905998" cy="963827"/>
+          </a:xfrm>
+        </p:spPr>
+        <p:txBody>
+          <a:bodyPr/>
+          <a:lstStyle/>
+          <a:p>
+            <a:r>
+              <a:rPr lang="en-US" dirty="0" smtClean="0"/>
+              <a:t>Perceptions of Cybersecurity</a:t>
+            </a:r>
+            <a:endParaRPr lang="en-US" dirty="0"/>
+          </a:p>
+        </p:txBody>
+      </p:sp>
+      <p:sp>
+        <p:nvSpPr>
+          <p:cNvPr id="3" name="Content Placeholder 2"/>
+          <p:cNvSpPr>
+            <a:spLocks noGrp="1"/>
+          </p:cNvSpPr>
+          <p:nvPr>
+            <p:ph idx="1"/>
+          </p:nvPr>
+        </p:nvSpPr>
+        <p:spPr>
+          <a:xfrm>
+            <a:off x="1141413" y="1754659"/>
+            <a:ext cx="9905998" cy="4036541"/>
+          </a:xfrm>
+        </p:spPr>
+        <p:txBody>
+          <a:bodyPr>
+            <a:normAutofit/>
+          </a:bodyPr>
+          <a:lstStyle/>
+          <a:p>
+            <a:endParaRPr lang="en-US" sz="2400" dirty="0"/>
+          </a:p>
+        </p:txBody>
+      </p:sp>
+    </p:spTree>
+    <p:extLst>
+      <p:ext uri="{BB962C8B-B14F-4D97-AF65-F5344CB8AC3E}">
+        <p14:creationId xmlns:p14="http://schemas.microsoft.com/office/powerpoint/2010/main" val="3603286544"/>
+      </p:ext>
+    </p:extLst>
+  </p:cSld>
+  <p:clrMapOvr>
+    <a:masterClrMapping/>
+  </p:clrMapOvr>
+  <p:timing>
+    <p:tnLst>
+      <p:par>
+        <p:cTn id="1" dur="indefinite" restart="never" nodeType="tmRoot"/>
+      </p:par>
+    </p:tnLst>
+  </p:timing>
+</p:sld>
+</file>
+
+<file path=ppt/slides/slide8.xml><?xml version="1.0" encoding="utf-8"?>
+<p:sld xmlns:a="http://schemas.openxmlformats.org/drawingml/2006/main" xmlns:r="http://schemas.openxmlformats.org/officeDocument/2006/relationships" xmlns:p="http://schemas.openxmlformats.org/presentationml/2006/main">
+  <p:cSld>
+    <p:spTree>
+      <p:nvGrpSpPr>
+        <p:cNvPr id="1" name=""/>
+        <p:cNvGrpSpPr/>
+        <p:nvPr/>
+      </p:nvGrpSpPr>
+      <p:grpSpPr>
+        <a:xfrm>
+          <a:off x="0" y="0"/>
+          <a:ext cx="0" cy="0"/>
+          <a:chOff x="0" y="0"/>
+          <a:chExt cx="0" cy="0"/>
+        </a:xfrm>
+      </p:grpSpPr>
+      <p:sp>
+        <p:nvSpPr>
+          <p:cNvPr id="2" name="Title 1"/>
+          <p:cNvSpPr>
+            <a:spLocks noGrp="1"/>
+          </p:cNvSpPr>
+          <p:nvPr>
+            <p:ph type="title"/>
+          </p:nvPr>
+        </p:nvSpPr>
+        <p:spPr>
+          <a:xfrm>
+            <a:off x="1141413" y="609600"/>
+            <a:ext cx="9905998" cy="963827"/>
+          </a:xfrm>
+        </p:spPr>
+        <p:txBody>
+          <a:bodyPr/>
+          <a:lstStyle/>
+          <a:p>
+            <a:r>
+              <a:rPr lang="en-US" dirty="0" smtClean="0"/>
+              <a:t>What COULD help</a:t>
+            </a:r>
+            <a:endParaRPr lang="en-US" dirty="0"/>
+          </a:p>
+        </p:txBody>
+      </p:sp>
+      <p:sp>
+        <p:nvSpPr>
+          <p:cNvPr id="3" name="Content Placeholder 2"/>
+          <p:cNvSpPr>
+            <a:spLocks noGrp="1"/>
+          </p:cNvSpPr>
+          <p:nvPr>
+            <p:ph idx="1"/>
+          </p:nvPr>
+        </p:nvSpPr>
+        <p:spPr>
+          <a:xfrm>
+            <a:off x="1141413" y="1754659"/>
+            <a:ext cx="9905998" cy="4036541"/>
+          </a:xfrm>
+        </p:spPr>
+        <p:txBody>
+          <a:bodyPr>
+            <a:normAutofit/>
+          </a:bodyPr>
+          <a:lstStyle/>
+          <a:p>
+            <a:endParaRPr lang="en-US" sz="2400" dirty="0"/>
+          </a:p>
+        </p:txBody>
+      </p:sp>
+    </p:spTree>
+    <p:extLst>
+      <p:ext uri="{BB962C8B-B14F-4D97-AF65-F5344CB8AC3E}">
+        <p14:creationId xmlns:p14="http://schemas.microsoft.com/office/powerpoint/2010/main" val="2240205855"/>
+      </p:ext>
+    </p:extLst>
+  </p:cSld>
+  <p:clrMapOvr>
+    <a:masterClrMapping/>
+  </p:clrMapOvr>
+  <p:timing>
+    <p:tnLst>
+      <p:par>
+        <p:cTn id="1" dur="indefinite" restart="never" nodeType="tmRoot"/>
+      </p:par>
+    </p:tnLst>
+  </p:timing>
+</p:sld>
+</file>
+
+<file path=ppt/slides/slide9.xml><?xml version="1.0" encoding="utf-8"?>
+<p:sld xmlns:a="http://schemas.openxmlformats.org/drawingml/2006/main" xmlns:r="http://schemas.openxmlformats.org/officeDocument/2006/relationships" xmlns:p="http://schemas.openxmlformats.org/presentationml/2006/main">
+  <p:cSld>
+    <p:spTree>
+      <p:nvGrpSpPr>
+        <p:cNvPr id="1" name=""/>
+        <p:cNvGrpSpPr/>
+        <p:nvPr/>
+      </p:nvGrpSpPr>
+      <p:grpSpPr>
+        <a:xfrm>
+          <a:off x="0" y="0"/>
+          <a:ext cx="0" cy="0"/>
+          <a:chOff x="0" y="0"/>
+          <a:chExt cx="0" cy="0"/>
+        </a:xfrm>
+      </p:grpSpPr>
+      <p:sp>
+        <p:nvSpPr>
+          <p:cNvPr id="2" name="Title 1"/>
+          <p:cNvSpPr>
+            <a:spLocks noGrp="1"/>
+          </p:cNvSpPr>
+          <p:nvPr>
+            <p:ph type="title"/>
+          </p:nvPr>
+        </p:nvSpPr>
+        <p:spPr>
+          <a:xfrm>
+            <a:off x="1141413" y="609600"/>
+            <a:ext cx="9905998" cy="963827"/>
+          </a:xfrm>
+        </p:spPr>
+        <p:txBody>
+          <a:bodyPr/>
+          <a:lstStyle/>
+          <a:p>
+            <a:r>
+              <a:rPr lang="en-US" dirty="0" smtClean="0"/>
+              <a:t>Software Development 101</a:t>
+            </a:r>
+            <a:endParaRPr lang="en-US" dirty="0"/>
+          </a:p>
+        </p:txBody>
+      </p:sp>
+      <p:sp>
+        <p:nvSpPr>
+          <p:cNvPr id="3" name="Content Placeholder 2"/>
+          <p:cNvSpPr>
+            <a:spLocks noGrp="1"/>
+          </p:cNvSpPr>
+          <p:nvPr>
+            <p:ph idx="1"/>
+          </p:nvPr>
+        </p:nvSpPr>
+        <p:spPr>
+          <a:xfrm>
+            <a:off x="1141413" y="1754659"/>
+            <a:ext cx="9905998" cy="4036541"/>
+          </a:xfrm>
+        </p:spPr>
+        <p:txBody>
+          <a:bodyPr>
+            <a:normAutofit/>
+          </a:bodyPr>
+          <a:lstStyle/>
+          <a:p>
+            <a:endParaRPr lang="en-US" sz="2400" dirty="0"/>
+          </a:p>
+        </p:txBody>
+      </p:sp>
+    </p:spTree>
+    <p:extLst>
+      <p:ext uri="{BB962C8B-B14F-4D97-AF65-F5344CB8AC3E}">
+        <p14:creationId xmlns:p14="http://schemas.microsoft.com/office/powerpoint/2010/main" val="2935131512"/>
+      </p:ext>
+    </p:extLst>
+  </p:cSld>
+  <p:clrMapOvr>
+    <a:masterClrMapping/>
+  </p:clrMapOvr>
+  <p:timing>
+    <p:tnLst>
+      <p:par>
+        <p:cTn id="1" dur="indefinite" restart="never" nodeType="tmRoot"/>
+      </p:par>
+    </p:tnLst>
+  </p:timing>
 </p:sld>
 </file>
 

--- a/docs/Software Development - CISSP.pptx
+++ b/docs/Software Development - CISSP.pptx
@@ -8166,7 +8166,7 @@
         </p:blipFill>
         <p:spPr bwMode="auto">
           <a:xfrm>
-            <a:off x="6071639" y="994685"/>
+            <a:off x="6150529" y="863675"/>
             <a:ext cx="2921027" cy="3537853"/>
           </a:xfrm>
           <a:prstGeom prst="rect">
@@ -8182,6 +8182,79 @@
               </a14:hiddenFill>
             </a:ext>
           </a:extLst>
+        </p:spPr>
+      </p:pic>
+      <p:sp>
+        <p:nvSpPr>
+          <p:cNvPr id="12" name="Content Placeholder 2"/>
+          <p:cNvSpPr>
+            <a:spLocks noGrp="1"/>
+          </p:cNvSpPr>
+          <p:nvPr>
+            <p:ph idx="1"/>
+          </p:nvPr>
+        </p:nvSpPr>
+        <p:spPr>
+          <a:xfrm>
+            <a:off x="9447999" y="879625"/>
+            <a:ext cx="2163273" cy="1899936"/>
+          </a:xfrm>
+        </p:spPr>
+        <p:txBody>
+          <a:bodyPr>
+            <a:normAutofit/>
+          </a:bodyPr>
+          <a:lstStyle/>
+          <a:p>
+            <a:r>
+              <a:rPr lang="en-US" sz="2400" dirty="0" smtClean="0"/>
+              <a:t>Failure</a:t>
+            </a:r>
+            <a:endParaRPr lang="en-US" sz="2400" dirty="0" smtClean="0"/>
+          </a:p>
+          <a:p>
+            <a:r>
+              <a:rPr lang="en-US" sz="2400" dirty="0" smtClean="0"/>
+              <a:t>Success</a:t>
+            </a:r>
+            <a:endParaRPr lang="en-US" sz="2400" dirty="0" smtClean="0"/>
+          </a:p>
+          <a:p>
+            <a:r>
+              <a:rPr lang="en-US" sz="2400" dirty="0" smtClean="0"/>
+              <a:t>Nostalgia</a:t>
+            </a:r>
+            <a:endParaRPr lang="en-US" sz="2400" dirty="0"/>
+          </a:p>
+        </p:txBody>
+      </p:sp>
+      <p:pic>
+        <p:nvPicPr>
+          <p:cNvPr id="3" name="Picture 2"/>
+          <p:cNvPicPr>
+            <a:picLocks noChangeAspect="1"/>
+          </p:cNvPicPr>
+          <p:nvPr/>
+        </p:nvPicPr>
+        <p:blipFill rotWithShape="1">
+          <a:blip r:embed="rId6" cstate="email">
+            <a:extLst>
+              <a:ext uri="{28A0092B-C50C-407E-A947-70E740481C1C}">
+                <a14:useLocalDpi xmlns:a14="http://schemas.microsoft.com/office/drawing/2010/main"/>
+              </a:ext>
+            </a:extLst>
+          </a:blip>
+          <a:srcRect l="6579" t="5756" r="5503" b="5984"/>
+          <a:stretch/>
+        </p:blipFill>
+        <p:spPr>
+          <a:xfrm>
+            <a:off x="5632092" y="3193878"/>
+            <a:ext cx="5207342" cy="2745689"/>
+          </a:xfrm>
+          <a:prstGeom prst="rect">
+            <a:avLst/>
+          </a:prstGeom>
         </p:spPr>
       </p:pic>
       <p:pic>
@@ -8192,8 +8265,8 @@
           </p:cNvPicPr>
           <p:nvPr/>
         </p:nvPicPr>
-        <p:blipFill>
-          <a:blip r:embed="rId6" cstate="email">
+        <p:blipFill rotWithShape="1">
+          <a:blip r:embed="rId7" cstate="email">
             <a:extLst>
               <a:ext uri="{28A0092B-C50C-407E-A947-70E740481C1C}">
                 <a14:useLocalDpi xmlns:a14="http://schemas.microsoft.com/office/drawing/2010/main"/>
@@ -8201,14 +8274,12 @@
             </a:extLst>
           </a:blip>
           <a:srcRect/>
-          <a:stretch>
-            <a:fillRect/>
-          </a:stretch>
+          <a:stretch/>
         </p:blipFill>
         <p:spPr bwMode="auto">
           <a:xfrm>
-            <a:off x="7296020" y="3320233"/>
-            <a:ext cx="4496735" cy="2997824"/>
+            <a:off x="9003187" y="4049197"/>
+            <a:ext cx="2905125" cy="2546157"/>
           </a:xfrm>
           <a:prstGeom prst="rect">
             <a:avLst/>
@@ -8225,48 +8296,6 @@
           </a:extLst>
         </p:spPr>
       </p:pic>
-      <p:sp>
-        <p:nvSpPr>
-          <p:cNvPr id="12" name="Content Placeholder 2"/>
-          <p:cNvSpPr>
-            <a:spLocks noGrp="1"/>
-          </p:cNvSpPr>
-          <p:nvPr>
-            <p:ph idx="1"/>
-          </p:nvPr>
-        </p:nvSpPr>
-        <p:spPr>
-          <a:xfrm>
-            <a:off x="9333402" y="863675"/>
-            <a:ext cx="2369989" cy="1899936"/>
-          </a:xfrm>
-        </p:spPr>
-        <p:txBody>
-          <a:bodyPr>
-            <a:normAutofit/>
-          </a:bodyPr>
-          <a:lstStyle/>
-          <a:p>
-            <a:r>
-              <a:rPr lang="en-US" sz="2400" dirty="0" smtClean="0"/>
-              <a:t>Frustration</a:t>
-            </a:r>
-          </a:p>
-          <a:p>
-            <a:r>
-              <a:rPr lang="en-US" sz="2400" dirty="0" smtClean="0"/>
-              <a:t>Success</a:t>
-            </a:r>
-          </a:p>
-          <a:p>
-            <a:r>
-              <a:rPr lang="en-US" sz="2400" dirty="0" smtClean="0"/>
-              <a:t>Nostalgia</a:t>
-            </a:r>
-            <a:endParaRPr lang="en-US" sz="2400" dirty="0"/>
-          </a:p>
-        </p:txBody>
-      </p:sp>
     </p:spTree>
     <p:extLst>
       <p:ext uri="{BB962C8B-B14F-4D97-AF65-F5344CB8AC3E}">

--- a/docs/Software Development - CISSP.pptx
+++ b/docs/Software Development - CISSP.pptx
@@ -344,7 +344,7 @@
             <a:fld id="{B61BEF0D-F0BB-DE4B-95CE-6DB70DBA9567}" type="datetimeFigureOut">
               <a:rPr lang="en-US" smtClean="0"/>
               <a:pPr/>
-              <a:t>11/16/2017</a:t>
+              <a:t>11/19/2017</a:t>
             </a:fld>
             <a:endParaRPr lang="en-US" dirty="0"/>
           </a:p>
@@ -642,7 +642,7 @@
             <a:fld id="{B61BEF0D-F0BB-DE4B-95CE-6DB70DBA9567}" type="datetimeFigureOut">
               <a:rPr lang="en-US" smtClean="0"/>
               <a:pPr/>
-              <a:t>11/16/2017</a:t>
+              <a:t>11/19/2017</a:t>
             </a:fld>
             <a:endParaRPr lang="en-US" dirty="0"/>
           </a:p>
@@ -892,7 +892,7 @@
             <a:fld id="{B61BEF0D-F0BB-DE4B-95CE-6DB70DBA9567}" type="datetimeFigureOut">
               <a:rPr lang="en-US" smtClean="0"/>
               <a:pPr/>
-              <a:t>11/16/2017</a:t>
+              <a:t>11/19/2017</a:t>
             </a:fld>
             <a:endParaRPr lang="en-US" dirty="0"/>
           </a:p>
@@ -1430,7 +1430,7 @@
             <a:fld id="{B61BEF0D-F0BB-DE4B-95CE-6DB70DBA9567}" type="datetimeFigureOut">
               <a:rPr lang="en-US" smtClean="0"/>
               <a:pPr/>
-              <a:t>11/16/2017</a:t>
+              <a:t>11/19/2017</a:t>
             </a:fld>
             <a:endParaRPr lang="en-US" dirty="0"/>
           </a:p>
@@ -1680,7 +1680,7 @@
             <a:fld id="{B61BEF0D-F0BB-DE4B-95CE-6DB70DBA9567}" type="datetimeFigureOut">
               <a:rPr lang="en-US" smtClean="0"/>
               <a:pPr/>
-              <a:t>11/16/2017</a:t>
+              <a:t>11/19/2017</a:t>
             </a:fld>
             <a:endParaRPr lang="en-US" dirty="0"/>
           </a:p>
@@ -2225,7 +2225,7 @@
             <a:fld id="{B61BEF0D-F0BB-DE4B-95CE-6DB70DBA9567}" type="datetimeFigureOut">
               <a:rPr lang="en-US" smtClean="0"/>
               <a:pPr/>
-              <a:t>11/16/2017</a:t>
+              <a:t>11/19/2017</a:t>
             </a:fld>
             <a:endParaRPr lang="en-US" dirty="0"/>
           </a:p>
@@ -2537,7 +2537,7 @@
             <a:fld id="{B61BEF0D-F0BB-DE4B-95CE-6DB70DBA9567}" type="datetimeFigureOut">
               <a:rPr lang="en-US" smtClean="0"/>
               <a:pPr/>
-              <a:t>11/16/2017</a:t>
+              <a:t>11/19/2017</a:t>
             </a:fld>
             <a:endParaRPr lang="en-US" dirty="0"/>
           </a:p>
@@ -2714,7 +2714,7 @@
             <a:fld id="{B61BEF0D-F0BB-DE4B-95CE-6DB70DBA9567}" type="datetimeFigureOut">
               <a:rPr lang="en-US" smtClean="0"/>
               <a:pPr/>
-              <a:t>11/16/2017</a:t>
+              <a:t>11/19/2017</a:t>
             </a:fld>
             <a:endParaRPr lang="en-US" dirty="0"/>
           </a:p>
@@ -2896,7 +2896,7 @@
             <a:fld id="{B61BEF0D-F0BB-DE4B-95CE-6DB70DBA9567}" type="datetimeFigureOut">
               <a:rPr lang="en-US" smtClean="0"/>
               <a:pPr/>
-              <a:t>11/16/2017</a:t>
+              <a:t>11/19/2017</a:t>
             </a:fld>
             <a:endParaRPr lang="en-US" dirty="0"/>
           </a:p>
@@ -3073,7 +3073,7 @@
             <a:fld id="{B61BEF0D-F0BB-DE4B-95CE-6DB70DBA9567}" type="datetimeFigureOut">
               <a:rPr lang="en-US" smtClean="0"/>
               <a:pPr/>
-              <a:t>11/16/2017</a:t>
+              <a:t>11/19/2017</a:t>
             </a:fld>
             <a:endParaRPr lang="en-US" dirty="0"/>
           </a:p>
@@ -3321,7 +3321,7 @@
             <a:fld id="{B61BEF0D-F0BB-DE4B-95CE-6DB70DBA9567}" type="datetimeFigureOut">
               <a:rPr lang="en-US" smtClean="0"/>
               <a:pPr/>
-              <a:t>11/16/2017</a:t>
+              <a:t>11/19/2017</a:t>
             </a:fld>
             <a:endParaRPr lang="en-US" dirty="0"/>
           </a:p>
@@ -3620,7 +3620,7 @@
             <a:fld id="{B61BEF0D-F0BB-DE4B-95CE-6DB70DBA9567}" type="datetimeFigureOut">
               <a:rPr lang="en-US" smtClean="0"/>
               <a:pPr/>
-              <a:t>11/16/2017</a:t>
+              <a:t>11/19/2017</a:t>
             </a:fld>
             <a:endParaRPr lang="en-US" dirty="0"/>
           </a:p>
@@ -4052,7 +4052,7 @@
             <a:fld id="{B61BEF0D-F0BB-DE4B-95CE-6DB70DBA9567}" type="datetimeFigureOut">
               <a:rPr lang="en-US" smtClean="0"/>
               <a:pPr/>
-              <a:t>11/16/2017</a:t>
+              <a:t>11/19/2017</a:t>
             </a:fld>
             <a:endParaRPr lang="en-US" dirty="0"/>
           </a:p>
@@ -4177,7 +4177,7 @@
             <a:fld id="{B61BEF0D-F0BB-DE4B-95CE-6DB70DBA9567}" type="datetimeFigureOut">
               <a:rPr lang="en-US" smtClean="0"/>
               <a:pPr/>
-              <a:t>11/16/2017</a:t>
+              <a:t>11/19/2017</a:t>
             </a:fld>
             <a:endParaRPr lang="en-US" dirty="0"/>
           </a:p>
@@ -4274,7 +4274,7 @@
             <a:fld id="{B61BEF0D-F0BB-DE4B-95CE-6DB70DBA9567}" type="datetimeFigureOut">
               <a:rPr lang="en-US" smtClean="0"/>
               <a:pPr/>
-              <a:t>11/16/2017</a:t>
+              <a:t>11/19/2017</a:t>
             </a:fld>
             <a:endParaRPr lang="en-US" dirty="0"/>
           </a:p>
@@ -4559,7 +4559,7 @@
             <a:fld id="{B61BEF0D-F0BB-DE4B-95CE-6DB70DBA9567}" type="datetimeFigureOut">
               <a:rPr lang="en-US" smtClean="0"/>
               <a:pPr/>
-              <a:t>11/16/2017</a:t>
+              <a:t>11/19/2017</a:t>
             </a:fld>
             <a:endParaRPr lang="en-US" dirty="0"/>
           </a:p>
@@ -4852,7 +4852,7 @@
             <a:fld id="{B61BEF0D-F0BB-DE4B-95CE-6DB70DBA9567}" type="datetimeFigureOut">
               <a:rPr lang="en-US" smtClean="0"/>
               <a:pPr/>
-              <a:t>11/16/2017</a:t>
+              <a:t>11/19/2017</a:t>
             </a:fld>
             <a:endParaRPr lang="en-US" dirty="0"/>
           </a:p>
@@ -5085,7 +5085,7 @@
             <a:fld id="{B61BEF0D-F0BB-DE4B-95CE-6DB70DBA9567}" type="datetimeFigureOut">
               <a:rPr lang="en-US" smtClean="0"/>
               <a:pPr/>
-              <a:t>11/16/2017</a:t>
+              <a:t>11/19/2017</a:t>
             </a:fld>
             <a:endParaRPr lang="en-US" dirty="0"/>
           </a:p>
@@ -5791,13 +5791,8 @@
           <a:p>
             <a:r>
               <a:rPr lang="en-US" sz="2400" dirty="0"/>
-              <a:t>Street Credibility for </a:t>
-            </a:r>
-            <a:r>
-              <a:rPr lang="en-US" sz="2400" dirty="0" smtClean="0"/>
-              <a:t>Cybersecurity Practitioners</a:t>
-            </a:r>
-            <a:endParaRPr lang="en-US" sz="2400" dirty="0"/>
+              <a:t>Street Credibility for Cybersecurity Practitioners</a:t>
+            </a:r>
           </a:p>
         </p:txBody>
       </p:sp>
@@ -5811,13 +5806,6 @@
   <p:clrMapOvr>
     <a:masterClrMapping/>
   </p:clrMapOvr>
-  <p:timing>
-    <p:tnLst>
-      <p:par>
-        <p:cTn id="1" dur="indefinite" restart="never" nodeType="tmRoot"/>
-      </p:par>
-    </p:tnLst>
-  </p:timing>
 </p:sld>
 </file>
 
@@ -5859,11 +5847,11 @@
           <a:lstStyle/>
           <a:p>
             <a:r>
-              <a:rPr lang="en-US" dirty="0" smtClean="0"/>
+              <a:rPr lang="en-US" dirty="0"/>
               <a:t>Web</a:t>
             </a:r>
             <a:r>
-              <a:rPr lang="en-US" baseline="0" dirty="0" smtClean="0"/>
+              <a:rPr lang="en-US" baseline="0" dirty="0"/>
               <a:t> Technologies</a:t>
             </a:r>
             <a:endParaRPr lang="en-US" dirty="0"/>
@@ -5906,13 +5894,6 @@
   <p:clrMapOvr>
     <a:masterClrMapping/>
   </p:clrMapOvr>
-  <p:timing>
-    <p:tnLst>
-      <p:par>
-        <p:cTn id="1" dur="indefinite" restart="never" nodeType="tmRoot"/>
-      </p:par>
-    </p:tnLst>
-  </p:timing>
 </p:sld>
 </file>
 
@@ -5954,10 +5935,9 @@
           <a:lstStyle/>
           <a:p>
             <a:r>
-              <a:rPr lang="en-US" dirty="0" smtClean="0"/>
+              <a:rPr lang="en-US" dirty="0"/>
               <a:t>Middleware</a:t>
             </a:r>
-            <a:endParaRPr lang="en-US" dirty="0"/>
           </a:p>
         </p:txBody>
       </p:sp>
@@ -5997,13 +5977,6 @@
   <p:clrMapOvr>
     <a:masterClrMapping/>
   </p:clrMapOvr>
-  <p:timing>
-    <p:tnLst>
-      <p:par>
-        <p:cTn id="1" dur="indefinite" restart="never" nodeType="tmRoot"/>
-      </p:par>
-    </p:tnLst>
-  </p:timing>
 </p:sld>
 </file>
 
@@ -6045,11 +6018,11 @@
           <a:lstStyle/>
           <a:p>
             <a:r>
-              <a:rPr lang="en-US" dirty="0" smtClean="0"/>
+              <a:rPr lang="en-US" dirty="0"/>
               <a:t>The</a:t>
             </a:r>
             <a:r>
-              <a:rPr lang="en-US" baseline="0" dirty="0" smtClean="0"/>
+              <a:rPr lang="en-US" baseline="0" dirty="0"/>
               <a:t> “Backend”</a:t>
             </a:r>
             <a:endParaRPr lang="en-US" dirty="0"/>
@@ -6092,13 +6065,6 @@
   <p:clrMapOvr>
     <a:masterClrMapping/>
   </p:clrMapOvr>
-  <p:timing>
-    <p:tnLst>
-      <p:par>
-        <p:cTn id="1" dur="indefinite" restart="never" nodeType="tmRoot"/>
-      </p:par>
-    </p:tnLst>
-  </p:timing>
 </p:sld>
 </file>
 
@@ -6140,10 +6106,9 @@
           <a:lstStyle/>
           <a:p>
             <a:r>
-              <a:rPr lang="en-US" dirty="0" smtClean="0"/>
+              <a:rPr lang="en-US" dirty="0"/>
               <a:t>A note on mobile</a:t>
             </a:r>
-            <a:endParaRPr lang="en-US" dirty="0"/>
           </a:p>
         </p:txBody>
       </p:sp>
@@ -6183,13 +6148,6 @@
   <p:clrMapOvr>
     <a:masterClrMapping/>
   </p:clrMapOvr>
-  <p:timing>
-    <p:tnLst>
-      <p:par>
-        <p:cTn id="1" dur="indefinite" restart="never" nodeType="tmRoot"/>
-      </p:par>
-    </p:tnLst>
-  </p:timing>
 </p:sld>
 </file>
 
@@ -6231,11 +6189,11 @@
           <a:lstStyle/>
           <a:p>
             <a:r>
-              <a:rPr lang="en-US" dirty="0" smtClean="0"/>
+              <a:rPr lang="en-US" dirty="0"/>
               <a:t>The</a:t>
             </a:r>
             <a:r>
-              <a:rPr lang="en-US" baseline="0" dirty="0" smtClean="0"/>
+              <a:rPr lang="en-US" baseline="0" dirty="0"/>
               <a:t> Build</a:t>
             </a:r>
             <a:endParaRPr lang="en-US" dirty="0"/>
@@ -6278,13 +6236,6 @@
   <p:clrMapOvr>
     <a:masterClrMapping/>
   </p:clrMapOvr>
-  <p:timing>
-    <p:tnLst>
-      <p:par>
-        <p:cTn id="1" dur="indefinite" restart="never" nodeType="tmRoot"/>
-      </p:par>
-    </p:tnLst>
-  </p:timing>
 </p:sld>
 </file>
 
@@ -6326,10 +6277,9 @@
           <a:lstStyle/>
           <a:p>
             <a:r>
-              <a:rPr lang="en-US" dirty="0" smtClean="0"/>
+              <a:rPr lang="en-US" dirty="0"/>
               <a:t>Deployment</a:t>
             </a:r>
-            <a:endParaRPr lang="en-US" dirty="0"/>
           </a:p>
         </p:txBody>
       </p:sp>
@@ -6369,13 +6319,6 @@
   <p:clrMapOvr>
     <a:masterClrMapping/>
   </p:clrMapOvr>
-  <p:timing>
-    <p:tnLst>
-      <p:par>
-        <p:cTn id="1" dur="indefinite" restart="never" nodeType="tmRoot"/>
-      </p:par>
-    </p:tnLst>
-  </p:timing>
 </p:sld>
 </file>
 
@@ -6417,10 +6360,9 @@
           <a:lstStyle/>
           <a:p>
             <a:r>
-              <a:rPr lang="en-US" dirty="0" smtClean="0"/>
+              <a:rPr lang="en-US" dirty="0"/>
               <a:t>Testing</a:t>
             </a:r>
-            <a:endParaRPr lang="en-US" dirty="0"/>
           </a:p>
         </p:txBody>
       </p:sp>
@@ -6460,13 +6402,6 @@
   <p:clrMapOvr>
     <a:masterClrMapping/>
   </p:clrMapOvr>
-  <p:timing>
-    <p:tnLst>
-      <p:par>
-        <p:cTn id="1" dur="indefinite" restart="never" nodeType="tmRoot"/>
-      </p:par>
-    </p:tnLst>
-  </p:timing>
 </p:sld>
 </file>
 
@@ -6508,10 +6443,9 @@
           <a:lstStyle/>
           <a:p>
             <a:r>
-              <a:rPr lang="en-US" dirty="0" smtClean="0"/>
+              <a:rPr lang="en-US" dirty="0"/>
               <a:t>The Buzz</a:t>
             </a:r>
-            <a:endParaRPr lang="en-US" dirty="0"/>
           </a:p>
         </p:txBody>
       </p:sp>
@@ -6551,13 +6485,6 @@
   <p:clrMapOvr>
     <a:masterClrMapping/>
   </p:clrMapOvr>
-  <p:timing>
-    <p:tnLst>
-      <p:par>
-        <p:cTn id="1" dur="indefinite" restart="never" nodeType="tmRoot"/>
-      </p:par>
-    </p:tnLst>
-  </p:timing>
 </p:sld>
 </file>
 
@@ -6599,10 +6526,9 @@
           <a:lstStyle/>
           <a:p>
             <a:r>
-              <a:rPr lang="en-US" dirty="0" smtClean="0"/>
+              <a:rPr lang="en-US" dirty="0"/>
               <a:t>Cloud</a:t>
             </a:r>
-            <a:endParaRPr lang="en-US" dirty="0"/>
           </a:p>
         </p:txBody>
       </p:sp>
@@ -6642,13 +6568,6 @@
   <p:clrMapOvr>
     <a:masterClrMapping/>
   </p:clrMapOvr>
-  <p:timing>
-    <p:tnLst>
-      <p:par>
-        <p:cTn id="1" dur="indefinite" restart="never" nodeType="tmRoot"/>
-      </p:par>
-    </p:tnLst>
-  </p:timing>
 </p:sld>
 </file>
 
@@ -6690,10 +6609,9 @@
           <a:lstStyle/>
           <a:p>
             <a:r>
-              <a:rPr lang="en-US" dirty="0" smtClean="0"/>
+              <a:rPr lang="en-US" dirty="0"/>
               <a:t>Agile</a:t>
             </a:r>
-            <a:endParaRPr lang="en-US" dirty="0"/>
           </a:p>
         </p:txBody>
       </p:sp>
@@ -6733,13 +6651,6 @@
   <p:clrMapOvr>
     <a:masterClrMapping/>
   </p:clrMapOvr>
-  <p:timing>
-    <p:tnLst>
-      <p:par>
-        <p:cTn id="1" dur="indefinite" restart="never" nodeType="tmRoot"/>
-      </p:par>
-    </p:tnLst>
-  </p:timing>
 </p:sld>
 </file>
 
@@ -6782,7 +6693,7 @@
           <a:p>
             <a:r>
               <a:rPr lang="en-US" dirty="0"/>
-              <a:t>What I would Like to Do Tonight</a:t>
+              <a:t>What We Will Discuss</a:t>
             </a:r>
           </a:p>
         </p:txBody>
@@ -6810,49 +6721,35 @@
           <a:lstStyle/>
           <a:p>
             <a:r>
-              <a:rPr lang="en-US" sz="2400" dirty="0" smtClean="0"/>
+              <a:rPr lang="en-US" sz="2400" dirty="0"/>
               <a:t>Provide developer perspective – what security looks like</a:t>
             </a:r>
           </a:p>
           <a:p>
             <a:r>
-              <a:rPr lang="en-US" sz="2400" dirty="0" smtClean="0"/>
+              <a:rPr lang="en-US" sz="2400" dirty="0"/>
               <a:t>What can help – “Street Credibility”</a:t>
             </a:r>
           </a:p>
           <a:p>
             <a:pPr lvl="1"/>
             <a:r>
-              <a:rPr lang="en-US" sz="2200" dirty="0" smtClean="0"/>
-              <a:t>“</a:t>
-            </a:r>
-            <a:r>
               <a:rPr lang="en-US" sz="2200" dirty="0"/>
-              <a:t>lay of the land” in software </a:t>
-            </a:r>
-            <a:r>
-              <a:rPr lang="en-US" sz="2200" dirty="0" smtClean="0"/>
-              <a:t>technologies</a:t>
+              <a:t>“lay of the land” in software technologies</a:t>
             </a:r>
           </a:p>
           <a:p>
             <a:pPr lvl="1"/>
             <a:r>
-              <a:rPr lang="en-US" sz="2200" dirty="0" smtClean="0"/>
+              <a:rPr lang="en-US" sz="2200" dirty="0"/>
               <a:t>Code examples, including exploits</a:t>
             </a:r>
-            <a:endParaRPr lang="en-US" sz="2200" dirty="0"/>
           </a:p>
           <a:p>
             <a:r>
               <a:rPr lang="en-US" sz="2400" dirty="0"/>
-              <a:t>Add real world context to the CISSP section on </a:t>
-            </a:r>
-            <a:r>
-              <a:rPr lang="en-US" sz="2400" dirty="0" smtClean="0"/>
-              <a:t>software</a:t>
-            </a:r>
-            <a:endParaRPr lang="en-US" sz="2400" dirty="0"/>
+              <a:t>Add real world context to the CISSP section on software</a:t>
+            </a:r>
           </a:p>
           <a:p>
             <a:endParaRPr lang="en-US" sz="2400" dirty="0"/>
@@ -6869,13 +6766,6 @@
   <p:clrMapOvr>
     <a:masterClrMapping/>
   </p:clrMapOvr>
-  <p:timing>
-    <p:tnLst>
-      <p:par>
-        <p:cTn id="1" dur="indefinite" restart="never" nodeType="tmRoot"/>
-      </p:par>
-    </p:tnLst>
-  </p:timing>
 </p:sld>
 </file>
 
@@ -6917,10 +6807,9 @@
           <a:lstStyle/>
           <a:p>
             <a:r>
-              <a:rPr lang="en-US" dirty="0" smtClean="0"/>
+              <a:rPr lang="en-US" dirty="0"/>
               <a:t>DevOps</a:t>
             </a:r>
-            <a:endParaRPr lang="en-US" dirty="0"/>
           </a:p>
         </p:txBody>
       </p:sp>
@@ -6960,13 +6849,6 @@
   <p:clrMapOvr>
     <a:masterClrMapping/>
   </p:clrMapOvr>
-  <p:timing>
-    <p:tnLst>
-      <p:par>
-        <p:cTn id="1" dur="indefinite" restart="never" nodeType="tmRoot"/>
-      </p:par>
-    </p:tnLst>
-  </p:timing>
 </p:sld>
 </file>
 
@@ -7008,7 +6890,7 @@
           <a:lstStyle/>
           <a:p>
             <a:r>
-              <a:rPr lang="en-US" dirty="0" err="1" smtClean="0"/>
+              <a:rPr lang="en-US" dirty="0" err="1"/>
               <a:t>SECDevOps</a:t>
             </a:r>
             <a:endParaRPr lang="en-US" dirty="0"/>
@@ -7051,13 +6933,6 @@
   <p:clrMapOvr>
     <a:masterClrMapping/>
   </p:clrMapOvr>
-  <p:timing>
-    <p:tnLst>
-      <p:par>
-        <p:cTn id="1" dur="indefinite" restart="never" nodeType="tmRoot"/>
-      </p:par>
-    </p:tnLst>
-  </p:timing>
 </p:sld>
 </file>
 
@@ -7099,10 +6974,9 @@
           <a:lstStyle/>
           <a:p>
             <a:r>
-              <a:rPr lang="en-US" dirty="0" smtClean="0"/>
-              <a:t>JJDM AWS</a:t>
-            </a:r>
-            <a:endParaRPr lang="en-US" dirty="0"/>
+              <a:rPr lang="en-US" dirty="0"/>
+              <a:t>Putting It Together</a:t>
+            </a:r>
           </a:p>
         </p:txBody>
       </p:sp>
@@ -7129,46 +7003,45 @@
           <a:lstStyle/>
           <a:p>
             <a:r>
-              <a:rPr lang="en-US" sz="2400" dirty="0" smtClean="0"/>
+              <a:rPr lang="en-US" sz="2400" dirty="0"/>
               <a:t>Spin up server</a:t>
             </a:r>
           </a:p>
           <a:p>
             <a:r>
-              <a:rPr lang="en-US" sz="2400" dirty="0" smtClean="0"/>
+              <a:rPr lang="en-US" sz="2400" dirty="0"/>
               <a:t>Install Java</a:t>
             </a:r>
           </a:p>
           <a:p>
             <a:r>
-              <a:rPr lang="en-US" sz="2400" dirty="0" smtClean="0"/>
+              <a:rPr lang="en-US" sz="2400" dirty="0"/>
               <a:t>Install Tomcat</a:t>
             </a:r>
           </a:p>
           <a:p>
             <a:r>
-              <a:rPr lang="en-US" sz="2400" dirty="0" smtClean="0"/>
+              <a:rPr lang="en-US" sz="2400" dirty="0"/>
               <a:t>Install Maven</a:t>
             </a:r>
           </a:p>
           <a:p>
             <a:r>
-              <a:rPr lang="en-US" sz="2400" dirty="0" smtClean="0"/>
-              <a:t>Install </a:t>
-            </a:r>
-            <a:r>
-              <a:rPr lang="en-US" sz="2400" dirty="0" err="1" smtClean="0"/>
-              <a:t>Git</a:t>
-            </a:r>
-            <a:r>
-              <a:rPr lang="en-US" sz="2400" dirty="0" smtClean="0"/>
-              <a:t> (</a:t>
-            </a:r>
-            <a:r>
-              <a:rPr lang="en-US" sz="2400" smtClean="0"/>
-              <a:t>configure Security)</a:t>
-            </a:r>
-            <a:endParaRPr lang="en-US" sz="2400" dirty="0"/>
+              <a:rPr lang="en-US" sz="2400" dirty="0"/>
+              <a:t>Install Git (configure Security)</a:t>
+            </a:r>
+          </a:p>
+          <a:p>
+            <a:r>
+              <a:rPr lang="en-US" sz="2400" dirty="0"/>
+              <a:t>Pull Code We Showed</a:t>
+            </a:r>
+          </a:p>
+          <a:p>
+            <a:r>
+              <a:rPr lang="en-US" sz="2400" dirty="0"/>
+              <a:t>Build and START</a:t>
+            </a:r>
           </a:p>
         </p:txBody>
       </p:sp>
@@ -7182,13 +7055,6 @@
   <p:clrMapOvr>
     <a:masterClrMapping/>
   </p:clrMapOvr>
-  <p:timing>
-    <p:tnLst>
-      <p:par>
-        <p:cTn id="1" dur="indefinite" restart="never" nodeType="tmRoot"/>
-      </p:par>
-    </p:tnLst>
-  </p:timing>
 </p:sld>
 </file>
 
@@ -7230,8 +7096,12 @@
           <a:lstStyle/>
           <a:p>
             <a:r>
-              <a:rPr lang="en-US" dirty="0" smtClean="0"/>
-              <a:t>YYYYYYYYYYYYY</a:t>
+              <a:rPr lang="en-US" dirty="0"/>
+              <a:t>Vulnerability</a:t>
+            </a:r>
+            <a:r>
+              <a:rPr lang="en-US" baseline="0" dirty="0"/>
+              <a:t> Hunt</a:t>
             </a:r>
             <a:endParaRPr lang="en-US" dirty="0"/>
           </a:p>
@@ -7273,13 +7143,6 @@
   <p:clrMapOvr>
     <a:masterClrMapping/>
   </p:clrMapOvr>
-  <p:timing>
-    <p:tnLst>
-      <p:par>
-        <p:cTn id="1" dur="indefinite" restart="never" nodeType="tmRoot"/>
-      </p:par>
-    </p:tnLst>
-  </p:timing>
 </p:sld>
 </file>
 
@@ -7321,10 +7184,9 @@
           <a:lstStyle/>
           <a:p>
             <a:r>
-              <a:rPr lang="en-US" dirty="0" smtClean="0"/>
+              <a:rPr lang="en-US" dirty="0"/>
               <a:t>YYYYYYYYYYYYY</a:t>
             </a:r>
-            <a:endParaRPr lang="en-US" dirty="0"/>
           </a:p>
         </p:txBody>
       </p:sp>
@@ -7364,13 +7226,6 @@
   <p:clrMapOvr>
     <a:masterClrMapping/>
   </p:clrMapOvr>
-  <p:timing>
-    <p:tnLst>
-      <p:par>
-        <p:cTn id="1" dur="indefinite" restart="never" nodeType="tmRoot"/>
-      </p:par>
-    </p:tnLst>
-  </p:timing>
 </p:sld>
 </file>
 
@@ -7412,10 +7267,9 @@
           <a:lstStyle/>
           <a:p>
             <a:r>
-              <a:rPr lang="en-US" dirty="0" smtClean="0"/>
+              <a:rPr lang="en-US" dirty="0"/>
               <a:t>YYYYYYYYYYYYY</a:t>
             </a:r>
-            <a:endParaRPr lang="en-US" dirty="0"/>
           </a:p>
         </p:txBody>
       </p:sp>
@@ -7455,13 +7309,6 @@
   <p:clrMapOvr>
     <a:masterClrMapping/>
   </p:clrMapOvr>
-  <p:timing>
-    <p:tnLst>
-      <p:par>
-        <p:cTn id="1" dur="indefinite" restart="never" nodeType="tmRoot"/>
-      </p:par>
-    </p:tnLst>
-  </p:timing>
 </p:sld>
 </file>
 
@@ -7503,10 +7350,9 @@
           <a:lstStyle/>
           <a:p>
             <a:r>
-              <a:rPr lang="en-US" dirty="0" smtClean="0"/>
+              <a:rPr lang="en-US" dirty="0"/>
               <a:t>YYYYYYYYYYYYY</a:t>
             </a:r>
-            <a:endParaRPr lang="en-US" dirty="0"/>
           </a:p>
         </p:txBody>
       </p:sp>
@@ -7546,13 +7392,6 @@
   <p:clrMapOvr>
     <a:masterClrMapping/>
   </p:clrMapOvr>
-  <p:timing>
-    <p:tnLst>
-      <p:par>
-        <p:cTn id="1" dur="indefinite" restart="never" nodeType="tmRoot"/>
-      </p:par>
-    </p:tnLst>
-  </p:timing>
 </p:sld>
 </file>
 
@@ -7594,10 +7433,9 @@
           <a:lstStyle/>
           <a:p>
             <a:r>
-              <a:rPr lang="en-US" dirty="0" smtClean="0"/>
+              <a:rPr lang="en-US" dirty="0"/>
               <a:t>My Background</a:t>
             </a:r>
-            <a:endParaRPr lang="en-US" dirty="0"/>
           </a:p>
         </p:txBody>
       </p:sp>
@@ -7624,12 +7462,8 @@
           <a:lstStyle/>
           <a:p>
             <a:r>
-              <a:rPr lang="en-US" sz="2400" dirty="0" smtClean="0"/>
-              <a:t>~</a:t>
-            </a:r>
-            <a:r>
               <a:rPr lang="en-US" sz="2400" dirty="0"/>
-              <a:t>20 years of experience in software… By way of finance</a:t>
+              <a:t>~20 years of experience in software… By way of finance</a:t>
             </a:r>
           </a:p>
           <a:p>
@@ -7668,13 +7502,6 @@
   <p:clrMapOvr>
     <a:masterClrMapping/>
   </p:clrMapOvr>
-  <p:timing>
-    <p:tnLst>
-      <p:par>
-        <p:cTn id="1" dur="indefinite" restart="never" nodeType="tmRoot"/>
-      </p:par>
-    </p:tnLst>
-  </p:timing>
 </p:sld>
 </file>
 
@@ -7783,13 +7610,6 @@
   <p:clrMapOvr>
     <a:masterClrMapping/>
   </p:clrMapOvr>
-  <p:timing>
-    <p:tnLst>
-      <p:par>
-        <p:cTn id="1" dur="indefinite" restart="never" nodeType="tmRoot"/>
-      </p:par>
-    </p:tnLst>
-  </p:timing>
 </p:sld>
 </file>
 
@@ -7873,85 +7693,48 @@
           </a:p>
           <a:p>
             <a:r>
-              <a:rPr lang="en-US" sz="2400" dirty="0" smtClean="0"/>
-              <a:t>Please ask questions </a:t>
-            </a:r>
-            <a:r>
               <a:rPr lang="en-US" sz="2400" dirty="0"/>
-              <a:t>at any time</a:t>
-            </a:r>
-          </a:p>
-          <a:p>
-            <a:r>
-              <a:rPr lang="en-US" sz="2400" dirty="0" smtClean="0"/>
-              <a:t>The test will take some real </a:t>
-            </a:r>
+              <a:t>Please ask questions at any time</a:t>
+            </a:r>
+          </a:p>
+          <a:p>
             <a:r>
               <a:rPr lang="en-US" sz="2400" dirty="0"/>
-              <a:t>study</a:t>
+              <a:t>The test will take some real study</a:t>
             </a:r>
           </a:p>
           <a:p>
             <a:pPr lvl="1"/>
             <a:r>
               <a:rPr lang="en-US" sz="2200" dirty="0"/>
-              <a:t>Good breadth </a:t>
-            </a:r>
-            <a:r>
-              <a:rPr lang="en-US" sz="2200" dirty="0" smtClean="0"/>
-              <a:t>and background </a:t>
-            </a:r>
-            <a:r>
-              <a:rPr lang="en-US" sz="2200" dirty="0" smtClean="0">
+              <a:t>Good breadth and background </a:t>
+            </a:r>
+            <a:r>
+              <a:rPr lang="en-US" sz="2200" dirty="0">
                 <a:solidFill>
                   <a:schemeClr val="accent6">
                     <a:lumMod val="50000"/>
                   </a:schemeClr>
                 </a:solidFill>
               </a:rPr>
-              <a:t>(Mixed </a:t>
-            </a:r>
-            <a:r>
-              <a:rPr lang="en-US" sz="2200" dirty="0">
-                <a:solidFill>
-                  <a:schemeClr val="accent6">
-                    <a:lumMod val="50000"/>
-                  </a:schemeClr>
-                </a:solidFill>
-              </a:rPr>
-              <a:t>with </a:t>
-            </a:r>
-            <a:r>
-              <a:rPr lang="en-US" sz="2200" dirty="0" smtClean="0">
-                <a:solidFill>
-                  <a:schemeClr val="accent6">
-                    <a:lumMod val="50000"/>
-                  </a:schemeClr>
-                </a:solidFill>
-              </a:rPr>
-              <a:t>nitpicking)</a:t>
+              <a:t>(Mixed with nitpicking)</a:t>
             </a:r>
           </a:p>
           <a:p>
             <a:r>
               <a:rPr lang="en-US" sz="2400" dirty="0"/>
-              <a:t>Feel free to email </a:t>
-            </a:r>
-            <a:r>
-              <a:rPr lang="en-US" sz="2400" dirty="0" smtClean="0"/>
-              <a:t>me (</a:t>
-            </a:r>
-            <a:r>
-              <a:rPr lang="en-US" sz="2400" dirty="0" smtClean="0">
+              <a:t>Feel free to email me (</a:t>
+            </a:r>
+            <a:r>
+              <a:rPr lang="en-US" sz="2400" dirty="0">
                 <a:hlinkClick r:id="rId2"/>
               </a:rPr>
               <a:t>josh.martin@gmail.com</a:t>
             </a:r>
             <a:r>
-              <a:rPr lang="en-US" sz="2400" dirty="0" smtClean="0"/>
+              <a:rPr lang="en-US" sz="2400" dirty="0"/>
               <a:t>)</a:t>
             </a:r>
-            <a:endParaRPr lang="en-US" sz="2400" dirty="0"/>
           </a:p>
         </p:txBody>
       </p:sp>
@@ -7965,13 +7748,6 @@
   <p:clrMapOvr>
     <a:masterClrMapping/>
   </p:clrMapOvr>
-  <p:timing>
-    <p:tnLst>
-      <p:par>
-        <p:cTn id="1" dur="indefinite" restart="never" nodeType="tmRoot"/>
-      </p:par>
-    </p:tnLst>
-  </p:timing>
 </p:sld>
 </file>
 
@@ -8013,10 +7789,9 @@
           <a:lstStyle/>
           <a:p>
             <a:r>
-              <a:rPr lang="en-US" dirty="0" smtClean="0"/>
+              <a:rPr lang="en-US" dirty="0"/>
               <a:t>“Street Credibility”</a:t>
             </a:r>
-            <a:endParaRPr lang="en-US" dirty="0"/>
           </a:p>
         </p:txBody>
       </p:sp>
@@ -8207,24 +7982,21 @@
           <a:lstStyle/>
           <a:p>
             <a:r>
-              <a:rPr lang="en-US" sz="2400" dirty="0" smtClean="0"/>
+              <a:rPr lang="en-US" sz="2400" dirty="0"/>
               <a:t>Failure</a:t>
             </a:r>
-            <a:endParaRPr lang="en-US" sz="2400" dirty="0" smtClean="0"/>
-          </a:p>
-          <a:p>
-            <a:r>
-              <a:rPr lang="en-US" sz="2400" dirty="0" smtClean="0"/>
+          </a:p>
+          <a:p>
+            <a:r>
+              <a:rPr lang="en-US" sz="2400" dirty="0"/>
               <a:t>Success</a:t>
             </a:r>
-            <a:endParaRPr lang="en-US" sz="2400" dirty="0" smtClean="0"/>
-          </a:p>
-          <a:p>
-            <a:r>
-              <a:rPr lang="en-US" sz="2400" dirty="0" smtClean="0"/>
+          </a:p>
+          <a:p>
+            <a:r>
+              <a:rPr lang="en-US" sz="2400" dirty="0"/>
               <a:t>Nostalgia</a:t>
             </a:r>
-            <a:endParaRPr lang="en-US" sz="2400" dirty="0"/>
           </a:p>
         </p:txBody>
       </p:sp>
@@ -8306,13 +8078,6 @@
   <p:clrMapOvr>
     <a:masterClrMapping/>
   </p:clrMapOvr>
-  <p:timing>
-    <p:tnLst>
-      <p:par>
-        <p:cTn id="1" dur="indefinite" restart="never" nodeType="tmRoot"/>
-      </p:par>
-    </p:tnLst>
-  </p:timing>
 </p:sld>
 </file>
 
@@ -8354,10 +8119,9 @@
           <a:lstStyle/>
           <a:p>
             <a:r>
-              <a:rPr lang="en-US" dirty="0" smtClean="0"/>
+              <a:rPr lang="en-US" dirty="0"/>
               <a:t>Perceptions of Cybersecurity</a:t>
             </a:r>
-            <a:endParaRPr lang="en-US" dirty="0"/>
           </a:p>
         </p:txBody>
       </p:sp>
@@ -8397,13 +8161,6 @@
   <p:clrMapOvr>
     <a:masterClrMapping/>
   </p:clrMapOvr>
-  <p:timing>
-    <p:tnLst>
-      <p:par>
-        <p:cTn id="1" dur="indefinite" restart="never" nodeType="tmRoot"/>
-      </p:par>
-    </p:tnLst>
-  </p:timing>
 </p:sld>
 </file>
 
@@ -8445,10 +8202,9 @@
           <a:lstStyle/>
           <a:p>
             <a:r>
-              <a:rPr lang="en-US" dirty="0" smtClean="0"/>
+              <a:rPr lang="en-US" dirty="0"/>
               <a:t>What COULD help</a:t>
             </a:r>
-            <a:endParaRPr lang="en-US" dirty="0"/>
           </a:p>
         </p:txBody>
       </p:sp>
@@ -8488,13 +8244,6 @@
   <p:clrMapOvr>
     <a:masterClrMapping/>
   </p:clrMapOvr>
-  <p:timing>
-    <p:tnLst>
-      <p:par>
-        <p:cTn id="1" dur="indefinite" restart="never" nodeType="tmRoot"/>
-      </p:par>
-    </p:tnLst>
-  </p:timing>
 </p:sld>
 </file>
 
@@ -8536,10 +8285,9 @@
           <a:lstStyle/>
           <a:p>
             <a:r>
-              <a:rPr lang="en-US" dirty="0" smtClean="0"/>
+              <a:rPr lang="en-US" dirty="0"/>
               <a:t>Software Development 101</a:t>
             </a:r>
-            <a:endParaRPr lang="en-US" dirty="0"/>
           </a:p>
         </p:txBody>
       </p:sp>
@@ -8579,13 +8327,6 @@
   <p:clrMapOvr>
     <a:masterClrMapping/>
   </p:clrMapOvr>
-  <p:timing>
-    <p:tnLst>
-      <p:par>
-        <p:cTn id="1" dur="indefinite" restart="never" nodeType="tmRoot"/>
-      </p:par>
-    </p:tnLst>
-  </p:timing>
 </p:sld>
 </file>
 

--- a/docs/Software Development - CISSP.pptx
+++ b/docs/Software Development - CISSP.pptx
@@ -10,9 +10,9 @@
     <p:sldId id="257" r:id="rId4"/>
     <p:sldId id="259" r:id="rId5"/>
     <p:sldId id="260" r:id="rId6"/>
-    <p:sldId id="261" r:id="rId7"/>
-    <p:sldId id="262" r:id="rId8"/>
-    <p:sldId id="263" r:id="rId9"/>
+    <p:sldId id="262" r:id="rId7"/>
+    <p:sldId id="263" r:id="rId8"/>
+    <p:sldId id="261" r:id="rId9"/>
     <p:sldId id="264" r:id="rId10"/>
     <p:sldId id="265" r:id="rId11"/>
     <p:sldId id="266" r:id="rId12"/>
@@ -344,7 +344,7 @@
             <a:fld id="{B61BEF0D-F0BB-DE4B-95CE-6DB70DBA9567}" type="datetimeFigureOut">
               <a:rPr lang="en-US" smtClean="0"/>
               <a:pPr/>
-              <a:t>11/19/2017</a:t>
+              <a:t>11/20/2017</a:t>
             </a:fld>
             <a:endParaRPr lang="en-US" dirty="0"/>
           </a:p>
@@ -642,7 +642,7 @@
             <a:fld id="{B61BEF0D-F0BB-DE4B-95CE-6DB70DBA9567}" type="datetimeFigureOut">
               <a:rPr lang="en-US" smtClean="0"/>
               <a:pPr/>
-              <a:t>11/19/2017</a:t>
+              <a:t>11/20/2017</a:t>
             </a:fld>
             <a:endParaRPr lang="en-US" dirty="0"/>
           </a:p>
@@ -892,7 +892,7 @@
             <a:fld id="{B61BEF0D-F0BB-DE4B-95CE-6DB70DBA9567}" type="datetimeFigureOut">
               <a:rPr lang="en-US" smtClean="0"/>
               <a:pPr/>
-              <a:t>11/19/2017</a:t>
+              <a:t>11/20/2017</a:t>
             </a:fld>
             <a:endParaRPr lang="en-US" dirty="0"/>
           </a:p>
@@ -1430,7 +1430,7 @@
             <a:fld id="{B61BEF0D-F0BB-DE4B-95CE-6DB70DBA9567}" type="datetimeFigureOut">
               <a:rPr lang="en-US" smtClean="0"/>
               <a:pPr/>
-              <a:t>11/19/2017</a:t>
+              <a:t>11/20/2017</a:t>
             </a:fld>
             <a:endParaRPr lang="en-US" dirty="0"/>
           </a:p>
@@ -1680,7 +1680,7 @@
             <a:fld id="{B61BEF0D-F0BB-DE4B-95CE-6DB70DBA9567}" type="datetimeFigureOut">
               <a:rPr lang="en-US" smtClean="0"/>
               <a:pPr/>
-              <a:t>11/19/2017</a:t>
+              <a:t>11/20/2017</a:t>
             </a:fld>
             <a:endParaRPr lang="en-US" dirty="0"/>
           </a:p>
@@ -2225,7 +2225,7 @@
             <a:fld id="{B61BEF0D-F0BB-DE4B-95CE-6DB70DBA9567}" type="datetimeFigureOut">
               <a:rPr lang="en-US" smtClean="0"/>
               <a:pPr/>
-              <a:t>11/19/2017</a:t>
+              <a:t>11/20/2017</a:t>
             </a:fld>
             <a:endParaRPr lang="en-US" dirty="0"/>
           </a:p>
@@ -2537,7 +2537,7 @@
             <a:fld id="{B61BEF0D-F0BB-DE4B-95CE-6DB70DBA9567}" type="datetimeFigureOut">
               <a:rPr lang="en-US" smtClean="0"/>
               <a:pPr/>
-              <a:t>11/19/2017</a:t>
+              <a:t>11/20/2017</a:t>
             </a:fld>
             <a:endParaRPr lang="en-US" dirty="0"/>
           </a:p>
@@ -2714,7 +2714,7 @@
             <a:fld id="{B61BEF0D-F0BB-DE4B-95CE-6DB70DBA9567}" type="datetimeFigureOut">
               <a:rPr lang="en-US" smtClean="0"/>
               <a:pPr/>
-              <a:t>11/19/2017</a:t>
+              <a:t>11/20/2017</a:t>
             </a:fld>
             <a:endParaRPr lang="en-US" dirty="0"/>
           </a:p>
@@ -2896,7 +2896,7 @@
             <a:fld id="{B61BEF0D-F0BB-DE4B-95CE-6DB70DBA9567}" type="datetimeFigureOut">
               <a:rPr lang="en-US" smtClean="0"/>
               <a:pPr/>
-              <a:t>11/19/2017</a:t>
+              <a:t>11/20/2017</a:t>
             </a:fld>
             <a:endParaRPr lang="en-US" dirty="0"/>
           </a:p>
@@ -3073,7 +3073,7 @@
             <a:fld id="{B61BEF0D-F0BB-DE4B-95CE-6DB70DBA9567}" type="datetimeFigureOut">
               <a:rPr lang="en-US" smtClean="0"/>
               <a:pPr/>
-              <a:t>11/19/2017</a:t>
+              <a:t>11/20/2017</a:t>
             </a:fld>
             <a:endParaRPr lang="en-US" dirty="0"/>
           </a:p>
@@ -3321,7 +3321,7 @@
             <a:fld id="{B61BEF0D-F0BB-DE4B-95CE-6DB70DBA9567}" type="datetimeFigureOut">
               <a:rPr lang="en-US" smtClean="0"/>
               <a:pPr/>
-              <a:t>11/19/2017</a:t>
+              <a:t>11/20/2017</a:t>
             </a:fld>
             <a:endParaRPr lang="en-US" dirty="0"/>
           </a:p>
@@ -3620,7 +3620,7 @@
             <a:fld id="{B61BEF0D-F0BB-DE4B-95CE-6DB70DBA9567}" type="datetimeFigureOut">
               <a:rPr lang="en-US" smtClean="0"/>
               <a:pPr/>
-              <a:t>11/19/2017</a:t>
+              <a:t>11/20/2017</a:t>
             </a:fld>
             <a:endParaRPr lang="en-US" dirty="0"/>
           </a:p>
@@ -4052,7 +4052,7 @@
             <a:fld id="{B61BEF0D-F0BB-DE4B-95CE-6DB70DBA9567}" type="datetimeFigureOut">
               <a:rPr lang="en-US" smtClean="0"/>
               <a:pPr/>
-              <a:t>11/19/2017</a:t>
+              <a:t>11/20/2017</a:t>
             </a:fld>
             <a:endParaRPr lang="en-US" dirty="0"/>
           </a:p>
@@ -4177,7 +4177,7 @@
             <a:fld id="{B61BEF0D-F0BB-DE4B-95CE-6DB70DBA9567}" type="datetimeFigureOut">
               <a:rPr lang="en-US" smtClean="0"/>
               <a:pPr/>
-              <a:t>11/19/2017</a:t>
+              <a:t>11/20/2017</a:t>
             </a:fld>
             <a:endParaRPr lang="en-US" dirty="0"/>
           </a:p>
@@ -4274,7 +4274,7 @@
             <a:fld id="{B61BEF0D-F0BB-DE4B-95CE-6DB70DBA9567}" type="datetimeFigureOut">
               <a:rPr lang="en-US" smtClean="0"/>
               <a:pPr/>
-              <a:t>11/19/2017</a:t>
+              <a:t>11/20/2017</a:t>
             </a:fld>
             <a:endParaRPr lang="en-US" dirty="0"/>
           </a:p>
@@ -4559,7 +4559,7 @@
             <a:fld id="{B61BEF0D-F0BB-DE4B-95CE-6DB70DBA9567}" type="datetimeFigureOut">
               <a:rPr lang="en-US" smtClean="0"/>
               <a:pPr/>
-              <a:t>11/19/2017</a:t>
+              <a:t>11/20/2017</a:t>
             </a:fld>
             <a:endParaRPr lang="en-US" dirty="0"/>
           </a:p>
@@ -4852,7 +4852,7 @@
             <a:fld id="{B61BEF0D-F0BB-DE4B-95CE-6DB70DBA9567}" type="datetimeFigureOut">
               <a:rPr lang="en-US" smtClean="0"/>
               <a:pPr/>
-              <a:t>11/19/2017</a:t>
+              <a:t>11/20/2017</a:t>
             </a:fld>
             <a:endParaRPr lang="en-US" dirty="0"/>
           </a:p>
@@ -5085,7 +5085,7 @@
             <a:fld id="{B61BEF0D-F0BB-DE4B-95CE-6DB70DBA9567}" type="datetimeFigureOut">
               <a:rPr lang="en-US" smtClean="0"/>
               <a:pPr/>
-              <a:t>11/19/2017</a:t>
+              <a:t>11/20/2017</a:t>
             </a:fld>
             <a:endParaRPr lang="en-US" dirty="0"/>
           </a:p>
@@ -5848,7 +5848,7 @@
           <a:p>
             <a:r>
               <a:rPr lang="en-US" dirty="0"/>
-              <a:t>Web</a:t>
+              <a:t>Web/Browser</a:t>
             </a:r>
             <a:r>
               <a:rPr lang="en-US" baseline="0" dirty="0"/>
@@ -5880,7 +5880,55 @@
           </a:bodyPr>
           <a:lstStyle/>
           <a:p>
-            <a:endParaRPr lang="en-US" sz="2400" dirty="0"/>
+            <a:r>
+              <a:rPr lang="en-US" sz="2400" dirty="0"/>
+              <a:t>HTML: Hypertext Markup Language – The Layout</a:t>
+            </a:r>
+          </a:p>
+          <a:p>
+            <a:pPr lvl="1"/>
+            <a:r>
+              <a:rPr lang="en-US" sz="2200" dirty="0"/>
+              <a:t>HTML5 adds some good new features (Video, Workers, Data)</a:t>
+            </a:r>
+          </a:p>
+          <a:p>
+            <a:r>
+              <a:rPr lang="en-US" sz="2400" dirty="0"/>
+              <a:t>CSS: Cascading Style Sheet – The Look</a:t>
+            </a:r>
+          </a:p>
+          <a:p>
+            <a:pPr lvl="1"/>
+            <a:r>
+              <a:rPr lang="en-US" sz="2200" dirty="0"/>
+              <a:t>Responsive Design</a:t>
+            </a:r>
+          </a:p>
+          <a:p>
+            <a:r>
+              <a:rPr lang="en-US" sz="2400" dirty="0" err="1"/>
+              <a:t>Javascript</a:t>
+            </a:r>
+            <a:r>
+              <a:rPr lang="en-US" sz="2400" dirty="0"/>
+              <a:t> – Dynamic behavior (without page Reloads)</a:t>
+            </a:r>
+          </a:p>
+          <a:p>
+            <a:pPr lvl="1"/>
+            <a:r>
+              <a:rPr lang="en-US" sz="2200" dirty="0"/>
+              <a:t>Is </a:t>
+            </a:r>
+            <a:r>
+              <a:rPr lang="en-US" sz="2200" dirty="0" err="1"/>
+              <a:t>Javascript</a:t>
+            </a:r>
+            <a:r>
+              <a:rPr lang="en-US" sz="2200" dirty="0"/>
+              <a:t> a Programming Language?</a:t>
+            </a:r>
           </a:p>
         </p:txBody>
       </p:sp>
@@ -5963,7 +6011,57 @@
           </a:bodyPr>
           <a:lstStyle/>
           <a:p>
-            <a:endParaRPr lang="en-US" sz="2400" dirty="0"/>
+            <a:r>
+              <a:rPr lang="en-US" sz="2400" dirty="0"/>
+              <a:t>Middleware resides on the server (not browser)</a:t>
+            </a:r>
+          </a:p>
+          <a:p>
+            <a:r>
+              <a:rPr lang="en-US" sz="2400" dirty="0"/>
+              <a:t>Talks to Data sources (databases, Files, Web Services)</a:t>
+            </a:r>
+          </a:p>
+          <a:p>
+            <a:pPr lvl="1"/>
+            <a:r>
+              <a:rPr lang="en-US" sz="2200" dirty="0"/>
+              <a:t>Modern </a:t>
+            </a:r>
+            <a:r>
+              <a:rPr lang="en-US" sz="2200" dirty="0" err="1"/>
+              <a:t>Javascript</a:t>
+            </a:r>
+            <a:r>
+              <a:rPr lang="en-US" sz="2200" dirty="0"/>
+              <a:t> in Browsers can also call Web Services</a:t>
+            </a:r>
+          </a:p>
+          <a:p>
+            <a:r>
+              <a:rPr lang="en-US" sz="2400" dirty="0"/>
+              <a:t>Business Logic, Security, Integration, Services</a:t>
+            </a:r>
+          </a:p>
+          <a:p>
+            <a:r>
+              <a:rPr lang="en-US" sz="2400" dirty="0"/>
+              <a:t>Languages: Java, C#, Python, Ruby, C++, </a:t>
+            </a:r>
+            <a:r>
+              <a:rPr lang="en-US" sz="2400" dirty="0" err="1"/>
+              <a:t>Javascript</a:t>
+            </a:r>
+            <a:r>
+              <a:rPr lang="en-US" sz="2400" dirty="0"/>
+              <a:t>*</a:t>
+            </a:r>
+          </a:p>
+          <a:p>
+            <a:r>
+              <a:rPr lang="en-US" sz="2400" dirty="0"/>
+              <a:t>Need a Container to run code (Tomcat, Node, etc.)</a:t>
+            </a:r>
           </a:p>
         </p:txBody>
       </p:sp>
@@ -6051,7 +6149,46 @@
           </a:bodyPr>
           <a:lstStyle/>
           <a:p>
-            <a:endParaRPr lang="en-US" sz="2400" dirty="0"/>
+            <a:r>
+              <a:rPr lang="en-US" sz="2400" dirty="0"/>
+              <a:t>Traditionally, a relational database (e.g. Oracle, Postgres, </a:t>
+            </a:r>
+            <a:r>
+              <a:rPr lang="en-US" sz="2400" dirty="0" err="1"/>
+              <a:t>MySql</a:t>
+            </a:r>
+            <a:r>
+              <a:rPr lang="en-US" sz="2400" dirty="0"/>
+              <a:t>)</a:t>
+            </a:r>
+          </a:p>
+          <a:p>
+            <a:r>
+              <a:rPr lang="en-US" sz="2400" dirty="0"/>
+              <a:t>Also have </a:t>
+            </a:r>
+            <a:r>
+              <a:rPr lang="en-US" sz="2400" dirty="0" err="1"/>
+              <a:t>NoSql</a:t>
+            </a:r>
+            <a:r>
+              <a:rPr lang="en-US" sz="2400" dirty="0"/>
+              <a:t> Options (Mongo, Dynamo, </a:t>
+            </a:r>
+            <a:r>
+              <a:rPr lang="en-US" sz="2400" dirty="0" err="1"/>
+              <a:t>Redis</a:t>
+            </a:r>
+            <a:r>
+              <a:rPr lang="en-US" sz="2400" dirty="0"/>
+              <a:t>)</a:t>
+            </a:r>
+          </a:p>
+          <a:p>
+            <a:r>
+              <a:rPr lang="en-US" sz="2400" dirty="0"/>
+              <a:t>Also Have Unstructured Data – Images, Files</a:t>
+            </a:r>
           </a:p>
         </p:txBody>
       </p:sp>
@@ -6134,7 +6271,35 @@
           </a:bodyPr>
           <a:lstStyle/>
           <a:p>
-            <a:endParaRPr lang="en-US" sz="2400" dirty="0"/>
+            <a:r>
+              <a:rPr lang="en-US" sz="2400" dirty="0"/>
+              <a:t>Middleware and Backend have the same options</a:t>
+            </a:r>
+          </a:p>
+          <a:p>
+            <a:r>
+              <a:rPr lang="en-US" sz="2400" dirty="0"/>
+              <a:t>Front-end is usually mobile web (responsive) or Native</a:t>
+            </a:r>
+          </a:p>
+          <a:p>
+            <a:pPr lvl="1"/>
+            <a:r>
+              <a:rPr lang="en-US" sz="2200" dirty="0"/>
+              <a:t>Android is a Java-based Environment (with some C)</a:t>
+            </a:r>
+          </a:p>
+          <a:p>
+            <a:pPr lvl="1"/>
+            <a:r>
+              <a:rPr lang="en-US" sz="2200" dirty="0"/>
+              <a:t>Apple uses Objective C or </a:t>
+            </a:r>
+            <a:r>
+              <a:rPr lang="en-US" sz="2200" dirty="0" err="1"/>
+              <a:t>Swif</a:t>
+            </a:r>
+            <a:endParaRPr lang="en-US" sz="2200" dirty="0"/>
           </a:p>
         </p:txBody>
       </p:sp>
@@ -6751,9 +6916,6 @@
               <a:t>Add real world context to the CISSP section on software</a:t>
             </a:r>
           </a:p>
-          <a:p>
-            <a:endParaRPr lang="en-US" sz="2400" dirty="0"/>
-          </a:p>
         </p:txBody>
       </p:sp>
     </p:spTree>
@@ -7594,10 +7756,6 @@
               <a:t>(Fail)</a:t>
             </a:r>
           </a:p>
-          <a:p>
-            <a:pPr algn="ctr"/>
-            <a:endParaRPr lang="en-US" sz="8000" dirty="0"/>
-          </a:p>
         </p:txBody>
       </p:sp>
     </p:spTree>
@@ -7790,178 +7948,14 @@
           <a:p>
             <a:r>
               <a:rPr lang="en-US" dirty="0"/>
-              <a:t>“Street Credibility”</a:t>
-            </a:r>
-          </a:p>
-        </p:txBody>
-      </p:sp>
-      <p:pic>
-        <p:nvPicPr>
-          <p:cNvPr id="1030" name="Picture 6" descr="Image result for programmer frustrated"/>
-          <p:cNvPicPr>
-            <a:picLocks noChangeAspect="1" noChangeArrowheads="1"/>
-          </p:cNvPicPr>
-          <p:nvPr/>
-        </p:nvPicPr>
-        <p:blipFill>
-          <a:blip r:embed="rId2" cstate="email">
-            <a:extLst>
-              <a:ext uri="{28A0092B-C50C-407E-A947-70E740481C1C}">
-                <a14:useLocalDpi xmlns:a14="http://schemas.microsoft.com/office/drawing/2010/main"/>
-              </a:ext>
-            </a:extLst>
-          </a:blip>
-          <a:srcRect/>
-          <a:stretch>
-            <a:fillRect/>
-          </a:stretch>
-        </p:blipFill>
-        <p:spPr bwMode="auto">
-          <a:xfrm>
-            <a:off x="427425" y="2010032"/>
-            <a:ext cx="2915646" cy="3887529"/>
-          </a:xfrm>
-          <a:prstGeom prst="rect">
-            <a:avLst/>
-          </a:prstGeom>
-          <a:noFill/>
-          <a:extLst>
-            <a:ext uri="{909E8E84-426E-40DD-AFC4-6F175D3DCCD1}">
-              <a14:hiddenFill xmlns:a14="http://schemas.microsoft.com/office/drawing/2010/main">
-                <a:solidFill>
-                  <a:srgbClr val="FFFFFF"/>
-                </a:solidFill>
-              </a14:hiddenFill>
-            </a:ext>
-          </a:extLst>
-        </p:spPr>
-      </p:pic>
-      <p:pic>
-        <p:nvPicPr>
-          <p:cNvPr id="1032" name="Picture 8" descr="Image result for programmer frustrated"/>
-          <p:cNvPicPr>
-            <a:picLocks noChangeAspect="1" noChangeArrowheads="1"/>
-          </p:cNvPicPr>
-          <p:nvPr/>
-        </p:nvPicPr>
-        <p:blipFill>
-          <a:blip r:embed="rId3" cstate="email">
-            <a:extLst>
-              <a:ext uri="{28A0092B-C50C-407E-A947-70E740481C1C}">
-                <a14:useLocalDpi xmlns:a14="http://schemas.microsoft.com/office/drawing/2010/main"/>
-              </a:ext>
-            </a:extLst>
-          </a:blip>
-          <a:srcRect/>
-          <a:stretch>
-            <a:fillRect/>
-          </a:stretch>
-        </p:blipFill>
-        <p:spPr bwMode="auto">
-          <a:xfrm>
-            <a:off x="3155993" y="1800267"/>
-            <a:ext cx="3446163" cy="2584622"/>
-          </a:xfrm>
-          <a:prstGeom prst="rect">
-            <a:avLst/>
-          </a:prstGeom>
-          <a:noFill/>
-          <a:extLst>
-            <a:ext uri="{909E8E84-426E-40DD-AFC4-6F175D3DCCD1}">
-              <a14:hiddenFill xmlns:a14="http://schemas.microsoft.com/office/drawing/2010/main">
-                <a:solidFill>
-                  <a:srgbClr val="FFFFFF"/>
-                </a:solidFill>
-              </a14:hiddenFill>
-            </a:ext>
-          </a:extLst>
-        </p:spPr>
-      </p:pic>
-      <p:pic>
-        <p:nvPicPr>
-          <p:cNvPr id="1034" name="Picture 10" descr="Image result for programmer"/>
-          <p:cNvPicPr>
-            <a:picLocks noChangeAspect="1" noChangeArrowheads="1"/>
-          </p:cNvPicPr>
-          <p:nvPr/>
-        </p:nvPicPr>
-        <p:blipFill>
-          <a:blip r:embed="rId4" cstate="email">
-            <a:extLst>
-              <a:ext uri="{28A0092B-C50C-407E-A947-70E740481C1C}">
-                <a14:useLocalDpi xmlns:a14="http://schemas.microsoft.com/office/drawing/2010/main"/>
-              </a:ext>
-            </a:extLst>
-          </a:blip>
-          <a:srcRect/>
-          <a:stretch>
-            <a:fillRect/>
-          </a:stretch>
-        </p:blipFill>
-        <p:spPr bwMode="auto">
-          <a:xfrm>
-            <a:off x="2824634" y="3953796"/>
-            <a:ext cx="4696102" cy="2641558"/>
-          </a:xfrm>
-          <a:prstGeom prst="rect">
-            <a:avLst/>
-          </a:prstGeom>
-          <a:noFill/>
-          <a:extLst>
-            <a:ext uri="{909E8E84-426E-40DD-AFC4-6F175D3DCCD1}">
-              <a14:hiddenFill xmlns:a14="http://schemas.microsoft.com/office/drawing/2010/main">
-                <a:solidFill>
-                  <a:srgbClr val="FFFFFF"/>
-                </a:solidFill>
-              </a14:hiddenFill>
-            </a:ext>
-          </a:extLst>
-        </p:spPr>
-      </p:pic>
-      <p:pic>
-        <p:nvPicPr>
-          <p:cNvPr id="1036" name="Picture 12" descr="Related image"/>
-          <p:cNvPicPr>
-            <a:picLocks noChangeAspect="1" noChangeArrowheads="1"/>
-          </p:cNvPicPr>
-          <p:nvPr/>
-        </p:nvPicPr>
-        <p:blipFill>
-          <a:blip r:embed="rId5" cstate="email">
-            <a:extLst>
-              <a:ext uri="{28A0092B-C50C-407E-A947-70E740481C1C}">
-                <a14:useLocalDpi xmlns:a14="http://schemas.microsoft.com/office/drawing/2010/main"/>
-              </a:ext>
-            </a:extLst>
-          </a:blip>
-          <a:srcRect/>
-          <a:stretch>
-            <a:fillRect/>
-          </a:stretch>
-        </p:blipFill>
-        <p:spPr bwMode="auto">
-          <a:xfrm>
-            <a:off x="6150529" y="863675"/>
-            <a:ext cx="2921027" cy="3537853"/>
-          </a:xfrm>
-          <a:prstGeom prst="rect">
-            <a:avLst/>
-          </a:prstGeom>
-          <a:noFill/>
-          <a:extLst>
-            <a:ext uri="{909E8E84-426E-40DD-AFC4-6F175D3DCCD1}">
-              <a14:hiddenFill xmlns:a14="http://schemas.microsoft.com/office/drawing/2010/main">
-                <a:solidFill>
-                  <a:srgbClr val="FFFFFF"/>
-                </a:solidFill>
-              </a14:hiddenFill>
-            </a:ext>
-          </a:extLst>
-        </p:spPr>
-      </p:pic>
-      <p:sp>
-        <p:nvSpPr>
-          <p:cNvPr id="12" name="Content Placeholder 2"/>
+              <a:t>Software Perceptions of Cybersecurity</a:t>
+            </a:r>
+          </a:p>
+        </p:txBody>
+      </p:sp>
+      <p:sp>
+        <p:nvSpPr>
+          <p:cNvPr id="3" name="Content Placeholder 2"/>
           <p:cNvSpPr>
             <a:spLocks noGrp="1"/>
           </p:cNvSpPr>
@@ -7971,8 +7965,8 @@
         </p:nvSpPr>
         <p:spPr>
           <a:xfrm>
-            <a:off x="9447999" y="879625"/>
-            <a:ext cx="2163273" cy="1899936"/>
+            <a:off x="1141413" y="1754659"/>
+            <a:ext cx="9905998" cy="4036541"/>
           </a:xfrm>
         </p:spPr>
         <p:txBody>
@@ -7983,95 +7977,49 @@
           <a:p>
             <a:r>
               <a:rPr lang="en-US" sz="2400" dirty="0"/>
-              <a:t>Failure</a:t>
+              <a:t>Want to be involved early in the process</a:t>
             </a:r>
           </a:p>
           <a:p>
             <a:r>
               <a:rPr lang="en-US" sz="2400" dirty="0"/>
-              <a:t>Success</a:t>
-            </a:r>
-          </a:p>
-          <a:p>
-            <a:r>
-              <a:rPr lang="en-US" sz="2400" dirty="0"/>
-              <a:t>Nostalgia</a:t>
-            </a:r>
-          </a:p>
-        </p:txBody>
-      </p:sp>
-      <p:pic>
-        <p:nvPicPr>
-          <p:cNvPr id="3" name="Picture 2"/>
-          <p:cNvPicPr>
-            <a:picLocks noChangeAspect="1"/>
-          </p:cNvPicPr>
-          <p:nvPr/>
-        </p:nvPicPr>
-        <p:blipFill rotWithShape="1">
-          <a:blip r:embed="rId6" cstate="email">
-            <a:extLst>
-              <a:ext uri="{28A0092B-C50C-407E-A947-70E740481C1C}">
-                <a14:useLocalDpi xmlns:a14="http://schemas.microsoft.com/office/drawing/2010/main"/>
-              </a:ext>
-            </a:extLst>
-          </a:blip>
-          <a:srcRect l="6579" t="5756" r="5503" b="5984"/>
-          <a:stretch/>
-        </p:blipFill>
-        <p:spPr>
-          <a:xfrm>
-            <a:off x="5632092" y="3193878"/>
-            <a:ext cx="5207342" cy="2745689"/>
-          </a:xfrm>
-          <a:prstGeom prst="rect">
-            <a:avLst/>
-          </a:prstGeom>
-        </p:spPr>
-      </p:pic>
-      <p:pic>
-        <p:nvPicPr>
-          <p:cNvPr id="1038" name="Picture 14" descr="Image result for software developer"/>
-          <p:cNvPicPr>
-            <a:picLocks noChangeAspect="1" noChangeArrowheads="1"/>
-          </p:cNvPicPr>
-          <p:nvPr/>
-        </p:nvPicPr>
-        <p:blipFill rotWithShape="1">
-          <a:blip r:embed="rId7" cstate="email">
-            <a:extLst>
-              <a:ext uri="{28A0092B-C50C-407E-A947-70E740481C1C}">
-                <a14:useLocalDpi xmlns:a14="http://schemas.microsoft.com/office/drawing/2010/main"/>
-              </a:ext>
-            </a:extLst>
-          </a:blip>
-          <a:srcRect/>
-          <a:stretch/>
-        </p:blipFill>
-        <p:spPr bwMode="auto">
-          <a:xfrm>
-            <a:off x="9003187" y="4049197"/>
-            <a:ext cx="2905125" cy="2546157"/>
-          </a:xfrm>
-          <a:prstGeom prst="rect">
-            <a:avLst/>
-          </a:prstGeom>
-          <a:noFill/>
-          <a:extLst>
-            <a:ext uri="{909E8E84-426E-40DD-AFC4-6F175D3DCCD1}">
-              <a14:hiddenFill xmlns:a14="http://schemas.microsoft.com/office/drawing/2010/main">
-                <a:solidFill>
-                  <a:srgbClr val="FFFFFF"/>
-                </a:solidFill>
-              </a14:hiddenFill>
-            </a:ext>
-          </a:extLst>
-        </p:spPr>
-      </p:pic>
+              <a:t>Why not?</a:t>
+            </a:r>
+          </a:p>
+          <a:p>
+            <a:pPr lvl="1"/>
+            <a:r>
+              <a:rPr lang="en-US" sz="2200" dirty="0"/>
+              <a:t>Gas versus Brakes</a:t>
+            </a:r>
+          </a:p>
+          <a:p>
+            <a:pPr lvl="1"/>
+            <a:r>
+              <a:rPr lang="en-US" sz="2200" dirty="0"/>
+              <a:t>“No machine”</a:t>
+            </a:r>
+          </a:p>
+          <a:p>
+            <a:pPr lvl="1"/>
+            <a:r>
+              <a:rPr lang="en-US" sz="2200" dirty="0"/>
+              <a:t>Checklists without understanding</a:t>
+            </a:r>
+          </a:p>
+          <a:p>
+            <a:pPr lvl="1"/>
+            <a:r>
+              <a:rPr lang="en-US" sz="2200" dirty="0"/>
+              <a:t>Slow, Manual Processes</a:t>
+            </a:r>
+          </a:p>
+        </p:txBody>
+      </p:sp>
     </p:spTree>
     <p:extLst>
       <p:ext uri="{BB962C8B-B14F-4D97-AF65-F5344CB8AC3E}">
-        <p14:creationId xmlns:p14="http://schemas.microsoft.com/office/powerpoint/2010/main" val="1017323421"/>
+        <p14:creationId xmlns:p14="http://schemas.microsoft.com/office/powerpoint/2010/main" val="3603286544"/>
       </p:ext>
     </p:extLst>
   </p:cSld>
@@ -8120,7 +8068,7 @@
           <a:p>
             <a:r>
               <a:rPr lang="en-US" dirty="0"/>
-              <a:t>Perceptions of Cybersecurity</a:t>
+              <a:t>What COULD help</a:t>
             </a:r>
           </a:p>
         </p:txBody>
@@ -8147,14 +8095,48 @@
           </a:bodyPr>
           <a:lstStyle/>
           <a:p>
-            <a:endParaRPr lang="en-US" sz="2400" dirty="0"/>
+            <a:r>
+              <a:rPr lang="en-US" sz="2400" dirty="0"/>
+              <a:t>Technical Know-How</a:t>
+            </a:r>
+          </a:p>
+          <a:p>
+            <a:pPr lvl="1"/>
+            <a:r>
+              <a:rPr lang="en-US" sz="2200" dirty="0"/>
+              <a:t>Side projects, Open Source, Hobby (Raspberry Pi Network)</a:t>
+            </a:r>
+          </a:p>
+          <a:p>
+            <a:r>
+              <a:rPr lang="en-US" sz="2400" dirty="0"/>
+              <a:t>Helping team get to Yes</a:t>
+            </a:r>
+          </a:p>
+          <a:p>
+            <a:r>
+              <a:rPr lang="en-US" sz="2400" dirty="0"/>
+              <a:t>Automation (more on this later)</a:t>
+            </a:r>
+          </a:p>
+          <a:p>
+            <a:r>
+              <a:rPr lang="en-US" sz="2400" dirty="0"/>
+              <a:t>No Waiting Lists</a:t>
+            </a:r>
+          </a:p>
+          <a:p>
+            <a:r>
+              <a:rPr lang="en-US" sz="2400" dirty="0"/>
+              <a:t>Light Touch</a:t>
+            </a:r>
           </a:p>
         </p:txBody>
       </p:sp>
     </p:spTree>
     <p:extLst>
       <p:ext uri="{BB962C8B-B14F-4D97-AF65-F5344CB8AC3E}">
-        <p14:creationId xmlns:p14="http://schemas.microsoft.com/office/powerpoint/2010/main" val="3603286544"/>
+        <p14:creationId xmlns:p14="http://schemas.microsoft.com/office/powerpoint/2010/main" val="2240205855"/>
       </p:ext>
     </p:extLst>
   </p:cSld>
@@ -8203,14 +8185,178 @@
           <a:p>
             <a:r>
               <a:rPr lang="en-US" dirty="0"/>
-              <a:t>What COULD help</a:t>
-            </a:r>
-          </a:p>
-        </p:txBody>
-      </p:sp>
-      <p:sp>
-        <p:nvSpPr>
-          <p:cNvPr id="3" name="Content Placeholder 2"/>
+              <a:t>“Street Credibility”</a:t>
+            </a:r>
+          </a:p>
+        </p:txBody>
+      </p:sp>
+      <p:pic>
+        <p:nvPicPr>
+          <p:cNvPr id="1030" name="Picture 6" descr="Image result for programmer frustrated"/>
+          <p:cNvPicPr>
+            <a:picLocks noChangeAspect="1" noChangeArrowheads="1"/>
+          </p:cNvPicPr>
+          <p:nvPr/>
+        </p:nvPicPr>
+        <p:blipFill>
+          <a:blip r:embed="rId2" cstate="email">
+            <a:extLst>
+              <a:ext uri="{28A0092B-C50C-407E-A947-70E740481C1C}">
+                <a14:useLocalDpi xmlns:a14="http://schemas.microsoft.com/office/drawing/2010/main"/>
+              </a:ext>
+            </a:extLst>
+          </a:blip>
+          <a:srcRect/>
+          <a:stretch>
+            <a:fillRect/>
+          </a:stretch>
+        </p:blipFill>
+        <p:spPr bwMode="auto">
+          <a:xfrm>
+            <a:off x="427425" y="2010032"/>
+            <a:ext cx="2915646" cy="3887529"/>
+          </a:xfrm>
+          <a:prstGeom prst="rect">
+            <a:avLst/>
+          </a:prstGeom>
+          <a:noFill/>
+          <a:extLst>
+            <a:ext uri="{909E8E84-426E-40DD-AFC4-6F175D3DCCD1}">
+              <a14:hiddenFill xmlns:a14="http://schemas.microsoft.com/office/drawing/2010/main">
+                <a:solidFill>
+                  <a:srgbClr val="FFFFFF"/>
+                </a:solidFill>
+              </a14:hiddenFill>
+            </a:ext>
+          </a:extLst>
+        </p:spPr>
+      </p:pic>
+      <p:pic>
+        <p:nvPicPr>
+          <p:cNvPr id="1032" name="Picture 8" descr="Image result for programmer frustrated"/>
+          <p:cNvPicPr>
+            <a:picLocks noChangeAspect="1" noChangeArrowheads="1"/>
+          </p:cNvPicPr>
+          <p:nvPr/>
+        </p:nvPicPr>
+        <p:blipFill>
+          <a:blip r:embed="rId3" cstate="email">
+            <a:extLst>
+              <a:ext uri="{28A0092B-C50C-407E-A947-70E740481C1C}">
+                <a14:useLocalDpi xmlns:a14="http://schemas.microsoft.com/office/drawing/2010/main"/>
+              </a:ext>
+            </a:extLst>
+          </a:blip>
+          <a:srcRect/>
+          <a:stretch>
+            <a:fillRect/>
+          </a:stretch>
+        </p:blipFill>
+        <p:spPr bwMode="auto">
+          <a:xfrm>
+            <a:off x="3155993" y="1800267"/>
+            <a:ext cx="3446163" cy="2584622"/>
+          </a:xfrm>
+          <a:prstGeom prst="rect">
+            <a:avLst/>
+          </a:prstGeom>
+          <a:noFill/>
+          <a:extLst>
+            <a:ext uri="{909E8E84-426E-40DD-AFC4-6F175D3DCCD1}">
+              <a14:hiddenFill xmlns:a14="http://schemas.microsoft.com/office/drawing/2010/main">
+                <a:solidFill>
+                  <a:srgbClr val="FFFFFF"/>
+                </a:solidFill>
+              </a14:hiddenFill>
+            </a:ext>
+          </a:extLst>
+        </p:spPr>
+      </p:pic>
+      <p:pic>
+        <p:nvPicPr>
+          <p:cNvPr id="1034" name="Picture 10" descr="Image result for programmer"/>
+          <p:cNvPicPr>
+            <a:picLocks noChangeAspect="1" noChangeArrowheads="1"/>
+          </p:cNvPicPr>
+          <p:nvPr/>
+        </p:nvPicPr>
+        <p:blipFill>
+          <a:blip r:embed="rId4" cstate="email">
+            <a:extLst>
+              <a:ext uri="{28A0092B-C50C-407E-A947-70E740481C1C}">
+                <a14:useLocalDpi xmlns:a14="http://schemas.microsoft.com/office/drawing/2010/main"/>
+              </a:ext>
+            </a:extLst>
+          </a:blip>
+          <a:srcRect/>
+          <a:stretch>
+            <a:fillRect/>
+          </a:stretch>
+        </p:blipFill>
+        <p:spPr bwMode="auto">
+          <a:xfrm>
+            <a:off x="2824634" y="3953796"/>
+            <a:ext cx="4696102" cy="2641558"/>
+          </a:xfrm>
+          <a:prstGeom prst="rect">
+            <a:avLst/>
+          </a:prstGeom>
+          <a:noFill/>
+          <a:extLst>
+            <a:ext uri="{909E8E84-426E-40DD-AFC4-6F175D3DCCD1}">
+              <a14:hiddenFill xmlns:a14="http://schemas.microsoft.com/office/drawing/2010/main">
+                <a:solidFill>
+                  <a:srgbClr val="FFFFFF"/>
+                </a:solidFill>
+              </a14:hiddenFill>
+            </a:ext>
+          </a:extLst>
+        </p:spPr>
+      </p:pic>
+      <p:pic>
+        <p:nvPicPr>
+          <p:cNvPr id="1036" name="Picture 12" descr="Related image"/>
+          <p:cNvPicPr>
+            <a:picLocks noChangeAspect="1" noChangeArrowheads="1"/>
+          </p:cNvPicPr>
+          <p:nvPr/>
+        </p:nvPicPr>
+        <p:blipFill>
+          <a:blip r:embed="rId5" cstate="email">
+            <a:extLst>
+              <a:ext uri="{28A0092B-C50C-407E-A947-70E740481C1C}">
+                <a14:useLocalDpi xmlns:a14="http://schemas.microsoft.com/office/drawing/2010/main"/>
+              </a:ext>
+            </a:extLst>
+          </a:blip>
+          <a:srcRect/>
+          <a:stretch>
+            <a:fillRect/>
+          </a:stretch>
+        </p:blipFill>
+        <p:spPr bwMode="auto">
+          <a:xfrm>
+            <a:off x="6150529" y="863675"/>
+            <a:ext cx="2921027" cy="3537853"/>
+          </a:xfrm>
+          <a:prstGeom prst="rect">
+            <a:avLst/>
+          </a:prstGeom>
+          <a:noFill/>
+          <a:extLst>
+            <a:ext uri="{909E8E84-426E-40DD-AFC4-6F175D3DCCD1}">
+              <a14:hiddenFill xmlns:a14="http://schemas.microsoft.com/office/drawing/2010/main">
+                <a:solidFill>
+                  <a:srgbClr val="FFFFFF"/>
+                </a:solidFill>
+              </a14:hiddenFill>
+            </a:ext>
+          </a:extLst>
+        </p:spPr>
+      </p:pic>
+      <p:sp>
+        <p:nvSpPr>
+          <p:cNvPr id="12" name="Content Placeholder 2"/>
           <p:cNvSpPr>
             <a:spLocks noGrp="1"/>
           </p:cNvSpPr>
@@ -8220,8 +8366,8 @@
         </p:nvSpPr>
         <p:spPr>
           <a:xfrm>
-            <a:off x="1141413" y="1754659"/>
-            <a:ext cx="9905998" cy="4036541"/>
+            <a:off x="9447999" y="879625"/>
+            <a:ext cx="2163273" cy="1899936"/>
           </a:xfrm>
         </p:spPr>
         <p:txBody>
@@ -8230,14 +8376,97 @@
           </a:bodyPr>
           <a:lstStyle/>
           <a:p>
-            <a:endParaRPr lang="en-US" sz="2400" dirty="0"/>
-          </a:p>
-        </p:txBody>
-      </p:sp>
+            <a:r>
+              <a:rPr lang="en-US" sz="2400" dirty="0"/>
+              <a:t>Failure</a:t>
+            </a:r>
+          </a:p>
+          <a:p>
+            <a:r>
+              <a:rPr lang="en-US" sz="2400" dirty="0"/>
+              <a:t>Success</a:t>
+            </a:r>
+          </a:p>
+          <a:p>
+            <a:r>
+              <a:rPr lang="en-US" sz="2400" dirty="0"/>
+              <a:t>Nostalgia</a:t>
+            </a:r>
+          </a:p>
+        </p:txBody>
+      </p:sp>
+      <p:pic>
+        <p:nvPicPr>
+          <p:cNvPr id="3" name="Picture 2"/>
+          <p:cNvPicPr>
+            <a:picLocks noChangeAspect="1"/>
+          </p:cNvPicPr>
+          <p:nvPr/>
+        </p:nvPicPr>
+        <p:blipFill rotWithShape="1">
+          <a:blip r:embed="rId6" cstate="email">
+            <a:extLst>
+              <a:ext uri="{28A0092B-C50C-407E-A947-70E740481C1C}">
+                <a14:useLocalDpi xmlns:a14="http://schemas.microsoft.com/office/drawing/2010/main"/>
+              </a:ext>
+            </a:extLst>
+          </a:blip>
+          <a:srcRect l="6579" t="5756" r="5503" b="5984"/>
+          <a:stretch/>
+        </p:blipFill>
+        <p:spPr>
+          <a:xfrm>
+            <a:off x="5632092" y="3193878"/>
+            <a:ext cx="5207342" cy="2745689"/>
+          </a:xfrm>
+          <a:prstGeom prst="rect">
+            <a:avLst/>
+          </a:prstGeom>
+        </p:spPr>
+      </p:pic>
+      <p:pic>
+        <p:nvPicPr>
+          <p:cNvPr id="1038" name="Picture 14" descr="Image result for software developer"/>
+          <p:cNvPicPr>
+            <a:picLocks noChangeAspect="1" noChangeArrowheads="1"/>
+          </p:cNvPicPr>
+          <p:nvPr/>
+        </p:nvPicPr>
+        <p:blipFill rotWithShape="1">
+          <a:blip r:embed="rId7" cstate="email">
+            <a:extLst>
+              <a:ext uri="{28A0092B-C50C-407E-A947-70E740481C1C}">
+                <a14:useLocalDpi xmlns:a14="http://schemas.microsoft.com/office/drawing/2010/main"/>
+              </a:ext>
+            </a:extLst>
+          </a:blip>
+          <a:srcRect/>
+          <a:stretch/>
+        </p:blipFill>
+        <p:spPr bwMode="auto">
+          <a:xfrm>
+            <a:off x="9003187" y="4049197"/>
+            <a:ext cx="2905125" cy="2546157"/>
+          </a:xfrm>
+          <a:prstGeom prst="rect">
+            <a:avLst/>
+          </a:prstGeom>
+          <a:noFill/>
+          <a:extLst>
+            <a:ext uri="{909E8E84-426E-40DD-AFC4-6F175D3DCCD1}">
+              <a14:hiddenFill xmlns:a14="http://schemas.microsoft.com/office/drawing/2010/main">
+                <a:solidFill>
+                  <a:srgbClr val="FFFFFF"/>
+                </a:solidFill>
+              </a14:hiddenFill>
+            </a:ext>
+          </a:extLst>
+        </p:spPr>
+      </p:pic>
     </p:spTree>
     <p:extLst>
       <p:ext uri="{BB962C8B-B14F-4D97-AF65-F5344CB8AC3E}">
-        <p14:creationId xmlns:p14="http://schemas.microsoft.com/office/powerpoint/2010/main" val="2240205855"/>
+        <p14:creationId xmlns:p14="http://schemas.microsoft.com/office/powerpoint/2010/main" val="1017323421"/>
       </p:ext>
     </p:extLst>
   </p:cSld>
@@ -8313,7 +8542,48 @@
           </a:bodyPr>
           <a:lstStyle/>
           <a:p>
-            <a:endParaRPr lang="en-US" sz="2400" dirty="0"/>
+            <a:r>
+              <a:rPr lang="en-US" sz="2400" dirty="0"/>
+              <a:t>Decide What To Build (Requirements, Stories)</a:t>
+            </a:r>
+          </a:p>
+          <a:p>
+            <a:r>
+              <a:rPr lang="en-US" sz="2400" dirty="0"/>
+              <a:t>Build It (Coding, Compiling, Testing, Packaging)</a:t>
+            </a:r>
+          </a:p>
+          <a:p>
+            <a:pPr lvl="1"/>
+            <a:r>
+              <a:rPr lang="en-US" sz="2200" dirty="0"/>
+              <a:t>Web and Mobile are main modern interfaces</a:t>
+            </a:r>
+          </a:p>
+          <a:p>
+            <a:pPr lvl="1"/>
+            <a:r>
+              <a:rPr lang="en-US" sz="2200" dirty="0"/>
+              <a:t>Still Have Client / [Server], Too</a:t>
+            </a:r>
+          </a:p>
+          <a:p>
+            <a:r>
+              <a:rPr lang="en-US" sz="2400" dirty="0"/>
+              <a:t>Deploy It (No Longer on Laptop)</a:t>
+            </a:r>
+          </a:p>
+          <a:p>
+            <a:r>
+              <a:rPr lang="en-US" sz="2400" dirty="0"/>
+              <a:t>Test More</a:t>
+            </a:r>
+          </a:p>
+          <a:p>
+            <a:r>
+              <a:rPr lang="en-US" sz="2400" dirty="0"/>
+              <a:t>Promote It (to Production)</a:t>
+            </a:r>
           </a:p>
         </p:txBody>
       </p:sp>

--- a/docs/Software Development - CISSP.pptx
+++ b/docs/Software Development - CISSP.pptx
@@ -4,6 +4,9 @@
   <p:sldMasterIdLst>
     <p:sldMasterId id="2147483824" r:id="rId1"/>
   </p:sldMasterIdLst>
+  <p:notesMasterIdLst>
+    <p:notesMasterId r:id="rId20"/>
+  </p:notesMasterIdLst>
   <p:sldIdLst>
     <p:sldId id="256" r:id="rId2"/>
     <p:sldId id="258" r:id="rId3"/>
@@ -15,22 +18,14 @@
     <p:sldId id="261" r:id="rId9"/>
     <p:sldId id="264" r:id="rId10"/>
     <p:sldId id="265" r:id="rId11"/>
-    <p:sldId id="266" r:id="rId12"/>
-    <p:sldId id="267" r:id="rId13"/>
-    <p:sldId id="268" r:id="rId14"/>
-    <p:sldId id="269" r:id="rId15"/>
-    <p:sldId id="270" r:id="rId16"/>
-    <p:sldId id="271" r:id="rId17"/>
-    <p:sldId id="272" r:id="rId18"/>
-    <p:sldId id="273" r:id="rId19"/>
-    <p:sldId id="274" r:id="rId20"/>
-    <p:sldId id="275" r:id="rId21"/>
-    <p:sldId id="276" r:id="rId22"/>
-    <p:sldId id="277" r:id="rId23"/>
-    <p:sldId id="278" r:id="rId24"/>
-    <p:sldId id="279" r:id="rId25"/>
-    <p:sldId id="280" r:id="rId26"/>
-    <p:sldId id="281" r:id="rId27"/>
+    <p:sldId id="267" r:id="rId12"/>
+    <p:sldId id="266" r:id="rId13"/>
+    <p:sldId id="269" r:id="rId14"/>
+    <p:sldId id="271" r:id="rId15"/>
+    <p:sldId id="272" r:id="rId16"/>
+    <p:sldId id="277" r:id="rId17"/>
+    <p:sldId id="278" r:id="rId18"/>
+    <p:sldId id="279" r:id="rId19"/>
   </p:sldIdLst>
   <p:sldSz cx="12192000" cy="6858000"/>
   <p:notesSz cx="6858000" cy="9144000"/>
@@ -141,6 +136,608 @@
 <p1510:revInfo xmlns:a="http://schemas.openxmlformats.org/drawingml/2006/main" xmlns:r="http://schemas.openxmlformats.org/officeDocument/2006/relationships" xmlns:p1510="http://schemas.microsoft.com/office/powerpoint/2015/10/main"/>
 </file>
 
+<file path=ppt/notesMasters/notesMaster1.xml><?xml version="1.0" encoding="utf-8"?>
+<p:notesMaster xmlns:a="http://schemas.openxmlformats.org/drawingml/2006/main" xmlns:r="http://schemas.openxmlformats.org/officeDocument/2006/relationships" xmlns:p="http://schemas.openxmlformats.org/presentationml/2006/main">
+  <p:cSld>
+    <p:bg>
+      <p:bgRef idx="1001">
+        <a:schemeClr val="bg1"/>
+      </p:bgRef>
+    </p:bg>
+    <p:spTree>
+      <p:nvGrpSpPr>
+        <p:cNvPr id="1" name=""/>
+        <p:cNvGrpSpPr/>
+        <p:nvPr/>
+      </p:nvGrpSpPr>
+      <p:grpSpPr>
+        <a:xfrm>
+          <a:off x="0" y="0"/>
+          <a:ext cx="0" cy="0"/>
+          <a:chOff x="0" y="0"/>
+          <a:chExt cx="0" cy="0"/>
+        </a:xfrm>
+      </p:grpSpPr>
+      <p:sp>
+        <p:nvSpPr>
+          <p:cNvPr id="2" name="Header Placeholder 1"/>
+          <p:cNvSpPr>
+            <a:spLocks noGrp="1"/>
+          </p:cNvSpPr>
+          <p:nvPr>
+            <p:ph type="hdr" sz="quarter"/>
+          </p:nvPr>
+        </p:nvSpPr>
+        <p:spPr>
+          <a:xfrm>
+            <a:off x="0" y="0"/>
+            <a:ext cx="2971800" cy="458788"/>
+          </a:xfrm>
+          <a:prstGeom prst="rect">
+            <a:avLst/>
+          </a:prstGeom>
+        </p:spPr>
+        <p:txBody>
+          <a:bodyPr vert="horz" lIns="91440" tIns="45720" rIns="91440" bIns="45720" rtlCol="0"/>
+          <a:lstStyle>
+            <a:lvl1pPr algn="l">
+              <a:defRPr sz="1200"/>
+            </a:lvl1pPr>
+          </a:lstStyle>
+          <a:p>
+            <a:endParaRPr lang="en-US"/>
+          </a:p>
+        </p:txBody>
+      </p:sp>
+      <p:sp>
+        <p:nvSpPr>
+          <p:cNvPr id="3" name="Date Placeholder 2"/>
+          <p:cNvSpPr>
+            <a:spLocks noGrp="1"/>
+          </p:cNvSpPr>
+          <p:nvPr>
+            <p:ph type="dt" idx="1"/>
+          </p:nvPr>
+        </p:nvSpPr>
+        <p:spPr>
+          <a:xfrm>
+            <a:off x="3884613" y="0"/>
+            <a:ext cx="2971800" cy="458788"/>
+          </a:xfrm>
+          <a:prstGeom prst="rect">
+            <a:avLst/>
+          </a:prstGeom>
+        </p:spPr>
+        <p:txBody>
+          <a:bodyPr vert="horz" lIns="91440" tIns="45720" rIns="91440" bIns="45720" rtlCol="0"/>
+          <a:lstStyle>
+            <a:lvl1pPr algn="r">
+              <a:defRPr sz="1200"/>
+            </a:lvl1pPr>
+          </a:lstStyle>
+          <a:p>
+            <a:fld id="{D190D2B4-3B5D-40DA-93BE-C4D5E2164FB1}" type="datetimeFigureOut">
+              <a:rPr lang="en-US" smtClean="0"/>
+              <a:t>11/21/2017</a:t>
+            </a:fld>
+            <a:endParaRPr lang="en-US"/>
+          </a:p>
+        </p:txBody>
+      </p:sp>
+      <p:sp>
+        <p:nvSpPr>
+          <p:cNvPr id="4" name="Slide Image Placeholder 3"/>
+          <p:cNvSpPr>
+            <a:spLocks noGrp="1" noRot="1" noChangeAspect="1"/>
+          </p:cNvSpPr>
+          <p:nvPr>
+            <p:ph type="sldImg" idx="2"/>
+          </p:nvPr>
+        </p:nvSpPr>
+        <p:spPr>
+          <a:xfrm>
+            <a:off x="685800" y="1143000"/>
+            <a:ext cx="5486400" cy="3086100"/>
+          </a:xfrm>
+          <a:prstGeom prst="rect">
+            <a:avLst/>
+          </a:prstGeom>
+          <a:noFill/>
+          <a:ln w="12700">
+            <a:solidFill>
+              <a:prstClr val="black"/>
+            </a:solidFill>
+          </a:ln>
+        </p:spPr>
+        <p:txBody>
+          <a:bodyPr vert="horz" lIns="91440" tIns="45720" rIns="91440" bIns="45720" rtlCol="0" anchor="ctr"/>
+          <a:lstStyle/>
+          <a:p>
+            <a:endParaRPr lang="en-US"/>
+          </a:p>
+        </p:txBody>
+      </p:sp>
+      <p:sp>
+        <p:nvSpPr>
+          <p:cNvPr id="5" name="Notes Placeholder 4"/>
+          <p:cNvSpPr>
+            <a:spLocks noGrp="1"/>
+          </p:cNvSpPr>
+          <p:nvPr>
+            <p:ph type="body" sz="quarter" idx="3"/>
+          </p:nvPr>
+        </p:nvSpPr>
+        <p:spPr>
+          <a:xfrm>
+            <a:off x="685800" y="4400550"/>
+            <a:ext cx="5486400" cy="3600450"/>
+          </a:xfrm>
+          <a:prstGeom prst="rect">
+            <a:avLst/>
+          </a:prstGeom>
+        </p:spPr>
+        <p:txBody>
+          <a:bodyPr vert="horz" lIns="91440" tIns="45720" rIns="91440" bIns="45720" rtlCol="0"/>
+          <a:lstStyle/>
+          <a:p>
+            <a:pPr lvl="0"/>
+            <a:r>
+              <a:rPr lang="en-US" smtClean="0"/>
+              <a:t>Click to edit Master text styles</a:t>
+            </a:r>
+          </a:p>
+          <a:p>
+            <a:pPr lvl="1"/>
+            <a:r>
+              <a:rPr lang="en-US" smtClean="0"/>
+              <a:t>Second level</a:t>
+            </a:r>
+          </a:p>
+          <a:p>
+            <a:pPr lvl="2"/>
+            <a:r>
+              <a:rPr lang="en-US" smtClean="0"/>
+              <a:t>Third level</a:t>
+            </a:r>
+          </a:p>
+          <a:p>
+            <a:pPr lvl="3"/>
+            <a:r>
+              <a:rPr lang="en-US" smtClean="0"/>
+              <a:t>Fourth level</a:t>
+            </a:r>
+          </a:p>
+          <a:p>
+            <a:pPr lvl="4"/>
+            <a:r>
+              <a:rPr lang="en-US" smtClean="0"/>
+              <a:t>Fifth level</a:t>
+            </a:r>
+            <a:endParaRPr lang="en-US"/>
+          </a:p>
+        </p:txBody>
+      </p:sp>
+      <p:sp>
+        <p:nvSpPr>
+          <p:cNvPr id="6" name="Footer Placeholder 5"/>
+          <p:cNvSpPr>
+            <a:spLocks noGrp="1"/>
+          </p:cNvSpPr>
+          <p:nvPr>
+            <p:ph type="ftr" sz="quarter" idx="4"/>
+          </p:nvPr>
+        </p:nvSpPr>
+        <p:spPr>
+          <a:xfrm>
+            <a:off x="0" y="8685213"/>
+            <a:ext cx="2971800" cy="458787"/>
+          </a:xfrm>
+          <a:prstGeom prst="rect">
+            <a:avLst/>
+          </a:prstGeom>
+        </p:spPr>
+        <p:txBody>
+          <a:bodyPr vert="horz" lIns="91440" tIns="45720" rIns="91440" bIns="45720" rtlCol="0" anchor="b"/>
+          <a:lstStyle>
+            <a:lvl1pPr algn="l">
+              <a:defRPr sz="1200"/>
+            </a:lvl1pPr>
+          </a:lstStyle>
+          <a:p>
+            <a:endParaRPr lang="en-US"/>
+          </a:p>
+        </p:txBody>
+      </p:sp>
+      <p:sp>
+        <p:nvSpPr>
+          <p:cNvPr id="7" name="Slide Number Placeholder 6"/>
+          <p:cNvSpPr>
+            <a:spLocks noGrp="1"/>
+          </p:cNvSpPr>
+          <p:nvPr>
+            <p:ph type="sldNum" sz="quarter" idx="5"/>
+          </p:nvPr>
+        </p:nvSpPr>
+        <p:spPr>
+          <a:xfrm>
+            <a:off x="3884613" y="8685213"/>
+            <a:ext cx="2971800" cy="458787"/>
+          </a:xfrm>
+          <a:prstGeom prst="rect">
+            <a:avLst/>
+          </a:prstGeom>
+        </p:spPr>
+        <p:txBody>
+          <a:bodyPr vert="horz" lIns="91440" tIns="45720" rIns="91440" bIns="45720" rtlCol="0" anchor="b"/>
+          <a:lstStyle>
+            <a:lvl1pPr algn="r">
+              <a:defRPr sz="1200"/>
+            </a:lvl1pPr>
+          </a:lstStyle>
+          <a:p>
+            <a:fld id="{1313B7F1-ECE9-4AD9-8377-5918A2E8BDEA}" type="slidenum">
+              <a:rPr lang="en-US" smtClean="0"/>
+              <a:t>‹#›</a:t>
+            </a:fld>
+            <a:endParaRPr lang="en-US"/>
+          </a:p>
+        </p:txBody>
+      </p:sp>
+    </p:spTree>
+    <p:extLst>
+      <p:ext uri="{BB962C8B-B14F-4D97-AF65-F5344CB8AC3E}">
+        <p14:creationId xmlns:p14="http://schemas.microsoft.com/office/powerpoint/2010/main" val="3932333938"/>
+      </p:ext>
+    </p:extLst>
+  </p:cSld>
+  <p:clrMap bg1="lt1" tx1="dk1" bg2="lt2" tx2="dk2" accent1="accent1" accent2="accent2" accent3="accent3" accent4="accent4" accent5="accent5" accent6="accent6" hlink="hlink" folHlink="folHlink"/>
+  <p:notesStyle>
+    <a:lvl1pPr marL="0" algn="l" defTabSz="914400" rtl="0" eaLnBrk="1" latinLnBrk="0" hangingPunct="1">
+      <a:defRPr sz="1200" kern="1200">
+        <a:solidFill>
+          <a:schemeClr val="tx1"/>
+        </a:solidFill>
+        <a:latin typeface="+mn-lt"/>
+        <a:ea typeface="+mn-ea"/>
+        <a:cs typeface="+mn-cs"/>
+      </a:defRPr>
+    </a:lvl1pPr>
+    <a:lvl2pPr marL="457200" algn="l" defTabSz="914400" rtl="0" eaLnBrk="1" latinLnBrk="0" hangingPunct="1">
+      <a:defRPr sz="1200" kern="1200">
+        <a:solidFill>
+          <a:schemeClr val="tx1"/>
+        </a:solidFill>
+        <a:latin typeface="+mn-lt"/>
+        <a:ea typeface="+mn-ea"/>
+        <a:cs typeface="+mn-cs"/>
+      </a:defRPr>
+    </a:lvl2pPr>
+    <a:lvl3pPr marL="914400" algn="l" defTabSz="914400" rtl="0" eaLnBrk="1" latinLnBrk="0" hangingPunct="1">
+      <a:defRPr sz="1200" kern="1200">
+        <a:solidFill>
+          <a:schemeClr val="tx1"/>
+        </a:solidFill>
+        <a:latin typeface="+mn-lt"/>
+        <a:ea typeface="+mn-ea"/>
+        <a:cs typeface="+mn-cs"/>
+      </a:defRPr>
+    </a:lvl3pPr>
+    <a:lvl4pPr marL="1371600" algn="l" defTabSz="914400" rtl="0" eaLnBrk="1" latinLnBrk="0" hangingPunct="1">
+      <a:defRPr sz="1200" kern="1200">
+        <a:solidFill>
+          <a:schemeClr val="tx1"/>
+        </a:solidFill>
+        <a:latin typeface="+mn-lt"/>
+        <a:ea typeface="+mn-ea"/>
+        <a:cs typeface="+mn-cs"/>
+      </a:defRPr>
+    </a:lvl4pPr>
+    <a:lvl5pPr marL="1828800" algn="l" defTabSz="914400" rtl="0" eaLnBrk="1" latinLnBrk="0" hangingPunct="1">
+      <a:defRPr sz="1200" kern="1200">
+        <a:solidFill>
+          <a:schemeClr val="tx1"/>
+        </a:solidFill>
+        <a:latin typeface="+mn-lt"/>
+        <a:ea typeface="+mn-ea"/>
+        <a:cs typeface="+mn-cs"/>
+      </a:defRPr>
+    </a:lvl5pPr>
+    <a:lvl6pPr marL="2286000" algn="l" defTabSz="914400" rtl="0" eaLnBrk="1" latinLnBrk="0" hangingPunct="1">
+      <a:defRPr sz="1200" kern="1200">
+        <a:solidFill>
+          <a:schemeClr val="tx1"/>
+        </a:solidFill>
+        <a:latin typeface="+mn-lt"/>
+        <a:ea typeface="+mn-ea"/>
+        <a:cs typeface="+mn-cs"/>
+      </a:defRPr>
+    </a:lvl6pPr>
+    <a:lvl7pPr marL="2743200" algn="l" defTabSz="914400" rtl="0" eaLnBrk="1" latinLnBrk="0" hangingPunct="1">
+      <a:defRPr sz="1200" kern="1200">
+        <a:solidFill>
+          <a:schemeClr val="tx1"/>
+        </a:solidFill>
+        <a:latin typeface="+mn-lt"/>
+        <a:ea typeface="+mn-ea"/>
+        <a:cs typeface="+mn-cs"/>
+      </a:defRPr>
+    </a:lvl7pPr>
+    <a:lvl8pPr marL="3200400" algn="l" defTabSz="914400" rtl="0" eaLnBrk="1" latinLnBrk="0" hangingPunct="1">
+      <a:defRPr sz="1200" kern="1200">
+        <a:solidFill>
+          <a:schemeClr val="tx1"/>
+        </a:solidFill>
+        <a:latin typeface="+mn-lt"/>
+        <a:ea typeface="+mn-ea"/>
+        <a:cs typeface="+mn-cs"/>
+      </a:defRPr>
+    </a:lvl8pPr>
+    <a:lvl9pPr marL="3657600" algn="l" defTabSz="914400" rtl="0" eaLnBrk="1" latinLnBrk="0" hangingPunct="1">
+      <a:defRPr sz="1200" kern="1200">
+        <a:solidFill>
+          <a:schemeClr val="tx1"/>
+        </a:solidFill>
+        <a:latin typeface="+mn-lt"/>
+        <a:ea typeface="+mn-ea"/>
+        <a:cs typeface="+mn-cs"/>
+      </a:defRPr>
+    </a:lvl9pPr>
+  </p:notesStyle>
+</p:notesMaster>
+</file>
+
+<file path=ppt/notesSlides/notesSlide1.xml><?xml version="1.0" encoding="utf-8"?>
+<p:notes xmlns:a="http://schemas.openxmlformats.org/drawingml/2006/main" xmlns:r="http://schemas.openxmlformats.org/officeDocument/2006/relationships" xmlns:p="http://schemas.openxmlformats.org/presentationml/2006/main">
+  <p:cSld>
+    <p:spTree>
+      <p:nvGrpSpPr>
+        <p:cNvPr id="1" name=""/>
+        <p:cNvGrpSpPr/>
+        <p:nvPr/>
+      </p:nvGrpSpPr>
+      <p:grpSpPr>
+        <a:xfrm>
+          <a:off x="0" y="0"/>
+          <a:ext cx="0" cy="0"/>
+          <a:chOff x="0" y="0"/>
+          <a:chExt cx="0" cy="0"/>
+        </a:xfrm>
+      </p:grpSpPr>
+      <p:sp>
+        <p:nvSpPr>
+          <p:cNvPr id="2" name="Slide Image Placeholder 1"/>
+          <p:cNvSpPr>
+            <a:spLocks noGrp="1" noRot="1" noChangeAspect="1"/>
+          </p:cNvSpPr>
+          <p:nvPr>
+            <p:ph type="sldImg"/>
+          </p:nvPr>
+        </p:nvSpPr>
+        <p:spPr/>
+      </p:sp>
+      <p:sp>
+        <p:nvSpPr>
+          <p:cNvPr id="3" name="Notes Placeholder 2"/>
+          <p:cNvSpPr>
+            <a:spLocks noGrp="1"/>
+          </p:cNvSpPr>
+          <p:nvPr>
+            <p:ph type="body" idx="1"/>
+          </p:nvPr>
+        </p:nvSpPr>
+        <p:spPr/>
+        <p:txBody>
+          <a:bodyPr/>
+          <a:lstStyle/>
+          <a:p>
+            <a:endParaRPr lang="en-US" dirty="0"/>
+          </a:p>
+        </p:txBody>
+      </p:sp>
+      <p:sp>
+        <p:nvSpPr>
+          <p:cNvPr id="4" name="Slide Number Placeholder 3"/>
+          <p:cNvSpPr>
+            <a:spLocks noGrp="1"/>
+          </p:cNvSpPr>
+          <p:nvPr>
+            <p:ph type="sldNum" sz="quarter" idx="10"/>
+          </p:nvPr>
+        </p:nvSpPr>
+        <p:spPr/>
+        <p:txBody>
+          <a:bodyPr/>
+          <a:lstStyle/>
+          <a:p>
+            <a:fld id="{1313B7F1-ECE9-4AD9-8377-5918A2E8BDEA}" type="slidenum">
+              <a:rPr lang="en-US" smtClean="0"/>
+              <a:t>9</a:t>
+            </a:fld>
+            <a:endParaRPr lang="en-US"/>
+          </a:p>
+        </p:txBody>
+      </p:sp>
+    </p:spTree>
+    <p:extLst>
+      <p:ext uri="{BB962C8B-B14F-4D97-AF65-F5344CB8AC3E}">
+        <p14:creationId xmlns:p14="http://schemas.microsoft.com/office/powerpoint/2010/main" val="36402640"/>
+      </p:ext>
+    </p:extLst>
+  </p:cSld>
+  <p:clrMapOvr>
+    <a:masterClrMapping/>
+  </p:clrMapOvr>
+</p:notes>
+</file>
+
+<file path=ppt/notesSlides/notesSlide2.xml><?xml version="1.0" encoding="utf-8"?>
+<p:notes xmlns:a="http://schemas.openxmlformats.org/drawingml/2006/main" xmlns:r="http://schemas.openxmlformats.org/officeDocument/2006/relationships" xmlns:p="http://schemas.openxmlformats.org/presentationml/2006/main">
+  <p:cSld>
+    <p:spTree>
+      <p:nvGrpSpPr>
+        <p:cNvPr id="1" name=""/>
+        <p:cNvGrpSpPr/>
+        <p:nvPr/>
+      </p:nvGrpSpPr>
+      <p:grpSpPr>
+        <a:xfrm>
+          <a:off x="0" y="0"/>
+          <a:ext cx="0" cy="0"/>
+          <a:chOff x="0" y="0"/>
+          <a:chExt cx="0" cy="0"/>
+        </a:xfrm>
+      </p:grpSpPr>
+      <p:sp>
+        <p:nvSpPr>
+          <p:cNvPr id="2" name="Slide Image Placeholder 1"/>
+          <p:cNvSpPr>
+            <a:spLocks noGrp="1" noRot="1" noChangeAspect="1"/>
+          </p:cNvSpPr>
+          <p:nvPr>
+            <p:ph type="sldImg"/>
+          </p:nvPr>
+        </p:nvSpPr>
+        <p:spPr/>
+      </p:sp>
+      <p:sp>
+        <p:nvSpPr>
+          <p:cNvPr id="3" name="Notes Placeholder 2"/>
+          <p:cNvSpPr>
+            <a:spLocks noGrp="1"/>
+          </p:cNvSpPr>
+          <p:nvPr>
+            <p:ph type="body" idx="1"/>
+          </p:nvPr>
+        </p:nvSpPr>
+        <p:spPr/>
+        <p:txBody>
+          <a:bodyPr/>
+          <a:lstStyle/>
+          <a:p>
+            <a:endParaRPr lang="en-US" dirty="0"/>
+          </a:p>
+        </p:txBody>
+      </p:sp>
+      <p:sp>
+        <p:nvSpPr>
+          <p:cNvPr id="4" name="Slide Number Placeholder 3"/>
+          <p:cNvSpPr>
+            <a:spLocks noGrp="1"/>
+          </p:cNvSpPr>
+          <p:nvPr>
+            <p:ph type="sldNum" sz="quarter" idx="10"/>
+          </p:nvPr>
+        </p:nvSpPr>
+        <p:spPr/>
+        <p:txBody>
+          <a:bodyPr/>
+          <a:lstStyle/>
+          <a:p>
+            <a:fld id="{1313B7F1-ECE9-4AD9-8377-5918A2E8BDEA}" type="slidenum">
+              <a:rPr lang="en-US" smtClean="0"/>
+              <a:t>10</a:t>
+            </a:fld>
+            <a:endParaRPr lang="en-US"/>
+          </a:p>
+        </p:txBody>
+      </p:sp>
+    </p:spTree>
+    <p:extLst>
+      <p:ext uri="{BB962C8B-B14F-4D97-AF65-F5344CB8AC3E}">
+        <p14:creationId xmlns:p14="http://schemas.microsoft.com/office/powerpoint/2010/main" val="1408735049"/>
+      </p:ext>
+    </p:extLst>
+  </p:cSld>
+  <p:clrMapOvr>
+    <a:masterClrMapping/>
+  </p:clrMapOvr>
+</p:notes>
+</file>
+
+<file path=ppt/notesSlides/notesSlide3.xml><?xml version="1.0" encoding="utf-8"?>
+<p:notes xmlns:a="http://schemas.openxmlformats.org/drawingml/2006/main" xmlns:r="http://schemas.openxmlformats.org/officeDocument/2006/relationships" xmlns:p="http://schemas.openxmlformats.org/presentationml/2006/main">
+  <p:cSld>
+    <p:spTree>
+      <p:nvGrpSpPr>
+        <p:cNvPr id="1" name=""/>
+        <p:cNvGrpSpPr/>
+        <p:nvPr/>
+      </p:nvGrpSpPr>
+      <p:grpSpPr>
+        <a:xfrm>
+          <a:off x="0" y="0"/>
+          <a:ext cx="0" cy="0"/>
+          <a:chOff x="0" y="0"/>
+          <a:chExt cx="0" cy="0"/>
+        </a:xfrm>
+      </p:grpSpPr>
+      <p:sp>
+        <p:nvSpPr>
+          <p:cNvPr id="2" name="Slide Image Placeholder 1"/>
+          <p:cNvSpPr>
+            <a:spLocks noGrp="1" noRot="1" noChangeAspect="1"/>
+          </p:cNvSpPr>
+          <p:nvPr>
+            <p:ph type="sldImg"/>
+          </p:nvPr>
+        </p:nvSpPr>
+        <p:spPr/>
+      </p:sp>
+      <p:sp>
+        <p:nvSpPr>
+          <p:cNvPr id="3" name="Notes Placeholder 2"/>
+          <p:cNvSpPr>
+            <a:spLocks noGrp="1"/>
+          </p:cNvSpPr>
+          <p:nvPr>
+            <p:ph type="body" idx="1"/>
+          </p:nvPr>
+        </p:nvSpPr>
+        <p:spPr/>
+        <p:txBody>
+          <a:bodyPr/>
+          <a:lstStyle/>
+          <a:p>
+            <a:endParaRPr lang="en-US" dirty="0"/>
+          </a:p>
+        </p:txBody>
+      </p:sp>
+      <p:sp>
+        <p:nvSpPr>
+          <p:cNvPr id="4" name="Slide Number Placeholder 3"/>
+          <p:cNvSpPr>
+            <a:spLocks noGrp="1"/>
+          </p:cNvSpPr>
+          <p:nvPr>
+            <p:ph type="sldNum" sz="quarter" idx="10"/>
+          </p:nvPr>
+        </p:nvSpPr>
+        <p:spPr/>
+        <p:txBody>
+          <a:bodyPr/>
+          <a:lstStyle/>
+          <a:p>
+            <a:fld id="{1313B7F1-ECE9-4AD9-8377-5918A2E8BDEA}" type="slidenum">
+              <a:rPr lang="en-US" smtClean="0"/>
+              <a:t>13</a:t>
+            </a:fld>
+            <a:endParaRPr lang="en-US"/>
+          </a:p>
+        </p:txBody>
+      </p:sp>
+    </p:spTree>
+    <p:extLst>
+      <p:ext uri="{BB962C8B-B14F-4D97-AF65-F5344CB8AC3E}">
+        <p14:creationId xmlns:p14="http://schemas.microsoft.com/office/powerpoint/2010/main" val="2820157855"/>
+      </p:ext>
+    </p:extLst>
+  </p:cSld>
+  <p:clrMapOvr>
+    <a:masterClrMapping/>
+  </p:clrMapOvr>
+</p:notes>
+</file>
+
 <file path=ppt/slideLayouts/slideLayout1.xml><?xml version="1.0" encoding="utf-8"?>
 <p:sldLayout xmlns:a="http://schemas.openxmlformats.org/drawingml/2006/main" xmlns:r="http://schemas.openxmlformats.org/officeDocument/2006/relationships" xmlns:p="http://schemas.openxmlformats.org/presentationml/2006/main" type="title" preserve="1">
   <p:cSld name="Title Slide">
@@ -344,7 +941,7 @@
             <a:fld id="{B61BEF0D-F0BB-DE4B-95CE-6DB70DBA9567}" type="datetimeFigureOut">
               <a:rPr lang="en-US" smtClean="0"/>
               <a:pPr/>
-              <a:t>11/20/2017</a:t>
+              <a:t>11/21/2017</a:t>
             </a:fld>
             <a:endParaRPr lang="en-US" dirty="0"/>
           </a:p>
@@ -642,7 +1239,7 @@
             <a:fld id="{B61BEF0D-F0BB-DE4B-95CE-6DB70DBA9567}" type="datetimeFigureOut">
               <a:rPr lang="en-US" smtClean="0"/>
               <a:pPr/>
-              <a:t>11/20/2017</a:t>
+              <a:t>11/21/2017</a:t>
             </a:fld>
             <a:endParaRPr lang="en-US" dirty="0"/>
           </a:p>
@@ -892,7 +1489,7 @@
             <a:fld id="{B61BEF0D-F0BB-DE4B-95CE-6DB70DBA9567}" type="datetimeFigureOut">
               <a:rPr lang="en-US" smtClean="0"/>
               <a:pPr/>
-              <a:t>11/20/2017</a:t>
+              <a:t>11/21/2017</a:t>
             </a:fld>
             <a:endParaRPr lang="en-US" dirty="0"/>
           </a:p>
@@ -1430,7 +2027,7 @@
             <a:fld id="{B61BEF0D-F0BB-DE4B-95CE-6DB70DBA9567}" type="datetimeFigureOut">
               <a:rPr lang="en-US" smtClean="0"/>
               <a:pPr/>
-              <a:t>11/20/2017</a:t>
+              <a:t>11/21/2017</a:t>
             </a:fld>
             <a:endParaRPr lang="en-US" dirty="0"/>
           </a:p>
@@ -1680,7 +2277,7 @@
             <a:fld id="{B61BEF0D-F0BB-DE4B-95CE-6DB70DBA9567}" type="datetimeFigureOut">
               <a:rPr lang="en-US" smtClean="0"/>
               <a:pPr/>
-              <a:t>11/20/2017</a:t>
+              <a:t>11/21/2017</a:t>
             </a:fld>
             <a:endParaRPr lang="en-US" dirty="0"/>
           </a:p>
@@ -2225,7 +2822,7 @@
             <a:fld id="{B61BEF0D-F0BB-DE4B-95CE-6DB70DBA9567}" type="datetimeFigureOut">
               <a:rPr lang="en-US" smtClean="0"/>
               <a:pPr/>
-              <a:t>11/20/2017</a:t>
+              <a:t>11/21/2017</a:t>
             </a:fld>
             <a:endParaRPr lang="en-US" dirty="0"/>
           </a:p>
@@ -2537,7 +3134,7 @@
             <a:fld id="{B61BEF0D-F0BB-DE4B-95CE-6DB70DBA9567}" type="datetimeFigureOut">
               <a:rPr lang="en-US" smtClean="0"/>
               <a:pPr/>
-              <a:t>11/20/2017</a:t>
+              <a:t>11/21/2017</a:t>
             </a:fld>
             <a:endParaRPr lang="en-US" dirty="0"/>
           </a:p>
@@ -2714,7 +3311,7 @@
             <a:fld id="{B61BEF0D-F0BB-DE4B-95CE-6DB70DBA9567}" type="datetimeFigureOut">
               <a:rPr lang="en-US" smtClean="0"/>
               <a:pPr/>
-              <a:t>11/20/2017</a:t>
+              <a:t>11/21/2017</a:t>
             </a:fld>
             <a:endParaRPr lang="en-US" dirty="0"/>
           </a:p>
@@ -2896,7 +3493,7 @@
             <a:fld id="{B61BEF0D-F0BB-DE4B-95CE-6DB70DBA9567}" type="datetimeFigureOut">
               <a:rPr lang="en-US" smtClean="0"/>
               <a:pPr/>
-              <a:t>11/20/2017</a:t>
+              <a:t>11/21/2017</a:t>
             </a:fld>
             <a:endParaRPr lang="en-US" dirty="0"/>
           </a:p>
@@ -3073,7 +3670,7 @@
             <a:fld id="{B61BEF0D-F0BB-DE4B-95CE-6DB70DBA9567}" type="datetimeFigureOut">
               <a:rPr lang="en-US" smtClean="0"/>
               <a:pPr/>
-              <a:t>11/20/2017</a:t>
+              <a:t>11/21/2017</a:t>
             </a:fld>
             <a:endParaRPr lang="en-US" dirty="0"/>
           </a:p>
@@ -3321,7 +3918,7 @@
             <a:fld id="{B61BEF0D-F0BB-DE4B-95CE-6DB70DBA9567}" type="datetimeFigureOut">
               <a:rPr lang="en-US" smtClean="0"/>
               <a:pPr/>
-              <a:t>11/20/2017</a:t>
+              <a:t>11/21/2017</a:t>
             </a:fld>
             <a:endParaRPr lang="en-US" dirty="0"/>
           </a:p>
@@ -3620,7 +4217,7 @@
             <a:fld id="{B61BEF0D-F0BB-DE4B-95CE-6DB70DBA9567}" type="datetimeFigureOut">
               <a:rPr lang="en-US" smtClean="0"/>
               <a:pPr/>
-              <a:t>11/20/2017</a:t>
+              <a:t>11/21/2017</a:t>
             </a:fld>
             <a:endParaRPr lang="en-US" dirty="0"/>
           </a:p>
@@ -4052,7 +4649,7 @@
             <a:fld id="{B61BEF0D-F0BB-DE4B-95CE-6DB70DBA9567}" type="datetimeFigureOut">
               <a:rPr lang="en-US" smtClean="0"/>
               <a:pPr/>
-              <a:t>11/20/2017</a:t>
+              <a:t>11/21/2017</a:t>
             </a:fld>
             <a:endParaRPr lang="en-US" dirty="0"/>
           </a:p>
@@ -4177,7 +4774,7 @@
             <a:fld id="{B61BEF0D-F0BB-DE4B-95CE-6DB70DBA9567}" type="datetimeFigureOut">
               <a:rPr lang="en-US" smtClean="0"/>
               <a:pPr/>
-              <a:t>11/20/2017</a:t>
+              <a:t>11/21/2017</a:t>
             </a:fld>
             <a:endParaRPr lang="en-US" dirty="0"/>
           </a:p>
@@ -4274,7 +4871,7 @@
             <a:fld id="{B61BEF0D-F0BB-DE4B-95CE-6DB70DBA9567}" type="datetimeFigureOut">
               <a:rPr lang="en-US" smtClean="0"/>
               <a:pPr/>
-              <a:t>11/20/2017</a:t>
+              <a:t>11/21/2017</a:t>
             </a:fld>
             <a:endParaRPr lang="en-US" dirty="0"/>
           </a:p>
@@ -4559,7 +5156,7 @@
             <a:fld id="{B61BEF0D-F0BB-DE4B-95CE-6DB70DBA9567}" type="datetimeFigureOut">
               <a:rPr lang="en-US" smtClean="0"/>
               <a:pPr/>
-              <a:t>11/20/2017</a:t>
+              <a:t>11/21/2017</a:t>
             </a:fld>
             <a:endParaRPr lang="en-US" dirty="0"/>
           </a:p>
@@ -4852,7 +5449,7 @@
             <a:fld id="{B61BEF0D-F0BB-DE4B-95CE-6DB70DBA9567}" type="datetimeFigureOut">
               <a:rPr lang="en-US" smtClean="0"/>
               <a:pPr/>
-              <a:t>11/20/2017</a:t>
+              <a:t>11/21/2017</a:t>
             </a:fld>
             <a:endParaRPr lang="en-US" dirty="0"/>
           </a:p>
@@ -5085,7 +5682,7 @@
             <a:fld id="{B61BEF0D-F0BB-DE4B-95CE-6DB70DBA9567}" type="datetimeFigureOut">
               <a:rPr lang="en-US" smtClean="0"/>
               <a:pPr/>
-              <a:t>11/20/2017</a:t>
+              <a:t>11/21/2017</a:t>
             </a:fld>
             <a:endParaRPr lang="en-US" dirty="0"/>
           </a:p>
@@ -5847,12 +6444,16 @@
           <a:lstStyle/>
           <a:p>
             <a:r>
-              <a:rPr lang="en-US" dirty="0"/>
-              <a:t>Web/Browser</a:t>
+              <a:rPr lang="en-US" dirty="0" smtClean="0"/>
+              <a:t>Web/Browser/Mobile</a:t>
+            </a:r>
+            <a:r>
+              <a:rPr lang="en-US" baseline="0" dirty="0" smtClean="0"/>
+              <a:t> </a:t>
             </a:r>
             <a:r>
               <a:rPr lang="en-US" baseline="0" dirty="0"/>
-              <a:t> Technologies</a:t>
+              <a:t>Technologies</a:t>
             </a:r>
             <a:endParaRPr lang="en-US" dirty="0"/>
           </a:p>
@@ -5876,7 +6477,7 @@
         </p:spPr>
         <p:txBody>
           <a:bodyPr>
-            <a:normAutofit/>
+            <a:normAutofit fontScale="92500" lnSpcReduction="20000"/>
           </a:bodyPr>
           <a:lstStyle/>
           <a:p>
@@ -5927,8 +6528,45 @@
             </a:r>
             <a:r>
               <a:rPr lang="en-US" sz="2200" dirty="0"/>
-              <a:t> a Programming Language?</a:t>
-            </a:r>
+              <a:t> a Programming Language</a:t>
+            </a:r>
+            <a:r>
+              <a:rPr lang="en-US" sz="2200" dirty="0" smtClean="0"/>
+              <a:t>?</a:t>
+            </a:r>
+          </a:p>
+          <a:p>
+            <a:pPr lvl="1"/>
+            <a:endParaRPr lang="en-US" sz="2200" dirty="0"/>
+          </a:p>
+          <a:p>
+            <a:r>
+              <a:rPr lang="en-US" sz="2400" dirty="0" smtClean="0"/>
+              <a:t>For Mobile, Front-end </a:t>
+            </a:r>
+            <a:r>
+              <a:rPr lang="en-US" sz="2400" dirty="0"/>
+              <a:t>is usually mobile web (responsive) or Native</a:t>
+            </a:r>
+          </a:p>
+          <a:p>
+            <a:pPr lvl="1"/>
+            <a:r>
+              <a:rPr lang="en-US" sz="2200" dirty="0"/>
+              <a:t>Android is a Java-based Environment (with some C)</a:t>
+            </a:r>
+          </a:p>
+          <a:p>
+            <a:pPr lvl="1"/>
+            <a:r>
+              <a:rPr lang="en-US" sz="2200" dirty="0"/>
+              <a:t>Apple uses Objective C or </a:t>
+            </a:r>
+            <a:r>
+              <a:rPr lang="en-US" sz="2200" dirty="0" smtClean="0"/>
+              <a:t>Swift</a:t>
+            </a:r>
+            <a:endParaRPr lang="en-US" sz="2200" dirty="0"/>
           </a:p>
         </p:txBody>
       </p:sp>
@@ -5984,8 +6622,13 @@
           <a:p>
             <a:r>
               <a:rPr lang="en-US" dirty="0"/>
-              <a:t>Middleware</a:t>
-            </a:r>
+              <a:t>The</a:t>
+            </a:r>
+            <a:r>
+              <a:rPr lang="en-US" baseline="0" dirty="0"/>
+              <a:t> “Backend”</a:t>
+            </a:r>
+            <a:endParaRPr lang="en-US" dirty="0"/>
           </a:p>
         </p:txBody>
       </p:sp>
@@ -6013,62 +6656,159 @@
           <a:p>
             <a:r>
               <a:rPr lang="en-US" sz="2400" dirty="0"/>
-              <a:t>Middleware resides on the server (not browser)</a:t>
-            </a:r>
+              <a:t>Traditionally, a relational database (e.g. Oracle, Postgres, </a:t>
+            </a:r>
+            <a:r>
+              <a:rPr lang="en-US" sz="2400" dirty="0" err="1"/>
+              <a:t>MySql</a:t>
+            </a:r>
+            <a:r>
+              <a:rPr lang="en-US" sz="2400" dirty="0" smtClean="0"/>
+              <a:t>)</a:t>
+            </a:r>
+          </a:p>
+          <a:p>
+            <a:pPr lvl="1"/>
+            <a:r>
+              <a:rPr lang="en-US" sz="2200" dirty="0" smtClean="0"/>
+              <a:t>SQL: </a:t>
+            </a:r>
+            <a:r>
+              <a:rPr lang="en-US" sz="2200" dirty="0" smtClean="0">
+                <a:solidFill>
+                  <a:schemeClr val="accent2">
+                    <a:lumMod val="60000"/>
+                    <a:lumOff val="40000"/>
+                  </a:schemeClr>
+                </a:solidFill>
+                <a:effectLst>
+                  <a:glow rad="38100">
+                    <a:schemeClr val="bg1">
+                      <a:lumMod val="50000"/>
+                      <a:lumOff val="50000"/>
+                      <a:alpha val="20000"/>
+                    </a:schemeClr>
+                  </a:glow>
+                </a:effectLst>
+                <a:latin typeface="Consolas" panose="020B0609020204030204" pitchFamily="49" charset="0"/>
+              </a:rPr>
+              <a:t>SELECT * FROM ITEMS WHERE ID = 17</a:t>
+            </a:r>
+            <a:endParaRPr lang="en-US" sz="2200" dirty="0">
+              <a:solidFill>
+                <a:schemeClr val="accent2">
+                  <a:lumMod val="60000"/>
+                  <a:lumOff val="40000"/>
+                </a:schemeClr>
+              </a:solidFill>
+              <a:effectLst>
+                <a:glow rad="38100">
+                  <a:schemeClr val="bg1">
+                    <a:lumMod val="50000"/>
+                    <a:lumOff val="50000"/>
+                    <a:alpha val="20000"/>
+                  </a:schemeClr>
+                </a:glow>
+              </a:effectLst>
+              <a:latin typeface="Consolas" panose="020B0609020204030204" pitchFamily="49" charset="0"/>
+            </a:endParaRPr>
           </a:p>
           <a:p>
             <a:r>
               <a:rPr lang="en-US" sz="2400" dirty="0"/>
-              <a:t>Talks to Data sources (databases, Files, Web Services)</a:t>
+              <a:t>Also have </a:t>
+            </a:r>
+            <a:r>
+              <a:rPr lang="en-US" sz="2400" dirty="0" err="1"/>
+              <a:t>NoSql</a:t>
+            </a:r>
+            <a:r>
+              <a:rPr lang="en-US" sz="2400" dirty="0"/>
+              <a:t> Options (Mongo, Dynamo, </a:t>
+            </a:r>
+            <a:r>
+              <a:rPr lang="en-US" sz="2400" dirty="0" err="1"/>
+              <a:t>Redis</a:t>
+            </a:r>
+            <a:r>
+              <a:rPr lang="en-US" sz="2400" dirty="0" smtClean="0"/>
+              <a:t>)</a:t>
             </a:r>
           </a:p>
           <a:p>
             <a:pPr lvl="1"/>
             <a:r>
-              <a:rPr lang="en-US" sz="2200" dirty="0"/>
-              <a:t>Modern </a:t>
-            </a:r>
-            <a:r>
-              <a:rPr lang="en-US" sz="2200" dirty="0" err="1"/>
-              <a:t>Javascript</a:t>
-            </a:r>
-            <a:r>
-              <a:rPr lang="en-US" sz="2200" dirty="0"/>
-              <a:t> in Browsers can also call Web Services</a:t>
-            </a:r>
+              <a:rPr lang="en-US" sz="2200" dirty="0" smtClean="0"/>
+              <a:t>Objects: </a:t>
+            </a:r>
+            <a:r>
+              <a:rPr lang="en-US" sz="2200" cap="none" dirty="0" err="1" smtClean="0">
+                <a:solidFill>
+                  <a:schemeClr val="accent2">
+                    <a:lumMod val="60000"/>
+                    <a:lumOff val="40000"/>
+                  </a:schemeClr>
+                </a:solidFill>
+                <a:effectLst>
+                  <a:glow rad="38100">
+                    <a:schemeClr val="bg1">
+                      <a:lumMod val="50000"/>
+                      <a:lumOff val="50000"/>
+                      <a:alpha val="20000"/>
+                    </a:schemeClr>
+                  </a:glow>
+                </a:effectLst>
+                <a:latin typeface="Consolas" panose="020B0609020204030204" pitchFamily="49" charset="0"/>
+              </a:rPr>
+              <a:t>db.items.find</a:t>
+            </a:r>
+            <a:r>
+              <a:rPr lang="en-US" sz="2200" cap="none" dirty="0" smtClean="0">
+                <a:solidFill>
+                  <a:schemeClr val="accent2">
+                    <a:lumMod val="60000"/>
+                    <a:lumOff val="40000"/>
+                  </a:schemeClr>
+                </a:solidFill>
+                <a:effectLst>
+                  <a:glow rad="38100">
+                    <a:schemeClr val="bg1">
+                      <a:lumMod val="50000"/>
+                      <a:lumOff val="50000"/>
+                      <a:alpha val="20000"/>
+                    </a:schemeClr>
+                  </a:glow>
+                </a:effectLst>
+                <a:latin typeface="Consolas" panose="020B0609020204030204" pitchFamily="49" charset="0"/>
+              </a:rPr>
+              <a:t>( { id: 17 } )</a:t>
+            </a:r>
+            <a:endParaRPr lang="en-US" sz="2200" cap="none" dirty="0"/>
           </a:p>
           <a:p>
             <a:r>
               <a:rPr lang="en-US" sz="2400" dirty="0"/>
-              <a:t>Business Logic, Security, Integration, Services</a:t>
-            </a:r>
-          </a:p>
-          <a:p>
-            <a:r>
-              <a:rPr lang="en-US" sz="2400" dirty="0"/>
-              <a:t>Languages: Java, C#, Python, Ruby, C++, </a:t>
-            </a:r>
-            <a:r>
-              <a:rPr lang="en-US" sz="2400" dirty="0" err="1"/>
-              <a:t>Javascript</a:t>
-            </a:r>
-            <a:r>
-              <a:rPr lang="en-US" sz="2400" dirty="0"/>
-              <a:t>*</a:t>
-            </a:r>
-          </a:p>
-          <a:p>
-            <a:r>
-              <a:rPr lang="en-US" sz="2400" dirty="0"/>
-              <a:t>Need a Container to run code (Tomcat, Node, etc.)</a:t>
-            </a:r>
+              <a:t>Also Have Unstructured Data – Images, </a:t>
+            </a:r>
+            <a:r>
+              <a:rPr lang="en-US" sz="2400" dirty="0" smtClean="0"/>
+              <a:t>Files</a:t>
+            </a:r>
+          </a:p>
+          <a:p>
+            <a:pPr lvl="1"/>
+            <a:r>
+              <a:rPr lang="en-US" sz="2200" dirty="0" smtClean="0"/>
+              <a:t>Data mining, Natural Language Processing, Pattern Matching</a:t>
+            </a:r>
+            <a:endParaRPr lang="en-US" sz="2200" dirty="0"/>
           </a:p>
         </p:txBody>
       </p:sp>
     </p:spTree>
     <p:extLst>
       <p:ext uri="{BB962C8B-B14F-4D97-AF65-F5344CB8AC3E}">
-        <p14:creationId xmlns:p14="http://schemas.microsoft.com/office/powerpoint/2010/main" val="1024953526"/>
+        <p14:creationId xmlns:p14="http://schemas.microsoft.com/office/powerpoint/2010/main" val="683496896"/>
       </p:ext>
     </p:extLst>
   </p:cSld>
@@ -6116,12 +6856,8 @@
           <a:lstStyle/>
           <a:p>
             <a:r>
-              <a:rPr lang="en-US" dirty="0"/>
-              <a:t>The</a:t>
-            </a:r>
-            <a:r>
-              <a:rPr lang="en-US" baseline="0" dirty="0"/>
-              <a:t> “Backend”</a:t>
+              <a:rPr lang="en-US" dirty="0" smtClean="0"/>
+              <a:t>Middleware – The Glue</a:t>
             </a:r>
             <a:endParaRPr lang="en-US" dirty="0"/>
           </a:p>
@@ -6151,43 +6887,54 @@
           <a:p>
             <a:r>
               <a:rPr lang="en-US" sz="2400" dirty="0"/>
-              <a:t>Traditionally, a relational database (e.g. Oracle, Postgres, </a:t>
+              <a:t>Middleware resides on the server (not browser)</a:t>
+            </a:r>
+          </a:p>
+          <a:p>
+            <a:r>
+              <a:rPr lang="en-US" sz="2400" dirty="0"/>
+              <a:t>Talks to Data sources (databases, Files, Web Services)</a:t>
+            </a:r>
+          </a:p>
+          <a:p>
+            <a:pPr lvl="1"/>
+            <a:r>
+              <a:rPr lang="en-US" sz="2200" dirty="0"/>
+              <a:t>Modern </a:t>
+            </a:r>
+            <a:r>
+              <a:rPr lang="en-US" sz="2200" dirty="0" err="1"/>
+              <a:t>Javascript</a:t>
+            </a:r>
+            <a:r>
+              <a:rPr lang="en-US" sz="2200" dirty="0"/>
+              <a:t> in Browsers can also call Web Services</a:t>
+            </a:r>
+          </a:p>
+          <a:p>
+            <a:r>
+              <a:rPr lang="en-US" sz="2400" dirty="0"/>
+              <a:t>Business Logic, Security, Integration, Services</a:t>
+            </a:r>
+          </a:p>
+          <a:p>
+            <a:r>
+              <a:rPr lang="en-US" sz="2400" dirty="0"/>
+              <a:t>Languages: Java, C#, Python, Ruby, C++, </a:t>
             </a:r>
             <a:r>
               <a:rPr lang="en-US" sz="2400" dirty="0" err="1"/>
-              <a:t>MySql</a:t>
+              <a:t>Javascript</a:t>
             </a:r>
             <a:r>
               <a:rPr lang="en-US" sz="2400" dirty="0"/>
-              <a:t>)</a:t>
+              <a:t>*</a:t>
             </a:r>
           </a:p>
           <a:p>
             <a:r>
               <a:rPr lang="en-US" sz="2400" dirty="0"/>
-              <a:t>Also have </a:t>
-            </a:r>
-            <a:r>
-              <a:rPr lang="en-US" sz="2400" dirty="0" err="1"/>
-              <a:t>NoSql</a:t>
-            </a:r>
-            <a:r>
-              <a:rPr lang="en-US" sz="2400" dirty="0"/>
-              <a:t> Options (Mongo, Dynamo, </a:t>
-            </a:r>
-            <a:r>
-              <a:rPr lang="en-US" sz="2400" dirty="0" err="1"/>
-              <a:t>Redis</a:t>
-            </a:r>
-            <a:r>
-              <a:rPr lang="en-US" sz="2400" dirty="0"/>
-              <a:t>)</a:t>
-            </a:r>
-          </a:p>
-          <a:p>
-            <a:r>
-              <a:rPr lang="en-US" sz="2400" dirty="0"/>
-              <a:t>Also Have Unstructured Data – Images, Files</a:t>
+              <a:t>Need a Container to run code (Tomcat, Node, etc.)</a:t>
             </a:r>
           </a:p>
         </p:txBody>
@@ -6195,7 +6942,7 @@
     </p:spTree>
     <p:extLst>
       <p:ext uri="{BB962C8B-B14F-4D97-AF65-F5344CB8AC3E}">
-        <p14:creationId xmlns:p14="http://schemas.microsoft.com/office/powerpoint/2010/main" val="683496896"/>
+        <p14:creationId xmlns:p14="http://schemas.microsoft.com/office/powerpoint/2010/main" val="1024953526"/>
       </p:ext>
     </p:extLst>
   </p:cSld>
@@ -6243,9 +6990,10 @@
           <a:lstStyle/>
           <a:p>
             <a:r>
-              <a:rPr lang="en-US" dirty="0"/>
-              <a:t>A note on mobile</a:t>
-            </a:r>
+              <a:rPr lang="en-US" baseline="0" dirty="0" smtClean="0"/>
+              <a:t>Build and Deployment</a:t>
+            </a:r>
+            <a:endParaRPr lang="en-US" dirty="0"/>
           </a:p>
         </p:txBody>
       </p:sp>
@@ -6272,41 +7020,139 @@
           <a:lstStyle/>
           <a:p>
             <a:r>
-              <a:rPr lang="en-US" sz="2400" dirty="0"/>
-              <a:t>Middleware and Backend have the same options</a:t>
-            </a:r>
-          </a:p>
-          <a:p>
-            <a:r>
-              <a:rPr lang="en-US" sz="2400" dirty="0"/>
-              <a:t>Front-end is usually mobile web (responsive) or Native</a:t>
+              <a:rPr lang="en-US" sz="2400" dirty="0" smtClean="0"/>
+              <a:t>Compile, Assemble, and (usually) Compress Code</a:t>
             </a:r>
           </a:p>
           <a:p>
             <a:pPr lvl="1"/>
             <a:r>
-              <a:rPr lang="en-US" sz="2200" dirty="0"/>
-              <a:t>Android is a Java-based Environment (with some C)</a:t>
+              <a:rPr lang="en-US" sz="2200" dirty="0" smtClean="0"/>
+              <a:t>Make, Ant, Maven, </a:t>
+            </a:r>
+            <a:r>
+              <a:rPr lang="en-US" sz="2200" dirty="0" err="1" smtClean="0"/>
+              <a:t>Gradle</a:t>
+            </a:r>
+            <a:r>
+              <a:rPr lang="en-US" sz="2200" dirty="0" smtClean="0"/>
+              <a:t>, </a:t>
+            </a:r>
+            <a:r>
+              <a:rPr lang="en-US" sz="2200" dirty="0" err="1" smtClean="0"/>
+              <a:t>Distutils</a:t>
+            </a:r>
+            <a:r>
+              <a:rPr lang="en-US" sz="2200" dirty="0" smtClean="0"/>
+              <a:t>, </a:t>
+            </a:r>
+            <a:r>
+              <a:rPr lang="en-US" sz="2200" dirty="0" err="1" smtClean="0"/>
+              <a:t>Nant</a:t>
+            </a:r>
+            <a:endParaRPr lang="en-US" sz="2200" dirty="0" smtClean="0"/>
+          </a:p>
+          <a:p>
+            <a:r>
+              <a:rPr lang="en-US" sz="2400" dirty="0" smtClean="0"/>
+              <a:t>Deploy Code (Different Environment)</a:t>
             </a:r>
           </a:p>
           <a:p>
             <a:pPr lvl="1"/>
             <a:r>
-              <a:rPr lang="en-US" sz="2200" dirty="0"/>
-              <a:t>Apple uses Objective C or </a:t>
-            </a:r>
-            <a:r>
-              <a:rPr lang="en-US" sz="2200" dirty="0" err="1"/>
-              <a:t>Swif</a:t>
+              <a:rPr lang="en-US" sz="2200" dirty="0" smtClean="0"/>
+              <a:t>Custom Scripts/Installers, Chef, Puppet</a:t>
+            </a:r>
+          </a:p>
+          <a:p>
+            <a:r>
+              <a:rPr lang="en-US" sz="2400" dirty="0" smtClean="0"/>
+              <a:t>Test Code</a:t>
+            </a:r>
+          </a:p>
+          <a:p>
+            <a:pPr lvl="1"/>
+            <a:r>
+              <a:rPr lang="en-US" sz="2200" dirty="0" smtClean="0"/>
+              <a:t>Manual, Smoke, Unit, Regression, Security, Etc.</a:t>
             </a:r>
             <a:endParaRPr lang="en-US" sz="2200" dirty="0"/>
+          </a:p>
+        </p:txBody>
+      </p:sp>
+      <p:cxnSp>
+        <p:nvCxnSpPr>
+          <p:cNvPr id="4" name="Straight Connector 3"/>
+          <p:cNvCxnSpPr/>
+          <p:nvPr/>
+        </p:nvCxnSpPr>
+        <p:spPr>
+          <a:xfrm>
+            <a:off x="9537290" y="2369576"/>
+            <a:ext cx="0" cy="3028334"/>
+          </a:xfrm>
+          <a:prstGeom prst="line">
+            <a:avLst/>
+          </a:prstGeom>
+        </p:spPr>
+        <p:style>
+          <a:lnRef idx="3">
+            <a:schemeClr val="accent1"/>
+          </a:lnRef>
+          <a:fillRef idx="0">
+            <a:schemeClr val="accent1"/>
+          </a:fillRef>
+          <a:effectRef idx="2">
+            <a:schemeClr val="accent1"/>
+          </a:effectRef>
+          <a:fontRef idx="minor">
+            <a:schemeClr val="tx1"/>
+          </a:fontRef>
+        </p:style>
+      </p:cxnSp>
+      <p:sp>
+        <p:nvSpPr>
+          <p:cNvPr id="5" name="TextBox 4"/>
+          <p:cNvSpPr txBox="1"/>
+          <p:nvPr/>
+        </p:nvSpPr>
+        <p:spPr>
+          <a:xfrm rot="5400000">
+            <a:off x="8064784" y="3652911"/>
+            <a:ext cx="3558988" cy="461665"/>
+          </a:xfrm>
+          <a:prstGeom prst="rect">
+            <a:avLst/>
+          </a:prstGeom>
+          <a:noFill/>
+        </p:spPr>
+        <p:txBody>
+          <a:bodyPr wrap="none" rtlCol="0">
+            <a:spAutoFit/>
+          </a:bodyPr>
+          <a:lstStyle/>
+          <a:p>
+            <a:r>
+              <a:rPr lang="en-US" sz="2400" b="1" dirty="0" smtClean="0">
+                <a:solidFill>
+                  <a:schemeClr val="accent1"/>
+                </a:solidFill>
+              </a:rPr>
+              <a:t>Continuous Integration</a:t>
+            </a:r>
+            <a:endParaRPr lang="en-US" sz="2400" b="1" dirty="0">
+              <a:solidFill>
+                <a:schemeClr val="accent1"/>
+              </a:solidFill>
+            </a:endParaRPr>
           </a:p>
         </p:txBody>
       </p:sp>
     </p:spTree>
     <p:extLst>
       <p:ext uri="{BB962C8B-B14F-4D97-AF65-F5344CB8AC3E}">
-        <p14:creationId xmlns:p14="http://schemas.microsoft.com/office/powerpoint/2010/main" val="2494301981"/>
+        <p14:creationId xmlns:p14="http://schemas.microsoft.com/office/powerpoint/2010/main" val="363750846"/>
       </p:ext>
     </p:extLst>
   </p:cSld>
@@ -6354,12 +7200,8 @@
           <a:lstStyle/>
           <a:p>
             <a:r>
-              <a:rPr lang="en-US" dirty="0"/>
-              <a:t>The</a:t>
-            </a:r>
-            <a:r>
-              <a:rPr lang="en-US" baseline="0" dirty="0"/>
-              <a:t> Build</a:t>
+              <a:rPr lang="en-US" dirty="0" smtClean="0"/>
+              <a:t>More About Testing</a:t>
             </a:r>
             <a:endParaRPr lang="en-US" dirty="0"/>
           </a:p>
@@ -6383,10 +7225,64 @@
         </p:spPr>
         <p:txBody>
           <a:bodyPr>
-            <a:normAutofit/>
+            <a:normAutofit lnSpcReduction="10000"/>
           </a:bodyPr>
           <a:lstStyle/>
           <a:p>
+            <a:r>
+              <a:rPr lang="en-US" sz="2400" dirty="0" smtClean="0"/>
+              <a:t>Unit: Developers – Fast, Business Logic</a:t>
+            </a:r>
+          </a:p>
+          <a:p>
+            <a:r>
+              <a:rPr lang="en-US" sz="2400" dirty="0" smtClean="0"/>
+              <a:t>Integration: Developers – Multiple Modules, Real Data Sources</a:t>
+            </a:r>
+          </a:p>
+          <a:p>
+            <a:r>
+              <a:rPr lang="en-US" sz="2400" dirty="0" smtClean="0"/>
+              <a:t>Smoke: Developers/QA – Do major/key functions Work</a:t>
+            </a:r>
+          </a:p>
+          <a:p>
+            <a:r>
+              <a:rPr lang="en-US" sz="2400" dirty="0" smtClean="0"/>
+              <a:t>Regression: QA – Test Everything to make sure nothing broke</a:t>
+            </a:r>
+          </a:p>
+          <a:p>
+            <a:r>
+              <a:rPr lang="en-US" sz="2400" dirty="0" smtClean="0"/>
+              <a:t>New Feature: QA – Usually Manual until moved to regression</a:t>
+            </a:r>
+          </a:p>
+          <a:p>
+            <a:r>
+              <a:rPr lang="en-US" sz="2400" dirty="0" smtClean="0"/>
+              <a:t>Load </a:t>
+            </a:r>
+            <a:r>
+              <a:rPr lang="en-US" sz="2400" dirty="0"/>
+              <a:t>– Performance under likely/high load</a:t>
+            </a:r>
+          </a:p>
+          <a:p>
+            <a:r>
+              <a:rPr lang="en-US" sz="2400" dirty="0" smtClean="0"/>
+              <a:t>Penetration – Against running system (usually URL manipulation)</a:t>
+            </a:r>
+          </a:p>
+          <a:p>
+            <a:r>
+              <a:rPr lang="en-US" sz="2400" dirty="0"/>
+              <a:t>Static Code Analysis – Security, Best </a:t>
+            </a:r>
+            <a:r>
+              <a:rPr lang="en-US" sz="2400" dirty="0" smtClean="0"/>
+              <a:t>Practices</a:t>
+            </a:r>
             <a:endParaRPr lang="en-US" sz="2400" dirty="0"/>
           </a:p>
         </p:txBody>
@@ -6394,7 +7290,7 @@
     </p:spTree>
     <p:extLst>
       <p:ext uri="{BB962C8B-B14F-4D97-AF65-F5344CB8AC3E}">
-        <p14:creationId xmlns:p14="http://schemas.microsoft.com/office/powerpoint/2010/main" val="363750846"/>
+        <p14:creationId xmlns:p14="http://schemas.microsoft.com/office/powerpoint/2010/main" val="2002922170"/>
       </p:ext>
     </p:extLst>
   </p:cSld>
@@ -6443,7 +7339,7 @@
           <a:p>
             <a:r>
               <a:rPr lang="en-US" dirty="0"/>
-              <a:t>Deployment</a:t>
+              <a:t>The Buzz</a:t>
             </a:r>
           </a:p>
         </p:txBody>
@@ -6470,6 +7366,55 @@
           </a:bodyPr>
           <a:lstStyle/>
           <a:p>
+            <a:r>
+              <a:rPr lang="en-US" sz="2400" dirty="0" smtClean="0"/>
+              <a:t>Cloud: Someone else’s computer</a:t>
+            </a:r>
+          </a:p>
+          <a:p>
+            <a:r>
+              <a:rPr lang="en-US" sz="2400" dirty="0" smtClean="0"/>
+              <a:t>Agile: See the Manifesto (watch out for too much formality)</a:t>
+            </a:r>
+          </a:p>
+          <a:p>
+            <a:r>
+              <a:rPr lang="en-US" sz="2400" dirty="0" smtClean="0"/>
+              <a:t>DevOps: Reducing friction between coding and production</a:t>
+            </a:r>
+          </a:p>
+          <a:p>
+            <a:r>
+              <a:rPr lang="en-US" sz="2400" dirty="0" smtClean="0"/>
+              <a:t>Big Data Analytics: Can a computer tell me what to do?</a:t>
+            </a:r>
+            <a:endParaRPr lang="en-US" sz="2400" dirty="0" smtClean="0"/>
+          </a:p>
+          <a:p>
+            <a:r>
+              <a:rPr lang="en-US" sz="2400" dirty="0" err="1" smtClean="0"/>
+              <a:t>SecureDevOps</a:t>
+            </a:r>
+            <a:r>
+              <a:rPr lang="en-US" sz="2400" dirty="0" smtClean="0"/>
+              <a:t>: ??? Shouldn’t security testing be part of it?</a:t>
+            </a:r>
+          </a:p>
+          <a:p>
+            <a:r>
+              <a:rPr lang="en-US" sz="2400" dirty="0" smtClean="0"/>
+              <a:t>Artificial Intelligence: Often confused with plain old software</a:t>
+            </a:r>
+          </a:p>
+          <a:p>
+            <a:pPr lvl="1"/>
+            <a:r>
+              <a:rPr lang="en-US" sz="2200" dirty="0" smtClean="0"/>
+              <a:t>Machine learning – does the software improve itself independently</a:t>
+            </a:r>
+            <a:endParaRPr lang="en-US" sz="2200" dirty="0" smtClean="0"/>
+          </a:p>
+          <a:p>
             <a:endParaRPr lang="en-US" sz="2400" dirty="0"/>
           </a:p>
         </p:txBody>
@@ -6477,7 +7422,7 @@
     </p:spTree>
     <p:extLst>
       <p:ext uri="{BB962C8B-B14F-4D97-AF65-F5344CB8AC3E}">
-        <p14:creationId xmlns:p14="http://schemas.microsoft.com/office/powerpoint/2010/main" val="2219758624"/>
+        <p14:creationId xmlns:p14="http://schemas.microsoft.com/office/powerpoint/2010/main" val="2748384818"/>
       </p:ext>
     </p:extLst>
   </p:cSld>
@@ -6526,7 +7471,7 @@
           <a:p>
             <a:r>
               <a:rPr lang="en-US" dirty="0"/>
-              <a:t>Testing</a:t>
+              <a:t>Putting It Together</a:t>
             </a:r>
           </a:p>
         </p:txBody>
@@ -6553,14 +7498,63 @@
           </a:bodyPr>
           <a:lstStyle/>
           <a:p>
+            <a:r>
+              <a:rPr lang="en-US" sz="2400" dirty="0"/>
+              <a:t>Spin up </a:t>
+            </a:r>
+            <a:r>
+              <a:rPr lang="en-US" sz="2400" dirty="0" smtClean="0"/>
+              <a:t>server on Amazon</a:t>
+            </a:r>
             <a:endParaRPr lang="en-US" sz="2400" dirty="0"/>
+          </a:p>
+          <a:p>
+            <a:r>
+              <a:rPr lang="en-US" sz="2400" dirty="0"/>
+              <a:t>Install Java</a:t>
+            </a:r>
+          </a:p>
+          <a:p>
+            <a:r>
+              <a:rPr lang="en-US" sz="2400" dirty="0"/>
+              <a:t>Install Tomcat</a:t>
+            </a:r>
+          </a:p>
+          <a:p>
+            <a:r>
+              <a:rPr lang="en-US" sz="2400" dirty="0"/>
+              <a:t>Install Maven</a:t>
+            </a:r>
+          </a:p>
+          <a:p>
+            <a:r>
+              <a:rPr lang="en-US" sz="2400" dirty="0"/>
+              <a:t>Install </a:t>
+            </a:r>
+            <a:r>
+              <a:rPr lang="en-US" sz="2400" dirty="0" err="1" smtClean="0"/>
+              <a:t>Git</a:t>
+            </a:r>
+            <a:endParaRPr lang="en-US" sz="2400" dirty="0"/>
+          </a:p>
+          <a:p>
+            <a:r>
+              <a:rPr lang="en-US" sz="2400" dirty="0"/>
+              <a:t>Pull Code We Showed</a:t>
+            </a:r>
+          </a:p>
+          <a:p>
+            <a:r>
+              <a:rPr lang="en-US" sz="2400" dirty="0"/>
+              <a:t>Build and START</a:t>
+            </a:r>
           </a:p>
         </p:txBody>
       </p:sp>
     </p:spTree>
     <p:extLst>
       <p:ext uri="{BB962C8B-B14F-4D97-AF65-F5344CB8AC3E}">
-        <p14:creationId xmlns:p14="http://schemas.microsoft.com/office/powerpoint/2010/main" val="2002922170"/>
+        <p14:creationId xmlns:p14="http://schemas.microsoft.com/office/powerpoint/2010/main" val="775777869"/>
       </p:ext>
     </p:extLst>
   </p:cSld>
@@ -6609,8 +7603,17 @@
           <a:p>
             <a:r>
               <a:rPr lang="en-US" dirty="0"/>
-              <a:t>The Buzz</a:t>
-            </a:r>
+              <a:t>Vulnerability</a:t>
+            </a:r>
+            <a:r>
+              <a:rPr lang="en-US" baseline="0" dirty="0"/>
+              <a:t> </a:t>
+            </a:r>
+            <a:r>
+              <a:rPr lang="en-US" baseline="0" dirty="0" smtClean="0"/>
+              <a:t>Hunt / Bug Bounty</a:t>
+            </a:r>
+            <a:endParaRPr lang="en-US" dirty="0"/>
           </a:p>
         </p:txBody>
       </p:sp>
@@ -6636,14 +7639,17 @@
           </a:bodyPr>
           <a:lstStyle/>
           <a:p>
-            <a:endParaRPr lang="en-US" sz="2400" dirty="0"/>
+            <a:r>
+              <a:rPr lang="en-US" sz="2400" dirty="0" smtClean="0"/>
+              <a:t>Did anyone notice security flaws in the code?</a:t>
+            </a:r>
           </a:p>
         </p:txBody>
       </p:sp>
     </p:spTree>
     <p:extLst>
       <p:ext uri="{BB962C8B-B14F-4D97-AF65-F5344CB8AC3E}">
-        <p14:creationId xmlns:p14="http://schemas.microsoft.com/office/powerpoint/2010/main" val="2748384818"/>
+        <p14:creationId xmlns:p14="http://schemas.microsoft.com/office/powerpoint/2010/main" val="1492413066"/>
       </p:ext>
     </p:extLst>
   </p:cSld>
@@ -6691,9 +7697,10 @@
           <a:lstStyle/>
           <a:p>
             <a:r>
-              <a:rPr lang="en-US" dirty="0"/>
-              <a:t>Cloud</a:t>
-            </a:r>
+              <a:rPr lang="en-US" dirty="0" smtClean="0"/>
+              <a:t>Summary</a:t>
+            </a:r>
+            <a:endParaRPr lang="en-US" dirty="0"/>
           </a:p>
         </p:txBody>
       </p:sp>
@@ -6719,97 +7726,44 @@
           </a:bodyPr>
           <a:lstStyle/>
           <a:p>
-            <a:endParaRPr lang="en-US" sz="2400" dirty="0"/>
+            <a:r>
+              <a:rPr lang="en-US" sz="2400" dirty="0" smtClean="0"/>
+              <a:t>Real world skills are just as (more) important than a certification</a:t>
+            </a:r>
+          </a:p>
+          <a:p>
+            <a:r>
+              <a:rPr lang="en-US" sz="2400" dirty="0" smtClean="0"/>
+              <a:t>Be part of the larger team, and hit the gas!</a:t>
+            </a:r>
+          </a:p>
+          <a:p>
+            <a:r>
+              <a:rPr lang="en-US" sz="2400" dirty="0" smtClean="0"/>
+              <a:t>Programming is a great skill to have across professions</a:t>
+            </a:r>
+          </a:p>
+          <a:p>
+            <a:pPr lvl="1"/>
+            <a:r>
+              <a:rPr lang="en-US" sz="2200" dirty="0" smtClean="0"/>
+              <a:t>Learn Python and Linux (Bash Commands and Scripting)</a:t>
+            </a:r>
+          </a:p>
+          <a:p>
+            <a:pPr lvl="1"/>
+            <a:r>
+              <a:rPr lang="en-US" sz="2200" dirty="0" smtClean="0"/>
+              <a:t>AWS (or others) is a great place to Experiment</a:t>
+            </a:r>
+            <a:endParaRPr lang="en-US" sz="2200" dirty="0"/>
           </a:p>
         </p:txBody>
       </p:sp>
     </p:spTree>
     <p:extLst>
       <p:ext uri="{BB962C8B-B14F-4D97-AF65-F5344CB8AC3E}">
-        <p14:creationId xmlns:p14="http://schemas.microsoft.com/office/powerpoint/2010/main" val="4191256410"/>
-      </p:ext>
-    </p:extLst>
-  </p:cSld>
-  <p:clrMapOvr>
-    <a:masterClrMapping/>
-  </p:clrMapOvr>
-</p:sld>
-</file>
-
-<file path=ppt/slides/slide19.xml><?xml version="1.0" encoding="utf-8"?>
-<p:sld xmlns:a="http://schemas.openxmlformats.org/drawingml/2006/main" xmlns:r="http://schemas.openxmlformats.org/officeDocument/2006/relationships" xmlns:p="http://schemas.openxmlformats.org/presentationml/2006/main">
-  <p:cSld>
-    <p:spTree>
-      <p:nvGrpSpPr>
-        <p:cNvPr id="1" name=""/>
-        <p:cNvGrpSpPr/>
-        <p:nvPr/>
-      </p:nvGrpSpPr>
-      <p:grpSpPr>
-        <a:xfrm>
-          <a:off x="0" y="0"/>
-          <a:ext cx="0" cy="0"/>
-          <a:chOff x="0" y="0"/>
-          <a:chExt cx="0" cy="0"/>
-        </a:xfrm>
-      </p:grpSpPr>
-      <p:sp>
-        <p:nvSpPr>
-          <p:cNvPr id="2" name="Title 1"/>
-          <p:cNvSpPr>
-            <a:spLocks noGrp="1"/>
-          </p:cNvSpPr>
-          <p:nvPr>
-            <p:ph type="title"/>
-          </p:nvPr>
-        </p:nvSpPr>
-        <p:spPr>
-          <a:xfrm>
-            <a:off x="1141413" y="609600"/>
-            <a:ext cx="9905998" cy="963827"/>
-          </a:xfrm>
-        </p:spPr>
-        <p:txBody>
-          <a:bodyPr/>
-          <a:lstStyle/>
-          <a:p>
-            <a:r>
-              <a:rPr lang="en-US" dirty="0"/>
-              <a:t>Agile</a:t>
-            </a:r>
-          </a:p>
-        </p:txBody>
-      </p:sp>
-      <p:sp>
-        <p:nvSpPr>
-          <p:cNvPr id="3" name="Content Placeholder 2"/>
-          <p:cNvSpPr>
-            <a:spLocks noGrp="1"/>
-          </p:cNvSpPr>
-          <p:nvPr>
-            <p:ph idx="1"/>
-          </p:nvPr>
-        </p:nvSpPr>
-        <p:spPr>
-          <a:xfrm>
-            <a:off x="1141413" y="1754659"/>
-            <a:ext cx="9905998" cy="4036541"/>
-          </a:xfrm>
-        </p:spPr>
-        <p:txBody>
-          <a:bodyPr>
-            <a:normAutofit/>
-          </a:bodyPr>
-          <a:lstStyle/>
-          <a:p>
-            <a:endParaRPr lang="en-US" sz="2400" dirty="0"/>
-          </a:p>
-        </p:txBody>
-      </p:sp>
-    </p:spTree>
-    <p:extLst>
-      <p:ext uri="{BB962C8B-B14F-4D97-AF65-F5344CB8AC3E}">
-        <p14:creationId xmlns:p14="http://schemas.microsoft.com/office/powerpoint/2010/main" val="3478160753"/>
+        <p14:creationId xmlns:p14="http://schemas.microsoft.com/office/powerpoint/2010/main" val="1802955238"/>
       </p:ext>
     </p:extLst>
   </p:cSld>
@@ -6922,632 +7876,6 @@
     <p:extLst>
       <p:ext uri="{BB962C8B-B14F-4D97-AF65-F5344CB8AC3E}">
         <p14:creationId xmlns:p14="http://schemas.microsoft.com/office/powerpoint/2010/main" val="2930340389"/>
-      </p:ext>
-    </p:extLst>
-  </p:cSld>
-  <p:clrMapOvr>
-    <a:masterClrMapping/>
-  </p:clrMapOvr>
-</p:sld>
-</file>
-
-<file path=ppt/slides/slide20.xml><?xml version="1.0" encoding="utf-8"?>
-<p:sld xmlns:a="http://schemas.openxmlformats.org/drawingml/2006/main" xmlns:r="http://schemas.openxmlformats.org/officeDocument/2006/relationships" xmlns:p="http://schemas.openxmlformats.org/presentationml/2006/main">
-  <p:cSld>
-    <p:spTree>
-      <p:nvGrpSpPr>
-        <p:cNvPr id="1" name=""/>
-        <p:cNvGrpSpPr/>
-        <p:nvPr/>
-      </p:nvGrpSpPr>
-      <p:grpSpPr>
-        <a:xfrm>
-          <a:off x="0" y="0"/>
-          <a:ext cx="0" cy="0"/>
-          <a:chOff x="0" y="0"/>
-          <a:chExt cx="0" cy="0"/>
-        </a:xfrm>
-      </p:grpSpPr>
-      <p:sp>
-        <p:nvSpPr>
-          <p:cNvPr id="2" name="Title 1"/>
-          <p:cNvSpPr>
-            <a:spLocks noGrp="1"/>
-          </p:cNvSpPr>
-          <p:nvPr>
-            <p:ph type="title"/>
-          </p:nvPr>
-        </p:nvSpPr>
-        <p:spPr>
-          <a:xfrm>
-            <a:off x="1141413" y="609600"/>
-            <a:ext cx="9905998" cy="963827"/>
-          </a:xfrm>
-        </p:spPr>
-        <p:txBody>
-          <a:bodyPr/>
-          <a:lstStyle/>
-          <a:p>
-            <a:r>
-              <a:rPr lang="en-US" dirty="0"/>
-              <a:t>DevOps</a:t>
-            </a:r>
-          </a:p>
-        </p:txBody>
-      </p:sp>
-      <p:sp>
-        <p:nvSpPr>
-          <p:cNvPr id="3" name="Content Placeholder 2"/>
-          <p:cNvSpPr>
-            <a:spLocks noGrp="1"/>
-          </p:cNvSpPr>
-          <p:nvPr>
-            <p:ph idx="1"/>
-          </p:nvPr>
-        </p:nvSpPr>
-        <p:spPr>
-          <a:xfrm>
-            <a:off x="1141413" y="1754659"/>
-            <a:ext cx="9905998" cy="4036541"/>
-          </a:xfrm>
-        </p:spPr>
-        <p:txBody>
-          <a:bodyPr>
-            <a:normAutofit/>
-          </a:bodyPr>
-          <a:lstStyle/>
-          <a:p>
-            <a:endParaRPr lang="en-US" sz="2400" dirty="0"/>
-          </a:p>
-        </p:txBody>
-      </p:sp>
-    </p:spTree>
-    <p:extLst>
-      <p:ext uri="{BB962C8B-B14F-4D97-AF65-F5344CB8AC3E}">
-        <p14:creationId xmlns:p14="http://schemas.microsoft.com/office/powerpoint/2010/main" val="585404826"/>
-      </p:ext>
-    </p:extLst>
-  </p:cSld>
-  <p:clrMapOvr>
-    <a:masterClrMapping/>
-  </p:clrMapOvr>
-</p:sld>
-</file>
-
-<file path=ppt/slides/slide21.xml><?xml version="1.0" encoding="utf-8"?>
-<p:sld xmlns:a="http://schemas.openxmlformats.org/drawingml/2006/main" xmlns:r="http://schemas.openxmlformats.org/officeDocument/2006/relationships" xmlns:p="http://schemas.openxmlformats.org/presentationml/2006/main">
-  <p:cSld>
-    <p:spTree>
-      <p:nvGrpSpPr>
-        <p:cNvPr id="1" name=""/>
-        <p:cNvGrpSpPr/>
-        <p:nvPr/>
-      </p:nvGrpSpPr>
-      <p:grpSpPr>
-        <a:xfrm>
-          <a:off x="0" y="0"/>
-          <a:ext cx="0" cy="0"/>
-          <a:chOff x="0" y="0"/>
-          <a:chExt cx="0" cy="0"/>
-        </a:xfrm>
-      </p:grpSpPr>
-      <p:sp>
-        <p:nvSpPr>
-          <p:cNvPr id="2" name="Title 1"/>
-          <p:cNvSpPr>
-            <a:spLocks noGrp="1"/>
-          </p:cNvSpPr>
-          <p:nvPr>
-            <p:ph type="title"/>
-          </p:nvPr>
-        </p:nvSpPr>
-        <p:spPr>
-          <a:xfrm>
-            <a:off x="1141413" y="609600"/>
-            <a:ext cx="9905998" cy="963827"/>
-          </a:xfrm>
-        </p:spPr>
-        <p:txBody>
-          <a:bodyPr/>
-          <a:lstStyle/>
-          <a:p>
-            <a:r>
-              <a:rPr lang="en-US" dirty="0" err="1"/>
-              <a:t>SECDevOps</a:t>
-            </a:r>
-            <a:endParaRPr lang="en-US" dirty="0"/>
-          </a:p>
-        </p:txBody>
-      </p:sp>
-      <p:sp>
-        <p:nvSpPr>
-          <p:cNvPr id="3" name="Content Placeholder 2"/>
-          <p:cNvSpPr>
-            <a:spLocks noGrp="1"/>
-          </p:cNvSpPr>
-          <p:nvPr>
-            <p:ph idx="1"/>
-          </p:nvPr>
-        </p:nvSpPr>
-        <p:spPr>
-          <a:xfrm>
-            <a:off x="1141413" y="1754659"/>
-            <a:ext cx="9905998" cy="4036541"/>
-          </a:xfrm>
-        </p:spPr>
-        <p:txBody>
-          <a:bodyPr>
-            <a:normAutofit/>
-          </a:bodyPr>
-          <a:lstStyle/>
-          <a:p>
-            <a:endParaRPr lang="en-US" sz="2400" dirty="0"/>
-          </a:p>
-        </p:txBody>
-      </p:sp>
-    </p:spTree>
-    <p:extLst>
-      <p:ext uri="{BB962C8B-B14F-4D97-AF65-F5344CB8AC3E}">
-        <p14:creationId xmlns:p14="http://schemas.microsoft.com/office/powerpoint/2010/main" val="2834780622"/>
-      </p:ext>
-    </p:extLst>
-  </p:cSld>
-  <p:clrMapOvr>
-    <a:masterClrMapping/>
-  </p:clrMapOvr>
-</p:sld>
-</file>
-
-<file path=ppt/slides/slide22.xml><?xml version="1.0" encoding="utf-8"?>
-<p:sld xmlns:a="http://schemas.openxmlformats.org/drawingml/2006/main" xmlns:r="http://schemas.openxmlformats.org/officeDocument/2006/relationships" xmlns:p="http://schemas.openxmlformats.org/presentationml/2006/main">
-  <p:cSld>
-    <p:spTree>
-      <p:nvGrpSpPr>
-        <p:cNvPr id="1" name=""/>
-        <p:cNvGrpSpPr/>
-        <p:nvPr/>
-      </p:nvGrpSpPr>
-      <p:grpSpPr>
-        <a:xfrm>
-          <a:off x="0" y="0"/>
-          <a:ext cx="0" cy="0"/>
-          <a:chOff x="0" y="0"/>
-          <a:chExt cx="0" cy="0"/>
-        </a:xfrm>
-      </p:grpSpPr>
-      <p:sp>
-        <p:nvSpPr>
-          <p:cNvPr id="2" name="Title 1"/>
-          <p:cNvSpPr>
-            <a:spLocks noGrp="1"/>
-          </p:cNvSpPr>
-          <p:nvPr>
-            <p:ph type="title"/>
-          </p:nvPr>
-        </p:nvSpPr>
-        <p:spPr>
-          <a:xfrm>
-            <a:off x="1141413" y="609600"/>
-            <a:ext cx="9905998" cy="963827"/>
-          </a:xfrm>
-        </p:spPr>
-        <p:txBody>
-          <a:bodyPr/>
-          <a:lstStyle/>
-          <a:p>
-            <a:r>
-              <a:rPr lang="en-US" dirty="0"/>
-              <a:t>Putting It Together</a:t>
-            </a:r>
-          </a:p>
-        </p:txBody>
-      </p:sp>
-      <p:sp>
-        <p:nvSpPr>
-          <p:cNvPr id="3" name="Content Placeholder 2"/>
-          <p:cNvSpPr>
-            <a:spLocks noGrp="1"/>
-          </p:cNvSpPr>
-          <p:nvPr>
-            <p:ph idx="1"/>
-          </p:nvPr>
-        </p:nvSpPr>
-        <p:spPr>
-          <a:xfrm>
-            <a:off x="1141413" y="1754659"/>
-            <a:ext cx="9905998" cy="4036541"/>
-          </a:xfrm>
-        </p:spPr>
-        <p:txBody>
-          <a:bodyPr>
-            <a:normAutofit/>
-          </a:bodyPr>
-          <a:lstStyle/>
-          <a:p>
-            <a:r>
-              <a:rPr lang="en-US" sz="2400" dirty="0"/>
-              <a:t>Spin up server</a:t>
-            </a:r>
-          </a:p>
-          <a:p>
-            <a:r>
-              <a:rPr lang="en-US" sz="2400" dirty="0"/>
-              <a:t>Install Java</a:t>
-            </a:r>
-          </a:p>
-          <a:p>
-            <a:r>
-              <a:rPr lang="en-US" sz="2400" dirty="0"/>
-              <a:t>Install Tomcat</a:t>
-            </a:r>
-          </a:p>
-          <a:p>
-            <a:r>
-              <a:rPr lang="en-US" sz="2400" dirty="0"/>
-              <a:t>Install Maven</a:t>
-            </a:r>
-          </a:p>
-          <a:p>
-            <a:r>
-              <a:rPr lang="en-US" sz="2400" dirty="0"/>
-              <a:t>Install Git (configure Security)</a:t>
-            </a:r>
-          </a:p>
-          <a:p>
-            <a:r>
-              <a:rPr lang="en-US" sz="2400" dirty="0"/>
-              <a:t>Pull Code We Showed</a:t>
-            </a:r>
-          </a:p>
-          <a:p>
-            <a:r>
-              <a:rPr lang="en-US" sz="2400" dirty="0"/>
-              <a:t>Build and START</a:t>
-            </a:r>
-          </a:p>
-        </p:txBody>
-      </p:sp>
-    </p:spTree>
-    <p:extLst>
-      <p:ext uri="{BB962C8B-B14F-4D97-AF65-F5344CB8AC3E}">
-        <p14:creationId xmlns:p14="http://schemas.microsoft.com/office/powerpoint/2010/main" val="775777869"/>
-      </p:ext>
-    </p:extLst>
-  </p:cSld>
-  <p:clrMapOvr>
-    <a:masterClrMapping/>
-  </p:clrMapOvr>
-</p:sld>
-</file>
-
-<file path=ppt/slides/slide23.xml><?xml version="1.0" encoding="utf-8"?>
-<p:sld xmlns:a="http://schemas.openxmlformats.org/drawingml/2006/main" xmlns:r="http://schemas.openxmlformats.org/officeDocument/2006/relationships" xmlns:p="http://schemas.openxmlformats.org/presentationml/2006/main">
-  <p:cSld>
-    <p:spTree>
-      <p:nvGrpSpPr>
-        <p:cNvPr id="1" name=""/>
-        <p:cNvGrpSpPr/>
-        <p:nvPr/>
-      </p:nvGrpSpPr>
-      <p:grpSpPr>
-        <a:xfrm>
-          <a:off x="0" y="0"/>
-          <a:ext cx="0" cy="0"/>
-          <a:chOff x="0" y="0"/>
-          <a:chExt cx="0" cy="0"/>
-        </a:xfrm>
-      </p:grpSpPr>
-      <p:sp>
-        <p:nvSpPr>
-          <p:cNvPr id="2" name="Title 1"/>
-          <p:cNvSpPr>
-            <a:spLocks noGrp="1"/>
-          </p:cNvSpPr>
-          <p:nvPr>
-            <p:ph type="title"/>
-          </p:nvPr>
-        </p:nvSpPr>
-        <p:spPr>
-          <a:xfrm>
-            <a:off x="1141413" y="609600"/>
-            <a:ext cx="9905998" cy="963827"/>
-          </a:xfrm>
-        </p:spPr>
-        <p:txBody>
-          <a:bodyPr/>
-          <a:lstStyle/>
-          <a:p>
-            <a:r>
-              <a:rPr lang="en-US" dirty="0"/>
-              <a:t>Vulnerability</a:t>
-            </a:r>
-            <a:r>
-              <a:rPr lang="en-US" baseline="0" dirty="0"/>
-              <a:t> Hunt</a:t>
-            </a:r>
-            <a:endParaRPr lang="en-US" dirty="0"/>
-          </a:p>
-        </p:txBody>
-      </p:sp>
-      <p:sp>
-        <p:nvSpPr>
-          <p:cNvPr id="3" name="Content Placeholder 2"/>
-          <p:cNvSpPr>
-            <a:spLocks noGrp="1"/>
-          </p:cNvSpPr>
-          <p:nvPr>
-            <p:ph idx="1"/>
-          </p:nvPr>
-        </p:nvSpPr>
-        <p:spPr>
-          <a:xfrm>
-            <a:off x="1141413" y="1754659"/>
-            <a:ext cx="9905998" cy="4036541"/>
-          </a:xfrm>
-        </p:spPr>
-        <p:txBody>
-          <a:bodyPr>
-            <a:normAutofit/>
-          </a:bodyPr>
-          <a:lstStyle/>
-          <a:p>
-            <a:endParaRPr lang="en-US" sz="2400" dirty="0"/>
-          </a:p>
-        </p:txBody>
-      </p:sp>
-    </p:spTree>
-    <p:extLst>
-      <p:ext uri="{BB962C8B-B14F-4D97-AF65-F5344CB8AC3E}">
-        <p14:creationId xmlns:p14="http://schemas.microsoft.com/office/powerpoint/2010/main" val="1492413066"/>
-      </p:ext>
-    </p:extLst>
-  </p:cSld>
-  <p:clrMapOvr>
-    <a:masterClrMapping/>
-  </p:clrMapOvr>
-</p:sld>
-</file>
-
-<file path=ppt/slides/slide24.xml><?xml version="1.0" encoding="utf-8"?>
-<p:sld xmlns:a="http://schemas.openxmlformats.org/drawingml/2006/main" xmlns:r="http://schemas.openxmlformats.org/officeDocument/2006/relationships" xmlns:p="http://schemas.openxmlformats.org/presentationml/2006/main">
-  <p:cSld>
-    <p:spTree>
-      <p:nvGrpSpPr>
-        <p:cNvPr id="1" name=""/>
-        <p:cNvGrpSpPr/>
-        <p:nvPr/>
-      </p:nvGrpSpPr>
-      <p:grpSpPr>
-        <a:xfrm>
-          <a:off x="0" y="0"/>
-          <a:ext cx="0" cy="0"/>
-          <a:chOff x="0" y="0"/>
-          <a:chExt cx="0" cy="0"/>
-        </a:xfrm>
-      </p:grpSpPr>
-      <p:sp>
-        <p:nvSpPr>
-          <p:cNvPr id="2" name="Title 1"/>
-          <p:cNvSpPr>
-            <a:spLocks noGrp="1"/>
-          </p:cNvSpPr>
-          <p:nvPr>
-            <p:ph type="title"/>
-          </p:nvPr>
-        </p:nvSpPr>
-        <p:spPr>
-          <a:xfrm>
-            <a:off x="1141413" y="609600"/>
-            <a:ext cx="9905998" cy="963827"/>
-          </a:xfrm>
-        </p:spPr>
-        <p:txBody>
-          <a:bodyPr/>
-          <a:lstStyle/>
-          <a:p>
-            <a:r>
-              <a:rPr lang="en-US" dirty="0"/>
-              <a:t>YYYYYYYYYYYYY</a:t>
-            </a:r>
-          </a:p>
-        </p:txBody>
-      </p:sp>
-      <p:sp>
-        <p:nvSpPr>
-          <p:cNvPr id="3" name="Content Placeholder 2"/>
-          <p:cNvSpPr>
-            <a:spLocks noGrp="1"/>
-          </p:cNvSpPr>
-          <p:nvPr>
-            <p:ph idx="1"/>
-          </p:nvPr>
-        </p:nvSpPr>
-        <p:spPr>
-          <a:xfrm>
-            <a:off x="1141413" y="1754659"/>
-            <a:ext cx="9905998" cy="4036541"/>
-          </a:xfrm>
-        </p:spPr>
-        <p:txBody>
-          <a:bodyPr>
-            <a:normAutofit/>
-          </a:bodyPr>
-          <a:lstStyle/>
-          <a:p>
-            <a:endParaRPr lang="en-US" sz="2400" dirty="0"/>
-          </a:p>
-        </p:txBody>
-      </p:sp>
-    </p:spTree>
-    <p:extLst>
-      <p:ext uri="{BB962C8B-B14F-4D97-AF65-F5344CB8AC3E}">
-        <p14:creationId xmlns:p14="http://schemas.microsoft.com/office/powerpoint/2010/main" val="1802955238"/>
-      </p:ext>
-    </p:extLst>
-  </p:cSld>
-  <p:clrMapOvr>
-    <a:masterClrMapping/>
-  </p:clrMapOvr>
-</p:sld>
-</file>
-
-<file path=ppt/slides/slide25.xml><?xml version="1.0" encoding="utf-8"?>
-<p:sld xmlns:a="http://schemas.openxmlformats.org/drawingml/2006/main" xmlns:r="http://schemas.openxmlformats.org/officeDocument/2006/relationships" xmlns:p="http://schemas.openxmlformats.org/presentationml/2006/main">
-  <p:cSld>
-    <p:spTree>
-      <p:nvGrpSpPr>
-        <p:cNvPr id="1" name=""/>
-        <p:cNvGrpSpPr/>
-        <p:nvPr/>
-      </p:nvGrpSpPr>
-      <p:grpSpPr>
-        <a:xfrm>
-          <a:off x="0" y="0"/>
-          <a:ext cx="0" cy="0"/>
-          <a:chOff x="0" y="0"/>
-          <a:chExt cx="0" cy="0"/>
-        </a:xfrm>
-      </p:grpSpPr>
-      <p:sp>
-        <p:nvSpPr>
-          <p:cNvPr id="2" name="Title 1"/>
-          <p:cNvSpPr>
-            <a:spLocks noGrp="1"/>
-          </p:cNvSpPr>
-          <p:nvPr>
-            <p:ph type="title"/>
-          </p:nvPr>
-        </p:nvSpPr>
-        <p:spPr>
-          <a:xfrm>
-            <a:off x="1141413" y="609600"/>
-            <a:ext cx="9905998" cy="963827"/>
-          </a:xfrm>
-        </p:spPr>
-        <p:txBody>
-          <a:bodyPr/>
-          <a:lstStyle/>
-          <a:p>
-            <a:r>
-              <a:rPr lang="en-US" dirty="0"/>
-              <a:t>YYYYYYYYYYYYY</a:t>
-            </a:r>
-          </a:p>
-        </p:txBody>
-      </p:sp>
-      <p:sp>
-        <p:nvSpPr>
-          <p:cNvPr id="3" name="Content Placeholder 2"/>
-          <p:cNvSpPr>
-            <a:spLocks noGrp="1"/>
-          </p:cNvSpPr>
-          <p:nvPr>
-            <p:ph idx="1"/>
-          </p:nvPr>
-        </p:nvSpPr>
-        <p:spPr>
-          <a:xfrm>
-            <a:off x="1141413" y="1754659"/>
-            <a:ext cx="9905998" cy="4036541"/>
-          </a:xfrm>
-        </p:spPr>
-        <p:txBody>
-          <a:bodyPr>
-            <a:normAutofit/>
-          </a:bodyPr>
-          <a:lstStyle/>
-          <a:p>
-            <a:endParaRPr lang="en-US" sz="2400" dirty="0"/>
-          </a:p>
-        </p:txBody>
-      </p:sp>
-    </p:spTree>
-    <p:extLst>
-      <p:ext uri="{BB962C8B-B14F-4D97-AF65-F5344CB8AC3E}">
-        <p14:creationId xmlns:p14="http://schemas.microsoft.com/office/powerpoint/2010/main" val="724999479"/>
-      </p:ext>
-    </p:extLst>
-  </p:cSld>
-  <p:clrMapOvr>
-    <a:masterClrMapping/>
-  </p:clrMapOvr>
-</p:sld>
-</file>
-
-<file path=ppt/slides/slide26.xml><?xml version="1.0" encoding="utf-8"?>
-<p:sld xmlns:a="http://schemas.openxmlformats.org/drawingml/2006/main" xmlns:r="http://schemas.openxmlformats.org/officeDocument/2006/relationships" xmlns:p="http://schemas.openxmlformats.org/presentationml/2006/main">
-  <p:cSld>
-    <p:spTree>
-      <p:nvGrpSpPr>
-        <p:cNvPr id="1" name=""/>
-        <p:cNvGrpSpPr/>
-        <p:nvPr/>
-      </p:nvGrpSpPr>
-      <p:grpSpPr>
-        <a:xfrm>
-          <a:off x="0" y="0"/>
-          <a:ext cx="0" cy="0"/>
-          <a:chOff x="0" y="0"/>
-          <a:chExt cx="0" cy="0"/>
-        </a:xfrm>
-      </p:grpSpPr>
-      <p:sp>
-        <p:nvSpPr>
-          <p:cNvPr id="2" name="Title 1"/>
-          <p:cNvSpPr>
-            <a:spLocks noGrp="1"/>
-          </p:cNvSpPr>
-          <p:nvPr>
-            <p:ph type="title"/>
-          </p:nvPr>
-        </p:nvSpPr>
-        <p:spPr>
-          <a:xfrm>
-            <a:off x="1141413" y="609600"/>
-            <a:ext cx="9905998" cy="963827"/>
-          </a:xfrm>
-        </p:spPr>
-        <p:txBody>
-          <a:bodyPr/>
-          <a:lstStyle/>
-          <a:p>
-            <a:r>
-              <a:rPr lang="en-US" dirty="0"/>
-              <a:t>YYYYYYYYYYYYY</a:t>
-            </a:r>
-          </a:p>
-        </p:txBody>
-      </p:sp>
-      <p:sp>
-        <p:nvSpPr>
-          <p:cNvPr id="3" name="Content Placeholder 2"/>
-          <p:cNvSpPr>
-            <a:spLocks noGrp="1"/>
-          </p:cNvSpPr>
-          <p:nvPr>
-            <p:ph idx="1"/>
-          </p:nvPr>
-        </p:nvSpPr>
-        <p:spPr>
-          <a:xfrm>
-            <a:off x="1141413" y="1754659"/>
-            <a:ext cx="9905998" cy="4036541"/>
-          </a:xfrm>
-        </p:spPr>
-        <p:txBody>
-          <a:bodyPr>
-            <a:normAutofit/>
-          </a:bodyPr>
-          <a:lstStyle/>
-          <a:p>
-            <a:endParaRPr lang="en-US" sz="2400" dirty="0"/>
-          </a:p>
-        </p:txBody>
-      </p:sp>
-    </p:spTree>
-    <p:extLst>
-      <p:ext uri="{BB962C8B-B14F-4D97-AF65-F5344CB8AC3E}">
-        <p14:creationId xmlns:p14="http://schemas.microsoft.com/office/powerpoint/2010/main" val="3330761653"/>
       </p:ext>
     </p:extLst>
   </p:cSld>
@@ -8584,6 +8912,142 @@
               <a:rPr lang="en-US" sz="2400" dirty="0"/>
               <a:t>Promote It (to Production)</a:t>
             </a:r>
+          </a:p>
+        </p:txBody>
+      </p:sp>
+      <p:cxnSp>
+        <p:nvCxnSpPr>
+          <p:cNvPr id="5" name="Straight Connector 4"/>
+          <p:cNvCxnSpPr/>
+          <p:nvPr/>
+        </p:nvCxnSpPr>
+        <p:spPr>
+          <a:xfrm>
+            <a:off x="9261343" y="2045111"/>
+            <a:ext cx="0" cy="1828800"/>
+          </a:xfrm>
+          <a:prstGeom prst="line">
+            <a:avLst/>
+          </a:prstGeom>
+        </p:spPr>
+        <p:style>
+          <a:lnRef idx="3">
+            <a:schemeClr val="accent1"/>
+          </a:lnRef>
+          <a:fillRef idx="0">
+            <a:schemeClr val="accent1"/>
+          </a:fillRef>
+          <a:effectRef idx="2">
+            <a:schemeClr val="accent1"/>
+          </a:effectRef>
+          <a:fontRef idx="minor">
+            <a:schemeClr val="tx1"/>
+          </a:fontRef>
+        </p:style>
+      </p:cxnSp>
+      <p:cxnSp>
+        <p:nvCxnSpPr>
+          <p:cNvPr id="6" name="Straight Connector 5"/>
+          <p:cNvCxnSpPr/>
+          <p:nvPr/>
+        </p:nvCxnSpPr>
+        <p:spPr>
+          <a:xfrm>
+            <a:off x="10483377" y="2705101"/>
+            <a:ext cx="14748" cy="2820629"/>
+          </a:xfrm>
+          <a:prstGeom prst="line">
+            <a:avLst/>
+          </a:prstGeom>
+        </p:spPr>
+        <p:style>
+          <a:lnRef idx="3">
+            <a:schemeClr val="accent3"/>
+          </a:lnRef>
+          <a:fillRef idx="0">
+            <a:schemeClr val="accent3"/>
+          </a:fillRef>
+          <a:effectRef idx="2">
+            <a:schemeClr val="accent3"/>
+          </a:effectRef>
+          <a:fontRef idx="minor">
+            <a:schemeClr val="tx1"/>
+          </a:fontRef>
+        </p:style>
+      </p:cxnSp>
+      <p:sp>
+        <p:nvSpPr>
+          <p:cNvPr id="10" name="TextBox 9"/>
+          <p:cNvSpPr txBox="1"/>
+          <p:nvPr/>
+        </p:nvSpPr>
+        <p:spPr>
+          <a:xfrm rot="5400000">
+            <a:off x="10093523" y="3884583"/>
+            <a:ext cx="1382110" cy="461665"/>
+          </a:xfrm>
+          <a:prstGeom prst="rect">
+            <a:avLst/>
+          </a:prstGeom>
+          <a:noFill/>
+        </p:spPr>
+        <p:txBody>
+          <a:bodyPr wrap="none" rtlCol="0">
+            <a:spAutoFit/>
+          </a:bodyPr>
+          <a:lstStyle/>
+          <a:p>
+            <a:r>
+              <a:rPr lang="en-US" sz="2400" b="1" dirty="0" smtClean="0">
+                <a:solidFill>
+                  <a:schemeClr val="accent3"/>
+                </a:solidFill>
+              </a:rPr>
+              <a:t>DevOps</a:t>
+            </a:r>
+            <a:endParaRPr lang="en-US" sz="2400" b="1" dirty="0">
+              <a:solidFill>
+                <a:schemeClr val="accent3"/>
+              </a:solidFill>
+            </a:endParaRPr>
+          </a:p>
+        </p:txBody>
+      </p:sp>
+      <p:sp>
+        <p:nvSpPr>
+          <p:cNvPr id="11" name="TextBox 10"/>
+          <p:cNvSpPr txBox="1"/>
+          <p:nvPr/>
+        </p:nvSpPr>
+        <p:spPr>
+          <a:xfrm rot="5400000">
+            <a:off x="9088069" y="2728679"/>
+            <a:ext cx="960519" cy="461665"/>
+          </a:xfrm>
+          <a:prstGeom prst="rect">
+            <a:avLst/>
+          </a:prstGeom>
+          <a:noFill/>
+        </p:spPr>
+        <p:txBody>
+          <a:bodyPr wrap="none" rtlCol="0">
+            <a:spAutoFit/>
+          </a:bodyPr>
+          <a:lstStyle/>
+          <a:p>
+            <a:r>
+              <a:rPr lang="en-US" sz="2400" b="1" dirty="0" smtClean="0">
+                <a:solidFill>
+                  <a:schemeClr val="accent1"/>
+                </a:solidFill>
+              </a:rPr>
+              <a:t>Agile</a:t>
+            </a:r>
+            <a:endParaRPr lang="en-US" sz="2400" b="1" dirty="0">
+              <a:solidFill>
+                <a:schemeClr val="accent1"/>
+              </a:solidFill>
+            </a:endParaRPr>
           </a:p>
         </p:txBody>
       </p:sp>
@@ -8854,4 +9318,265 @@
     </a:ext>
   </a:extLst>
 </a:theme>
+</file>
+
+<file path=ppt/theme/theme2.xml><?xml version="1.0" encoding="utf-8"?>
+<a:theme xmlns:a="http://schemas.openxmlformats.org/drawingml/2006/main" name="Office Theme">
+  <a:themeElements>
+    <a:clrScheme name="Office">
+      <a:dk1>
+        <a:sysClr val="windowText" lastClr="000000"/>
+      </a:dk1>
+      <a:lt1>
+        <a:sysClr val="window" lastClr="FFFFFF"/>
+      </a:lt1>
+      <a:dk2>
+        <a:srgbClr val="44546A"/>
+      </a:dk2>
+      <a:lt2>
+        <a:srgbClr val="E7E6E6"/>
+      </a:lt2>
+      <a:accent1>
+        <a:srgbClr val="5B9BD5"/>
+      </a:accent1>
+      <a:accent2>
+        <a:srgbClr val="ED7D31"/>
+      </a:accent2>
+      <a:accent3>
+        <a:srgbClr val="A5A5A5"/>
+      </a:accent3>
+      <a:accent4>
+        <a:srgbClr val="FFC000"/>
+      </a:accent4>
+      <a:accent5>
+        <a:srgbClr val="4472C4"/>
+      </a:accent5>
+      <a:accent6>
+        <a:srgbClr val="70AD47"/>
+      </a:accent6>
+      <a:hlink>
+        <a:srgbClr val="0563C1"/>
+      </a:hlink>
+      <a:folHlink>
+        <a:srgbClr val="954F72"/>
+      </a:folHlink>
+    </a:clrScheme>
+    <a:fontScheme name="Office">
+      <a:majorFont>
+        <a:latin typeface="Calibri Light" panose="020F0302020204030204"/>
+        <a:ea typeface=""/>
+        <a:cs typeface=""/>
+        <a:font script="Jpan" typeface="ＭＳ Ｐゴシック"/>
+        <a:font script="Hang" typeface="맑은 고딕"/>
+        <a:font script="Hans" typeface="宋体"/>
+        <a:font script="Hant" typeface="新細明體"/>
+        <a:font script="Arab" typeface="Times New Roman"/>
+        <a:font script="Hebr" typeface="Times New Roman"/>
+        <a:font script="Thai" typeface="Angsana New"/>
+        <a:font script="Ethi" typeface="Nyala"/>
+        <a:font script="Beng" typeface="Vrinda"/>
+        <a:font script="Gujr" typeface="Shruti"/>
+        <a:font script="Khmr" typeface="MoolBoran"/>
+        <a:font script="Knda" typeface="Tunga"/>
+        <a:font script="Guru" typeface="Raavi"/>
+        <a:font script="Cans" typeface="Euphemia"/>
+        <a:font script="Cher" typeface="Plantagenet Cherokee"/>
+        <a:font script="Yiii" typeface="Microsoft Yi Baiti"/>
+        <a:font script="Tibt" typeface="Microsoft Himalaya"/>
+        <a:font script="Thaa" typeface="MV Boli"/>
+        <a:font script="Deva" typeface="Mangal"/>
+        <a:font script="Telu" typeface="Gautami"/>
+        <a:font script="Taml" typeface="Latha"/>
+        <a:font script="Syrc" typeface="Estrangelo Edessa"/>
+        <a:font script="Orya" typeface="Kalinga"/>
+        <a:font script="Mlym" typeface="Kartika"/>
+        <a:font script="Laoo" typeface="DokChampa"/>
+        <a:font script="Sinh" typeface="Iskoola Pota"/>
+        <a:font script="Mong" typeface="Mongolian Baiti"/>
+        <a:font script="Viet" typeface="Times New Roman"/>
+        <a:font script="Uigh" typeface="Microsoft Uighur"/>
+        <a:font script="Geor" typeface="Sylfaen"/>
+      </a:majorFont>
+      <a:minorFont>
+        <a:latin typeface="Calibri" panose="020F0502020204030204"/>
+        <a:ea typeface=""/>
+        <a:cs typeface=""/>
+        <a:font script="Jpan" typeface="ＭＳ Ｐゴシック"/>
+        <a:font script="Hang" typeface="맑은 고딕"/>
+        <a:font script="Hans" typeface="宋体"/>
+        <a:font script="Hant" typeface="新細明體"/>
+        <a:font script="Arab" typeface="Arial"/>
+        <a:font script="Hebr" typeface="Arial"/>
+        <a:font script="Thai" typeface="Cordia New"/>
+        <a:font script="Ethi" typeface="Nyala"/>
+        <a:font script="Beng" typeface="Vrinda"/>
+        <a:font script="Gujr" typeface="Shruti"/>
+        <a:font script="Khmr" typeface="DaunPenh"/>
+        <a:font script="Knda" typeface="Tunga"/>
+        <a:font script="Guru" typeface="Raavi"/>
+        <a:font script="Cans" typeface="Euphemia"/>
+        <a:font script="Cher" typeface="Plantagenet Cherokee"/>
+        <a:font script="Yiii" typeface="Microsoft Yi Baiti"/>
+        <a:font script="Tibt" typeface="Microsoft Himalaya"/>
+        <a:font script="Thaa" typeface="MV Boli"/>
+        <a:font script="Deva" typeface="Mangal"/>
+        <a:font script="Telu" typeface="Gautami"/>
+        <a:font script="Taml" typeface="Latha"/>
+        <a:font script="Syrc" typeface="Estrangelo Edessa"/>
+        <a:font script="Orya" typeface="Kalinga"/>
+        <a:font script="Mlym" typeface="Kartika"/>
+        <a:font script="Laoo" typeface="DokChampa"/>
+        <a:font script="Sinh" typeface="Iskoola Pota"/>
+        <a:font script="Mong" typeface="Mongolian Baiti"/>
+        <a:font script="Viet" typeface="Arial"/>
+        <a:font script="Uigh" typeface="Microsoft Uighur"/>
+        <a:font script="Geor" typeface="Sylfaen"/>
+      </a:minorFont>
+    </a:fontScheme>
+    <a:fmtScheme name="Office">
+      <a:fillStyleLst>
+        <a:solidFill>
+          <a:schemeClr val="phClr"/>
+        </a:solidFill>
+        <a:gradFill rotWithShape="1">
+          <a:gsLst>
+            <a:gs pos="0">
+              <a:schemeClr val="phClr">
+                <a:lumMod val="110000"/>
+                <a:satMod val="105000"/>
+                <a:tint val="67000"/>
+              </a:schemeClr>
+            </a:gs>
+            <a:gs pos="50000">
+              <a:schemeClr val="phClr">
+                <a:lumMod val="105000"/>
+                <a:satMod val="103000"/>
+                <a:tint val="73000"/>
+              </a:schemeClr>
+            </a:gs>
+            <a:gs pos="100000">
+              <a:schemeClr val="phClr">
+                <a:lumMod val="105000"/>
+                <a:satMod val="109000"/>
+                <a:tint val="81000"/>
+              </a:schemeClr>
+            </a:gs>
+          </a:gsLst>
+          <a:lin ang="5400000" scaled="0"/>
+        </a:gradFill>
+        <a:gradFill rotWithShape="1">
+          <a:gsLst>
+            <a:gs pos="0">
+              <a:schemeClr val="phClr">
+                <a:satMod val="103000"/>
+                <a:lumMod val="102000"/>
+                <a:tint val="94000"/>
+              </a:schemeClr>
+            </a:gs>
+            <a:gs pos="50000">
+              <a:schemeClr val="phClr">
+                <a:satMod val="110000"/>
+                <a:lumMod val="100000"/>
+                <a:shade val="100000"/>
+              </a:schemeClr>
+            </a:gs>
+            <a:gs pos="100000">
+              <a:schemeClr val="phClr">
+                <a:lumMod val="99000"/>
+                <a:satMod val="120000"/>
+                <a:shade val="78000"/>
+              </a:schemeClr>
+            </a:gs>
+          </a:gsLst>
+          <a:lin ang="5400000" scaled="0"/>
+        </a:gradFill>
+      </a:fillStyleLst>
+      <a:lnStyleLst>
+        <a:ln w="6350" cap="flat" cmpd="sng" algn="ctr">
+          <a:solidFill>
+            <a:schemeClr val="phClr"/>
+          </a:solidFill>
+          <a:prstDash val="solid"/>
+          <a:miter lim="800000"/>
+        </a:ln>
+        <a:ln w="12700" cap="flat" cmpd="sng" algn="ctr">
+          <a:solidFill>
+            <a:schemeClr val="phClr"/>
+          </a:solidFill>
+          <a:prstDash val="solid"/>
+          <a:miter lim="800000"/>
+        </a:ln>
+        <a:ln w="19050" cap="flat" cmpd="sng" algn="ctr">
+          <a:solidFill>
+            <a:schemeClr val="phClr"/>
+          </a:solidFill>
+          <a:prstDash val="solid"/>
+          <a:miter lim="800000"/>
+        </a:ln>
+      </a:lnStyleLst>
+      <a:effectStyleLst>
+        <a:effectStyle>
+          <a:effectLst/>
+        </a:effectStyle>
+        <a:effectStyle>
+          <a:effectLst/>
+        </a:effectStyle>
+        <a:effectStyle>
+          <a:effectLst>
+            <a:outerShdw blurRad="57150" dist="19050" dir="5400000" algn="ctr" rotWithShape="0">
+              <a:srgbClr val="000000">
+                <a:alpha val="63000"/>
+              </a:srgbClr>
+            </a:outerShdw>
+          </a:effectLst>
+        </a:effectStyle>
+      </a:effectStyleLst>
+      <a:bgFillStyleLst>
+        <a:solidFill>
+          <a:schemeClr val="phClr"/>
+        </a:solidFill>
+        <a:solidFill>
+          <a:schemeClr val="phClr">
+            <a:tint val="95000"/>
+            <a:satMod val="170000"/>
+          </a:schemeClr>
+        </a:solidFill>
+        <a:gradFill rotWithShape="1">
+          <a:gsLst>
+            <a:gs pos="0">
+              <a:schemeClr val="phClr">
+                <a:tint val="93000"/>
+                <a:satMod val="150000"/>
+                <a:shade val="98000"/>
+                <a:lumMod val="102000"/>
+              </a:schemeClr>
+            </a:gs>
+            <a:gs pos="50000">
+              <a:schemeClr val="phClr">
+                <a:tint val="98000"/>
+                <a:satMod val="130000"/>
+                <a:shade val="90000"/>
+                <a:lumMod val="103000"/>
+              </a:schemeClr>
+            </a:gs>
+            <a:gs pos="100000">
+              <a:schemeClr val="phClr">
+                <a:shade val="63000"/>
+                <a:satMod val="120000"/>
+              </a:schemeClr>
+            </a:gs>
+          </a:gsLst>
+          <a:lin ang="5400000" scaled="0"/>
+        </a:gradFill>
+      </a:bgFillStyleLst>
+    </a:fmtScheme>
+  </a:themeElements>
+  <a:objectDefaults/>
+  <a:extraClrSchemeLst/>
+  <a:extLst>
+    <a:ext uri="{05A4C25C-085E-4340-85A3-A5531E510DB2}">
+      <thm15:themeFamily xmlns:thm15="http://schemas.microsoft.com/office/thememl/2012/main" name="Office Theme" id="{62F939B6-93AF-4DB8-9C6B-D6C7DFDC589F}" vid="{4A3C46E8-61CC-4603-A589-7422A47A8E4A}"/>
+    </a:ext>
+  </a:extLst>
+</a:theme>
 </file>
--- a/docs/Software Development - CISSP.pptx
+++ b/docs/Software Development - CISSP.pptx
@@ -5,7 +5,7 @@
     <p:sldMasterId id="2147483824" r:id="rId1"/>
   </p:sldMasterIdLst>
   <p:notesMasterIdLst>
-    <p:notesMasterId r:id="rId20"/>
+    <p:notesMasterId r:id="rId21"/>
   </p:notesMasterIdLst>
   <p:sldIdLst>
     <p:sldId id="256" r:id="rId2"/>
@@ -26,6 +26,7 @@
     <p:sldId id="277" r:id="rId17"/>
     <p:sldId id="278" r:id="rId18"/>
     <p:sldId id="279" r:id="rId19"/>
+    <p:sldId id="280" r:id="rId20"/>
   </p:sldIdLst>
   <p:sldSz cx="12192000" cy="6858000"/>
   <p:notesSz cx="6858000" cy="9144000"/>
@@ -7388,7 +7389,6 @@
               <a:rPr lang="en-US" sz="2400" dirty="0" smtClean="0"/>
               <a:t>Big Data Analytics: Can a computer tell me what to do?</a:t>
             </a:r>
-            <a:endParaRPr lang="en-US" sz="2400" dirty="0" smtClean="0"/>
           </a:p>
           <a:p>
             <a:r>
@@ -7412,7 +7412,6 @@
               <a:rPr lang="en-US" sz="2200" dirty="0" smtClean="0"/>
               <a:t>Machine learning – does the software improve itself independently</a:t>
             </a:r>
-            <a:endParaRPr lang="en-US" sz="2200" dirty="0" smtClean="0"/>
           </a:p>
           <a:p>
             <a:endParaRPr lang="en-US" sz="2400" dirty="0"/>
@@ -7698,7 +7697,7 @@
           <a:p>
             <a:r>
               <a:rPr lang="en-US" dirty="0" smtClean="0"/>
-              <a:t>Summary</a:t>
+              <a:t>My Pitch for Python</a:t>
             </a:r>
             <a:endParaRPr lang="en-US" dirty="0"/>
           </a:p>
@@ -7726,36 +7725,6 @@
           </a:bodyPr>
           <a:lstStyle/>
           <a:p>
-            <a:r>
-              <a:rPr lang="en-US" sz="2400" dirty="0" smtClean="0"/>
-              <a:t>Real world skills are just as (more) important than a certification</a:t>
-            </a:r>
-          </a:p>
-          <a:p>
-            <a:r>
-              <a:rPr lang="en-US" sz="2400" dirty="0" smtClean="0"/>
-              <a:t>Be part of the larger team, and hit the gas!</a:t>
-            </a:r>
-          </a:p>
-          <a:p>
-            <a:r>
-              <a:rPr lang="en-US" sz="2400" dirty="0" smtClean="0"/>
-              <a:t>Programming is a great skill to have across professions</a:t>
-            </a:r>
-          </a:p>
-          <a:p>
-            <a:pPr lvl="1"/>
-            <a:r>
-              <a:rPr lang="en-US" sz="2200" dirty="0" smtClean="0"/>
-              <a:t>Learn Python and Linux (Bash Commands and Scripting)</a:t>
-            </a:r>
-          </a:p>
-          <a:p>
-            <a:pPr lvl="1"/>
-            <a:r>
-              <a:rPr lang="en-US" sz="2200" dirty="0" smtClean="0"/>
-              <a:t>AWS (or others) is a great place to Experiment</a:t>
-            </a:r>
             <a:endParaRPr lang="en-US" sz="2200" dirty="0"/>
           </a:p>
         </p:txBody>
@@ -7764,6 +7733,120 @@
     <p:extLst>
       <p:ext uri="{BB962C8B-B14F-4D97-AF65-F5344CB8AC3E}">
         <p14:creationId xmlns:p14="http://schemas.microsoft.com/office/powerpoint/2010/main" val="1802955238"/>
+      </p:ext>
+    </p:extLst>
+  </p:cSld>
+  <p:clrMapOvr>
+    <a:masterClrMapping/>
+  </p:clrMapOvr>
+</p:sld>
+</file>
+
+<file path=ppt/slides/slide19.xml><?xml version="1.0" encoding="utf-8"?>
+<p:sld xmlns:a="http://schemas.openxmlformats.org/drawingml/2006/main" xmlns:r="http://schemas.openxmlformats.org/officeDocument/2006/relationships" xmlns:p="http://schemas.openxmlformats.org/presentationml/2006/main">
+  <p:cSld>
+    <p:spTree>
+      <p:nvGrpSpPr>
+        <p:cNvPr id="1" name=""/>
+        <p:cNvGrpSpPr/>
+        <p:nvPr/>
+      </p:nvGrpSpPr>
+      <p:grpSpPr>
+        <a:xfrm>
+          <a:off x="0" y="0"/>
+          <a:ext cx="0" cy="0"/>
+          <a:chOff x="0" y="0"/>
+          <a:chExt cx="0" cy="0"/>
+        </a:xfrm>
+      </p:grpSpPr>
+      <p:sp>
+        <p:nvSpPr>
+          <p:cNvPr id="2" name="Title 1"/>
+          <p:cNvSpPr>
+            <a:spLocks noGrp="1"/>
+          </p:cNvSpPr>
+          <p:nvPr>
+            <p:ph type="title"/>
+          </p:nvPr>
+        </p:nvSpPr>
+        <p:spPr>
+          <a:xfrm>
+            <a:off x="1141413" y="609600"/>
+            <a:ext cx="9905998" cy="963827"/>
+          </a:xfrm>
+        </p:spPr>
+        <p:txBody>
+          <a:bodyPr/>
+          <a:lstStyle/>
+          <a:p>
+            <a:r>
+              <a:rPr lang="en-US" dirty="0" smtClean="0"/>
+              <a:t>Summary</a:t>
+            </a:r>
+            <a:endParaRPr lang="en-US" dirty="0"/>
+          </a:p>
+        </p:txBody>
+      </p:sp>
+      <p:sp>
+        <p:nvSpPr>
+          <p:cNvPr id="3" name="Content Placeholder 2"/>
+          <p:cNvSpPr>
+            <a:spLocks noGrp="1"/>
+          </p:cNvSpPr>
+          <p:nvPr>
+            <p:ph idx="1"/>
+          </p:nvPr>
+        </p:nvSpPr>
+        <p:spPr>
+          <a:xfrm>
+            <a:off x="1141413" y="1754659"/>
+            <a:ext cx="9905998" cy="4036541"/>
+          </a:xfrm>
+        </p:spPr>
+        <p:txBody>
+          <a:bodyPr>
+            <a:normAutofit/>
+          </a:bodyPr>
+          <a:lstStyle/>
+          <a:p>
+            <a:r>
+              <a:rPr lang="en-US" sz="2400" dirty="0" smtClean="0"/>
+              <a:t>Real world skills are just as (more) important than a certification</a:t>
+            </a:r>
+          </a:p>
+          <a:p>
+            <a:r>
+              <a:rPr lang="en-US" sz="2400" dirty="0" smtClean="0"/>
+              <a:t>Be part of the larger team, and hit the gas!</a:t>
+            </a:r>
+          </a:p>
+          <a:p>
+            <a:r>
+              <a:rPr lang="en-US" sz="2400" dirty="0" smtClean="0"/>
+              <a:t>Programming is a great skill to have across professions</a:t>
+            </a:r>
+          </a:p>
+          <a:p>
+            <a:pPr lvl="1"/>
+            <a:r>
+              <a:rPr lang="en-US" sz="2200" dirty="0" smtClean="0"/>
+              <a:t>Learn Python and Linux (Bash Commands and Scripting)</a:t>
+            </a:r>
+          </a:p>
+          <a:p>
+            <a:pPr lvl="1"/>
+            <a:r>
+              <a:rPr lang="en-US" sz="2200" dirty="0" smtClean="0"/>
+              <a:t>AWS (or others) is a great place to Experiment</a:t>
+            </a:r>
+            <a:endParaRPr lang="en-US" sz="2200" dirty="0"/>
+          </a:p>
+        </p:txBody>
+      </p:sp>
+    </p:spTree>
+    <p:extLst>
+      <p:ext uri="{BB962C8B-B14F-4D97-AF65-F5344CB8AC3E}">
+        <p14:creationId xmlns:p14="http://schemas.microsoft.com/office/powerpoint/2010/main" val="4112922618"/>
       </p:ext>
     </p:extLst>
   </p:cSld>

--- a/docs/Software Development - CISSP.pptx
+++ b/docs/Software Development - CISSP.pptx
@@ -219,7 +219,7 @@
           <a:p>
             <a:fld id="{D190D2B4-3B5D-40DA-93BE-C4D5E2164FB1}" type="datetimeFigureOut">
               <a:rPr lang="en-US" smtClean="0"/>
-              <a:t>11/21/2017</a:t>
+              <a:t>11/23/2017</a:t>
             </a:fld>
             <a:endParaRPr lang="en-US"/>
           </a:p>
@@ -283,38 +283,37 @@
           <a:p>
             <a:pPr lvl="0"/>
             <a:r>
-              <a:rPr lang="en-US" smtClean="0"/>
+              <a:rPr lang="en-US"/>
               <a:t>Click to edit Master text styles</a:t>
             </a:r>
           </a:p>
           <a:p>
             <a:pPr lvl="1"/>
             <a:r>
-              <a:rPr lang="en-US" smtClean="0"/>
+              <a:rPr lang="en-US"/>
               <a:t>Second level</a:t>
             </a:r>
           </a:p>
           <a:p>
             <a:pPr lvl="2"/>
             <a:r>
-              <a:rPr lang="en-US" smtClean="0"/>
+              <a:rPr lang="en-US"/>
               <a:t>Third level</a:t>
             </a:r>
           </a:p>
           <a:p>
             <a:pPr lvl="3"/>
             <a:r>
-              <a:rPr lang="en-US" smtClean="0"/>
+              <a:rPr lang="en-US"/>
               <a:t>Fourth level</a:t>
             </a:r>
           </a:p>
           <a:p>
             <a:pPr lvl="4"/>
             <a:r>
-              <a:rPr lang="en-US" smtClean="0"/>
+              <a:rPr lang="en-US"/>
               <a:t>Fifth level</a:t>
             </a:r>
-            <a:endParaRPr lang="en-US"/>
           </a:p>
         </p:txBody>
       </p:sp>
@@ -942,7 +941,7 @@
             <a:fld id="{B61BEF0D-F0BB-DE4B-95CE-6DB70DBA9567}" type="datetimeFigureOut">
               <a:rPr lang="en-US" smtClean="0"/>
               <a:pPr/>
-              <a:t>11/21/2017</a:t>
+              <a:t>11/23/2017</a:t>
             </a:fld>
             <a:endParaRPr lang="en-US" dirty="0"/>
           </a:p>
@@ -1240,7 +1239,7 @@
             <a:fld id="{B61BEF0D-F0BB-DE4B-95CE-6DB70DBA9567}" type="datetimeFigureOut">
               <a:rPr lang="en-US" smtClean="0"/>
               <a:pPr/>
-              <a:t>11/21/2017</a:t>
+              <a:t>11/23/2017</a:t>
             </a:fld>
             <a:endParaRPr lang="en-US" dirty="0"/>
           </a:p>
@@ -1490,7 +1489,7 @@
             <a:fld id="{B61BEF0D-F0BB-DE4B-95CE-6DB70DBA9567}" type="datetimeFigureOut">
               <a:rPr lang="en-US" smtClean="0"/>
               <a:pPr/>
-              <a:t>11/21/2017</a:t>
+              <a:t>11/23/2017</a:t>
             </a:fld>
             <a:endParaRPr lang="en-US" dirty="0"/>
           </a:p>
@@ -2028,7 +2027,7 @@
             <a:fld id="{B61BEF0D-F0BB-DE4B-95CE-6DB70DBA9567}" type="datetimeFigureOut">
               <a:rPr lang="en-US" smtClean="0"/>
               <a:pPr/>
-              <a:t>11/21/2017</a:t>
+              <a:t>11/23/2017</a:t>
             </a:fld>
             <a:endParaRPr lang="en-US" dirty="0"/>
           </a:p>
@@ -2278,7 +2277,7 @@
             <a:fld id="{B61BEF0D-F0BB-DE4B-95CE-6DB70DBA9567}" type="datetimeFigureOut">
               <a:rPr lang="en-US" smtClean="0"/>
               <a:pPr/>
-              <a:t>11/21/2017</a:t>
+              <a:t>11/23/2017</a:t>
             </a:fld>
             <a:endParaRPr lang="en-US" dirty="0"/>
           </a:p>
@@ -2823,7 +2822,7 @@
             <a:fld id="{B61BEF0D-F0BB-DE4B-95CE-6DB70DBA9567}" type="datetimeFigureOut">
               <a:rPr lang="en-US" smtClean="0"/>
               <a:pPr/>
-              <a:t>11/21/2017</a:t>
+              <a:t>11/23/2017</a:t>
             </a:fld>
             <a:endParaRPr lang="en-US" dirty="0"/>
           </a:p>
@@ -3135,7 +3134,7 @@
             <a:fld id="{B61BEF0D-F0BB-DE4B-95CE-6DB70DBA9567}" type="datetimeFigureOut">
               <a:rPr lang="en-US" smtClean="0"/>
               <a:pPr/>
-              <a:t>11/21/2017</a:t>
+              <a:t>11/23/2017</a:t>
             </a:fld>
             <a:endParaRPr lang="en-US" dirty="0"/>
           </a:p>
@@ -3312,7 +3311,7 @@
             <a:fld id="{B61BEF0D-F0BB-DE4B-95CE-6DB70DBA9567}" type="datetimeFigureOut">
               <a:rPr lang="en-US" smtClean="0"/>
               <a:pPr/>
-              <a:t>11/21/2017</a:t>
+              <a:t>11/23/2017</a:t>
             </a:fld>
             <a:endParaRPr lang="en-US" dirty="0"/>
           </a:p>
@@ -3494,7 +3493,7 @@
             <a:fld id="{B61BEF0D-F0BB-DE4B-95CE-6DB70DBA9567}" type="datetimeFigureOut">
               <a:rPr lang="en-US" smtClean="0"/>
               <a:pPr/>
-              <a:t>11/21/2017</a:t>
+              <a:t>11/23/2017</a:t>
             </a:fld>
             <a:endParaRPr lang="en-US" dirty="0"/>
           </a:p>
@@ -3671,7 +3670,7 @@
             <a:fld id="{B61BEF0D-F0BB-DE4B-95CE-6DB70DBA9567}" type="datetimeFigureOut">
               <a:rPr lang="en-US" smtClean="0"/>
               <a:pPr/>
-              <a:t>11/21/2017</a:t>
+              <a:t>11/23/2017</a:t>
             </a:fld>
             <a:endParaRPr lang="en-US" dirty="0"/>
           </a:p>
@@ -3919,7 +3918,7 @@
             <a:fld id="{B61BEF0D-F0BB-DE4B-95CE-6DB70DBA9567}" type="datetimeFigureOut">
               <a:rPr lang="en-US" smtClean="0"/>
               <a:pPr/>
-              <a:t>11/21/2017</a:t>
+              <a:t>11/23/2017</a:t>
             </a:fld>
             <a:endParaRPr lang="en-US" dirty="0"/>
           </a:p>
@@ -4218,7 +4217,7 @@
             <a:fld id="{B61BEF0D-F0BB-DE4B-95CE-6DB70DBA9567}" type="datetimeFigureOut">
               <a:rPr lang="en-US" smtClean="0"/>
               <a:pPr/>
-              <a:t>11/21/2017</a:t>
+              <a:t>11/23/2017</a:t>
             </a:fld>
             <a:endParaRPr lang="en-US" dirty="0"/>
           </a:p>
@@ -4650,7 +4649,7 @@
             <a:fld id="{B61BEF0D-F0BB-DE4B-95CE-6DB70DBA9567}" type="datetimeFigureOut">
               <a:rPr lang="en-US" smtClean="0"/>
               <a:pPr/>
-              <a:t>11/21/2017</a:t>
+              <a:t>11/23/2017</a:t>
             </a:fld>
             <a:endParaRPr lang="en-US" dirty="0"/>
           </a:p>
@@ -4775,7 +4774,7 @@
             <a:fld id="{B61BEF0D-F0BB-DE4B-95CE-6DB70DBA9567}" type="datetimeFigureOut">
               <a:rPr lang="en-US" smtClean="0"/>
               <a:pPr/>
-              <a:t>11/21/2017</a:t>
+              <a:t>11/23/2017</a:t>
             </a:fld>
             <a:endParaRPr lang="en-US" dirty="0"/>
           </a:p>
@@ -4872,7 +4871,7 @@
             <a:fld id="{B61BEF0D-F0BB-DE4B-95CE-6DB70DBA9567}" type="datetimeFigureOut">
               <a:rPr lang="en-US" smtClean="0"/>
               <a:pPr/>
-              <a:t>11/21/2017</a:t>
+              <a:t>11/23/2017</a:t>
             </a:fld>
             <a:endParaRPr lang="en-US" dirty="0"/>
           </a:p>
@@ -5157,7 +5156,7 @@
             <a:fld id="{B61BEF0D-F0BB-DE4B-95CE-6DB70DBA9567}" type="datetimeFigureOut">
               <a:rPr lang="en-US" smtClean="0"/>
               <a:pPr/>
-              <a:t>11/21/2017</a:t>
+              <a:t>11/23/2017</a:t>
             </a:fld>
             <a:endParaRPr lang="en-US" dirty="0"/>
           </a:p>
@@ -5450,7 +5449,7 @@
             <a:fld id="{B61BEF0D-F0BB-DE4B-95CE-6DB70DBA9567}" type="datetimeFigureOut">
               <a:rPr lang="en-US" smtClean="0"/>
               <a:pPr/>
-              <a:t>11/21/2017</a:t>
+              <a:t>11/23/2017</a:t>
             </a:fld>
             <a:endParaRPr lang="en-US" dirty="0"/>
           </a:p>
@@ -5683,7 +5682,7 @@
             <a:fld id="{B61BEF0D-F0BB-DE4B-95CE-6DB70DBA9567}" type="datetimeFigureOut">
               <a:rPr lang="en-US" smtClean="0"/>
               <a:pPr/>
-              <a:t>11/21/2017</a:t>
+              <a:t>11/23/2017</a:t>
             </a:fld>
             <a:endParaRPr lang="en-US" dirty="0"/>
           </a:p>
@@ -6445,16 +6444,12 @@
           <a:lstStyle/>
           <a:p>
             <a:r>
-              <a:rPr lang="en-US" dirty="0" smtClean="0"/>
+              <a:rPr lang="en-US" dirty="0"/>
               <a:t>Web/Browser/Mobile</a:t>
             </a:r>
             <a:r>
-              <a:rPr lang="en-US" baseline="0" dirty="0" smtClean="0"/>
-              <a:t> </a:t>
-            </a:r>
-            <a:r>
               <a:rPr lang="en-US" baseline="0" dirty="0"/>
-              <a:t>Technologies</a:t>
+              <a:t> Technologies</a:t>
             </a:r>
             <a:endParaRPr lang="en-US" dirty="0"/>
           </a:p>
@@ -6529,11 +6524,7 @@
             </a:r>
             <a:r>
               <a:rPr lang="en-US" sz="2200" dirty="0"/>
-              <a:t> a Programming Language</a:t>
-            </a:r>
-            <a:r>
-              <a:rPr lang="en-US" sz="2200" dirty="0" smtClean="0"/>
-              <a:t>?</a:t>
+              <a:t> a Programming Language?</a:t>
             </a:r>
           </a:p>
           <a:p>
@@ -6542,12 +6533,8 @@
           </a:p>
           <a:p>
             <a:r>
-              <a:rPr lang="en-US" sz="2400" dirty="0" smtClean="0"/>
-              <a:t>For Mobile, Front-end </a:t>
-            </a:r>
-            <a:r>
               <a:rPr lang="en-US" sz="2400" dirty="0"/>
-              <a:t>is usually mobile web (responsive) or Native</a:t>
+              <a:t>For Mobile, Front-end is usually mobile web (responsive) or Native</a:t>
             </a:r>
           </a:p>
           <a:p>
@@ -6561,13 +6548,64 @@
             <a:pPr lvl="1"/>
             <a:r>
               <a:rPr lang="en-US" sz="2200" dirty="0"/>
-              <a:t>Apple uses Objective C or </a:t>
-            </a:r>
-            <a:r>
-              <a:rPr lang="en-US" sz="2200" dirty="0" smtClean="0"/>
-              <a:t>Swift</a:t>
-            </a:r>
-            <a:endParaRPr lang="en-US" sz="2200" dirty="0"/>
+              <a:t>Apple uses Objective C or Swift</a:t>
+            </a:r>
+          </a:p>
+        </p:txBody>
+      </p:sp>
+      <p:sp>
+        <p:nvSpPr>
+          <p:cNvPr id="5" name="Rectangle 4">
+            <a:extLst>
+              <a:ext uri="{FF2B5EF4-FFF2-40B4-BE49-F238E27FC236}">
+                <a16:creationId xmlns:a16="http://schemas.microsoft.com/office/drawing/2014/main" id="{4AFEE50C-D6BA-48BA-BD4F-0BC2A3027C0D}"/>
+              </a:ext>
+            </a:extLst>
+          </p:cNvPr>
+          <p:cNvSpPr/>
+          <p:nvPr/>
+        </p:nvSpPr>
+        <p:spPr>
+          <a:xfrm>
+            <a:off x="10001250" y="1066800"/>
+            <a:ext cx="1293811" cy="1600200"/>
+          </a:xfrm>
+          <a:prstGeom prst="rect">
+            <a:avLst/>
+          </a:prstGeom>
+        </p:spPr>
+        <p:style>
+          <a:lnRef idx="2">
+            <a:schemeClr val="accent6">
+              <a:shade val="50000"/>
+            </a:schemeClr>
+          </a:lnRef>
+          <a:fillRef idx="1">
+            <a:schemeClr val="accent6"/>
+          </a:fillRef>
+          <a:effectRef idx="0">
+            <a:schemeClr val="accent6"/>
+          </a:effectRef>
+          <a:fontRef idx="minor">
+            <a:schemeClr val="lt1"/>
+          </a:fontRef>
+        </p:style>
+        <p:txBody>
+          <a:bodyPr rtlCol="0" anchor="ctr"/>
+          <a:lstStyle/>
+          <a:p>
+            <a:pPr algn="ctr"/>
+            <a:r>
+              <a:rPr lang="en-US" dirty="0"/>
+              <a:t>Text</a:t>
+            </a:r>
+          </a:p>
+          <a:p>
+            <a:pPr algn="ctr"/>
+            <a:r>
+              <a:rPr lang="en-US" dirty="0"/>
+              <a:t>Editors</a:t>
+            </a:r>
           </a:p>
         </p:txBody>
       </p:sp>
@@ -6664,18 +6702,18 @@
               <a:t>MySql</a:t>
             </a:r>
             <a:r>
-              <a:rPr lang="en-US" sz="2400" dirty="0" smtClean="0"/>
+              <a:rPr lang="en-US" sz="2400" dirty="0"/>
               <a:t>)</a:t>
             </a:r>
           </a:p>
           <a:p>
             <a:pPr lvl="1"/>
             <a:r>
-              <a:rPr lang="en-US" sz="2200" dirty="0" smtClean="0"/>
+              <a:rPr lang="en-US" sz="2200" dirty="0"/>
               <a:t>SQL: </a:t>
             </a:r>
             <a:r>
-              <a:rPr lang="en-US" sz="2200" dirty="0" smtClean="0">
+              <a:rPr lang="en-US" sz="2200" dirty="0">
                 <a:solidFill>
                   <a:schemeClr val="accent2">
                     <a:lumMod val="60000"/>
@@ -6695,24 +6733,6 @@
               </a:rPr>
               <a:t>SELECT * FROM ITEMS WHERE ID = 17</a:t>
             </a:r>
-            <a:endParaRPr lang="en-US" sz="2200" dirty="0">
-              <a:solidFill>
-                <a:schemeClr val="accent2">
-                  <a:lumMod val="60000"/>
-                  <a:lumOff val="40000"/>
-                </a:schemeClr>
-              </a:solidFill>
-              <a:effectLst>
-                <a:glow rad="38100">
-                  <a:schemeClr val="bg1">
-                    <a:lumMod val="50000"/>
-                    <a:lumOff val="50000"/>
-                    <a:alpha val="20000"/>
-                  </a:schemeClr>
-                </a:glow>
-              </a:effectLst>
-              <a:latin typeface="Consolas" panose="020B0609020204030204" pitchFamily="49" charset="0"/>
-            </a:endParaRPr>
           </a:p>
           <a:p>
             <a:r>
@@ -6732,18 +6752,18 @@
               <a:t>Redis</a:t>
             </a:r>
             <a:r>
-              <a:rPr lang="en-US" sz="2400" dirty="0" smtClean="0"/>
+              <a:rPr lang="en-US" sz="2400" dirty="0"/>
               <a:t>)</a:t>
             </a:r>
           </a:p>
           <a:p>
             <a:pPr lvl="1"/>
             <a:r>
-              <a:rPr lang="en-US" sz="2200" dirty="0" smtClean="0"/>
+              <a:rPr lang="en-US" sz="2200" dirty="0"/>
               <a:t>Objects: </a:t>
             </a:r>
             <a:r>
-              <a:rPr lang="en-US" sz="2200" cap="none" dirty="0" err="1" smtClean="0">
+              <a:rPr lang="en-US" sz="2200" cap="none" dirty="0" err="1">
                 <a:solidFill>
                   <a:schemeClr val="accent2">
                     <a:lumMod val="60000"/>
@@ -6764,7 +6784,7 @@
               <a:t>db.items.find</a:t>
             </a:r>
             <a:r>
-              <a:rPr lang="en-US" sz="2200" cap="none" dirty="0" smtClean="0">
+              <a:rPr lang="en-US" sz="2200" cap="none" dirty="0">
                 <a:solidFill>
                   <a:schemeClr val="accent2">
                     <a:lumMod val="60000"/>
@@ -6789,20 +6809,15 @@
           <a:p>
             <a:r>
               <a:rPr lang="en-US" sz="2400" dirty="0"/>
-              <a:t>Also Have Unstructured Data – Images, </a:t>
-            </a:r>
-            <a:r>
-              <a:rPr lang="en-US" sz="2400" dirty="0" smtClean="0"/>
-              <a:t>Files</a:t>
+              <a:t>Also Have Unstructured Data – Images, Files</a:t>
             </a:r>
           </a:p>
           <a:p>
             <a:pPr lvl="1"/>
             <a:r>
-              <a:rPr lang="en-US" sz="2200" dirty="0" smtClean="0"/>
+              <a:rPr lang="en-US" sz="2200" dirty="0"/>
               <a:t>Data mining, Natural Language Processing, Pattern Matching</a:t>
             </a:r>
-            <a:endParaRPr lang="en-US" sz="2200" dirty="0"/>
           </a:p>
         </p:txBody>
       </p:sp>
@@ -6857,10 +6872,9 @@
           <a:lstStyle/>
           <a:p>
             <a:r>
-              <a:rPr lang="en-US" dirty="0" smtClean="0"/>
+              <a:rPr lang="en-US" dirty="0"/>
               <a:t>Middleware – The Glue</a:t>
             </a:r>
-            <a:endParaRPr lang="en-US" dirty="0"/>
           </a:p>
         </p:txBody>
       </p:sp>
@@ -6936,6 +6950,55 @@
             <a:r>
               <a:rPr lang="en-US" sz="2400" dirty="0"/>
               <a:t>Need a Container to run code (Tomcat, Node, etc.)</a:t>
+            </a:r>
+          </a:p>
+        </p:txBody>
+      </p:sp>
+      <p:sp>
+        <p:nvSpPr>
+          <p:cNvPr id="4" name="Rectangle 3">
+            <a:extLst>
+              <a:ext uri="{FF2B5EF4-FFF2-40B4-BE49-F238E27FC236}">
+                <a16:creationId xmlns:a16="http://schemas.microsoft.com/office/drawing/2014/main" id="{66F6E9EE-56AC-4C91-BCC8-B2AB79A38D83}"/>
+              </a:ext>
+            </a:extLst>
+          </p:cNvPr>
+          <p:cNvSpPr/>
+          <p:nvPr/>
+        </p:nvSpPr>
+        <p:spPr>
+          <a:xfrm>
+            <a:off x="10001250" y="1066800"/>
+            <a:ext cx="1293811" cy="1600200"/>
+          </a:xfrm>
+          <a:prstGeom prst="rect">
+            <a:avLst/>
+          </a:prstGeom>
+        </p:spPr>
+        <p:style>
+          <a:lnRef idx="2">
+            <a:schemeClr val="accent6">
+              <a:shade val="50000"/>
+            </a:schemeClr>
+          </a:lnRef>
+          <a:fillRef idx="1">
+            <a:schemeClr val="accent6"/>
+          </a:fillRef>
+          <a:effectRef idx="0">
+            <a:schemeClr val="accent6"/>
+          </a:effectRef>
+          <a:fontRef idx="minor">
+            <a:schemeClr val="lt1"/>
+          </a:fontRef>
+        </p:style>
+        <p:txBody>
+          <a:bodyPr rtlCol="0" anchor="ctr"/>
+          <a:lstStyle/>
+          <a:p>
+            <a:pPr algn="ctr"/>
+            <a:r>
+              <a:rPr lang="en-US" dirty="0"/>
+              <a:t>IDEs</a:t>
             </a:r>
           </a:p>
         </p:txBody>
@@ -6991,7 +7054,7 @@
           <a:lstStyle/>
           <a:p>
             <a:r>
-              <a:rPr lang="en-US" baseline="0" dirty="0" smtClean="0"/>
+              <a:rPr lang="en-US" baseline="0" dirty="0"/>
               <a:t>Build and Deployment</a:t>
             </a:r>
             <a:endParaRPr lang="en-US" dirty="0"/>
@@ -7021,64 +7084,63 @@
           <a:lstStyle/>
           <a:p>
             <a:r>
-              <a:rPr lang="en-US" sz="2400" dirty="0" smtClean="0"/>
+              <a:rPr lang="en-US" sz="2400" dirty="0"/>
               <a:t>Compile, Assemble, and (usually) Compress Code</a:t>
             </a:r>
           </a:p>
           <a:p>
             <a:pPr lvl="1"/>
             <a:r>
-              <a:rPr lang="en-US" sz="2200" dirty="0" smtClean="0"/>
+              <a:rPr lang="en-US" sz="2200" dirty="0"/>
               <a:t>Make, Ant, Maven, </a:t>
             </a:r>
             <a:r>
-              <a:rPr lang="en-US" sz="2200" dirty="0" err="1" smtClean="0"/>
+              <a:rPr lang="en-US" sz="2200" dirty="0" err="1"/>
               <a:t>Gradle</a:t>
             </a:r>
             <a:r>
-              <a:rPr lang="en-US" sz="2200" dirty="0" smtClean="0"/>
+              <a:rPr lang="en-US" sz="2200" dirty="0"/>
               <a:t>, </a:t>
             </a:r>
             <a:r>
-              <a:rPr lang="en-US" sz="2200" dirty="0" err="1" smtClean="0"/>
+              <a:rPr lang="en-US" sz="2200" dirty="0" err="1"/>
               <a:t>Distutils</a:t>
             </a:r>
             <a:r>
-              <a:rPr lang="en-US" sz="2200" dirty="0" smtClean="0"/>
+              <a:rPr lang="en-US" sz="2200" dirty="0"/>
               <a:t>, </a:t>
             </a:r>
             <a:r>
-              <a:rPr lang="en-US" sz="2200" dirty="0" err="1" smtClean="0"/>
+              <a:rPr lang="en-US" sz="2200" dirty="0" err="1"/>
               <a:t>Nant</a:t>
             </a:r>
-            <a:endParaRPr lang="en-US" sz="2200" dirty="0" smtClean="0"/>
-          </a:p>
-          <a:p>
-            <a:r>
-              <a:rPr lang="en-US" sz="2400" dirty="0" smtClean="0"/>
+            <a:endParaRPr lang="en-US" sz="2200" dirty="0"/>
+          </a:p>
+          <a:p>
+            <a:r>
+              <a:rPr lang="en-US" sz="2400" dirty="0"/>
               <a:t>Deploy Code (Different Environment)</a:t>
             </a:r>
           </a:p>
           <a:p>
             <a:pPr lvl="1"/>
             <a:r>
-              <a:rPr lang="en-US" sz="2200" dirty="0" smtClean="0"/>
+              <a:rPr lang="en-US" sz="2200" dirty="0"/>
               <a:t>Custom Scripts/Installers, Chef, Puppet</a:t>
             </a:r>
           </a:p>
           <a:p>
             <a:r>
-              <a:rPr lang="en-US" sz="2400" dirty="0" smtClean="0"/>
+              <a:rPr lang="en-US" sz="2400" dirty="0"/>
               <a:t>Test Code</a:t>
             </a:r>
           </a:p>
           <a:p>
             <a:pPr lvl="1"/>
             <a:r>
-              <a:rPr lang="en-US" sz="2200" dirty="0" smtClean="0"/>
+              <a:rPr lang="en-US" sz="2200" dirty="0"/>
               <a:t>Manual, Smoke, Unit, Regression, Security, Etc.</a:t>
             </a:r>
-            <a:endParaRPr lang="en-US" sz="2200" dirty="0"/>
           </a:p>
         </p:txBody>
       </p:sp>
@@ -7135,18 +7197,13 @@
           <a:lstStyle/>
           <a:p>
             <a:r>
-              <a:rPr lang="en-US" sz="2400" b="1" dirty="0" smtClean="0">
+              <a:rPr lang="en-US" sz="2400" b="1" dirty="0">
                 <a:solidFill>
                   <a:schemeClr val="accent1"/>
                 </a:solidFill>
               </a:rPr>
               <a:t>Continuous Integration</a:t>
             </a:r>
-            <a:endParaRPr lang="en-US" sz="2400" b="1" dirty="0">
-              <a:solidFill>
-                <a:schemeClr val="accent1"/>
-              </a:solidFill>
-            </a:endParaRPr>
           </a:p>
         </p:txBody>
       </p:sp>
@@ -7201,10 +7258,9 @@
           <a:lstStyle/>
           <a:p>
             <a:r>
-              <a:rPr lang="en-US" dirty="0" smtClean="0"/>
+              <a:rPr lang="en-US" dirty="0"/>
               <a:t>More About Testing</a:t>
             </a:r>
-            <a:endParaRPr lang="en-US" dirty="0"/>
           </a:p>
         </p:txBody>
       </p:sp>
@@ -7231,60 +7287,51 @@
           <a:lstStyle/>
           <a:p>
             <a:r>
-              <a:rPr lang="en-US" sz="2400" dirty="0" smtClean="0"/>
+              <a:rPr lang="en-US" sz="2400" dirty="0"/>
               <a:t>Unit: Developers – Fast, Business Logic</a:t>
             </a:r>
           </a:p>
           <a:p>
             <a:r>
-              <a:rPr lang="en-US" sz="2400" dirty="0" smtClean="0"/>
+              <a:rPr lang="en-US" sz="2400" dirty="0"/>
               <a:t>Integration: Developers – Multiple Modules, Real Data Sources</a:t>
             </a:r>
           </a:p>
           <a:p>
             <a:r>
-              <a:rPr lang="en-US" sz="2400" dirty="0" smtClean="0"/>
+              <a:rPr lang="en-US" sz="2400" dirty="0"/>
               <a:t>Smoke: Developers/QA – Do major/key functions Work</a:t>
             </a:r>
           </a:p>
           <a:p>
             <a:r>
-              <a:rPr lang="en-US" sz="2400" dirty="0" smtClean="0"/>
+              <a:rPr lang="en-US" sz="2400" dirty="0"/>
               <a:t>Regression: QA – Test Everything to make sure nothing broke</a:t>
             </a:r>
           </a:p>
           <a:p>
             <a:r>
-              <a:rPr lang="en-US" sz="2400" dirty="0" smtClean="0"/>
+              <a:rPr lang="en-US" sz="2400" dirty="0"/>
               <a:t>New Feature: QA – Usually Manual until moved to regression</a:t>
             </a:r>
           </a:p>
           <a:p>
             <a:r>
-              <a:rPr lang="en-US" sz="2400" dirty="0" smtClean="0"/>
-              <a:t>Load </a:t>
-            </a:r>
-            <a:r>
               <a:rPr lang="en-US" sz="2400" dirty="0"/>
-              <a:t>– Performance under likely/high load</a:t>
-            </a:r>
-          </a:p>
-          <a:p>
-            <a:r>
-              <a:rPr lang="en-US" sz="2400" dirty="0" smtClean="0"/>
+              <a:t>Load – Performance under likely/high load</a:t>
+            </a:r>
+          </a:p>
+          <a:p>
+            <a:r>
+              <a:rPr lang="en-US" sz="2400" dirty="0"/>
               <a:t>Penetration – Against running system (usually URL manipulation)</a:t>
             </a:r>
           </a:p>
           <a:p>
             <a:r>
               <a:rPr lang="en-US" sz="2400" dirty="0"/>
-              <a:t>Static Code Analysis – Security, Best </a:t>
-            </a:r>
-            <a:r>
-              <a:rPr lang="en-US" sz="2400" dirty="0" smtClean="0"/>
-              <a:t>Practices</a:t>
-            </a:r>
-            <a:endParaRPr lang="en-US" sz="2400" dirty="0"/>
+              <a:t>Static Code Analysis – Security, Best Practices</a:t>
+            </a:r>
           </a:p>
         </p:txBody>
       </p:sp>
@@ -7368,48 +7415,48 @@
           <a:lstStyle/>
           <a:p>
             <a:r>
-              <a:rPr lang="en-US" sz="2400" dirty="0" smtClean="0"/>
+              <a:rPr lang="en-US" sz="2400" dirty="0"/>
               <a:t>Cloud: Someone else’s computer</a:t>
             </a:r>
           </a:p>
           <a:p>
             <a:r>
-              <a:rPr lang="en-US" sz="2400" dirty="0" smtClean="0"/>
+              <a:rPr lang="en-US" sz="2400" dirty="0"/>
               <a:t>Agile: See the Manifesto (watch out for too much formality)</a:t>
             </a:r>
           </a:p>
           <a:p>
             <a:r>
-              <a:rPr lang="en-US" sz="2400" dirty="0" smtClean="0"/>
+              <a:rPr lang="en-US" sz="2400" dirty="0"/>
               <a:t>DevOps: Reducing friction between coding and production</a:t>
             </a:r>
           </a:p>
           <a:p>
             <a:r>
-              <a:rPr lang="en-US" sz="2400" dirty="0" smtClean="0"/>
+              <a:rPr lang="en-US" sz="2400" dirty="0"/>
               <a:t>Big Data Analytics: Can a computer tell me what to do?</a:t>
             </a:r>
           </a:p>
           <a:p>
             <a:r>
-              <a:rPr lang="en-US" sz="2400" dirty="0" err="1" smtClean="0"/>
+              <a:rPr lang="en-US" sz="2400" dirty="0" err="1"/>
               <a:t>SecureDevOps</a:t>
             </a:r>
             <a:r>
-              <a:rPr lang="en-US" sz="2400" dirty="0" smtClean="0"/>
+              <a:rPr lang="en-US" sz="2400" dirty="0"/>
               <a:t>: ??? Shouldn’t security testing be part of it?</a:t>
             </a:r>
           </a:p>
           <a:p>
             <a:r>
-              <a:rPr lang="en-US" sz="2400" dirty="0" smtClean="0"/>
+              <a:rPr lang="en-US" sz="2400" dirty="0"/>
               <a:t>Artificial Intelligence: Often confused with plain old software</a:t>
             </a:r>
           </a:p>
           <a:p>
             <a:pPr lvl="1"/>
             <a:r>
-              <a:rPr lang="en-US" sz="2200" dirty="0" smtClean="0"/>
+              <a:rPr lang="en-US" sz="2200" dirty="0"/>
               <a:t>Machine learning – does the software improve itself independently</a:t>
             </a:r>
           </a:p>
@@ -7499,13 +7546,8 @@
           <a:p>
             <a:r>
               <a:rPr lang="en-US" sz="2400" dirty="0"/>
-              <a:t>Spin up </a:t>
-            </a:r>
-            <a:r>
-              <a:rPr lang="en-US" sz="2400" dirty="0" smtClean="0"/>
-              <a:t>server on Amazon</a:t>
-            </a:r>
-            <a:endParaRPr lang="en-US" sz="2400" dirty="0"/>
+              <a:t>Spin up server on Amazon</a:t>
+            </a:r>
           </a:p>
           <a:p>
             <a:r>
@@ -7531,7 +7573,7 @@
               <a:t>Install </a:t>
             </a:r>
             <a:r>
-              <a:rPr lang="en-US" sz="2400" dirty="0" err="1" smtClean="0"/>
+              <a:rPr lang="en-US" sz="2400" dirty="0" err="1"/>
               <a:t>Git</a:t>
             </a:r>
             <a:endParaRPr lang="en-US" sz="2400" dirty="0"/>
@@ -7606,11 +7648,7 @@
             </a:r>
             <a:r>
               <a:rPr lang="en-US" baseline="0" dirty="0"/>
-              <a:t> </a:t>
-            </a:r>
-            <a:r>
-              <a:rPr lang="en-US" baseline="0" dirty="0" smtClean="0"/>
-              <a:t>Hunt / Bug Bounty</a:t>
+              <a:t> Hunt / Bug Bounty</a:t>
             </a:r>
             <a:endParaRPr lang="en-US" dirty="0"/>
           </a:p>
@@ -7639,7 +7677,7 @@
           <a:lstStyle/>
           <a:p>
             <a:r>
-              <a:rPr lang="en-US" sz="2400" dirty="0" smtClean="0"/>
+              <a:rPr lang="en-US" sz="2400" dirty="0"/>
               <a:t>Did anyone notice security flaws in the code?</a:t>
             </a:r>
           </a:p>
@@ -7696,10 +7734,9 @@
           <a:lstStyle/>
           <a:p>
             <a:r>
-              <a:rPr lang="en-US" dirty="0" smtClean="0"/>
+              <a:rPr lang="en-US" dirty="0"/>
               <a:t>My Pitch for Python</a:t>
             </a:r>
-            <a:endParaRPr lang="en-US" dirty="0"/>
           </a:p>
         </p:txBody>
       </p:sp>
@@ -7780,10 +7817,9 @@
           <a:lstStyle/>
           <a:p>
             <a:r>
-              <a:rPr lang="en-US" dirty="0" smtClean="0"/>
+              <a:rPr lang="en-US" dirty="0"/>
               <a:t>Summary</a:t>
             </a:r>
-            <a:endParaRPr lang="en-US" dirty="0"/>
           </a:p>
         </p:txBody>
       </p:sp>
@@ -7810,36 +7846,35 @@
           <a:lstStyle/>
           <a:p>
             <a:r>
-              <a:rPr lang="en-US" sz="2400" dirty="0" smtClean="0"/>
+              <a:rPr lang="en-US" sz="2400" dirty="0"/>
               <a:t>Real world skills are just as (more) important than a certification</a:t>
             </a:r>
           </a:p>
           <a:p>
             <a:r>
-              <a:rPr lang="en-US" sz="2400" dirty="0" smtClean="0"/>
+              <a:rPr lang="en-US" sz="2400" dirty="0"/>
               <a:t>Be part of the larger team, and hit the gas!</a:t>
             </a:r>
           </a:p>
           <a:p>
             <a:r>
-              <a:rPr lang="en-US" sz="2400" dirty="0" smtClean="0"/>
+              <a:rPr lang="en-US" sz="2400" dirty="0"/>
               <a:t>Programming is a great skill to have across professions</a:t>
             </a:r>
           </a:p>
           <a:p>
             <a:pPr lvl="1"/>
             <a:r>
-              <a:rPr lang="en-US" sz="2200" dirty="0" smtClean="0"/>
+              <a:rPr lang="en-US" sz="2200" dirty="0"/>
               <a:t>Learn Python and Linux (Bash Commands and Scripting)</a:t>
             </a:r>
           </a:p>
           <a:p>
             <a:pPr lvl="1"/>
             <a:r>
-              <a:rPr lang="en-US" sz="2200" dirty="0" smtClean="0"/>
+              <a:rPr lang="en-US" sz="2200" dirty="0"/>
               <a:t>AWS (or others) is a great place to Experiment</a:t>
             </a:r>
-            <a:endParaRPr lang="en-US" sz="2200" dirty="0"/>
           </a:p>
         </p:txBody>
       </p:sp>
@@ -9081,18 +9116,13 @@
           <a:lstStyle/>
           <a:p>
             <a:r>
-              <a:rPr lang="en-US" sz="2400" b="1" dirty="0" smtClean="0">
+              <a:rPr lang="en-US" sz="2400" b="1" dirty="0">
                 <a:solidFill>
                   <a:schemeClr val="accent3"/>
                 </a:solidFill>
               </a:rPr>
               <a:t>DevOps</a:t>
             </a:r>
-            <a:endParaRPr lang="en-US" sz="2400" b="1" dirty="0">
-              <a:solidFill>
-                <a:schemeClr val="accent3"/>
-              </a:solidFill>
-            </a:endParaRPr>
           </a:p>
         </p:txBody>
       </p:sp>
@@ -9119,18 +9149,13 @@
           <a:lstStyle/>
           <a:p>
             <a:r>
-              <a:rPr lang="en-US" sz="2400" b="1" dirty="0" smtClean="0">
+              <a:rPr lang="en-US" sz="2400" b="1" dirty="0">
                 <a:solidFill>
                   <a:schemeClr val="accent1"/>
                 </a:solidFill>
               </a:rPr>
               <a:t>Agile</a:t>
             </a:r>
-            <a:endParaRPr lang="en-US" sz="2400" b="1" dirty="0">
-              <a:solidFill>
-                <a:schemeClr val="accent1"/>
-              </a:solidFill>
-            </a:endParaRPr>
           </a:p>
         </p:txBody>
       </p:sp>

--- a/docs/Software Development - CISSP.pptx
+++ b/docs/Software Development - CISSP.pptx
@@ -219,7 +219,7 @@
           <a:p>
             <a:fld id="{D190D2B4-3B5D-40DA-93BE-C4D5E2164FB1}" type="datetimeFigureOut">
               <a:rPr lang="en-US" smtClean="0"/>
-              <a:t>11/23/2017</a:t>
+              <a:t>11/24/2017</a:t>
             </a:fld>
             <a:endParaRPr lang="en-US"/>
           </a:p>
@@ -941,7 +941,7 @@
             <a:fld id="{B61BEF0D-F0BB-DE4B-95CE-6DB70DBA9567}" type="datetimeFigureOut">
               <a:rPr lang="en-US" smtClean="0"/>
               <a:pPr/>
-              <a:t>11/23/2017</a:t>
+              <a:t>11/24/2017</a:t>
             </a:fld>
             <a:endParaRPr lang="en-US" dirty="0"/>
           </a:p>
@@ -1239,7 +1239,7 @@
             <a:fld id="{B61BEF0D-F0BB-DE4B-95CE-6DB70DBA9567}" type="datetimeFigureOut">
               <a:rPr lang="en-US" smtClean="0"/>
               <a:pPr/>
-              <a:t>11/23/2017</a:t>
+              <a:t>11/24/2017</a:t>
             </a:fld>
             <a:endParaRPr lang="en-US" dirty="0"/>
           </a:p>
@@ -1489,7 +1489,7 @@
             <a:fld id="{B61BEF0D-F0BB-DE4B-95CE-6DB70DBA9567}" type="datetimeFigureOut">
               <a:rPr lang="en-US" smtClean="0"/>
               <a:pPr/>
-              <a:t>11/23/2017</a:t>
+              <a:t>11/24/2017</a:t>
             </a:fld>
             <a:endParaRPr lang="en-US" dirty="0"/>
           </a:p>
@@ -2027,7 +2027,7 @@
             <a:fld id="{B61BEF0D-F0BB-DE4B-95CE-6DB70DBA9567}" type="datetimeFigureOut">
               <a:rPr lang="en-US" smtClean="0"/>
               <a:pPr/>
-              <a:t>11/23/2017</a:t>
+              <a:t>11/24/2017</a:t>
             </a:fld>
             <a:endParaRPr lang="en-US" dirty="0"/>
           </a:p>
@@ -2277,7 +2277,7 @@
             <a:fld id="{B61BEF0D-F0BB-DE4B-95CE-6DB70DBA9567}" type="datetimeFigureOut">
               <a:rPr lang="en-US" smtClean="0"/>
               <a:pPr/>
-              <a:t>11/23/2017</a:t>
+              <a:t>11/24/2017</a:t>
             </a:fld>
             <a:endParaRPr lang="en-US" dirty="0"/>
           </a:p>
@@ -2822,7 +2822,7 @@
             <a:fld id="{B61BEF0D-F0BB-DE4B-95CE-6DB70DBA9567}" type="datetimeFigureOut">
               <a:rPr lang="en-US" smtClean="0"/>
               <a:pPr/>
-              <a:t>11/23/2017</a:t>
+              <a:t>11/24/2017</a:t>
             </a:fld>
             <a:endParaRPr lang="en-US" dirty="0"/>
           </a:p>
@@ -3134,7 +3134,7 @@
             <a:fld id="{B61BEF0D-F0BB-DE4B-95CE-6DB70DBA9567}" type="datetimeFigureOut">
               <a:rPr lang="en-US" smtClean="0"/>
               <a:pPr/>
-              <a:t>11/23/2017</a:t>
+              <a:t>11/24/2017</a:t>
             </a:fld>
             <a:endParaRPr lang="en-US" dirty="0"/>
           </a:p>
@@ -3311,7 +3311,7 @@
             <a:fld id="{B61BEF0D-F0BB-DE4B-95CE-6DB70DBA9567}" type="datetimeFigureOut">
               <a:rPr lang="en-US" smtClean="0"/>
               <a:pPr/>
-              <a:t>11/23/2017</a:t>
+              <a:t>11/24/2017</a:t>
             </a:fld>
             <a:endParaRPr lang="en-US" dirty="0"/>
           </a:p>
@@ -3493,7 +3493,7 @@
             <a:fld id="{B61BEF0D-F0BB-DE4B-95CE-6DB70DBA9567}" type="datetimeFigureOut">
               <a:rPr lang="en-US" smtClean="0"/>
               <a:pPr/>
-              <a:t>11/23/2017</a:t>
+              <a:t>11/24/2017</a:t>
             </a:fld>
             <a:endParaRPr lang="en-US" dirty="0"/>
           </a:p>
@@ -3670,7 +3670,7 @@
             <a:fld id="{B61BEF0D-F0BB-DE4B-95CE-6DB70DBA9567}" type="datetimeFigureOut">
               <a:rPr lang="en-US" smtClean="0"/>
               <a:pPr/>
-              <a:t>11/23/2017</a:t>
+              <a:t>11/24/2017</a:t>
             </a:fld>
             <a:endParaRPr lang="en-US" dirty="0"/>
           </a:p>
@@ -3918,7 +3918,7 @@
             <a:fld id="{B61BEF0D-F0BB-DE4B-95CE-6DB70DBA9567}" type="datetimeFigureOut">
               <a:rPr lang="en-US" smtClean="0"/>
               <a:pPr/>
-              <a:t>11/23/2017</a:t>
+              <a:t>11/24/2017</a:t>
             </a:fld>
             <a:endParaRPr lang="en-US" dirty="0"/>
           </a:p>
@@ -4217,7 +4217,7 @@
             <a:fld id="{B61BEF0D-F0BB-DE4B-95CE-6DB70DBA9567}" type="datetimeFigureOut">
               <a:rPr lang="en-US" smtClean="0"/>
               <a:pPr/>
-              <a:t>11/23/2017</a:t>
+              <a:t>11/24/2017</a:t>
             </a:fld>
             <a:endParaRPr lang="en-US" dirty="0"/>
           </a:p>
@@ -4649,7 +4649,7 @@
             <a:fld id="{B61BEF0D-F0BB-DE4B-95CE-6DB70DBA9567}" type="datetimeFigureOut">
               <a:rPr lang="en-US" smtClean="0"/>
               <a:pPr/>
-              <a:t>11/23/2017</a:t>
+              <a:t>11/24/2017</a:t>
             </a:fld>
             <a:endParaRPr lang="en-US" dirty="0"/>
           </a:p>
@@ -4774,7 +4774,7 @@
             <a:fld id="{B61BEF0D-F0BB-DE4B-95CE-6DB70DBA9567}" type="datetimeFigureOut">
               <a:rPr lang="en-US" smtClean="0"/>
               <a:pPr/>
-              <a:t>11/23/2017</a:t>
+              <a:t>11/24/2017</a:t>
             </a:fld>
             <a:endParaRPr lang="en-US" dirty="0"/>
           </a:p>
@@ -4871,7 +4871,7 @@
             <a:fld id="{B61BEF0D-F0BB-DE4B-95CE-6DB70DBA9567}" type="datetimeFigureOut">
               <a:rPr lang="en-US" smtClean="0"/>
               <a:pPr/>
-              <a:t>11/23/2017</a:t>
+              <a:t>11/24/2017</a:t>
             </a:fld>
             <a:endParaRPr lang="en-US" dirty="0"/>
           </a:p>
@@ -5156,7 +5156,7 @@
             <a:fld id="{B61BEF0D-F0BB-DE4B-95CE-6DB70DBA9567}" type="datetimeFigureOut">
               <a:rPr lang="en-US" smtClean="0"/>
               <a:pPr/>
-              <a:t>11/23/2017</a:t>
+              <a:t>11/24/2017</a:t>
             </a:fld>
             <a:endParaRPr lang="en-US" dirty="0"/>
           </a:p>
@@ -5449,7 +5449,7 @@
             <a:fld id="{B61BEF0D-F0BB-DE4B-95CE-6DB70DBA9567}" type="datetimeFigureOut">
               <a:rPr lang="en-US" smtClean="0"/>
               <a:pPr/>
-              <a:t>11/23/2017</a:t>
+              <a:t>11/24/2017</a:t>
             </a:fld>
             <a:endParaRPr lang="en-US" dirty="0"/>
           </a:p>
@@ -5682,7 +5682,7 @@
             <a:fld id="{B61BEF0D-F0BB-DE4B-95CE-6DB70DBA9567}" type="datetimeFigureOut">
               <a:rPr lang="en-US" smtClean="0"/>
               <a:pPr/>
-              <a:t>11/23/2017</a:t>
+              <a:t>11/24/2017</a:t>
             </a:fld>
             <a:endParaRPr lang="en-US" dirty="0"/>
           </a:p>
@@ -7142,67 +7142,25 @@
               <a:t>Manual, Smoke, Unit, Regression, Security, Etc.</a:t>
             </a:r>
           </a:p>
-        </p:txBody>
-      </p:sp>
-      <p:cxnSp>
-        <p:nvCxnSpPr>
-          <p:cNvPr id="4" name="Straight Connector 3"/>
-          <p:cNvCxnSpPr/>
-          <p:nvPr/>
-        </p:nvCxnSpPr>
-        <p:spPr>
-          <a:xfrm>
-            <a:off x="9537290" y="2369576"/>
-            <a:ext cx="0" cy="3028334"/>
-          </a:xfrm>
-          <a:prstGeom prst="line">
-            <a:avLst/>
-          </a:prstGeom>
-        </p:spPr>
-        <p:style>
-          <a:lnRef idx="3">
-            <a:schemeClr val="accent1"/>
-          </a:lnRef>
-          <a:fillRef idx="0">
-            <a:schemeClr val="accent1"/>
-          </a:fillRef>
-          <a:effectRef idx="2">
-            <a:schemeClr val="accent1"/>
-          </a:effectRef>
-          <a:fontRef idx="minor">
-            <a:schemeClr val="tx1"/>
-          </a:fontRef>
-        </p:style>
-      </p:cxnSp>
-      <p:sp>
-        <p:nvSpPr>
-          <p:cNvPr id="5" name="TextBox 4"/>
-          <p:cNvSpPr txBox="1"/>
-          <p:nvPr/>
-        </p:nvSpPr>
-        <p:spPr>
-          <a:xfrm rot="5400000">
-            <a:off x="8064784" y="3652911"/>
-            <a:ext cx="3558988" cy="461665"/>
-          </a:xfrm>
-          <a:prstGeom prst="rect">
-            <a:avLst/>
-          </a:prstGeom>
-          <a:noFill/>
-        </p:spPr>
-        <p:txBody>
-          <a:bodyPr wrap="none" rtlCol="0">
-            <a:spAutoFit/>
-          </a:bodyPr>
-          <a:lstStyle/>
-          <a:p>
-            <a:r>
-              <a:rPr lang="en-US" sz="2400" b="1" dirty="0">
-                <a:solidFill>
-                  <a:schemeClr val="accent1"/>
+          <a:p>
+            <a:r>
+              <a:rPr lang="en-US" sz="2400" dirty="0">
+                <a:solidFill>
+                  <a:schemeClr val="accent2"/>
                 </a:solidFill>
               </a:rPr>
-              <a:t>Continuous Integration</a:t>
+              <a:t>Continuous Integration/Deployment</a:t>
+            </a:r>
+          </a:p>
+          <a:p>
+            <a:pPr lvl="1"/>
+            <a:r>
+              <a:rPr lang="en-US" sz="2200" dirty="0">
+                <a:solidFill>
+                  <a:schemeClr val="accent2"/>
+                </a:solidFill>
+              </a:rPr>
+              <a:t>DevOps: Jenkins, Bamboo, Etc.</a:t>
             </a:r>
           </a:p>
         </p:txBody>
@@ -7534,13 +7492,13 @@
         </p:nvSpPr>
         <p:spPr>
           <a:xfrm>
-            <a:off x="1141413" y="1754659"/>
-            <a:ext cx="9905998" cy="4036541"/>
+            <a:off x="1141412" y="1754659"/>
+            <a:ext cx="7907337" cy="4036541"/>
           </a:xfrm>
         </p:spPr>
         <p:txBody>
           <a:bodyPr>
-            <a:normAutofit/>
+            <a:normAutofit fontScale="92500" lnSpcReduction="20000"/>
           </a:bodyPr>
           <a:lstStyle/>
           <a:p>
@@ -7550,48 +7508,1089 @@
             </a:r>
           </a:p>
           <a:p>
+            <a:pPr lvl="1"/>
+            <a:r>
+              <a:rPr lang="en-US" sz="2200" dirty="0"/>
+              <a:t>Python and GIT are pre-installed, but make sure to update</a:t>
+            </a:r>
+          </a:p>
+          <a:p>
+            <a:pPr lvl="1"/>
+            <a:r>
+              <a:rPr lang="en-US" sz="1700" cap="none" dirty="0" err="1">
+                <a:solidFill>
+                  <a:schemeClr val="accent2">
+                    <a:lumMod val="60000"/>
+                    <a:lumOff val="40000"/>
+                  </a:schemeClr>
+                </a:solidFill>
+                <a:effectLst>
+                  <a:glow rad="38100">
+                    <a:schemeClr val="bg1">
+                      <a:lumMod val="50000"/>
+                      <a:lumOff val="50000"/>
+                      <a:alpha val="20000"/>
+                    </a:schemeClr>
+                  </a:glow>
+                </a:effectLst>
+                <a:latin typeface="Consolas" panose="020B0609020204030204" pitchFamily="49" charset="0"/>
+              </a:rPr>
+              <a:t>sudo</a:t>
+            </a:r>
+            <a:r>
+              <a:rPr lang="en-US" sz="1700" cap="none" dirty="0">
+                <a:solidFill>
+                  <a:schemeClr val="accent2">
+                    <a:lumMod val="60000"/>
+                    <a:lumOff val="40000"/>
+                  </a:schemeClr>
+                </a:solidFill>
+                <a:effectLst>
+                  <a:glow rad="38100">
+                    <a:schemeClr val="bg1">
+                      <a:lumMod val="50000"/>
+                      <a:lumOff val="50000"/>
+                      <a:alpha val="20000"/>
+                    </a:schemeClr>
+                  </a:glow>
+                </a:effectLst>
+                <a:latin typeface="Consolas" panose="020B0609020204030204" pitchFamily="49" charset="0"/>
+              </a:rPr>
+              <a:t> apt update</a:t>
+            </a:r>
+          </a:p>
+          <a:p>
+            <a:pPr lvl="1"/>
+            <a:r>
+              <a:rPr lang="en-US" sz="1700" cap="none" dirty="0" err="1">
+                <a:solidFill>
+                  <a:schemeClr val="accent2">
+                    <a:lumMod val="60000"/>
+                    <a:lumOff val="40000"/>
+                  </a:schemeClr>
+                </a:solidFill>
+                <a:effectLst>
+                  <a:glow rad="38100">
+                    <a:schemeClr val="bg1">
+                      <a:lumMod val="50000"/>
+                      <a:lumOff val="50000"/>
+                      <a:alpha val="20000"/>
+                    </a:schemeClr>
+                  </a:glow>
+                </a:effectLst>
+                <a:latin typeface="Consolas" panose="020B0609020204030204" pitchFamily="49" charset="0"/>
+              </a:rPr>
+              <a:t>sudo</a:t>
+            </a:r>
+            <a:r>
+              <a:rPr lang="en-US" sz="1700" cap="none" dirty="0">
+                <a:solidFill>
+                  <a:schemeClr val="accent2">
+                    <a:lumMod val="60000"/>
+                    <a:lumOff val="40000"/>
+                  </a:schemeClr>
+                </a:solidFill>
+                <a:effectLst>
+                  <a:glow rad="38100">
+                    <a:schemeClr val="bg1">
+                      <a:lumMod val="50000"/>
+                      <a:lumOff val="50000"/>
+                      <a:alpha val="20000"/>
+                    </a:schemeClr>
+                  </a:glow>
+                </a:effectLst>
+                <a:latin typeface="Consolas" panose="020B0609020204030204" pitchFamily="49" charset="0"/>
+              </a:rPr>
+              <a:t> apt upgrade</a:t>
+            </a:r>
+            <a:endParaRPr lang="en-US" sz="2200" dirty="0"/>
+          </a:p>
+          <a:p>
             <a:r>
               <a:rPr lang="en-US" sz="2400" dirty="0"/>
-              <a:t>Install Java</a:t>
-            </a:r>
+              <a:t>Install Java </a:t>
+            </a:r>
+            <a:r>
+              <a:rPr lang="en-US" sz="1800" cap="none" dirty="0" err="1">
+                <a:solidFill>
+                  <a:schemeClr val="accent2">
+                    <a:lumMod val="60000"/>
+                    <a:lumOff val="40000"/>
+                  </a:schemeClr>
+                </a:solidFill>
+                <a:effectLst>
+                  <a:glow rad="38100">
+                    <a:schemeClr val="bg1">
+                      <a:lumMod val="50000"/>
+                      <a:lumOff val="50000"/>
+                      <a:alpha val="20000"/>
+                    </a:schemeClr>
+                  </a:glow>
+                </a:effectLst>
+                <a:latin typeface="Consolas" panose="020B0609020204030204" pitchFamily="49" charset="0"/>
+              </a:rPr>
+              <a:t>sudo</a:t>
+            </a:r>
+            <a:r>
+              <a:rPr lang="en-US" sz="1800" cap="none" dirty="0">
+                <a:solidFill>
+                  <a:schemeClr val="accent2">
+                    <a:lumMod val="60000"/>
+                    <a:lumOff val="40000"/>
+                  </a:schemeClr>
+                </a:solidFill>
+                <a:effectLst>
+                  <a:glow rad="38100">
+                    <a:schemeClr val="bg1">
+                      <a:lumMod val="50000"/>
+                      <a:lumOff val="50000"/>
+                      <a:alpha val="20000"/>
+                    </a:schemeClr>
+                  </a:glow>
+                </a:effectLst>
+                <a:latin typeface="Consolas" panose="020B0609020204030204" pitchFamily="49" charset="0"/>
+              </a:rPr>
+              <a:t> apt install default-</a:t>
+            </a:r>
+            <a:r>
+              <a:rPr lang="en-US" sz="1800" cap="none" dirty="0" err="1">
+                <a:solidFill>
+                  <a:schemeClr val="accent2">
+                    <a:lumMod val="60000"/>
+                    <a:lumOff val="40000"/>
+                  </a:schemeClr>
+                </a:solidFill>
+                <a:effectLst>
+                  <a:glow rad="38100">
+                    <a:schemeClr val="bg1">
+                      <a:lumMod val="50000"/>
+                      <a:lumOff val="50000"/>
+                      <a:alpha val="20000"/>
+                    </a:schemeClr>
+                  </a:glow>
+                </a:effectLst>
+                <a:latin typeface="Consolas" panose="020B0609020204030204" pitchFamily="49" charset="0"/>
+              </a:rPr>
+              <a:t>jdk</a:t>
+            </a:r>
+            <a:endParaRPr lang="en-US" sz="2400" dirty="0"/>
           </a:p>
           <a:p>
             <a:r>
               <a:rPr lang="en-US" sz="2400" dirty="0"/>
-              <a:t>Install Tomcat</a:t>
-            </a:r>
+              <a:t>Install Maven </a:t>
+            </a:r>
+            <a:r>
+              <a:rPr lang="en-US" sz="1800" cap="none" dirty="0" err="1">
+                <a:solidFill>
+                  <a:schemeClr val="accent2">
+                    <a:lumMod val="60000"/>
+                    <a:lumOff val="40000"/>
+                  </a:schemeClr>
+                </a:solidFill>
+                <a:effectLst>
+                  <a:glow rad="38100">
+                    <a:schemeClr val="bg1">
+                      <a:lumMod val="50000"/>
+                      <a:lumOff val="50000"/>
+                      <a:alpha val="20000"/>
+                    </a:schemeClr>
+                  </a:glow>
+                </a:effectLst>
+                <a:latin typeface="Consolas" panose="020B0609020204030204" pitchFamily="49" charset="0"/>
+              </a:rPr>
+              <a:t>sudo</a:t>
+            </a:r>
+            <a:r>
+              <a:rPr lang="en-US" sz="1800" cap="none" dirty="0">
+                <a:solidFill>
+                  <a:schemeClr val="accent2">
+                    <a:lumMod val="60000"/>
+                    <a:lumOff val="40000"/>
+                  </a:schemeClr>
+                </a:solidFill>
+                <a:effectLst>
+                  <a:glow rad="38100">
+                    <a:schemeClr val="bg1">
+                      <a:lumMod val="50000"/>
+                      <a:lumOff val="50000"/>
+                      <a:alpha val="20000"/>
+                    </a:schemeClr>
+                  </a:glow>
+                </a:effectLst>
+                <a:latin typeface="Consolas" panose="020B0609020204030204" pitchFamily="49" charset="0"/>
+              </a:rPr>
+              <a:t> apt install maven</a:t>
+            </a:r>
+            <a:endParaRPr lang="en-US" sz="2400" dirty="0"/>
           </a:p>
           <a:p>
             <a:r>
               <a:rPr lang="en-US" sz="2400" dirty="0"/>
-              <a:t>Install Maven</a:t>
-            </a:r>
-          </a:p>
-          <a:p>
-            <a:r>
-              <a:rPr lang="en-US" sz="2400" dirty="0"/>
-              <a:t>Install </a:t>
-            </a:r>
-            <a:r>
-              <a:rPr lang="en-US" sz="2400" dirty="0" err="1"/>
-              <a:t>Git</a:t>
-            </a:r>
-            <a:endParaRPr lang="en-US" sz="2400" dirty="0"/>
-          </a:p>
-          <a:p>
-            <a:r>
-              <a:rPr lang="en-US" sz="2400" dirty="0"/>
-              <a:t>Pull Code We Showed</a:t>
-            </a:r>
-          </a:p>
-          <a:p>
-            <a:r>
-              <a:rPr lang="en-US" sz="2400" dirty="0"/>
-              <a:t>Build and START</a:t>
-            </a:r>
-          </a:p>
-        </p:txBody>
-      </p:sp>
+              <a:t>Configure Git</a:t>
+            </a:r>
+          </a:p>
+          <a:p>
+            <a:pPr lvl="1"/>
+            <a:r>
+              <a:rPr lang="en-US" sz="1600" cap="none" dirty="0" err="1">
+                <a:solidFill>
+                  <a:schemeClr val="accent2">
+                    <a:lumMod val="60000"/>
+                    <a:lumOff val="40000"/>
+                  </a:schemeClr>
+                </a:solidFill>
+                <a:effectLst>
+                  <a:glow rad="38100">
+                    <a:schemeClr val="bg1">
+                      <a:lumMod val="50000"/>
+                      <a:lumOff val="50000"/>
+                      <a:alpha val="20000"/>
+                    </a:schemeClr>
+                  </a:glow>
+                </a:effectLst>
+                <a:latin typeface="Consolas" panose="020B0609020204030204" pitchFamily="49" charset="0"/>
+              </a:rPr>
+              <a:t>mkdir</a:t>
+            </a:r>
+            <a:r>
+              <a:rPr lang="en-US" sz="1600" cap="none" dirty="0">
+                <a:solidFill>
+                  <a:schemeClr val="accent2">
+                    <a:lumMod val="60000"/>
+                    <a:lumOff val="40000"/>
+                  </a:schemeClr>
+                </a:solidFill>
+                <a:effectLst>
+                  <a:glow rad="38100">
+                    <a:schemeClr val="bg1">
+                      <a:lumMod val="50000"/>
+                      <a:lumOff val="50000"/>
+                      <a:alpha val="20000"/>
+                    </a:schemeClr>
+                  </a:glow>
+                </a:effectLst>
+                <a:latin typeface="Consolas" panose="020B0609020204030204" pitchFamily="49" charset="0"/>
+              </a:rPr>
+              <a:t> git</a:t>
+            </a:r>
+          </a:p>
+          <a:p>
+            <a:pPr lvl="1"/>
+            <a:r>
+              <a:rPr lang="en-US" sz="1600" cap="none" dirty="0">
+                <a:solidFill>
+                  <a:schemeClr val="accent2">
+                    <a:lumMod val="60000"/>
+                    <a:lumOff val="40000"/>
+                  </a:schemeClr>
+                </a:solidFill>
+                <a:effectLst>
+                  <a:glow rad="38100">
+                    <a:schemeClr val="bg1">
+                      <a:lumMod val="50000"/>
+                      <a:lumOff val="50000"/>
+                      <a:alpha val="20000"/>
+                    </a:schemeClr>
+                  </a:glow>
+                </a:effectLst>
+                <a:latin typeface="Consolas" panose="020B0609020204030204" pitchFamily="49" charset="0"/>
+              </a:rPr>
+              <a:t>cd git</a:t>
+            </a:r>
+          </a:p>
+          <a:p>
+            <a:pPr lvl="1"/>
+            <a:r>
+              <a:rPr lang="en-US" sz="1600" cap="none" dirty="0">
+                <a:solidFill>
+                  <a:schemeClr val="accent2">
+                    <a:lumMod val="60000"/>
+                    <a:lumOff val="40000"/>
+                  </a:schemeClr>
+                </a:solidFill>
+                <a:effectLst>
+                  <a:glow rad="38100">
+                    <a:schemeClr val="bg1">
+                      <a:lumMod val="50000"/>
+                      <a:lumOff val="50000"/>
+                      <a:alpha val="20000"/>
+                    </a:schemeClr>
+                  </a:glow>
+                </a:effectLst>
+                <a:latin typeface="Consolas" panose="020B0609020204030204" pitchFamily="49" charset="0"/>
+              </a:rPr>
+              <a:t>git </a:t>
+            </a:r>
+            <a:r>
+              <a:rPr lang="en-US" sz="1600" cap="none" dirty="0" err="1">
+                <a:solidFill>
+                  <a:schemeClr val="accent2">
+                    <a:lumMod val="60000"/>
+                    <a:lumOff val="40000"/>
+                  </a:schemeClr>
+                </a:solidFill>
+                <a:effectLst>
+                  <a:glow rad="38100">
+                    <a:schemeClr val="bg1">
+                      <a:lumMod val="50000"/>
+                      <a:lumOff val="50000"/>
+                      <a:alpha val="20000"/>
+                    </a:schemeClr>
+                  </a:glow>
+                </a:effectLst>
+                <a:latin typeface="Consolas" panose="020B0609020204030204" pitchFamily="49" charset="0"/>
+              </a:rPr>
+              <a:t>init</a:t>
+            </a:r>
+            <a:endParaRPr lang="en-US" sz="1600" cap="none" dirty="0">
+              <a:solidFill>
+                <a:schemeClr val="accent2">
+                  <a:lumMod val="60000"/>
+                  <a:lumOff val="40000"/>
+                </a:schemeClr>
+              </a:solidFill>
+              <a:effectLst>
+                <a:glow rad="38100">
+                  <a:schemeClr val="bg1">
+                    <a:lumMod val="50000"/>
+                    <a:lumOff val="50000"/>
+                    <a:alpha val="20000"/>
+                  </a:schemeClr>
+                </a:glow>
+              </a:effectLst>
+              <a:latin typeface="Consolas" panose="020B0609020204030204" pitchFamily="49" charset="0"/>
+            </a:endParaRPr>
+          </a:p>
+          <a:p>
+            <a:pPr lvl="1"/>
+            <a:r>
+              <a:rPr lang="en-US" sz="1600" cap="none" dirty="0">
+                <a:solidFill>
+                  <a:schemeClr val="accent2">
+                    <a:lumMod val="60000"/>
+                    <a:lumOff val="40000"/>
+                  </a:schemeClr>
+                </a:solidFill>
+                <a:effectLst>
+                  <a:glow rad="38100">
+                    <a:schemeClr val="bg1">
+                      <a:lumMod val="50000"/>
+                      <a:lumOff val="50000"/>
+                      <a:alpha val="20000"/>
+                    </a:schemeClr>
+                  </a:glow>
+                </a:effectLst>
+                <a:latin typeface="Consolas" panose="020B0609020204030204" pitchFamily="49" charset="0"/>
+              </a:rPr>
+              <a:t>git clone https://github.com/jjdm/cissp-software.git</a:t>
+            </a:r>
+          </a:p>
+        </p:txBody>
+      </p:sp>
+      <p:sp>
+        <p:nvSpPr>
+          <p:cNvPr id="4" name="Content Placeholder 2">
+            <a:extLst>
+              <a:ext uri="{FF2B5EF4-FFF2-40B4-BE49-F238E27FC236}">
+                <a16:creationId xmlns:a16="http://schemas.microsoft.com/office/drawing/2014/main" id="{444E3BA5-B9E7-4C01-9F37-A4ECB2434A43}"/>
+              </a:ext>
+            </a:extLst>
+          </p:cNvPr>
+          <p:cNvSpPr txBox="1">
+            <a:spLocks/>
+          </p:cNvSpPr>
+          <p:nvPr/>
+        </p:nvSpPr>
+        <p:spPr>
+          <a:xfrm>
+            <a:off x="6667500" y="2697634"/>
+            <a:ext cx="5041799" cy="2569691"/>
+          </a:xfrm>
+          <a:prstGeom prst="rect">
+            <a:avLst/>
+          </a:prstGeom>
+        </p:spPr>
+        <p:txBody>
+          <a:bodyPr vert="horz" lIns="91440" tIns="45720" rIns="91440" bIns="45720" rtlCol="0" anchor="ctr">
+            <a:normAutofit lnSpcReduction="10000"/>
+          </a:bodyPr>
+          <a:lstStyle>
+            <a:lvl1pPr marL="285750" indent="-285750" algn="l" defTabSz="457200" rtl="0" eaLnBrk="1" latinLnBrk="0" hangingPunct="1">
+              <a:spcBef>
+                <a:spcPct val="20000"/>
+              </a:spcBef>
+              <a:spcAft>
+                <a:spcPts val="600"/>
+              </a:spcAft>
+              <a:buClr>
+                <a:schemeClr val="accent1"/>
+              </a:buClr>
+              <a:buSzPct val="100000"/>
+              <a:buFont typeface="Arial"/>
+              <a:buChar char="•"/>
+              <a:defRPr sz="2000" kern="1200" cap="small">
+                <a:solidFill>
+                  <a:schemeClr val="tx1"/>
+                </a:solidFill>
+                <a:effectLst>
+                  <a:glow rad="38100">
+                    <a:schemeClr val="bg1">
+                      <a:lumMod val="50000"/>
+                      <a:lumOff val="50000"/>
+                      <a:alpha val="20000"/>
+                    </a:schemeClr>
+                  </a:glow>
+                  <a:outerShdw blurRad="44450" dist="12700" dir="13860000" algn="tl" rotWithShape="0">
+                    <a:srgbClr val="000000">
+                      <a:alpha val="20000"/>
+                    </a:srgbClr>
+                  </a:outerShdw>
+                </a:effectLst>
+                <a:latin typeface="+mn-lt"/>
+                <a:ea typeface="+mn-ea"/>
+                <a:cs typeface="+mn-cs"/>
+              </a:defRPr>
+            </a:lvl1pPr>
+            <a:lvl2pPr marL="742950" indent="-285750" algn="l" defTabSz="457200" rtl="0" eaLnBrk="1" latinLnBrk="0" hangingPunct="1">
+              <a:spcBef>
+                <a:spcPct val="20000"/>
+              </a:spcBef>
+              <a:spcAft>
+                <a:spcPts val="600"/>
+              </a:spcAft>
+              <a:buClr>
+                <a:schemeClr val="accent1"/>
+              </a:buClr>
+              <a:buSzPct val="100000"/>
+              <a:buFont typeface="Arial"/>
+              <a:buChar char="•"/>
+              <a:defRPr sz="1800" kern="1200" cap="small">
+                <a:solidFill>
+                  <a:schemeClr val="tx1"/>
+                </a:solidFill>
+                <a:effectLst>
+                  <a:glow rad="38100">
+                    <a:schemeClr val="bg1">
+                      <a:lumMod val="50000"/>
+                      <a:lumOff val="50000"/>
+                      <a:alpha val="20000"/>
+                    </a:schemeClr>
+                  </a:glow>
+                  <a:outerShdw blurRad="44450" dist="12700" dir="13860000" algn="tl" rotWithShape="0">
+                    <a:srgbClr val="000000">
+                      <a:alpha val="20000"/>
+                    </a:srgbClr>
+                  </a:outerShdw>
+                </a:effectLst>
+                <a:latin typeface="+mn-lt"/>
+                <a:ea typeface="+mn-ea"/>
+                <a:cs typeface="+mn-cs"/>
+              </a:defRPr>
+            </a:lvl2pPr>
+            <a:lvl3pPr marL="1200150" indent="-285750" algn="l" defTabSz="457200" rtl="0" eaLnBrk="1" latinLnBrk="0" hangingPunct="1">
+              <a:spcBef>
+                <a:spcPct val="20000"/>
+              </a:spcBef>
+              <a:spcAft>
+                <a:spcPts val="600"/>
+              </a:spcAft>
+              <a:buClr>
+                <a:schemeClr val="accent1"/>
+              </a:buClr>
+              <a:buSzPct val="100000"/>
+              <a:buFont typeface="Arial"/>
+              <a:buChar char="•"/>
+              <a:defRPr sz="1600" kern="1200" cap="small">
+                <a:solidFill>
+                  <a:schemeClr val="tx1"/>
+                </a:solidFill>
+                <a:effectLst>
+                  <a:glow rad="38100">
+                    <a:schemeClr val="bg1">
+                      <a:lumMod val="50000"/>
+                      <a:lumOff val="50000"/>
+                      <a:alpha val="20000"/>
+                    </a:schemeClr>
+                  </a:glow>
+                  <a:outerShdw blurRad="44450" dist="12700" dir="13860000" algn="tl" rotWithShape="0">
+                    <a:srgbClr val="000000">
+                      <a:alpha val="20000"/>
+                    </a:srgbClr>
+                  </a:outerShdw>
+                </a:effectLst>
+                <a:latin typeface="+mn-lt"/>
+                <a:ea typeface="+mn-ea"/>
+                <a:cs typeface="+mn-cs"/>
+              </a:defRPr>
+            </a:lvl3pPr>
+            <a:lvl4pPr marL="1543050" indent="-171450" algn="l" defTabSz="457200" rtl="0" eaLnBrk="1" latinLnBrk="0" hangingPunct="1">
+              <a:spcBef>
+                <a:spcPct val="20000"/>
+              </a:spcBef>
+              <a:spcAft>
+                <a:spcPts val="600"/>
+              </a:spcAft>
+              <a:buClr>
+                <a:schemeClr val="accent1"/>
+              </a:buClr>
+              <a:buSzPct val="100000"/>
+              <a:buFont typeface="Arial"/>
+              <a:buChar char="•"/>
+              <a:defRPr sz="1400" kern="1200" cap="small">
+                <a:solidFill>
+                  <a:schemeClr val="tx1"/>
+                </a:solidFill>
+                <a:effectLst>
+                  <a:glow rad="38100">
+                    <a:schemeClr val="bg1">
+                      <a:lumMod val="50000"/>
+                      <a:lumOff val="50000"/>
+                      <a:alpha val="20000"/>
+                    </a:schemeClr>
+                  </a:glow>
+                  <a:outerShdw blurRad="44450" dist="12700" dir="13860000" algn="tl" rotWithShape="0">
+                    <a:srgbClr val="000000">
+                      <a:alpha val="20000"/>
+                    </a:srgbClr>
+                  </a:outerShdw>
+                </a:effectLst>
+                <a:latin typeface="+mn-lt"/>
+                <a:ea typeface="+mn-ea"/>
+                <a:cs typeface="+mn-cs"/>
+              </a:defRPr>
+            </a:lvl4pPr>
+            <a:lvl5pPr marL="2000250" indent="-171450" algn="l" defTabSz="457200" rtl="0" eaLnBrk="1" latinLnBrk="0" hangingPunct="1">
+              <a:spcBef>
+                <a:spcPct val="20000"/>
+              </a:spcBef>
+              <a:spcAft>
+                <a:spcPts val="600"/>
+              </a:spcAft>
+              <a:buClr>
+                <a:schemeClr val="accent1"/>
+              </a:buClr>
+              <a:buSzPct val="100000"/>
+              <a:buFont typeface="Arial"/>
+              <a:buChar char="•"/>
+              <a:defRPr sz="1400" kern="1200" cap="small">
+                <a:solidFill>
+                  <a:schemeClr val="tx1"/>
+                </a:solidFill>
+                <a:effectLst>
+                  <a:glow rad="38100">
+                    <a:schemeClr val="bg1">
+                      <a:lumMod val="50000"/>
+                      <a:lumOff val="50000"/>
+                      <a:alpha val="20000"/>
+                    </a:schemeClr>
+                  </a:glow>
+                  <a:outerShdw blurRad="44450" dist="12700" dir="13860000" algn="tl" rotWithShape="0">
+                    <a:srgbClr val="000000">
+                      <a:alpha val="20000"/>
+                    </a:srgbClr>
+                  </a:outerShdw>
+                </a:effectLst>
+                <a:latin typeface="+mn-lt"/>
+                <a:ea typeface="+mn-ea"/>
+                <a:cs typeface="+mn-cs"/>
+              </a:defRPr>
+            </a:lvl5pPr>
+            <a:lvl6pPr marL="2514600" indent="-228600" algn="l" defTabSz="457200" rtl="0" eaLnBrk="1" latinLnBrk="0" hangingPunct="1">
+              <a:spcBef>
+                <a:spcPct val="20000"/>
+              </a:spcBef>
+              <a:spcAft>
+                <a:spcPts val="600"/>
+              </a:spcAft>
+              <a:buClr>
+                <a:schemeClr val="accent1"/>
+              </a:buClr>
+              <a:buSzPct val="100000"/>
+              <a:buFont typeface="Arial"/>
+              <a:buChar char="•"/>
+              <a:defRPr sz="1200" kern="1200" cap="small">
+                <a:solidFill>
+                  <a:schemeClr val="tx1"/>
+                </a:solidFill>
+                <a:effectLst>
+                  <a:glow rad="38100">
+                    <a:schemeClr val="bg1">
+                      <a:lumMod val="50000"/>
+                      <a:lumOff val="50000"/>
+                      <a:alpha val="20000"/>
+                    </a:schemeClr>
+                  </a:glow>
+                  <a:outerShdw blurRad="44450" dist="12700" dir="13860000" algn="tl" rotWithShape="0">
+                    <a:srgbClr val="000000">
+                      <a:alpha val="20000"/>
+                    </a:srgbClr>
+                  </a:outerShdw>
+                </a:effectLst>
+                <a:latin typeface="+mn-lt"/>
+                <a:ea typeface="+mn-ea"/>
+                <a:cs typeface="+mn-cs"/>
+              </a:defRPr>
+            </a:lvl6pPr>
+            <a:lvl7pPr marL="2971800" indent="-228600" algn="l" defTabSz="457200" rtl="0" eaLnBrk="1" latinLnBrk="0" hangingPunct="1">
+              <a:spcBef>
+                <a:spcPct val="20000"/>
+              </a:spcBef>
+              <a:spcAft>
+                <a:spcPts val="600"/>
+              </a:spcAft>
+              <a:buClr>
+                <a:schemeClr val="accent1"/>
+              </a:buClr>
+              <a:buSzPct val="100000"/>
+              <a:buFont typeface="Arial"/>
+              <a:buChar char="•"/>
+              <a:defRPr sz="1200" kern="1200" cap="small">
+                <a:solidFill>
+                  <a:schemeClr val="tx1"/>
+                </a:solidFill>
+                <a:effectLst>
+                  <a:glow rad="38100">
+                    <a:schemeClr val="bg1">
+                      <a:lumMod val="50000"/>
+                      <a:lumOff val="50000"/>
+                      <a:alpha val="20000"/>
+                    </a:schemeClr>
+                  </a:glow>
+                  <a:outerShdw blurRad="44450" dist="12700" dir="13860000" algn="tl" rotWithShape="0">
+                    <a:srgbClr val="000000">
+                      <a:alpha val="20000"/>
+                    </a:srgbClr>
+                  </a:outerShdw>
+                </a:effectLst>
+                <a:latin typeface="+mn-lt"/>
+                <a:ea typeface="+mn-ea"/>
+                <a:cs typeface="+mn-cs"/>
+              </a:defRPr>
+            </a:lvl7pPr>
+            <a:lvl8pPr marL="3429000" indent="-228600" algn="l" defTabSz="457200" rtl="0" eaLnBrk="1" latinLnBrk="0" hangingPunct="1">
+              <a:spcBef>
+                <a:spcPct val="20000"/>
+              </a:spcBef>
+              <a:spcAft>
+                <a:spcPts val="600"/>
+              </a:spcAft>
+              <a:buClr>
+                <a:schemeClr val="accent1"/>
+              </a:buClr>
+              <a:buSzPct val="100000"/>
+              <a:buFont typeface="Arial"/>
+              <a:buChar char="•"/>
+              <a:defRPr sz="1200" kern="1200" cap="small">
+                <a:solidFill>
+                  <a:schemeClr val="tx1"/>
+                </a:solidFill>
+                <a:effectLst>
+                  <a:glow rad="38100">
+                    <a:schemeClr val="bg1">
+                      <a:lumMod val="50000"/>
+                      <a:lumOff val="50000"/>
+                      <a:alpha val="20000"/>
+                    </a:schemeClr>
+                  </a:glow>
+                  <a:outerShdw blurRad="44450" dist="12700" dir="13860000" algn="tl" rotWithShape="0">
+                    <a:srgbClr val="000000">
+                      <a:alpha val="20000"/>
+                    </a:srgbClr>
+                  </a:outerShdw>
+                </a:effectLst>
+                <a:latin typeface="+mn-lt"/>
+                <a:ea typeface="+mn-ea"/>
+                <a:cs typeface="+mn-cs"/>
+              </a:defRPr>
+            </a:lvl8pPr>
+            <a:lvl9pPr marL="3886200" indent="-228600" algn="l" defTabSz="457200" rtl="0" eaLnBrk="1" latinLnBrk="0" hangingPunct="1">
+              <a:spcBef>
+                <a:spcPct val="20000"/>
+              </a:spcBef>
+              <a:spcAft>
+                <a:spcPts val="600"/>
+              </a:spcAft>
+              <a:buClr>
+                <a:schemeClr val="accent1"/>
+              </a:buClr>
+              <a:buSzPct val="100000"/>
+              <a:buFont typeface="Arial"/>
+              <a:buChar char="•"/>
+              <a:defRPr sz="1200" kern="1200" cap="small">
+                <a:solidFill>
+                  <a:schemeClr val="tx1"/>
+                </a:solidFill>
+                <a:effectLst>
+                  <a:glow rad="38100">
+                    <a:schemeClr val="bg1">
+                      <a:lumMod val="50000"/>
+                      <a:lumOff val="50000"/>
+                      <a:alpha val="20000"/>
+                    </a:schemeClr>
+                  </a:glow>
+                  <a:outerShdw blurRad="44450" dist="12700" dir="13860000" algn="tl" rotWithShape="0">
+                    <a:srgbClr val="000000">
+                      <a:alpha val="20000"/>
+                    </a:srgbClr>
+                  </a:outerShdw>
+                </a:effectLst>
+                <a:latin typeface="+mn-lt"/>
+                <a:ea typeface="+mn-ea"/>
+                <a:cs typeface="+mn-cs"/>
+              </a:defRPr>
+            </a:lvl9pPr>
+          </a:lstStyle>
+          <a:p>
+            <a:pPr lvl="1"/>
+            <a:r>
+              <a:rPr lang="en-US" sz="2200" dirty="0"/>
+              <a:t>Run The Software</a:t>
+            </a:r>
+          </a:p>
+          <a:p>
+            <a:pPr lvl="1"/>
+            <a:r>
+              <a:rPr lang="en-US" sz="1600" cap="none" dirty="0">
+                <a:solidFill>
+                  <a:schemeClr val="accent2">
+                    <a:lumMod val="60000"/>
+                    <a:lumOff val="40000"/>
+                  </a:schemeClr>
+                </a:solidFill>
+                <a:effectLst>
+                  <a:glow rad="38100">
+                    <a:schemeClr val="bg1">
+                      <a:lumMod val="50000"/>
+                      <a:lumOff val="50000"/>
+                      <a:alpha val="20000"/>
+                    </a:schemeClr>
+                  </a:glow>
+                </a:effectLst>
+                <a:latin typeface="Consolas" panose="020B0609020204030204" pitchFamily="49" charset="0"/>
+              </a:rPr>
+              <a:t>cd </a:t>
+            </a:r>
+            <a:r>
+              <a:rPr lang="en-US" sz="1600" cap="none" dirty="0" err="1">
+                <a:solidFill>
+                  <a:schemeClr val="accent2">
+                    <a:lumMod val="60000"/>
+                    <a:lumOff val="40000"/>
+                  </a:schemeClr>
+                </a:solidFill>
+                <a:effectLst>
+                  <a:glow rad="38100">
+                    <a:schemeClr val="bg1">
+                      <a:lumMod val="50000"/>
+                      <a:lumOff val="50000"/>
+                      <a:alpha val="20000"/>
+                    </a:schemeClr>
+                  </a:glow>
+                </a:effectLst>
+                <a:latin typeface="Consolas" panose="020B0609020204030204" pitchFamily="49" charset="0"/>
+              </a:rPr>
+              <a:t>cissp</a:t>
+            </a:r>
+            <a:r>
+              <a:rPr lang="en-US" sz="1600" cap="none" dirty="0">
+                <a:solidFill>
+                  <a:schemeClr val="accent2">
+                    <a:lumMod val="60000"/>
+                    <a:lumOff val="40000"/>
+                  </a:schemeClr>
+                </a:solidFill>
+                <a:effectLst>
+                  <a:glow rad="38100">
+                    <a:schemeClr val="bg1">
+                      <a:lumMod val="50000"/>
+                      <a:lumOff val="50000"/>
+                      <a:alpha val="20000"/>
+                    </a:schemeClr>
+                  </a:glow>
+                </a:effectLst>
+                <a:latin typeface="Consolas" panose="020B0609020204030204" pitchFamily="49" charset="0"/>
+              </a:rPr>
+              <a:t>-software</a:t>
+            </a:r>
+          </a:p>
+          <a:p>
+            <a:pPr lvl="1"/>
+            <a:r>
+              <a:rPr lang="en-US" sz="1600" cap="none" dirty="0">
+                <a:solidFill>
+                  <a:schemeClr val="accent2">
+                    <a:lumMod val="60000"/>
+                    <a:lumOff val="40000"/>
+                  </a:schemeClr>
+                </a:solidFill>
+                <a:effectLst>
+                  <a:glow rad="38100">
+                    <a:schemeClr val="bg1">
+                      <a:lumMod val="50000"/>
+                      <a:lumOff val="50000"/>
+                      <a:alpha val="20000"/>
+                    </a:schemeClr>
+                  </a:glow>
+                </a:effectLst>
+                <a:latin typeface="Consolas" panose="020B0609020204030204" pitchFamily="49" charset="0"/>
+              </a:rPr>
+              <a:t>git config </a:t>
+            </a:r>
+            <a:r>
+              <a:rPr lang="en-US" sz="1600" cap="none" dirty="0" err="1">
+                <a:solidFill>
+                  <a:schemeClr val="accent2">
+                    <a:lumMod val="60000"/>
+                    <a:lumOff val="40000"/>
+                  </a:schemeClr>
+                </a:solidFill>
+                <a:effectLst>
+                  <a:glow rad="38100">
+                    <a:schemeClr val="bg1">
+                      <a:lumMod val="50000"/>
+                      <a:lumOff val="50000"/>
+                      <a:alpha val="20000"/>
+                    </a:schemeClr>
+                  </a:glow>
+                </a:effectLst>
+                <a:latin typeface="Consolas" panose="020B0609020204030204" pitchFamily="49" charset="0"/>
+              </a:rPr>
+              <a:t>credential.helper</a:t>
+            </a:r>
+            <a:r>
+              <a:rPr lang="en-US" sz="1600" cap="none" dirty="0">
+                <a:solidFill>
+                  <a:schemeClr val="accent2">
+                    <a:lumMod val="60000"/>
+                    <a:lumOff val="40000"/>
+                  </a:schemeClr>
+                </a:solidFill>
+                <a:effectLst>
+                  <a:glow rad="38100">
+                    <a:schemeClr val="bg1">
+                      <a:lumMod val="50000"/>
+                      <a:lumOff val="50000"/>
+                      <a:alpha val="20000"/>
+                    </a:schemeClr>
+                  </a:glow>
+                </a:effectLst>
+                <a:latin typeface="Consolas" panose="020B0609020204030204" pitchFamily="49" charset="0"/>
+              </a:rPr>
+              <a:t> store</a:t>
+            </a:r>
+          </a:p>
+          <a:p>
+            <a:pPr lvl="1"/>
+            <a:r>
+              <a:rPr lang="en-US" sz="1600" cap="none" dirty="0">
+                <a:solidFill>
+                  <a:schemeClr val="accent2">
+                    <a:lumMod val="60000"/>
+                    <a:lumOff val="40000"/>
+                  </a:schemeClr>
+                </a:solidFill>
+                <a:effectLst>
+                  <a:glow rad="38100">
+                    <a:schemeClr val="bg1">
+                      <a:lumMod val="50000"/>
+                      <a:lumOff val="50000"/>
+                      <a:alpha val="20000"/>
+                    </a:schemeClr>
+                  </a:glow>
+                </a:effectLst>
+                <a:latin typeface="Consolas" panose="020B0609020204030204" pitchFamily="49" charset="0"/>
+              </a:rPr>
+              <a:t>git pull</a:t>
+            </a:r>
+          </a:p>
+          <a:p>
+            <a:pPr lvl="1"/>
+            <a:r>
+              <a:rPr lang="en-US" sz="1600" cap="none" dirty="0" err="1">
+                <a:solidFill>
+                  <a:schemeClr val="accent2">
+                    <a:lumMod val="60000"/>
+                    <a:lumOff val="40000"/>
+                  </a:schemeClr>
+                </a:solidFill>
+                <a:effectLst>
+                  <a:glow rad="38100">
+                    <a:schemeClr val="bg1">
+                      <a:lumMod val="50000"/>
+                      <a:lumOff val="50000"/>
+                      <a:alpha val="20000"/>
+                    </a:schemeClr>
+                  </a:glow>
+                </a:effectLst>
+                <a:latin typeface="Consolas" panose="020B0609020204030204" pitchFamily="49" charset="0"/>
+              </a:rPr>
+              <a:t>mvn</a:t>
+            </a:r>
+            <a:r>
+              <a:rPr lang="en-US" sz="1600" cap="none" dirty="0">
+                <a:solidFill>
+                  <a:schemeClr val="accent2">
+                    <a:lumMod val="60000"/>
+                    <a:lumOff val="40000"/>
+                  </a:schemeClr>
+                </a:solidFill>
+                <a:effectLst>
+                  <a:glow rad="38100">
+                    <a:schemeClr val="bg1">
+                      <a:lumMod val="50000"/>
+                      <a:lumOff val="50000"/>
+                      <a:alpha val="20000"/>
+                    </a:schemeClr>
+                  </a:glow>
+                </a:effectLst>
+                <a:latin typeface="Consolas" panose="020B0609020204030204" pitchFamily="49" charset="0"/>
+              </a:rPr>
+              <a:t> test</a:t>
+            </a:r>
+          </a:p>
+          <a:p>
+            <a:pPr lvl="1"/>
+            <a:r>
+              <a:rPr lang="en-US" sz="1600" cap="none" dirty="0" err="1">
+                <a:solidFill>
+                  <a:schemeClr val="accent2">
+                    <a:lumMod val="60000"/>
+                    <a:lumOff val="40000"/>
+                  </a:schemeClr>
+                </a:solidFill>
+                <a:effectLst>
+                  <a:glow rad="38100">
+                    <a:schemeClr val="bg1">
+                      <a:lumMod val="50000"/>
+                      <a:lumOff val="50000"/>
+                      <a:alpha val="20000"/>
+                    </a:schemeClr>
+                  </a:glow>
+                </a:effectLst>
+                <a:latin typeface="Consolas" panose="020B0609020204030204" pitchFamily="49" charset="0"/>
+              </a:rPr>
+              <a:t>mvn</a:t>
+            </a:r>
+            <a:r>
+              <a:rPr lang="en-US" sz="1600" cap="none" dirty="0">
+                <a:solidFill>
+                  <a:schemeClr val="accent2">
+                    <a:lumMod val="60000"/>
+                    <a:lumOff val="40000"/>
+                  </a:schemeClr>
+                </a:solidFill>
+                <a:effectLst>
+                  <a:glow rad="38100">
+                    <a:schemeClr val="bg1">
+                      <a:lumMod val="50000"/>
+                      <a:lumOff val="50000"/>
+                      <a:alpha val="20000"/>
+                    </a:schemeClr>
+                  </a:glow>
+                </a:effectLst>
+                <a:latin typeface="Consolas" panose="020B0609020204030204" pitchFamily="49" charset="0"/>
+              </a:rPr>
+              <a:t> </a:t>
+            </a:r>
+            <a:r>
+              <a:rPr lang="en-US" sz="1600" cap="none" dirty="0" err="1">
+                <a:solidFill>
+                  <a:schemeClr val="accent2">
+                    <a:lumMod val="60000"/>
+                    <a:lumOff val="40000"/>
+                  </a:schemeClr>
+                </a:solidFill>
+                <a:effectLst>
+                  <a:glow rad="38100">
+                    <a:schemeClr val="bg1">
+                      <a:lumMod val="50000"/>
+                      <a:lumOff val="50000"/>
+                      <a:alpha val="20000"/>
+                    </a:schemeClr>
+                  </a:glow>
+                </a:effectLst>
+                <a:latin typeface="Consolas" panose="020B0609020204030204" pitchFamily="49" charset="0"/>
+              </a:rPr>
+              <a:t>jetty:run</a:t>
+            </a:r>
+            <a:endParaRPr lang="en-US" sz="1600" cap="none" dirty="0">
+              <a:solidFill>
+                <a:schemeClr val="accent2">
+                  <a:lumMod val="60000"/>
+                  <a:lumOff val="40000"/>
+                </a:schemeClr>
+              </a:solidFill>
+              <a:effectLst>
+                <a:glow rad="38100">
+                  <a:schemeClr val="bg1">
+                    <a:lumMod val="50000"/>
+                    <a:lumOff val="50000"/>
+                    <a:alpha val="20000"/>
+                  </a:schemeClr>
+                </a:glow>
+              </a:effectLst>
+              <a:latin typeface="Consolas" panose="020B0609020204030204" pitchFamily="49" charset="0"/>
+            </a:endParaRPr>
+          </a:p>
+          <a:p>
+            <a:pPr marL="457200" lvl="1" indent="0">
+              <a:buNone/>
+            </a:pPr>
+            <a:r>
+              <a:rPr lang="en-US" sz="1600" cap="none" dirty="0">
+                <a:effectLst>
+                  <a:glow rad="38100">
+                    <a:schemeClr val="bg1">
+                      <a:lumMod val="50000"/>
+                      <a:lumOff val="50000"/>
+                      <a:alpha val="20000"/>
+                    </a:schemeClr>
+                  </a:glow>
+                </a:effectLst>
+                <a:latin typeface="Consolas" panose="020B0609020204030204" pitchFamily="49" charset="0"/>
+              </a:rPr>
+              <a:t>http://34.239.7.109:8080/</a:t>
+            </a:r>
+          </a:p>
+        </p:txBody>
+      </p:sp>
+      <p:cxnSp>
+        <p:nvCxnSpPr>
+          <p:cNvPr id="6" name="Straight Connector 5">
+            <a:extLst>
+              <a:ext uri="{FF2B5EF4-FFF2-40B4-BE49-F238E27FC236}">
+                <a16:creationId xmlns:a16="http://schemas.microsoft.com/office/drawing/2014/main" id="{F434FCDB-F4C3-4BE3-BD04-7944106B39DD}"/>
+              </a:ext>
+            </a:extLst>
+          </p:cNvPr>
+          <p:cNvCxnSpPr/>
+          <p:nvPr/>
+        </p:nvCxnSpPr>
+        <p:spPr>
+          <a:xfrm>
+            <a:off x="6915150" y="2695575"/>
+            <a:ext cx="0" cy="2581275"/>
+          </a:xfrm>
+          <a:prstGeom prst="line">
+            <a:avLst/>
+          </a:prstGeom>
+        </p:spPr>
+        <p:style>
+          <a:lnRef idx="3">
+            <a:schemeClr val="accent1"/>
+          </a:lnRef>
+          <a:fillRef idx="0">
+            <a:schemeClr val="accent1"/>
+          </a:fillRef>
+          <a:effectRef idx="2">
+            <a:schemeClr val="accent1"/>
+          </a:effectRef>
+          <a:fontRef idx="minor">
+            <a:schemeClr val="tx1"/>
+          </a:fontRef>
+        </p:style>
+      </p:cxnSp>
     </p:spTree>
     <p:extLst>
       <p:ext uri="{BB962C8B-B14F-4D97-AF65-F5344CB8AC3E}">
@@ -7681,6 +8680,12 @@
               <a:t>Did anyone notice security flaws in the code?</a:t>
             </a:r>
           </a:p>
+          <a:p>
+            <a:r>
+              <a:rPr lang="en-US" sz="2400" dirty="0"/>
+              <a:t>Prizes</a:t>
+            </a:r>
+          </a:p>
         </p:txBody>
       </p:sp>
     </p:spTree>
@@ -7735,7 +8740,7 @@
           <a:p>
             <a:r>
               <a:rPr lang="en-US" dirty="0"/>
-              <a:t>My Pitch for Python</a:t>
+              <a:t>My Pitch for What to Learn</a:t>
             </a:r>
           </a:p>
         </p:txBody>
@@ -7762,7 +8767,40 @@
           </a:bodyPr>
           <a:lstStyle/>
           <a:p>
-            <a:endParaRPr lang="en-US" sz="2200" dirty="0"/>
+            <a:r>
+              <a:rPr lang="en-US" sz="2200" dirty="0"/>
+              <a:t>Regular Expressions: Quick data manipulation</a:t>
+            </a:r>
+          </a:p>
+          <a:p>
+            <a:r>
+              <a:rPr lang="en-US" sz="2200" dirty="0"/>
+              <a:t>Basic Shell Scripting (Bash, </a:t>
+            </a:r>
+            <a:r>
+              <a:rPr lang="en-US" sz="2200" dirty="0" err="1"/>
+              <a:t>Powershell</a:t>
+            </a:r>
+            <a:r>
+              <a:rPr lang="en-US" sz="2200" dirty="0"/>
+              <a:t>): Getting around</a:t>
+            </a:r>
+          </a:p>
+          <a:p>
+            <a:r>
+              <a:rPr lang="en-US" sz="2200" dirty="0"/>
+              <a:t>Python (or Perl): Just about anything – Files, Web, Logic</a:t>
+            </a:r>
+          </a:p>
+          <a:p>
+            <a:r>
+              <a:rPr lang="en-US" sz="2200" dirty="0">
+                <a:solidFill>
+                  <a:schemeClr val="accent2"/>
+                </a:solidFill>
+              </a:rPr>
+              <a:t>Excel: Helps with Analysis and Presentation</a:t>
+            </a:r>
           </a:p>
         </p:txBody>
       </p:sp>
@@ -7865,8 +8903,12 @@
           <a:p>
             <a:pPr lvl="1"/>
             <a:r>
+              <a:rPr lang="en-US" sz="2200" dirty="0" err="1"/>
+              <a:t>RegEx</a:t>
+            </a:r>
+            <a:r>
               <a:rPr lang="en-US" sz="2200" dirty="0"/>
-              <a:t>Learn Python and Linux (Bash Commands and Scripting)</a:t>
+              <a:t>, Shell, Python, [Excel]</a:t>
             </a:r>
           </a:p>
           <a:p>

--- a/docs/Software Development - CISSP.pptx
+++ b/docs/Software Development - CISSP.pptx
@@ -2,7 +2,7 @@
 <file path=ppt/presentation.xml><?xml version="1.0" encoding="utf-8"?>
 <p:presentation xmlns:a="http://schemas.openxmlformats.org/drawingml/2006/main" xmlns:r="http://schemas.openxmlformats.org/officeDocument/2006/relationships" xmlns:p="http://schemas.openxmlformats.org/presentationml/2006/main" autoCompressPictures="0">
   <p:sldMasterIdLst>
-    <p:sldMasterId id="2147483824" r:id="rId1"/>
+    <p:sldMasterId id="2147483896" r:id="rId1"/>
   </p:sldMasterIdLst>
   <p:notesMasterIdLst>
     <p:notesMasterId r:id="rId21"/>
@@ -219,7 +219,7 @@
           <a:p>
             <a:fld id="{D190D2B4-3B5D-40DA-93BE-C4D5E2164FB1}" type="datetimeFigureOut">
               <a:rPr lang="en-US" smtClean="0"/>
-              <a:t>11/24/2017</a:t>
+              <a:t>11/25/2017</a:t>
             </a:fld>
             <a:endParaRPr lang="en-US"/>
           </a:p>
@@ -941,7 +941,7 @@
             <a:fld id="{B61BEF0D-F0BB-DE4B-95CE-6DB70DBA9567}" type="datetimeFigureOut">
               <a:rPr lang="en-US" smtClean="0"/>
               <a:pPr/>
-              <a:t>11/24/2017</a:t>
+              <a:t>11/25/2017</a:t>
             </a:fld>
             <a:endParaRPr lang="en-US" dirty="0"/>
           </a:p>
@@ -993,7 +993,7 @@
     </p:spTree>
     <p:extLst>
       <p:ext uri="{BB962C8B-B14F-4D97-AF65-F5344CB8AC3E}">
-        <p14:creationId xmlns:p14="http://schemas.microsoft.com/office/powerpoint/2010/main" val="1606555671"/>
+        <p14:creationId xmlns:p14="http://schemas.microsoft.com/office/powerpoint/2010/main" val="314849672"/>
       </p:ext>
     </p:extLst>
   </p:cSld>
@@ -1216,7 +1216,7 @@
             <a:pPr lvl="0"/>
             <a:r>
               <a:rPr lang="en-US"/>
-              <a:t>Click to edit Master text styles</a:t>
+              <a:t>Edit Master text styles</a:t>
             </a:r>
           </a:p>
         </p:txBody>
@@ -1239,7 +1239,7 @@
             <a:fld id="{B61BEF0D-F0BB-DE4B-95CE-6DB70DBA9567}" type="datetimeFigureOut">
               <a:rPr lang="en-US" smtClean="0"/>
               <a:pPr/>
-              <a:t>11/24/2017</a:t>
+              <a:t>11/25/2017</a:t>
             </a:fld>
             <a:endParaRPr lang="en-US" dirty="0"/>
           </a:p>
@@ -1291,7 +1291,7 @@
     </p:spTree>
     <p:extLst>
       <p:ext uri="{BB962C8B-B14F-4D97-AF65-F5344CB8AC3E}">
-        <p14:creationId xmlns:p14="http://schemas.microsoft.com/office/powerpoint/2010/main" val="1715100469"/>
+        <p14:creationId xmlns:p14="http://schemas.microsoft.com/office/powerpoint/2010/main" val="2240903256"/>
       </p:ext>
     </p:extLst>
   </p:cSld>
@@ -1466,7 +1466,7 @@
             <a:pPr lvl="0"/>
             <a:r>
               <a:rPr lang="en-US"/>
-              <a:t>Click to edit Master text styles</a:t>
+              <a:t>Edit Master text styles</a:t>
             </a:r>
           </a:p>
         </p:txBody>
@@ -1489,7 +1489,7 @@
             <a:fld id="{B61BEF0D-F0BB-DE4B-95CE-6DB70DBA9567}" type="datetimeFigureOut">
               <a:rPr lang="en-US" smtClean="0"/>
               <a:pPr/>
-              <a:t>11/24/2017</a:t>
+              <a:t>11/25/2017</a:t>
             </a:fld>
             <a:endParaRPr lang="en-US" dirty="0"/>
           </a:p>
@@ -1541,7 +1541,7 @@
     </p:spTree>
     <p:extLst>
       <p:ext uri="{BB962C8B-B14F-4D97-AF65-F5344CB8AC3E}">
-        <p14:creationId xmlns:p14="http://schemas.microsoft.com/office/powerpoint/2010/main" val="1305200729"/>
+        <p14:creationId xmlns:p14="http://schemas.microsoft.com/office/powerpoint/2010/main" val="2141284145"/>
       </p:ext>
     </p:extLst>
   </p:cSld>
@@ -1885,7 +1885,7 @@
             <a:pPr lvl="0"/>
             <a:r>
               <a:rPr lang="en-US"/>
-              <a:t>Click to edit Master text styles</a:t>
+              <a:t>Edit Master text styles</a:t>
             </a:r>
           </a:p>
         </p:txBody>
@@ -2004,7 +2004,7 @@
             <a:pPr lvl="0"/>
             <a:r>
               <a:rPr lang="en-US"/>
-              <a:t>Click to edit Master text styles</a:t>
+              <a:t>Edit Master text styles</a:t>
             </a:r>
           </a:p>
         </p:txBody>
@@ -2027,7 +2027,7 @@
             <a:fld id="{B61BEF0D-F0BB-DE4B-95CE-6DB70DBA9567}" type="datetimeFigureOut">
               <a:rPr lang="en-US" smtClean="0"/>
               <a:pPr/>
-              <a:t>11/24/2017</a:t>
+              <a:t>11/25/2017</a:t>
             </a:fld>
             <a:endParaRPr lang="en-US" dirty="0"/>
           </a:p>
@@ -2079,7 +2079,7 @@
     </p:spTree>
     <p:extLst>
       <p:ext uri="{BB962C8B-B14F-4D97-AF65-F5344CB8AC3E}">
-        <p14:creationId xmlns:p14="http://schemas.microsoft.com/office/powerpoint/2010/main" val="791463042"/>
+        <p14:creationId xmlns:p14="http://schemas.microsoft.com/office/powerpoint/2010/main" val="2577772747"/>
       </p:ext>
     </p:extLst>
   </p:cSld>
@@ -2254,7 +2254,7 @@
             <a:pPr lvl="0"/>
             <a:r>
               <a:rPr lang="en-US"/>
-              <a:t>Click to edit Master text styles</a:t>
+              <a:t>Edit Master text styles</a:t>
             </a:r>
           </a:p>
         </p:txBody>
@@ -2277,7 +2277,7 @@
             <a:fld id="{B61BEF0D-F0BB-DE4B-95CE-6DB70DBA9567}" type="datetimeFigureOut">
               <a:rPr lang="en-US" smtClean="0"/>
               <a:pPr/>
-              <a:t>11/24/2017</a:t>
+              <a:t>11/25/2017</a:t>
             </a:fld>
             <a:endParaRPr lang="en-US" dirty="0"/>
           </a:p>
@@ -2329,7 +2329,7 @@
     </p:spTree>
     <p:extLst>
       <p:ext uri="{BB962C8B-B14F-4D97-AF65-F5344CB8AC3E}">
-        <p14:creationId xmlns:p14="http://schemas.microsoft.com/office/powerpoint/2010/main" val="2923863629"/>
+        <p14:creationId xmlns:p14="http://schemas.microsoft.com/office/powerpoint/2010/main" val="4014898467"/>
       </p:ext>
     </p:extLst>
   </p:cSld>
@@ -2680,7 +2680,7 @@
             </a:pPr>
             <a:r>
               <a:rPr lang="en-US"/>
-              <a:t>Click to edit Master text styles</a:t>
+              <a:t>Edit Master text styles</a:t>
             </a:r>
           </a:p>
         </p:txBody>
@@ -2799,7 +2799,7 @@
             <a:pPr lvl="0"/>
             <a:r>
               <a:rPr lang="en-US"/>
-              <a:t>Click to edit Master text styles</a:t>
+              <a:t>Edit Master text styles</a:t>
             </a:r>
           </a:p>
         </p:txBody>
@@ -2822,7 +2822,7 @@
             <a:fld id="{B61BEF0D-F0BB-DE4B-95CE-6DB70DBA9567}" type="datetimeFigureOut">
               <a:rPr lang="en-US" smtClean="0"/>
               <a:pPr/>
-              <a:t>11/24/2017</a:t>
+              <a:t>11/25/2017</a:t>
             </a:fld>
             <a:endParaRPr lang="en-US" dirty="0"/>
           </a:p>
@@ -2874,7 +2874,7 @@
     </p:spTree>
     <p:extLst>
       <p:ext uri="{BB962C8B-B14F-4D97-AF65-F5344CB8AC3E}">
-        <p14:creationId xmlns:p14="http://schemas.microsoft.com/office/powerpoint/2010/main" val="2970105749"/>
+        <p14:creationId xmlns:p14="http://schemas.microsoft.com/office/powerpoint/2010/main" val="2520127344"/>
       </p:ext>
     </p:extLst>
   </p:cSld>
@@ -2992,7 +2992,7 @@
             </a:pPr>
             <a:r>
               <a:rPr lang="en-US"/>
-              <a:t>Click to edit Master text styles</a:t>
+              <a:t>Edit Master text styles</a:t>
             </a:r>
           </a:p>
         </p:txBody>
@@ -3111,7 +3111,7 @@
             <a:pPr lvl="0"/>
             <a:r>
               <a:rPr lang="en-US"/>
-              <a:t>Click to edit Master text styles</a:t>
+              <a:t>Edit Master text styles</a:t>
             </a:r>
           </a:p>
         </p:txBody>
@@ -3134,7 +3134,7 @@
             <a:fld id="{B61BEF0D-F0BB-DE4B-95CE-6DB70DBA9567}" type="datetimeFigureOut">
               <a:rPr lang="en-US" smtClean="0"/>
               <a:pPr/>
-              <a:t>11/24/2017</a:t>
+              <a:t>11/25/2017</a:t>
             </a:fld>
             <a:endParaRPr lang="en-US" dirty="0"/>
           </a:p>
@@ -3186,7 +3186,7 @@
     </p:spTree>
     <p:extLst>
       <p:ext uri="{BB962C8B-B14F-4D97-AF65-F5344CB8AC3E}">
-        <p14:creationId xmlns:p14="http://schemas.microsoft.com/office/powerpoint/2010/main" val="3174475342"/>
+        <p14:creationId xmlns:p14="http://schemas.microsoft.com/office/powerpoint/2010/main" val="1881400058"/>
       </p:ext>
     </p:extLst>
   </p:cSld>
@@ -3259,7 +3259,7 @@
             <a:pPr lvl="0"/>
             <a:r>
               <a:rPr lang="en-US"/>
-              <a:t>Click to edit Master text styles</a:t>
+              <a:t>Edit Master text styles</a:t>
             </a:r>
           </a:p>
           <a:p>
@@ -3311,7 +3311,7 @@
             <a:fld id="{B61BEF0D-F0BB-DE4B-95CE-6DB70DBA9567}" type="datetimeFigureOut">
               <a:rPr lang="en-US" smtClean="0"/>
               <a:pPr/>
-              <a:t>11/24/2017</a:t>
+              <a:t>11/25/2017</a:t>
             </a:fld>
             <a:endParaRPr lang="en-US" dirty="0"/>
           </a:p>
@@ -3363,7 +3363,7 @@
     </p:spTree>
     <p:extLst>
       <p:ext uri="{BB962C8B-B14F-4D97-AF65-F5344CB8AC3E}">
-        <p14:creationId xmlns:p14="http://schemas.microsoft.com/office/powerpoint/2010/main" val="2216633466"/>
+        <p14:creationId xmlns:p14="http://schemas.microsoft.com/office/powerpoint/2010/main" val="2621348749"/>
       </p:ext>
     </p:extLst>
   </p:cSld>
@@ -3441,7 +3441,7 @@
             <a:pPr lvl="0"/>
             <a:r>
               <a:rPr lang="en-US"/>
-              <a:t>Click to edit Master text styles</a:t>
+              <a:t>Edit Master text styles</a:t>
             </a:r>
           </a:p>
           <a:p>
@@ -3493,7 +3493,7 @@
             <a:fld id="{B61BEF0D-F0BB-DE4B-95CE-6DB70DBA9567}" type="datetimeFigureOut">
               <a:rPr lang="en-US" smtClean="0"/>
               <a:pPr/>
-              <a:t>11/24/2017</a:t>
+              <a:t>11/25/2017</a:t>
             </a:fld>
             <a:endParaRPr lang="en-US" dirty="0"/>
           </a:p>
@@ -3545,7 +3545,7 @@
     </p:spTree>
     <p:extLst>
       <p:ext uri="{BB962C8B-B14F-4D97-AF65-F5344CB8AC3E}">
-        <p14:creationId xmlns:p14="http://schemas.microsoft.com/office/powerpoint/2010/main" val="1206974406"/>
+        <p14:creationId xmlns:p14="http://schemas.microsoft.com/office/powerpoint/2010/main" val="1676959127"/>
       </p:ext>
     </p:extLst>
   </p:cSld>
@@ -3618,7 +3618,7 @@
             <a:pPr lvl="0"/>
             <a:r>
               <a:rPr lang="en-US"/>
-              <a:t>Click to edit Master text styles</a:t>
+              <a:t>Edit Master text styles</a:t>
             </a:r>
           </a:p>
           <a:p>
@@ -3670,7 +3670,7 @@
             <a:fld id="{B61BEF0D-F0BB-DE4B-95CE-6DB70DBA9567}" type="datetimeFigureOut">
               <a:rPr lang="en-US" smtClean="0"/>
               <a:pPr/>
-              <a:t>11/24/2017</a:t>
+              <a:t>11/25/2017</a:t>
             </a:fld>
             <a:endParaRPr lang="en-US" dirty="0"/>
           </a:p>
@@ -3722,7 +3722,7 @@
     </p:spTree>
     <p:extLst>
       <p:ext uri="{BB962C8B-B14F-4D97-AF65-F5344CB8AC3E}">
-        <p14:creationId xmlns:p14="http://schemas.microsoft.com/office/powerpoint/2010/main" val="1989170178"/>
+        <p14:creationId xmlns:p14="http://schemas.microsoft.com/office/powerpoint/2010/main" val="2376479351"/>
       </p:ext>
     </p:extLst>
   </p:cSld>
@@ -3895,7 +3895,7 @@
             <a:pPr lvl="0"/>
             <a:r>
               <a:rPr lang="en-US"/>
-              <a:t>Click to edit Master text styles</a:t>
+              <a:t>Edit Master text styles</a:t>
             </a:r>
           </a:p>
         </p:txBody>
@@ -3918,7 +3918,7 @@
             <a:fld id="{B61BEF0D-F0BB-DE4B-95CE-6DB70DBA9567}" type="datetimeFigureOut">
               <a:rPr lang="en-US" smtClean="0"/>
               <a:pPr/>
-              <a:t>11/24/2017</a:t>
+              <a:t>11/25/2017</a:t>
             </a:fld>
             <a:endParaRPr lang="en-US" dirty="0"/>
           </a:p>
@@ -3970,7 +3970,7 @@
     </p:spTree>
     <p:extLst>
       <p:ext uri="{BB962C8B-B14F-4D97-AF65-F5344CB8AC3E}">
-        <p14:creationId xmlns:p14="http://schemas.microsoft.com/office/powerpoint/2010/main" val="475457733"/>
+        <p14:creationId xmlns:p14="http://schemas.microsoft.com/office/powerpoint/2010/main" val="899270629"/>
       </p:ext>
     </p:extLst>
   </p:cSld>
@@ -4078,7 +4078,7 @@
             <a:pPr lvl="0"/>
             <a:r>
               <a:rPr lang="en-US"/>
-              <a:t>Click to edit Master text styles</a:t>
+              <a:t>Edit Master text styles</a:t>
             </a:r>
           </a:p>
           <a:p>
@@ -4165,7 +4165,7 @@
             <a:pPr lvl="0"/>
             <a:r>
               <a:rPr lang="en-US"/>
-              <a:t>Click to edit Master text styles</a:t>
+              <a:t>Edit Master text styles</a:t>
             </a:r>
           </a:p>
           <a:p>
@@ -4217,7 +4217,7 @@
             <a:fld id="{B61BEF0D-F0BB-DE4B-95CE-6DB70DBA9567}" type="datetimeFigureOut">
               <a:rPr lang="en-US" smtClean="0"/>
               <a:pPr/>
-              <a:t>11/24/2017</a:t>
+              <a:t>11/25/2017</a:t>
             </a:fld>
             <a:endParaRPr lang="en-US" dirty="0"/>
           </a:p>
@@ -4269,7 +4269,7 @@
     </p:spTree>
     <p:extLst>
       <p:ext uri="{BB962C8B-B14F-4D97-AF65-F5344CB8AC3E}">
-        <p14:creationId xmlns:p14="http://schemas.microsoft.com/office/powerpoint/2010/main" val="3649929326"/>
+        <p14:creationId xmlns:p14="http://schemas.microsoft.com/office/powerpoint/2010/main" val="2528600627"/>
       </p:ext>
     </p:extLst>
   </p:cSld>
@@ -4385,7 +4385,7 @@
             <a:pPr lvl="0"/>
             <a:r>
               <a:rPr lang="en-US"/>
-              <a:t>Click to edit Master text styles</a:t>
+              <a:t>Edit Master text styles</a:t>
             </a:r>
           </a:p>
         </p:txBody>
@@ -4443,7 +4443,7 @@
             <a:pPr lvl="0"/>
             <a:r>
               <a:rPr lang="en-US"/>
-              <a:t>Click to edit Master text styles</a:t>
+              <a:t>Edit Master text styles</a:t>
             </a:r>
           </a:p>
           <a:p>
@@ -4539,7 +4539,7 @@
             <a:pPr lvl="0"/>
             <a:r>
               <a:rPr lang="en-US"/>
-              <a:t>Click to edit Master text styles</a:t>
+              <a:t>Edit Master text styles</a:t>
             </a:r>
           </a:p>
         </p:txBody>
@@ -4597,7 +4597,7 @@
             <a:pPr lvl="0"/>
             <a:r>
               <a:rPr lang="en-US"/>
-              <a:t>Click to edit Master text styles</a:t>
+              <a:t>Edit Master text styles</a:t>
             </a:r>
           </a:p>
           <a:p>
@@ -4649,7 +4649,7 @@
             <a:fld id="{B61BEF0D-F0BB-DE4B-95CE-6DB70DBA9567}" type="datetimeFigureOut">
               <a:rPr lang="en-US" smtClean="0"/>
               <a:pPr/>
-              <a:t>11/24/2017</a:t>
+              <a:t>11/25/2017</a:t>
             </a:fld>
             <a:endParaRPr lang="en-US" dirty="0"/>
           </a:p>
@@ -4701,7 +4701,7 @@
     </p:spTree>
     <p:extLst>
       <p:ext uri="{BB962C8B-B14F-4D97-AF65-F5344CB8AC3E}">
-        <p14:creationId xmlns:p14="http://schemas.microsoft.com/office/powerpoint/2010/main" val="1658366294"/>
+        <p14:creationId xmlns:p14="http://schemas.microsoft.com/office/powerpoint/2010/main" val="1687624216"/>
       </p:ext>
     </p:extLst>
   </p:cSld>
@@ -4714,11 +4714,6 @@
 <file path=ppt/slideLayouts/slideLayout6.xml><?xml version="1.0" encoding="utf-8"?>
 <p:sldLayout xmlns:a="http://schemas.openxmlformats.org/drawingml/2006/main" xmlns:r="http://schemas.openxmlformats.org/officeDocument/2006/relationships" xmlns:p="http://schemas.openxmlformats.org/presentationml/2006/main" type="titleOnly" preserve="1">
   <p:cSld name="Title Only">
-    <p:bg>
-      <p:bgRef idx="1003">
-        <a:schemeClr val="bg2"/>
-      </p:bgRef>
-    </p:bg>
     <p:spTree>
       <p:nvGrpSpPr>
         <p:cNvPr id="1" name=""/>
@@ -4774,7 +4769,7 @@
             <a:fld id="{B61BEF0D-F0BB-DE4B-95CE-6DB70DBA9567}" type="datetimeFigureOut">
               <a:rPr lang="en-US" smtClean="0"/>
               <a:pPr/>
-              <a:t>11/24/2017</a:t>
+              <a:t>11/25/2017</a:t>
             </a:fld>
             <a:endParaRPr lang="en-US" dirty="0"/>
           </a:p>
@@ -4826,7 +4821,7 @@
     </p:spTree>
     <p:extLst>
       <p:ext uri="{BB962C8B-B14F-4D97-AF65-F5344CB8AC3E}">
-        <p14:creationId xmlns:p14="http://schemas.microsoft.com/office/powerpoint/2010/main" val="3746582235"/>
+        <p14:creationId xmlns:p14="http://schemas.microsoft.com/office/powerpoint/2010/main" val="2131676908"/>
       </p:ext>
     </p:extLst>
   </p:cSld>
@@ -4871,7 +4866,7 @@
             <a:fld id="{B61BEF0D-F0BB-DE4B-95CE-6DB70DBA9567}" type="datetimeFigureOut">
               <a:rPr lang="en-US" smtClean="0"/>
               <a:pPr/>
-              <a:t>11/24/2017</a:t>
+              <a:t>11/25/2017</a:t>
             </a:fld>
             <a:endParaRPr lang="en-US" dirty="0"/>
           </a:p>
@@ -4923,7 +4918,7 @@
     </p:spTree>
     <p:extLst>
       <p:ext uri="{BB962C8B-B14F-4D97-AF65-F5344CB8AC3E}">
-        <p14:creationId xmlns:p14="http://schemas.microsoft.com/office/powerpoint/2010/main" val="3435591187"/>
+        <p14:creationId xmlns:p14="http://schemas.microsoft.com/office/powerpoint/2010/main" val="335151269"/>
       </p:ext>
     </p:extLst>
   </p:cSld>
@@ -5037,7 +5032,7 @@
             <a:pPr lvl="0"/>
             <a:r>
               <a:rPr lang="en-US"/>
-              <a:t>Click to edit Master text styles</a:t>
+              <a:t>Edit Master text styles</a:t>
             </a:r>
           </a:p>
           <a:p>
@@ -5133,7 +5128,7 @@
             <a:pPr lvl="0"/>
             <a:r>
               <a:rPr lang="en-US"/>
-              <a:t>Click to edit Master text styles</a:t>
+              <a:t>Edit Master text styles</a:t>
             </a:r>
           </a:p>
         </p:txBody>
@@ -5156,7 +5151,7 @@
             <a:fld id="{B61BEF0D-F0BB-DE4B-95CE-6DB70DBA9567}" type="datetimeFigureOut">
               <a:rPr lang="en-US" smtClean="0"/>
               <a:pPr/>
-              <a:t>11/24/2017</a:t>
+              <a:t>11/25/2017</a:t>
             </a:fld>
             <a:endParaRPr lang="en-US" dirty="0"/>
           </a:p>
@@ -5208,7 +5203,7 @@
     </p:spTree>
     <p:extLst>
       <p:ext uri="{BB962C8B-B14F-4D97-AF65-F5344CB8AC3E}">
-        <p14:creationId xmlns:p14="http://schemas.microsoft.com/office/powerpoint/2010/main" val="2282385547"/>
+        <p14:creationId xmlns:p14="http://schemas.microsoft.com/office/powerpoint/2010/main" val="3869963466"/>
       </p:ext>
     </p:extLst>
   </p:cSld>
@@ -5421,7 +5416,7 @@
             <a:pPr lvl="0"/>
             <a:r>
               <a:rPr lang="en-US"/>
-              <a:t>Click to edit Master text styles</a:t>
+              <a:t>Edit Master text styles</a:t>
             </a:r>
           </a:p>
         </p:txBody>
@@ -5449,7 +5444,7 @@
             <a:fld id="{B61BEF0D-F0BB-DE4B-95CE-6DB70DBA9567}" type="datetimeFigureOut">
               <a:rPr lang="en-US" smtClean="0"/>
               <a:pPr/>
-              <a:t>11/24/2017</a:t>
+              <a:t>11/25/2017</a:t>
             </a:fld>
             <a:endParaRPr lang="en-US" dirty="0"/>
           </a:p>
@@ -5511,7 +5506,7 @@
     </p:spTree>
     <p:extLst>
       <p:ext uri="{BB962C8B-B14F-4D97-AF65-F5344CB8AC3E}">
-        <p14:creationId xmlns:p14="http://schemas.microsoft.com/office/powerpoint/2010/main" val="2266810989"/>
+        <p14:creationId xmlns:p14="http://schemas.microsoft.com/office/powerpoint/2010/main" val="360772988"/>
       </p:ext>
     </p:extLst>
   </p:cSld>
@@ -5525,9 +5520,15 @@
 <p:sldMaster xmlns:a="http://schemas.openxmlformats.org/drawingml/2006/main" xmlns:r="http://schemas.openxmlformats.org/officeDocument/2006/relationships" xmlns:p="http://schemas.openxmlformats.org/presentationml/2006/main">
   <p:cSld>
     <p:bg>
-      <p:bgRef idx="1003">
-        <a:schemeClr val="bg2"/>
-      </p:bgRef>
+      <p:bgPr>
+        <a:solidFill>
+          <a:schemeClr val="bg1">
+            <a:lumMod val="85000"/>
+            <a:lumOff val="15000"/>
+          </a:schemeClr>
+        </a:solidFill>
+        <a:effectLst/>
+      </p:bgPr>
     </p:bg>
     <p:spTree>
       <p:nvGrpSpPr>
@@ -5604,7 +5605,7 @@
             <a:pPr lvl="0"/>
             <a:r>
               <a:rPr lang="en-US"/>
-              <a:t>Click to edit Master text styles</a:t>
+              <a:t>Edit Master text styles</a:t>
             </a:r>
           </a:p>
           <a:p>
@@ -5682,7 +5683,7 @@
             <a:fld id="{B61BEF0D-F0BB-DE4B-95CE-6DB70DBA9567}" type="datetimeFigureOut">
               <a:rPr lang="en-US" smtClean="0"/>
               <a:pPr/>
-              <a:t>11/24/2017</a:t>
+              <a:t>11/25/2017</a:t>
             </a:fld>
             <a:endParaRPr lang="en-US" dirty="0"/>
           </a:p>
@@ -5786,29 +5787,29 @@
     </p:spTree>
     <p:extLst>
       <p:ext uri="{BB962C8B-B14F-4D97-AF65-F5344CB8AC3E}">
-        <p14:creationId xmlns:p14="http://schemas.microsoft.com/office/powerpoint/2010/main" val="888155028"/>
+        <p14:creationId xmlns:p14="http://schemas.microsoft.com/office/powerpoint/2010/main" val="2786953411"/>
       </p:ext>
     </p:extLst>
   </p:cSld>
   <p:clrMap bg1="dk1" tx1="lt1" bg2="dk2" tx2="lt2" accent1="accent1" accent2="accent2" accent3="accent3" accent4="accent4" accent5="accent5" accent6="accent6" hlink="hlink" folHlink="folHlink"/>
   <p:sldLayoutIdLst>
-    <p:sldLayoutId id="2147483825" r:id="rId1"/>
-    <p:sldLayoutId id="2147483826" r:id="rId2"/>
-    <p:sldLayoutId id="2147483827" r:id="rId3"/>
-    <p:sldLayoutId id="2147483828" r:id="rId4"/>
-    <p:sldLayoutId id="2147483829" r:id="rId5"/>
-    <p:sldLayoutId id="2147483830" r:id="rId6"/>
-    <p:sldLayoutId id="2147483831" r:id="rId7"/>
-    <p:sldLayoutId id="2147483832" r:id="rId8"/>
-    <p:sldLayoutId id="2147483833" r:id="rId9"/>
-    <p:sldLayoutId id="2147483834" r:id="rId10"/>
-    <p:sldLayoutId id="2147483835" r:id="rId11"/>
-    <p:sldLayoutId id="2147483836" r:id="rId12"/>
-    <p:sldLayoutId id="2147483837" r:id="rId13"/>
-    <p:sldLayoutId id="2147483838" r:id="rId14"/>
-    <p:sldLayoutId id="2147483839" r:id="rId15"/>
-    <p:sldLayoutId id="2147483840" r:id="rId16"/>
-    <p:sldLayoutId id="2147483841" r:id="rId17"/>
+    <p:sldLayoutId id="2147483897" r:id="rId1"/>
+    <p:sldLayoutId id="2147483898" r:id="rId2"/>
+    <p:sldLayoutId id="2147483899" r:id="rId3"/>
+    <p:sldLayoutId id="2147483900" r:id="rId4"/>
+    <p:sldLayoutId id="2147483901" r:id="rId5"/>
+    <p:sldLayoutId id="2147483902" r:id="rId6"/>
+    <p:sldLayoutId id="2147483903" r:id="rId7"/>
+    <p:sldLayoutId id="2147483904" r:id="rId8"/>
+    <p:sldLayoutId id="2147483905" r:id="rId9"/>
+    <p:sldLayoutId id="2147483906" r:id="rId10"/>
+    <p:sldLayoutId id="2147483907" r:id="rId11"/>
+    <p:sldLayoutId id="2147483908" r:id="rId12"/>
+    <p:sldLayoutId id="2147483909" r:id="rId13"/>
+    <p:sldLayoutId id="2147483910" r:id="rId14"/>
+    <p:sldLayoutId id="2147483911" r:id="rId15"/>
+    <p:sldLayoutId id="2147483912" r:id="rId16"/>
+    <p:sldLayoutId id="2147483913" r:id="rId17"/>
   </p:sldLayoutIdLst>
   <p:txStyles>
     <p:titleStyle>
@@ -6357,42 +6358,111 @@
             <p:ph type="ctrTitle"/>
           </p:nvPr>
         </p:nvSpPr>
-        <p:spPr/>
-        <p:txBody>
-          <a:bodyPr/>
-          <a:lstStyle/>
-          <a:p>
-            <a:r>
-              <a:rPr lang="en-US" dirty="0"/>
-              <a:t>Software Development</a:t>
-            </a:r>
-          </a:p>
-        </p:txBody>
-      </p:sp>
-      <p:sp>
-        <p:nvSpPr>
-          <p:cNvPr id="3" name="Subtitle 2"/>
-          <p:cNvSpPr>
-            <a:spLocks noGrp="1"/>
-          </p:cNvSpPr>
-          <p:nvPr>
-            <p:ph type="subTitle" idx="1"/>
-          </p:nvPr>
-        </p:nvSpPr>
-        <p:spPr/>
-        <p:txBody>
-          <a:bodyPr>
+        <p:spPr>
+          <a:xfrm>
+            <a:off x="1608137" y="2372729"/>
+            <a:ext cx="4734009" cy="1904999"/>
+          </a:xfrm>
+        </p:spPr>
+        <p:txBody>
+          <a:bodyPr anchor="ctr">
             <a:normAutofit/>
           </a:bodyPr>
           <a:lstStyle/>
           <a:p>
             <a:r>
-              <a:rPr lang="en-US" sz="2400" dirty="0"/>
-              <a:t>Street Credibility for Cybersecurity Practitioners</a:t>
-            </a:r>
-          </a:p>
-        </p:txBody>
-      </p:sp>
+              <a:rPr lang="en-US" dirty="0"/>
+              <a:t>Software</a:t>
+            </a:r>
+            <a:br>
+              <a:rPr lang="en-US" dirty="0"/>
+            </a:br>
+            <a:r>
+              <a:rPr lang="en-US" dirty="0"/>
+              <a:t>Development</a:t>
+            </a:r>
+          </a:p>
+        </p:txBody>
+      </p:sp>
+      <p:sp>
+        <p:nvSpPr>
+          <p:cNvPr id="3" name="Subtitle 2"/>
+          <p:cNvSpPr>
+            <a:spLocks noGrp="1"/>
+          </p:cNvSpPr>
+          <p:nvPr>
+            <p:ph type="subTitle" idx="1"/>
+          </p:nvPr>
+        </p:nvSpPr>
+        <p:spPr>
+          <a:xfrm>
+            <a:off x="7461083" y="2055897"/>
+            <a:ext cx="2823276" cy="2538663"/>
+          </a:xfrm>
+        </p:spPr>
+        <p:txBody>
+          <a:bodyPr anchor="ctr">
+            <a:normAutofit/>
+          </a:bodyPr>
+          <a:lstStyle/>
+          <a:p>
+            <a:r>
+              <a:rPr lang="en-US" sz="2800" dirty="0"/>
+              <a:t>Street Credibility</a:t>
+            </a:r>
+            <a:br>
+              <a:rPr lang="en-US" sz="2800" dirty="0"/>
+            </a:br>
+            <a:r>
+              <a:rPr lang="en-US" sz="2800" dirty="0"/>
+              <a:t>for</a:t>
+            </a:r>
+            <a:br>
+              <a:rPr lang="en-US" sz="2800" dirty="0"/>
+            </a:br>
+            <a:r>
+              <a:rPr lang="en-US" sz="2800" dirty="0"/>
+              <a:t>Cybersecurity Practitioners</a:t>
+            </a:r>
+          </a:p>
+        </p:txBody>
+      </p:sp>
+      <p:cxnSp>
+        <p:nvCxnSpPr>
+          <p:cNvPr id="5" name="Straight Connector 4">
+            <a:extLst>
+              <a:ext uri="{FF2B5EF4-FFF2-40B4-BE49-F238E27FC236}">
+                <a16:creationId xmlns:a16="http://schemas.microsoft.com/office/drawing/2014/main" id="{FA70666D-1B80-4090-B917-DAD4D31032A6}"/>
+              </a:ext>
+            </a:extLst>
+          </p:cNvPr>
+          <p:cNvCxnSpPr/>
+          <p:nvPr/>
+        </p:nvCxnSpPr>
+        <p:spPr>
+          <a:xfrm>
+            <a:off x="6829425" y="1114425"/>
+            <a:ext cx="0" cy="4524375"/>
+          </a:xfrm>
+          <a:prstGeom prst="line">
+            <a:avLst/>
+          </a:prstGeom>
+        </p:spPr>
+        <p:style>
+          <a:lnRef idx="3">
+            <a:schemeClr val="accent1"/>
+          </a:lnRef>
+          <a:fillRef idx="0">
+            <a:schemeClr val="accent1"/>
+          </a:fillRef>
+          <a:effectRef idx="2">
+            <a:schemeClr val="accent1"/>
+          </a:effectRef>
+          <a:fontRef idx="minor">
+            <a:schemeClr val="tx1"/>
+          </a:fontRef>
+        </p:style>
+      </p:cxnSp>
     </p:spTree>
     <p:extLst>
       <p:ext uri="{BB962C8B-B14F-4D97-AF65-F5344CB8AC3E}">
@@ -9014,7 +9084,7 @@
             <a:pPr lvl="1"/>
             <a:r>
               <a:rPr lang="en-US" sz="2200" dirty="0"/>
-              <a:t>“lay of the land” in software technologies</a:t>
+              <a:t>“Lay of the land” in software technologies</a:t>
             </a:r>
           </a:p>
           <a:p>
@@ -9368,12 +9438,21 @@
           </a:p>
           <a:p>
             <a:r>
+              <a:rPr lang="en-US" sz="2400" dirty="0">
+                <a:hlinkClick r:id="rId2"/>
+              </a:rPr>
+              <a:t>https://github.com/jjdm/cissp-software</a:t>
+            </a:r>
+            <a:endParaRPr lang="en-US" sz="2400" dirty="0"/>
+          </a:p>
+          <a:p>
+            <a:r>
               <a:rPr lang="en-US" sz="2400" dirty="0"/>
               <a:t>Feel free to email me (</a:t>
             </a:r>
             <a:r>
               <a:rPr lang="en-US" sz="2400" dirty="0">
-                <a:hlinkClick r:id="rId2"/>
+                <a:hlinkClick r:id="rId3"/>
               </a:rPr>
               <a:t>josh.martin@gmail.com</a:t>
             </a:r>
@@ -9585,7 +9664,7 @@
           <a:p>
             <a:r>
               <a:rPr lang="en-US" sz="2400" dirty="0"/>
-              <a:t>Technical Know-How</a:t>
+              <a:t>Technical Know-How (Street Credibility)</a:t>
             </a:r>
           </a:p>
           <a:p>
@@ -9674,6 +9753,47 @@
             <a:r>
               <a:rPr lang="en-US" dirty="0"/>
               <a:t>“Street Credibility”</a:t>
+            </a:r>
+          </a:p>
+        </p:txBody>
+      </p:sp>
+      <p:sp>
+        <p:nvSpPr>
+          <p:cNvPr id="12" name="Content Placeholder 2"/>
+          <p:cNvSpPr>
+            <a:spLocks noGrp="1"/>
+          </p:cNvSpPr>
+          <p:nvPr>
+            <p:ph idx="1"/>
+          </p:nvPr>
+        </p:nvSpPr>
+        <p:spPr>
+          <a:xfrm>
+            <a:off x="9447999" y="879625"/>
+            <a:ext cx="2163273" cy="1899936"/>
+          </a:xfrm>
+        </p:spPr>
+        <p:txBody>
+          <a:bodyPr>
+            <a:normAutofit/>
+          </a:bodyPr>
+          <a:lstStyle/>
+          <a:p>
+            <a:r>
+              <a:rPr lang="en-US" sz="2400" dirty="0"/>
+              <a:t>Failure</a:t>
+            </a:r>
+          </a:p>
+          <a:p>
+            <a:r>
+              <a:rPr lang="en-US" sz="2400" dirty="0"/>
+              <a:t>Success</a:t>
+            </a:r>
+          </a:p>
+          <a:p>
+            <a:r>
+              <a:rPr lang="en-US" sz="2400" dirty="0"/>
+              <a:t>Nostalgia</a:t>
             </a:r>
           </a:p>
         </p:txBody>
@@ -9842,47 +9962,6 @@
           </a:extLst>
         </p:spPr>
       </p:pic>
-      <p:sp>
-        <p:nvSpPr>
-          <p:cNvPr id="12" name="Content Placeholder 2"/>
-          <p:cNvSpPr>
-            <a:spLocks noGrp="1"/>
-          </p:cNvSpPr>
-          <p:nvPr>
-            <p:ph idx="1"/>
-          </p:nvPr>
-        </p:nvSpPr>
-        <p:spPr>
-          <a:xfrm>
-            <a:off x="9447999" y="879625"/>
-            <a:ext cx="2163273" cy="1899936"/>
-          </a:xfrm>
-        </p:spPr>
-        <p:txBody>
-          <a:bodyPr>
-            <a:normAutofit/>
-          </a:bodyPr>
-          <a:lstStyle/>
-          <a:p>
-            <a:r>
-              <a:rPr lang="en-US" sz="2400" dirty="0"/>
-              <a:t>Failure</a:t>
-            </a:r>
-          </a:p>
-          <a:p>
-            <a:r>
-              <a:rPr lang="en-US" sz="2400" dirty="0"/>
-              <a:t>Success</a:t>
-            </a:r>
-          </a:p>
-          <a:p>
-            <a:r>
-              <a:rPr lang="en-US" sz="2400" dirty="0"/>
-              <a:t>Nostalgia</a:t>
-            </a:r>
-          </a:p>
-        </p:txBody>
-      </p:sp>
       <p:pic>
         <p:nvPicPr>
           <p:cNvPr id="3" name="Picture 2"/>

--- a/docs/Software Development - CISSP.pptx
+++ b/docs/Software Development - CISSP.pptx
@@ -5,28 +5,29 @@
     <p:sldMasterId id="2147483896" r:id="rId1"/>
   </p:sldMasterIdLst>
   <p:notesMasterIdLst>
-    <p:notesMasterId r:id="rId21"/>
+    <p:notesMasterId r:id="rId22"/>
   </p:notesMasterIdLst>
   <p:sldIdLst>
     <p:sldId id="256" r:id="rId2"/>
     <p:sldId id="258" r:id="rId3"/>
     <p:sldId id="257" r:id="rId4"/>
-    <p:sldId id="259" r:id="rId5"/>
-    <p:sldId id="260" r:id="rId6"/>
-    <p:sldId id="262" r:id="rId7"/>
-    <p:sldId id="263" r:id="rId8"/>
-    <p:sldId id="261" r:id="rId9"/>
-    <p:sldId id="264" r:id="rId10"/>
-    <p:sldId id="265" r:id="rId11"/>
-    <p:sldId id="267" r:id="rId12"/>
-    <p:sldId id="266" r:id="rId13"/>
-    <p:sldId id="269" r:id="rId14"/>
+    <p:sldId id="281" r:id="rId5"/>
+    <p:sldId id="259" r:id="rId6"/>
+    <p:sldId id="260" r:id="rId7"/>
+    <p:sldId id="262" r:id="rId8"/>
+    <p:sldId id="263" r:id="rId9"/>
+    <p:sldId id="261" r:id="rId10"/>
+    <p:sldId id="264" r:id="rId11"/>
+    <p:sldId id="265" r:id="rId12"/>
+    <p:sldId id="267" r:id="rId13"/>
+    <p:sldId id="266" r:id="rId14"/>
     <p:sldId id="271" r:id="rId15"/>
     <p:sldId id="272" r:id="rId16"/>
-    <p:sldId id="277" r:id="rId17"/>
-    <p:sldId id="278" r:id="rId18"/>
-    <p:sldId id="279" r:id="rId19"/>
-    <p:sldId id="280" r:id="rId20"/>
+    <p:sldId id="269" r:id="rId17"/>
+    <p:sldId id="277" r:id="rId18"/>
+    <p:sldId id="278" r:id="rId19"/>
+    <p:sldId id="279" r:id="rId20"/>
+    <p:sldId id="280" r:id="rId21"/>
   </p:sldIdLst>
   <p:sldSz cx="12192000" cy="6858000"/>
   <p:notesSz cx="6858000" cy="9144000"/>
@@ -219,7 +220,7 @@
           <a:p>
             <a:fld id="{D190D2B4-3B5D-40DA-93BE-C4D5E2164FB1}" type="datetimeFigureOut">
               <a:rPr lang="en-US" smtClean="0"/>
-              <a:t>11/25/2017</a:t>
+              <a:t>11/27/2017</a:t>
             </a:fld>
             <a:endParaRPr lang="en-US"/>
           </a:p>
@@ -551,7 +552,7 @@
           <a:p>
             <a:fld id="{1313B7F1-ECE9-4AD9-8377-5918A2E8BDEA}" type="slidenum">
               <a:rPr lang="en-US" smtClean="0"/>
-              <a:t>9</a:t>
+              <a:t>10</a:t>
             </a:fld>
             <a:endParaRPr lang="en-US"/>
           </a:p>
@@ -635,7 +636,7 @@
           <a:p>
             <a:fld id="{1313B7F1-ECE9-4AD9-8377-5918A2E8BDEA}" type="slidenum">
               <a:rPr lang="en-US" smtClean="0"/>
-              <a:t>10</a:t>
+              <a:t>11</a:t>
             </a:fld>
             <a:endParaRPr lang="en-US"/>
           </a:p>
@@ -719,7 +720,7 @@
           <a:p>
             <a:fld id="{1313B7F1-ECE9-4AD9-8377-5918A2E8BDEA}" type="slidenum">
               <a:rPr lang="en-US" smtClean="0"/>
-              <a:t>13</a:t>
+              <a:t>16</a:t>
             </a:fld>
             <a:endParaRPr lang="en-US"/>
           </a:p>
@@ -941,7 +942,7 @@
             <a:fld id="{B61BEF0D-F0BB-DE4B-95CE-6DB70DBA9567}" type="datetimeFigureOut">
               <a:rPr lang="en-US" smtClean="0"/>
               <a:pPr/>
-              <a:t>11/25/2017</a:t>
+              <a:t>11/27/2017</a:t>
             </a:fld>
             <a:endParaRPr lang="en-US" dirty="0"/>
           </a:p>
@@ -1239,7 +1240,7 @@
             <a:fld id="{B61BEF0D-F0BB-DE4B-95CE-6DB70DBA9567}" type="datetimeFigureOut">
               <a:rPr lang="en-US" smtClean="0"/>
               <a:pPr/>
-              <a:t>11/25/2017</a:t>
+              <a:t>11/27/2017</a:t>
             </a:fld>
             <a:endParaRPr lang="en-US" dirty="0"/>
           </a:p>
@@ -1489,7 +1490,7 @@
             <a:fld id="{B61BEF0D-F0BB-DE4B-95CE-6DB70DBA9567}" type="datetimeFigureOut">
               <a:rPr lang="en-US" smtClean="0"/>
               <a:pPr/>
-              <a:t>11/25/2017</a:t>
+              <a:t>11/27/2017</a:t>
             </a:fld>
             <a:endParaRPr lang="en-US" dirty="0"/>
           </a:p>
@@ -2027,7 +2028,7 @@
             <a:fld id="{B61BEF0D-F0BB-DE4B-95CE-6DB70DBA9567}" type="datetimeFigureOut">
               <a:rPr lang="en-US" smtClean="0"/>
               <a:pPr/>
-              <a:t>11/25/2017</a:t>
+              <a:t>11/27/2017</a:t>
             </a:fld>
             <a:endParaRPr lang="en-US" dirty="0"/>
           </a:p>
@@ -2277,7 +2278,7 @@
             <a:fld id="{B61BEF0D-F0BB-DE4B-95CE-6DB70DBA9567}" type="datetimeFigureOut">
               <a:rPr lang="en-US" smtClean="0"/>
               <a:pPr/>
-              <a:t>11/25/2017</a:t>
+              <a:t>11/27/2017</a:t>
             </a:fld>
             <a:endParaRPr lang="en-US" dirty="0"/>
           </a:p>
@@ -2822,7 +2823,7 @@
             <a:fld id="{B61BEF0D-F0BB-DE4B-95CE-6DB70DBA9567}" type="datetimeFigureOut">
               <a:rPr lang="en-US" smtClean="0"/>
               <a:pPr/>
-              <a:t>11/25/2017</a:t>
+              <a:t>11/27/2017</a:t>
             </a:fld>
             <a:endParaRPr lang="en-US" dirty="0"/>
           </a:p>
@@ -3134,7 +3135,7 @@
             <a:fld id="{B61BEF0D-F0BB-DE4B-95CE-6DB70DBA9567}" type="datetimeFigureOut">
               <a:rPr lang="en-US" smtClean="0"/>
               <a:pPr/>
-              <a:t>11/25/2017</a:t>
+              <a:t>11/27/2017</a:t>
             </a:fld>
             <a:endParaRPr lang="en-US" dirty="0"/>
           </a:p>
@@ -3311,7 +3312,7 @@
             <a:fld id="{B61BEF0D-F0BB-DE4B-95CE-6DB70DBA9567}" type="datetimeFigureOut">
               <a:rPr lang="en-US" smtClean="0"/>
               <a:pPr/>
-              <a:t>11/25/2017</a:t>
+              <a:t>11/27/2017</a:t>
             </a:fld>
             <a:endParaRPr lang="en-US" dirty="0"/>
           </a:p>
@@ -3493,7 +3494,7 @@
             <a:fld id="{B61BEF0D-F0BB-DE4B-95CE-6DB70DBA9567}" type="datetimeFigureOut">
               <a:rPr lang="en-US" smtClean="0"/>
               <a:pPr/>
-              <a:t>11/25/2017</a:t>
+              <a:t>11/27/2017</a:t>
             </a:fld>
             <a:endParaRPr lang="en-US" dirty="0"/>
           </a:p>
@@ -3670,7 +3671,7 @@
             <a:fld id="{B61BEF0D-F0BB-DE4B-95CE-6DB70DBA9567}" type="datetimeFigureOut">
               <a:rPr lang="en-US" smtClean="0"/>
               <a:pPr/>
-              <a:t>11/25/2017</a:t>
+              <a:t>11/27/2017</a:t>
             </a:fld>
             <a:endParaRPr lang="en-US" dirty="0"/>
           </a:p>
@@ -3918,7 +3919,7 @@
             <a:fld id="{B61BEF0D-F0BB-DE4B-95CE-6DB70DBA9567}" type="datetimeFigureOut">
               <a:rPr lang="en-US" smtClean="0"/>
               <a:pPr/>
-              <a:t>11/25/2017</a:t>
+              <a:t>11/27/2017</a:t>
             </a:fld>
             <a:endParaRPr lang="en-US" dirty="0"/>
           </a:p>
@@ -4217,7 +4218,7 @@
             <a:fld id="{B61BEF0D-F0BB-DE4B-95CE-6DB70DBA9567}" type="datetimeFigureOut">
               <a:rPr lang="en-US" smtClean="0"/>
               <a:pPr/>
-              <a:t>11/25/2017</a:t>
+              <a:t>11/27/2017</a:t>
             </a:fld>
             <a:endParaRPr lang="en-US" dirty="0"/>
           </a:p>
@@ -4649,7 +4650,7 @@
             <a:fld id="{B61BEF0D-F0BB-DE4B-95CE-6DB70DBA9567}" type="datetimeFigureOut">
               <a:rPr lang="en-US" smtClean="0"/>
               <a:pPr/>
-              <a:t>11/25/2017</a:t>
+              <a:t>11/27/2017</a:t>
             </a:fld>
             <a:endParaRPr lang="en-US" dirty="0"/>
           </a:p>
@@ -4769,7 +4770,7 @@
             <a:fld id="{B61BEF0D-F0BB-DE4B-95CE-6DB70DBA9567}" type="datetimeFigureOut">
               <a:rPr lang="en-US" smtClean="0"/>
               <a:pPr/>
-              <a:t>11/25/2017</a:t>
+              <a:t>11/27/2017</a:t>
             </a:fld>
             <a:endParaRPr lang="en-US" dirty="0"/>
           </a:p>
@@ -4866,7 +4867,7 @@
             <a:fld id="{B61BEF0D-F0BB-DE4B-95CE-6DB70DBA9567}" type="datetimeFigureOut">
               <a:rPr lang="en-US" smtClean="0"/>
               <a:pPr/>
-              <a:t>11/25/2017</a:t>
+              <a:t>11/27/2017</a:t>
             </a:fld>
             <a:endParaRPr lang="en-US" dirty="0"/>
           </a:p>
@@ -5151,7 +5152,7 @@
             <a:fld id="{B61BEF0D-F0BB-DE4B-95CE-6DB70DBA9567}" type="datetimeFigureOut">
               <a:rPr lang="en-US" smtClean="0"/>
               <a:pPr/>
-              <a:t>11/25/2017</a:t>
+              <a:t>11/27/2017</a:t>
             </a:fld>
             <a:endParaRPr lang="en-US" dirty="0"/>
           </a:p>
@@ -5444,7 +5445,7 @@
             <a:fld id="{B61BEF0D-F0BB-DE4B-95CE-6DB70DBA9567}" type="datetimeFigureOut">
               <a:rPr lang="en-US" smtClean="0"/>
               <a:pPr/>
-              <a:t>11/25/2017</a:t>
+              <a:t>11/27/2017</a:t>
             </a:fld>
             <a:endParaRPr lang="en-US" dirty="0"/>
           </a:p>
@@ -5683,7 +5684,7 @@
             <a:fld id="{B61BEF0D-F0BB-DE4B-95CE-6DB70DBA9567}" type="datetimeFigureOut">
               <a:rPr lang="en-US" smtClean="0"/>
               <a:pPr/>
-              <a:t>11/25/2017</a:t>
+              <a:t>11/27/2017</a:t>
             </a:fld>
             <a:endParaRPr lang="en-US" dirty="0"/>
           </a:p>
@@ -6515,13 +6516,8 @@
           <a:p>
             <a:r>
               <a:rPr lang="en-US" dirty="0"/>
-              <a:t>Web/Browser/Mobile</a:t>
-            </a:r>
-            <a:r>
-              <a:rPr lang="en-US" baseline="0" dirty="0"/>
-              <a:t> Technologies</a:t>
-            </a:r>
-            <a:endParaRPr lang="en-US" dirty="0"/>
+              <a:t>Software Development 101</a:t>
+            </a:r>
           </a:p>
         </p:txBody>
       </p:sp>
@@ -6543,138 +6539,177 @@
         </p:spPr>
         <p:txBody>
           <a:bodyPr>
-            <a:normAutofit fontScale="92500" lnSpcReduction="20000"/>
+            <a:normAutofit/>
           </a:bodyPr>
           <a:lstStyle/>
           <a:p>
             <a:r>
               <a:rPr lang="en-US" sz="2400" dirty="0"/>
-              <a:t>HTML: Hypertext Markup Language – The Layout</a:t>
+              <a:t>Decide What To Build (Requirements, Stories)</a:t>
+            </a:r>
+          </a:p>
+          <a:p>
+            <a:r>
+              <a:rPr lang="en-US" sz="2400" dirty="0"/>
+              <a:t>Build It (Coding, Compiling, Testing, Packaging)</a:t>
             </a:r>
           </a:p>
           <a:p>
             <a:pPr lvl="1"/>
             <a:r>
               <a:rPr lang="en-US" sz="2200" dirty="0"/>
-              <a:t>HTML5 adds some good new features (Video, Workers, Data)</a:t>
+              <a:t>Web and Mobile are main modern interfaces</a:t>
+            </a:r>
+          </a:p>
+          <a:p>
+            <a:pPr lvl="1"/>
+            <a:r>
+              <a:rPr lang="en-US" sz="2200" dirty="0"/>
+              <a:t>Still Have Client / [Server], Too</a:t>
             </a:r>
           </a:p>
           <a:p>
             <a:r>
               <a:rPr lang="en-US" sz="2400" dirty="0"/>
-              <a:t>CSS: Cascading Style Sheet – The Look</a:t>
-            </a:r>
-          </a:p>
-          <a:p>
-            <a:pPr lvl="1"/>
-            <a:r>
-              <a:rPr lang="en-US" sz="2200" dirty="0"/>
-              <a:t>Responsive Design</a:t>
-            </a:r>
-          </a:p>
-          <a:p>
-            <a:r>
-              <a:rPr lang="en-US" sz="2400" dirty="0" err="1"/>
-              <a:t>Javascript</a:t>
-            </a:r>
+              <a:t>Deploy It (No Longer on Laptop)</a:t>
+            </a:r>
+          </a:p>
+          <a:p>
             <a:r>
               <a:rPr lang="en-US" sz="2400" dirty="0"/>
-              <a:t> – Dynamic behavior (without page Reloads)</a:t>
-            </a:r>
-          </a:p>
-          <a:p>
-            <a:pPr lvl="1"/>
-            <a:r>
-              <a:rPr lang="en-US" sz="2200" dirty="0"/>
-              <a:t>Is </a:t>
-            </a:r>
-            <a:r>
-              <a:rPr lang="en-US" sz="2200" dirty="0" err="1"/>
-              <a:t>Javascript</a:t>
-            </a:r>
-            <a:r>
-              <a:rPr lang="en-US" sz="2200" dirty="0"/>
-              <a:t> a Programming Language?</a:t>
-            </a:r>
-          </a:p>
-          <a:p>
-            <a:pPr lvl="1"/>
-            <a:endParaRPr lang="en-US" sz="2200" dirty="0"/>
+              <a:t>Test More</a:t>
+            </a:r>
           </a:p>
           <a:p>
             <a:r>
               <a:rPr lang="en-US" sz="2400" dirty="0"/>
-              <a:t>For Mobile, Front-end is usually mobile web (responsive) or Native</a:t>
-            </a:r>
-          </a:p>
-          <a:p>
-            <a:pPr lvl="1"/>
-            <a:r>
-              <a:rPr lang="en-US" sz="2200" dirty="0"/>
-              <a:t>Android is a Java-based Environment (with some C)</a:t>
-            </a:r>
-          </a:p>
-          <a:p>
-            <a:pPr lvl="1"/>
-            <a:r>
-              <a:rPr lang="en-US" sz="2200" dirty="0"/>
-              <a:t>Apple uses Objective C or Swift</a:t>
-            </a:r>
-          </a:p>
-        </p:txBody>
-      </p:sp>
-      <p:sp>
-        <p:nvSpPr>
-          <p:cNvPr id="5" name="Rectangle 4">
-            <a:extLst>
-              <a:ext uri="{FF2B5EF4-FFF2-40B4-BE49-F238E27FC236}">
-                <a16:creationId xmlns:a16="http://schemas.microsoft.com/office/drawing/2014/main" id="{4AFEE50C-D6BA-48BA-BD4F-0BC2A3027C0D}"/>
-              </a:ext>
-            </a:extLst>
-          </p:cNvPr>
-          <p:cNvSpPr/>
+              <a:t>Promote It (to Production)</a:t>
+            </a:r>
+          </a:p>
+        </p:txBody>
+      </p:sp>
+      <p:cxnSp>
+        <p:nvCxnSpPr>
+          <p:cNvPr id="5" name="Straight Connector 4"/>
+          <p:cNvCxnSpPr/>
           <p:nvPr/>
-        </p:nvSpPr>
+        </p:nvCxnSpPr>
         <p:spPr>
           <a:xfrm>
-            <a:off x="10001250" y="1066800"/>
-            <a:ext cx="1293811" cy="1600200"/>
+            <a:off x="9261343" y="2045111"/>
+            <a:ext cx="0" cy="1828800"/>
+          </a:xfrm>
+          <a:prstGeom prst="line">
+            <a:avLst/>
+          </a:prstGeom>
+        </p:spPr>
+        <p:style>
+          <a:lnRef idx="3">
+            <a:schemeClr val="accent1"/>
+          </a:lnRef>
+          <a:fillRef idx="0">
+            <a:schemeClr val="accent1"/>
+          </a:fillRef>
+          <a:effectRef idx="2">
+            <a:schemeClr val="accent1"/>
+          </a:effectRef>
+          <a:fontRef idx="minor">
+            <a:schemeClr val="tx1"/>
+          </a:fontRef>
+        </p:style>
+      </p:cxnSp>
+      <p:cxnSp>
+        <p:nvCxnSpPr>
+          <p:cNvPr id="6" name="Straight Connector 5"/>
+          <p:cNvCxnSpPr/>
+          <p:nvPr/>
+        </p:nvCxnSpPr>
+        <p:spPr>
+          <a:xfrm>
+            <a:off x="10483377" y="2705101"/>
+            <a:ext cx="14748" cy="2820629"/>
+          </a:xfrm>
+          <a:prstGeom prst="line">
+            <a:avLst/>
+          </a:prstGeom>
+        </p:spPr>
+        <p:style>
+          <a:lnRef idx="3">
+            <a:schemeClr val="accent3"/>
+          </a:lnRef>
+          <a:fillRef idx="0">
+            <a:schemeClr val="accent3"/>
+          </a:fillRef>
+          <a:effectRef idx="2">
+            <a:schemeClr val="accent3"/>
+          </a:effectRef>
+          <a:fontRef idx="minor">
+            <a:schemeClr val="tx1"/>
+          </a:fontRef>
+        </p:style>
+      </p:cxnSp>
+      <p:sp>
+        <p:nvSpPr>
+          <p:cNvPr id="10" name="TextBox 9"/>
+          <p:cNvSpPr txBox="1"/>
+          <p:nvPr/>
+        </p:nvSpPr>
+        <p:spPr>
+          <a:xfrm rot="5400000">
+            <a:off x="10093523" y="3884583"/>
+            <a:ext cx="1382110" cy="461665"/>
           </a:xfrm>
           <a:prstGeom prst="rect">
             <a:avLst/>
           </a:prstGeom>
+          <a:noFill/>
         </p:spPr>
-        <p:style>
-          <a:lnRef idx="2">
-            <a:schemeClr val="accent6">
-              <a:shade val="50000"/>
-            </a:schemeClr>
-          </a:lnRef>
-          <a:fillRef idx="1">
-            <a:schemeClr val="accent6"/>
-          </a:fillRef>
-          <a:effectRef idx="0">
-            <a:schemeClr val="accent6"/>
-          </a:effectRef>
-          <a:fontRef idx="minor">
-            <a:schemeClr val="lt1"/>
-          </a:fontRef>
-        </p:style>
-        <p:txBody>
-          <a:bodyPr rtlCol="0" anchor="ctr"/>
-          <a:lstStyle/>
-          <a:p>
-            <a:pPr algn="ctr"/>
-            <a:r>
-              <a:rPr lang="en-US" dirty="0"/>
-              <a:t>Text</a:t>
-            </a:r>
-          </a:p>
-          <a:p>
-            <a:pPr algn="ctr"/>
-            <a:r>
-              <a:rPr lang="en-US" dirty="0"/>
-              <a:t>Editors</a:t>
+        <p:txBody>
+          <a:bodyPr wrap="none" rtlCol="0">
+            <a:spAutoFit/>
+          </a:bodyPr>
+          <a:lstStyle/>
+          <a:p>
+            <a:r>
+              <a:rPr lang="en-US" sz="2400" b="1" dirty="0">
+                <a:solidFill>
+                  <a:schemeClr val="accent3"/>
+                </a:solidFill>
+              </a:rPr>
+              <a:t>DevOps</a:t>
+            </a:r>
+          </a:p>
+        </p:txBody>
+      </p:sp>
+      <p:sp>
+        <p:nvSpPr>
+          <p:cNvPr id="11" name="TextBox 10"/>
+          <p:cNvSpPr txBox="1"/>
+          <p:nvPr/>
+        </p:nvSpPr>
+        <p:spPr>
+          <a:xfrm rot="5400000">
+            <a:off x="9088069" y="2728679"/>
+            <a:ext cx="960519" cy="461665"/>
+          </a:xfrm>
+          <a:prstGeom prst="rect">
+            <a:avLst/>
+          </a:prstGeom>
+          <a:noFill/>
+        </p:spPr>
+        <p:txBody>
+          <a:bodyPr wrap="none" rtlCol="0">
+            <a:spAutoFit/>
+          </a:bodyPr>
+          <a:lstStyle/>
+          <a:p>
+            <a:r>
+              <a:rPr lang="en-US" sz="2400" b="1" dirty="0">
+                <a:solidFill>
+                  <a:schemeClr val="accent1"/>
+                </a:solidFill>
+              </a:rPr>
+              <a:t>Agile</a:t>
             </a:r>
           </a:p>
         </p:txBody>
@@ -6682,7 +6717,7 @@
     </p:spTree>
     <p:extLst>
       <p:ext uri="{BB962C8B-B14F-4D97-AF65-F5344CB8AC3E}">
-        <p14:creationId xmlns:p14="http://schemas.microsoft.com/office/powerpoint/2010/main" val="3153944267"/>
+        <p14:creationId xmlns:p14="http://schemas.microsoft.com/office/powerpoint/2010/main" val="2935131512"/>
       </p:ext>
     </p:extLst>
   </p:cSld>
@@ -6731,11 +6766,11 @@
           <a:p>
             <a:r>
               <a:rPr lang="en-US" dirty="0"/>
-              <a:t>The</a:t>
+              <a:t>Web/Browser/Mobile</a:t>
             </a:r>
             <a:r>
               <a:rPr lang="en-US" baseline="0" dirty="0"/>
-              <a:t> “Backend”</a:t>
+              <a:t> Technologies</a:t>
             </a:r>
             <a:endParaRPr lang="en-US" dirty="0"/>
           </a:p>
@@ -6759,134 +6794,138 @@
         </p:spPr>
         <p:txBody>
           <a:bodyPr>
-            <a:normAutofit/>
+            <a:normAutofit fontScale="92500" lnSpcReduction="20000"/>
           </a:bodyPr>
           <a:lstStyle/>
           <a:p>
             <a:r>
               <a:rPr lang="en-US" sz="2400" dirty="0"/>
-              <a:t>Traditionally, a relational database (e.g. Oracle, Postgres, </a:t>
-            </a:r>
+              <a:t>HTML: Hypertext Markup Language – The Layout</a:t>
+            </a:r>
+          </a:p>
+          <a:p>
+            <a:pPr lvl="1"/>
+            <a:r>
+              <a:rPr lang="en-US" sz="2200" dirty="0"/>
+              <a:t>HTML5 adds some good new features (Video, Workers, Data)</a:t>
+            </a:r>
+          </a:p>
+          <a:p>
+            <a:r>
+              <a:rPr lang="en-US" sz="2400" dirty="0"/>
+              <a:t>CSS: Cascading Style Sheet – The Look</a:t>
+            </a:r>
+          </a:p>
+          <a:p>
+            <a:pPr lvl="1"/>
+            <a:r>
+              <a:rPr lang="en-US" sz="2200" dirty="0"/>
+              <a:t>Responsive Design</a:t>
+            </a:r>
+          </a:p>
+          <a:p>
             <a:r>
               <a:rPr lang="en-US" sz="2400" dirty="0" err="1"/>
-              <a:t>MySql</a:t>
+              <a:t>Javascript</a:t>
             </a:r>
             <a:r>
               <a:rPr lang="en-US" sz="2400" dirty="0"/>
-              <a:t>)</a:t>
+              <a:t> – Dynamic behavior (without page Reloads)</a:t>
             </a:r>
           </a:p>
           <a:p>
             <a:pPr lvl="1"/>
             <a:r>
               <a:rPr lang="en-US" sz="2200" dirty="0"/>
-              <a:t>SQL: </a:t>
-            </a:r>
-            <a:r>
-              <a:rPr lang="en-US" sz="2200" dirty="0">
-                <a:solidFill>
-                  <a:schemeClr val="accent2">
-                    <a:lumMod val="60000"/>
-                    <a:lumOff val="40000"/>
-                  </a:schemeClr>
-                </a:solidFill>
-                <a:effectLst>
-                  <a:glow rad="38100">
-                    <a:schemeClr val="bg1">
-                      <a:lumMod val="50000"/>
-                      <a:lumOff val="50000"/>
-                      <a:alpha val="20000"/>
-                    </a:schemeClr>
-                  </a:glow>
-                </a:effectLst>
-                <a:latin typeface="Consolas" panose="020B0609020204030204" pitchFamily="49" charset="0"/>
-              </a:rPr>
-              <a:t>SELECT * FROM ITEMS WHERE ID = 17</a:t>
-            </a:r>
+              <a:t>Is </a:t>
+            </a:r>
+            <a:r>
+              <a:rPr lang="en-US" sz="2200" dirty="0" err="1"/>
+              <a:t>Javascript</a:t>
+            </a:r>
+            <a:r>
+              <a:rPr lang="en-US" sz="2200" dirty="0"/>
+              <a:t> a Programming Language?</a:t>
+            </a:r>
+          </a:p>
+          <a:p>
+            <a:pPr lvl="1"/>
+            <a:endParaRPr lang="en-US" sz="2200" dirty="0"/>
           </a:p>
           <a:p>
             <a:r>
               <a:rPr lang="en-US" sz="2400" dirty="0"/>
-              <a:t>Also have </a:t>
-            </a:r>
-            <a:r>
-              <a:rPr lang="en-US" sz="2400" dirty="0" err="1"/>
-              <a:t>NoSql</a:t>
-            </a:r>
-            <a:r>
-              <a:rPr lang="en-US" sz="2400" dirty="0"/>
-              <a:t> Options (Mongo, Dynamo, </a:t>
-            </a:r>
-            <a:r>
-              <a:rPr lang="en-US" sz="2400" dirty="0" err="1"/>
-              <a:t>Redis</a:t>
-            </a:r>
-            <a:r>
-              <a:rPr lang="en-US" sz="2400" dirty="0"/>
-              <a:t>)</a:t>
+              <a:t>For Mobile, Front-end is usually mobile web (responsive) or Native</a:t>
             </a:r>
           </a:p>
           <a:p>
             <a:pPr lvl="1"/>
             <a:r>
               <a:rPr lang="en-US" sz="2200" dirty="0"/>
-              <a:t>Objects: </a:t>
-            </a:r>
-            <a:r>
-              <a:rPr lang="en-US" sz="2200" cap="none" dirty="0" err="1">
-                <a:solidFill>
-                  <a:schemeClr val="accent2">
-                    <a:lumMod val="60000"/>
-                    <a:lumOff val="40000"/>
-                  </a:schemeClr>
-                </a:solidFill>
-                <a:effectLst>
-                  <a:glow rad="38100">
-                    <a:schemeClr val="bg1">
-                      <a:lumMod val="50000"/>
-                      <a:lumOff val="50000"/>
-                      <a:alpha val="20000"/>
-                    </a:schemeClr>
-                  </a:glow>
-                </a:effectLst>
-                <a:latin typeface="Consolas" panose="020B0609020204030204" pitchFamily="49" charset="0"/>
-              </a:rPr>
-              <a:t>db.items.find</a:t>
-            </a:r>
-            <a:r>
-              <a:rPr lang="en-US" sz="2200" cap="none" dirty="0">
-                <a:solidFill>
-                  <a:schemeClr val="accent2">
-                    <a:lumMod val="60000"/>
-                    <a:lumOff val="40000"/>
-                  </a:schemeClr>
-                </a:solidFill>
-                <a:effectLst>
-                  <a:glow rad="38100">
-                    <a:schemeClr val="bg1">
-                      <a:lumMod val="50000"/>
-                      <a:lumOff val="50000"/>
-                      <a:alpha val="20000"/>
-                    </a:schemeClr>
-                  </a:glow>
-                </a:effectLst>
-                <a:latin typeface="Consolas" panose="020B0609020204030204" pitchFamily="49" charset="0"/>
-              </a:rPr>
-              <a:t>( { id: 17 } )</a:t>
-            </a:r>
-            <a:endParaRPr lang="en-US" sz="2200" cap="none" dirty="0"/>
-          </a:p>
-          <a:p>
-            <a:r>
-              <a:rPr lang="en-US" sz="2400" dirty="0"/>
-              <a:t>Also Have Unstructured Data – Images, Files</a:t>
+              <a:t>Android is a Java-based Environment (with some C)</a:t>
             </a:r>
           </a:p>
           <a:p>
             <a:pPr lvl="1"/>
             <a:r>
               <a:rPr lang="en-US" sz="2200" dirty="0"/>
-              <a:t>Data mining, Natural Language Processing, Pattern Matching</a:t>
+              <a:t>Apple uses Objective C or Swift</a:t>
+            </a:r>
+          </a:p>
+        </p:txBody>
+      </p:sp>
+      <p:sp>
+        <p:nvSpPr>
+          <p:cNvPr id="5" name="Rectangle 4">
+            <a:extLst>
+              <a:ext uri="{FF2B5EF4-FFF2-40B4-BE49-F238E27FC236}">
+                <a16:creationId xmlns:a16="http://schemas.microsoft.com/office/drawing/2014/main" id="{4AFEE50C-D6BA-48BA-BD4F-0BC2A3027C0D}"/>
+              </a:ext>
+            </a:extLst>
+          </p:cNvPr>
+          <p:cNvSpPr/>
+          <p:nvPr/>
+        </p:nvSpPr>
+        <p:spPr>
+          <a:xfrm>
+            <a:off x="10001250" y="1066800"/>
+            <a:ext cx="1293811" cy="1600200"/>
+          </a:xfrm>
+          <a:prstGeom prst="rect">
+            <a:avLst/>
+          </a:prstGeom>
+        </p:spPr>
+        <p:style>
+          <a:lnRef idx="2">
+            <a:schemeClr val="accent6">
+              <a:shade val="50000"/>
+            </a:schemeClr>
+          </a:lnRef>
+          <a:fillRef idx="1">
+            <a:schemeClr val="accent6"/>
+          </a:fillRef>
+          <a:effectRef idx="0">
+            <a:schemeClr val="accent6"/>
+          </a:effectRef>
+          <a:fontRef idx="minor">
+            <a:schemeClr val="lt1"/>
+          </a:fontRef>
+        </p:style>
+        <p:txBody>
+          <a:bodyPr rtlCol="0" anchor="ctr"/>
+          <a:lstStyle/>
+          <a:p>
+            <a:pPr algn="ctr"/>
+            <a:r>
+              <a:rPr lang="en-US" dirty="0"/>
+              <a:t>Text</a:t>
+            </a:r>
+          </a:p>
+          <a:p>
+            <a:pPr algn="ctr"/>
+            <a:r>
+              <a:rPr lang="en-US" dirty="0"/>
+              <a:t>Editors</a:t>
             </a:r>
           </a:p>
         </p:txBody>
@@ -6894,7 +6933,7 @@
     </p:spTree>
     <p:extLst>
       <p:ext uri="{BB962C8B-B14F-4D97-AF65-F5344CB8AC3E}">
-        <p14:creationId xmlns:p14="http://schemas.microsoft.com/office/powerpoint/2010/main" val="683496896"/>
+        <p14:creationId xmlns:p14="http://schemas.microsoft.com/office/powerpoint/2010/main" val="3153944267"/>
       </p:ext>
     </p:extLst>
   </p:cSld>
@@ -6943,8 +6982,13 @@
           <a:p>
             <a:r>
               <a:rPr lang="en-US" dirty="0"/>
-              <a:t>Middleware – The Glue</a:t>
-            </a:r>
+              <a:t>The</a:t>
+            </a:r>
+            <a:r>
+              <a:rPr lang="en-US" baseline="0" dirty="0"/>
+              <a:t> “Backend”</a:t>
+            </a:r>
+            <a:endParaRPr lang="en-US" dirty="0"/>
           </a:p>
         </p:txBody>
       </p:sp>
@@ -6972,103 +7016,128 @@
           <a:p>
             <a:r>
               <a:rPr lang="en-US" sz="2400" dirty="0"/>
-              <a:t>Middleware resides on the server (not browser)</a:t>
-            </a:r>
-          </a:p>
-          <a:p>
+              <a:t>Traditionally, a relational database (e.g. Oracle, Postgres, </a:t>
+            </a:r>
+            <a:r>
+              <a:rPr lang="en-US" sz="2400" dirty="0" err="1"/>
+              <a:t>MySql</a:t>
+            </a:r>
             <a:r>
               <a:rPr lang="en-US" sz="2400" dirty="0"/>
-              <a:t>Talks to Data sources (databases, Files, Web Services)</a:t>
+              <a:t>)</a:t>
             </a:r>
           </a:p>
           <a:p>
             <a:pPr lvl="1"/>
             <a:r>
               <a:rPr lang="en-US" sz="2200" dirty="0"/>
-              <a:t>Modern </a:t>
-            </a:r>
-            <a:r>
-              <a:rPr lang="en-US" sz="2200" dirty="0" err="1"/>
-              <a:t>Javascript</a:t>
-            </a:r>
+              <a:t>SQL: </a:t>
+            </a:r>
+            <a:r>
+              <a:rPr lang="en-US" sz="2200" dirty="0">
+                <a:solidFill>
+                  <a:schemeClr val="accent2">
+                    <a:lumMod val="60000"/>
+                    <a:lumOff val="40000"/>
+                  </a:schemeClr>
+                </a:solidFill>
+                <a:effectLst>
+                  <a:glow rad="38100">
+                    <a:schemeClr val="bg1">
+                      <a:lumMod val="50000"/>
+                      <a:lumOff val="50000"/>
+                      <a:alpha val="20000"/>
+                    </a:schemeClr>
+                  </a:glow>
+                </a:effectLst>
+                <a:latin typeface="Consolas" panose="020B0609020204030204" pitchFamily="49" charset="0"/>
+              </a:rPr>
+              <a:t>SELECT * FROM ITEMS WHERE ID = 17</a:t>
+            </a:r>
+          </a:p>
+          <a:p>
+            <a:r>
+              <a:rPr lang="en-US" sz="2400" dirty="0"/>
+              <a:t>Also have </a:t>
+            </a:r>
+            <a:r>
+              <a:rPr lang="en-US" sz="2400" dirty="0" err="1"/>
+              <a:t>NoSql</a:t>
+            </a:r>
+            <a:r>
+              <a:rPr lang="en-US" sz="2400" dirty="0"/>
+              <a:t> Options (Mongo, Dynamo, </a:t>
+            </a:r>
+            <a:r>
+              <a:rPr lang="en-US" sz="2400" dirty="0" err="1"/>
+              <a:t>Redis</a:t>
+            </a:r>
+            <a:r>
+              <a:rPr lang="en-US" sz="2400" dirty="0"/>
+              <a:t>)</a:t>
+            </a:r>
+          </a:p>
+          <a:p>
+            <a:pPr lvl="1"/>
             <a:r>
               <a:rPr lang="en-US" sz="2200" dirty="0"/>
-              <a:t> in Browsers can also call Web Services</a:t>
-            </a:r>
+              <a:t>Objects: </a:t>
+            </a:r>
+            <a:r>
+              <a:rPr lang="en-US" sz="2200" cap="none" dirty="0" err="1">
+                <a:solidFill>
+                  <a:schemeClr val="accent2">
+                    <a:lumMod val="60000"/>
+                    <a:lumOff val="40000"/>
+                  </a:schemeClr>
+                </a:solidFill>
+                <a:effectLst>
+                  <a:glow rad="38100">
+                    <a:schemeClr val="bg1">
+                      <a:lumMod val="50000"/>
+                      <a:lumOff val="50000"/>
+                      <a:alpha val="20000"/>
+                    </a:schemeClr>
+                  </a:glow>
+                </a:effectLst>
+                <a:latin typeface="Consolas" panose="020B0609020204030204" pitchFamily="49" charset="0"/>
+              </a:rPr>
+              <a:t>db.items.find</a:t>
+            </a:r>
+            <a:r>
+              <a:rPr lang="en-US" sz="2200" cap="none" dirty="0">
+                <a:solidFill>
+                  <a:schemeClr val="accent2">
+                    <a:lumMod val="60000"/>
+                    <a:lumOff val="40000"/>
+                  </a:schemeClr>
+                </a:solidFill>
+                <a:effectLst>
+                  <a:glow rad="38100">
+                    <a:schemeClr val="bg1">
+                      <a:lumMod val="50000"/>
+                      <a:lumOff val="50000"/>
+                      <a:alpha val="20000"/>
+                    </a:schemeClr>
+                  </a:glow>
+                </a:effectLst>
+                <a:latin typeface="Consolas" panose="020B0609020204030204" pitchFamily="49" charset="0"/>
+              </a:rPr>
+              <a:t>( { id: 17 } )</a:t>
+            </a:r>
+            <a:endParaRPr lang="en-US" sz="2200" cap="none" dirty="0"/>
           </a:p>
           <a:p>
             <a:r>
               <a:rPr lang="en-US" sz="2400" dirty="0"/>
-              <a:t>Business Logic, Security, Integration, Services</a:t>
-            </a:r>
-          </a:p>
-          <a:p>
-            <a:r>
-              <a:rPr lang="en-US" sz="2400" dirty="0"/>
-              <a:t>Languages: Java, C#, Python, Ruby, C++, </a:t>
-            </a:r>
-            <a:r>
-              <a:rPr lang="en-US" sz="2400" dirty="0" err="1"/>
-              <a:t>Javascript</a:t>
-            </a:r>
-            <a:r>
-              <a:rPr lang="en-US" sz="2400" dirty="0"/>
-              <a:t>*</a:t>
-            </a:r>
-          </a:p>
-          <a:p>
-            <a:r>
-              <a:rPr lang="en-US" sz="2400" dirty="0"/>
-              <a:t>Need a Container to run code (Tomcat, Node, etc.)</a:t>
-            </a:r>
-          </a:p>
-        </p:txBody>
-      </p:sp>
-      <p:sp>
-        <p:nvSpPr>
-          <p:cNvPr id="4" name="Rectangle 3">
-            <a:extLst>
-              <a:ext uri="{FF2B5EF4-FFF2-40B4-BE49-F238E27FC236}">
-                <a16:creationId xmlns:a16="http://schemas.microsoft.com/office/drawing/2014/main" id="{66F6E9EE-56AC-4C91-BCC8-B2AB79A38D83}"/>
-              </a:ext>
-            </a:extLst>
-          </p:cNvPr>
-          <p:cNvSpPr/>
-          <p:nvPr/>
-        </p:nvSpPr>
-        <p:spPr>
-          <a:xfrm>
-            <a:off x="10001250" y="1066800"/>
-            <a:ext cx="1293811" cy="1600200"/>
-          </a:xfrm>
-          <a:prstGeom prst="rect">
-            <a:avLst/>
-          </a:prstGeom>
-        </p:spPr>
-        <p:style>
-          <a:lnRef idx="2">
-            <a:schemeClr val="accent6">
-              <a:shade val="50000"/>
-            </a:schemeClr>
-          </a:lnRef>
-          <a:fillRef idx="1">
-            <a:schemeClr val="accent6"/>
-          </a:fillRef>
-          <a:effectRef idx="0">
-            <a:schemeClr val="accent6"/>
-          </a:effectRef>
-          <a:fontRef idx="minor">
-            <a:schemeClr val="lt1"/>
-          </a:fontRef>
-        </p:style>
-        <p:txBody>
-          <a:bodyPr rtlCol="0" anchor="ctr"/>
-          <a:lstStyle/>
-          <a:p>
-            <a:pPr algn="ctr"/>
-            <a:r>
-              <a:rPr lang="en-US" dirty="0"/>
-              <a:t>IDEs</a:t>
+              <a:t>Also Have Unstructured Data – Images, Files</a:t>
+            </a:r>
+          </a:p>
+          <a:p>
+            <a:pPr lvl="1"/>
+            <a:r>
+              <a:rPr lang="en-US" sz="2200" dirty="0"/>
+              <a:t>Data mining, Natural Language Processing, Pattern Matching</a:t>
             </a:r>
           </a:p>
         </p:txBody>
@@ -7076,7 +7145,7 @@
     </p:spTree>
     <p:extLst>
       <p:ext uri="{BB962C8B-B14F-4D97-AF65-F5344CB8AC3E}">
-        <p14:creationId xmlns:p14="http://schemas.microsoft.com/office/powerpoint/2010/main" val="1024953526"/>
+        <p14:creationId xmlns:p14="http://schemas.microsoft.com/office/powerpoint/2010/main" val="683496896"/>
       </p:ext>
     </p:extLst>
   </p:cSld>
@@ -7124,10 +7193,9 @@
           <a:lstStyle/>
           <a:p>
             <a:r>
-              <a:rPr lang="en-US" baseline="0" dirty="0"/>
-              <a:t>Build and Deployment</a:t>
-            </a:r>
-            <a:endParaRPr lang="en-US" dirty="0"/>
+              <a:rPr lang="en-US" dirty="0"/>
+              <a:t>Middleware – The Glue</a:t>
+            </a:r>
           </a:p>
         </p:txBody>
       </p:sp>
@@ -7155,82 +7223,103 @@
           <a:p>
             <a:r>
               <a:rPr lang="en-US" sz="2400" dirty="0"/>
-              <a:t>Compile, Assemble, and (usually) Compress Code</a:t>
+              <a:t>Middleware resides on the server (not browser)</a:t>
+            </a:r>
+          </a:p>
+          <a:p>
+            <a:r>
+              <a:rPr lang="en-US" sz="2400" dirty="0"/>
+              <a:t>Talks to Data sources (databases, Files, Web Services)</a:t>
             </a:r>
           </a:p>
           <a:p>
             <a:pPr lvl="1"/>
             <a:r>
               <a:rPr lang="en-US" sz="2200" dirty="0"/>
-              <a:t>Make, Ant, Maven, </a:t>
+              <a:t>Modern </a:t>
             </a:r>
             <a:r>
               <a:rPr lang="en-US" sz="2200" dirty="0" err="1"/>
-              <a:t>Gradle</a:t>
+              <a:t>Javascript</a:t>
             </a:r>
             <a:r>
               <a:rPr lang="en-US" sz="2200" dirty="0"/>
-              <a:t>, </a:t>
-            </a:r>
-            <a:r>
-              <a:rPr lang="en-US" sz="2200" dirty="0" err="1"/>
-              <a:t>Distutils</a:t>
-            </a:r>
-            <a:r>
-              <a:rPr lang="en-US" sz="2200" dirty="0"/>
-              <a:t>, </a:t>
-            </a:r>
-            <a:r>
-              <a:rPr lang="en-US" sz="2200" dirty="0" err="1"/>
-              <a:t>Nant</a:t>
-            </a:r>
-            <a:endParaRPr lang="en-US" sz="2200" dirty="0"/>
+              <a:t> in Browsers can also call Web Services</a:t>
+            </a:r>
           </a:p>
           <a:p>
             <a:r>
               <a:rPr lang="en-US" sz="2400" dirty="0"/>
-              <a:t>Deploy Code (Different Environment)</a:t>
-            </a:r>
-          </a:p>
-          <a:p>
-            <a:pPr lvl="1"/>
-            <a:r>
-              <a:rPr lang="en-US" sz="2200" dirty="0"/>
-              <a:t>Custom Scripts/Installers, Chef, Puppet</a:t>
+              <a:t>Business Logic, Security, Integration, Services</a:t>
             </a:r>
           </a:p>
           <a:p>
             <a:r>
               <a:rPr lang="en-US" sz="2400" dirty="0"/>
-              <a:t>Test Code</a:t>
-            </a:r>
-          </a:p>
-          <a:p>
-            <a:pPr lvl="1"/>
-            <a:r>
-              <a:rPr lang="en-US" sz="2200" dirty="0"/>
-              <a:t>Manual, Smoke, Unit, Regression, Security, Etc.</a:t>
-            </a:r>
-          </a:p>
-          <a:p>
-            <a:r>
-              <a:rPr lang="en-US" sz="2400" dirty="0">
-                <a:solidFill>
-                  <a:schemeClr val="accent2"/>
-                </a:solidFill>
-              </a:rPr>
-              <a:t>Continuous Integration/Deployment</a:t>
-            </a:r>
-          </a:p>
-          <a:p>
-            <a:pPr lvl="1"/>
-            <a:r>
-              <a:rPr lang="en-US" sz="2200" dirty="0">
-                <a:solidFill>
-                  <a:schemeClr val="accent2"/>
-                </a:solidFill>
-              </a:rPr>
-              <a:t>DevOps: Jenkins, Bamboo, Etc.</a:t>
+              <a:t>Languages: Java, C#, Python, Ruby, C++, </a:t>
+            </a:r>
+            <a:r>
+              <a:rPr lang="en-US" sz="2400" dirty="0" err="1"/>
+              <a:t>Javascript</a:t>
+            </a:r>
+            <a:r>
+              <a:rPr lang="en-US" sz="2400" dirty="0"/>
+              <a:t>*</a:t>
+            </a:r>
+          </a:p>
+          <a:p>
+            <a:r>
+              <a:rPr lang="en-US" sz="2400" dirty="0"/>
+              <a:t>Need a Container to run code (Tomcat, Node, etc.)</a:t>
+            </a:r>
+          </a:p>
+        </p:txBody>
+      </p:sp>
+      <p:sp>
+        <p:nvSpPr>
+          <p:cNvPr id="4" name="Rectangle 3">
+            <a:extLst>
+              <a:ext uri="{FF2B5EF4-FFF2-40B4-BE49-F238E27FC236}">
+                <a16:creationId xmlns:a16="http://schemas.microsoft.com/office/drawing/2014/main" id="{66F6E9EE-56AC-4C91-BCC8-B2AB79A38D83}"/>
+              </a:ext>
+            </a:extLst>
+          </p:cNvPr>
+          <p:cNvSpPr/>
+          <p:nvPr/>
+        </p:nvSpPr>
+        <p:spPr>
+          <a:xfrm>
+            <a:off x="10001250" y="1066800"/>
+            <a:ext cx="1293811" cy="1600200"/>
+          </a:xfrm>
+          <a:prstGeom prst="rect">
+            <a:avLst/>
+          </a:prstGeom>
+        </p:spPr>
+        <p:style>
+          <a:lnRef idx="2">
+            <a:schemeClr val="accent6">
+              <a:shade val="50000"/>
+            </a:schemeClr>
+          </a:lnRef>
+          <a:fillRef idx="1">
+            <a:schemeClr val="accent6"/>
+          </a:fillRef>
+          <a:effectRef idx="0">
+            <a:schemeClr val="accent6"/>
+          </a:effectRef>
+          <a:fontRef idx="minor">
+            <a:schemeClr val="lt1"/>
+          </a:fontRef>
+        </p:style>
+        <p:txBody>
+          <a:bodyPr rtlCol="0" anchor="ctr"/>
+          <a:lstStyle/>
+          <a:p>
+            <a:pPr algn="ctr"/>
+            <a:r>
+              <a:rPr lang="en-US" dirty="0"/>
+              <a:t>IDEs</a:t>
             </a:r>
           </a:p>
         </p:txBody>
@@ -7238,7 +7327,7 @@
     </p:spTree>
     <p:extLst>
       <p:ext uri="{BB962C8B-B14F-4D97-AF65-F5344CB8AC3E}">
-        <p14:creationId xmlns:p14="http://schemas.microsoft.com/office/powerpoint/2010/main" val="363750846"/>
+        <p14:creationId xmlns:p14="http://schemas.microsoft.com/office/powerpoint/2010/main" val="1024953526"/>
       </p:ext>
     </p:extLst>
   </p:cSld>
@@ -7507,6 +7596,179 @@
 </file>
 
 <file path=ppt/slides/slide16.xml><?xml version="1.0" encoding="utf-8"?>
+<p:sld xmlns:a="http://schemas.openxmlformats.org/drawingml/2006/main" xmlns:r="http://schemas.openxmlformats.org/officeDocument/2006/relationships" xmlns:p="http://schemas.openxmlformats.org/presentationml/2006/main">
+  <p:cSld>
+    <p:spTree>
+      <p:nvGrpSpPr>
+        <p:cNvPr id="1" name=""/>
+        <p:cNvGrpSpPr/>
+        <p:nvPr/>
+      </p:nvGrpSpPr>
+      <p:grpSpPr>
+        <a:xfrm>
+          <a:off x="0" y="0"/>
+          <a:ext cx="0" cy="0"/>
+          <a:chOff x="0" y="0"/>
+          <a:chExt cx="0" cy="0"/>
+        </a:xfrm>
+      </p:grpSpPr>
+      <p:sp>
+        <p:nvSpPr>
+          <p:cNvPr id="2" name="Title 1"/>
+          <p:cNvSpPr>
+            <a:spLocks noGrp="1"/>
+          </p:cNvSpPr>
+          <p:nvPr>
+            <p:ph type="title"/>
+          </p:nvPr>
+        </p:nvSpPr>
+        <p:spPr>
+          <a:xfrm>
+            <a:off x="1141413" y="609600"/>
+            <a:ext cx="9905998" cy="963827"/>
+          </a:xfrm>
+        </p:spPr>
+        <p:txBody>
+          <a:bodyPr/>
+          <a:lstStyle/>
+          <a:p>
+            <a:r>
+              <a:rPr lang="en-US" baseline="0" dirty="0"/>
+              <a:t>Build and Deployment</a:t>
+            </a:r>
+            <a:endParaRPr lang="en-US" dirty="0"/>
+          </a:p>
+        </p:txBody>
+      </p:sp>
+      <p:sp>
+        <p:nvSpPr>
+          <p:cNvPr id="3" name="Content Placeholder 2"/>
+          <p:cNvSpPr>
+            <a:spLocks noGrp="1"/>
+          </p:cNvSpPr>
+          <p:nvPr>
+            <p:ph idx="1"/>
+          </p:nvPr>
+        </p:nvSpPr>
+        <p:spPr>
+          <a:xfrm>
+            <a:off x="1141413" y="1754659"/>
+            <a:ext cx="9905998" cy="4036541"/>
+          </a:xfrm>
+        </p:spPr>
+        <p:txBody>
+          <a:bodyPr>
+            <a:normAutofit fontScale="92500" lnSpcReduction="10000"/>
+          </a:bodyPr>
+          <a:lstStyle/>
+          <a:p>
+            <a:r>
+              <a:rPr lang="en-US" sz="2400" dirty="0"/>
+              <a:t>Source Code Control (Git, Perforce, CVS</a:t>
+            </a:r>
+            <a:r>
+              <a:rPr lang="en-US" sz="2400"/>
+              <a:t>, VSS, Subversion/SVN)</a:t>
+            </a:r>
+            <a:endParaRPr lang="en-US" sz="2200" dirty="0"/>
+          </a:p>
+          <a:p>
+            <a:r>
+              <a:rPr lang="en-US" sz="2400" dirty="0"/>
+              <a:t>Compile, Assemble, and (usually) Compress Code</a:t>
+            </a:r>
+          </a:p>
+          <a:p>
+            <a:pPr lvl="1"/>
+            <a:r>
+              <a:rPr lang="en-US" sz="2200" dirty="0"/>
+              <a:t>Make, Ant, Maven, </a:t>
+            </a:r>
+            <a:r>
+              <a:rPr lang="en-US" sz="2200" dirty="0" err="1"/>
+              <a:t>Gradle</a:t>
+            </a:r>
+            <a:r>
+              <a:rPr lang="en-US" sz="2200" dirty="0"/>
+              <a:t>, </a:t>
+            </a:r>
+            <a:r>
+              <a:rPr lang="en-US" sz="2200" dirty="0" err="1"/>
+              <a:t>Distutils</a:t>
+            </a:r>
+            <a:r>
+              <a:rPr lang="en-US" sz="2200" dirty="0"/>
+              <a:t>, </a:t>
+            </a:r>
+            <a:r>
+              <a:rPr lang="en-US" sz="2200" dirty="0" err="1"/>
+              <a:t>Nant</a:t>
+            </a:r>
+            <a:endParaRPr lang="en-US" sz="2200" dirty="0"/>
+          </a:p>
+          <a:p>
+            <a:r>
+              <a:rPr lang="en-US" sz="2400" dirty="0"/>
+              <a:t>Deploy Code (Different Environment)</a:t>
+            </a:r>
+          </a:p>
+          <a:p>
+            <a:pPr lvl="1"/>
+            <a:r>
+              <a:rPr lang="en-US" sz="2200" dirty="0"/>
+              <a:t>Custom Scripts/Installers, Chef, Puppet</a:t>
+            </a:r>
+          </a:p>
+          <a:p>
+            <a:r>
+              <a:rPr lang="en-US" sz="2400" dirty="0"/>
+              <a:t>Test Code</a:t>
+            </a:r>
+          </a:p>
+          <a:p>
+            <a:pPr lvl="1"/>
+            <a:r>
+              <a:rPr lang="en-US" sz="2200" dirty="0"/>
+              <a:t>Manual, Smoke, Unit, Regression, Security, Etc.</a:t>
+            </a:r>
+          </a:p>
+          <a:p>
+            <a:r>
+              <a:rPr lang="en-US" sz="2400" dirty="0">
+                <a:solidFill>
+                  <a:schemeClr val="accent2"/>
+                </a:solidFill>
+              </a:rPr>
+              <a:t>Continuous Integration/Deployment</a:t>
+            </a:r>
+          </a:p>
+          <a:p>
+            <a:pPr lvl="1"/>
+            <a:r>
+              <a:rPr lang="en-US" sz="2200" dirty="0">
+                <a:solidFill>
+                  <a:schemeClr val="accent2"/>
+                </a:solidFill>
+              </a:rPr>
+              <a:t>DevOps: Jenkins, Bamboo, Etc.</a:t>
+            </a:r>
+          </a:p>
+        </p:txBody>
+      </p:sp>
+    </p:spTree>
+    <p:extLst>
+      <p:ext uri="{BB962C8B-B14F-4D97-AF65-F5344CB8AC3E}">
+        <p14:creationId xmlns:p14="http://schemas.microsoft.com/office/powerpoint/2010/main" val="363750846"/>
+      </p:ext>
+    </p:extLst>
+  </p:cSld>
+  <p:clrMapOvr>
+    <a:masterClrMapping/>
+  </p:clrMapOvr>
+</p:sld>
+</file>
+
+<file path=ppt/slides/slide17.xml><?xml version="1.0" encoding="utf-8"?>
 <p:sld xmlns:a="http://schemas.openxmlformats.org/drawingml/2006/main" xmlns:r="http://schemas.openxmlformats.org/officeDocument/2006/relationships" xmlns:p="http://schemas.openxmlformats.org/presentationml/2006/main">
   <p:cSld>
     <p:spTree>
@@ -8674,103 +8936,6 @@
 </p:sld>
 </file>
 
-<file path=ppt/slides/slide17.xml><?xml version="1.0" encoding="utf-8"?>
-<p:sld xmlns:a="http://schemas.openxmlformats.org/drawingml/2006/main" xmlns:r="http://schemas.openxmlformats.org/officeDocument/2006/relationships" xmlns:p="http://schemas.openxmlformats.org/presentationml/2006/main">
-  <p:cSld>
-    <p:spTree>
-      <p:nvGrpSpPr>
-        <p:cNvPr id="1" name=""/>
-        <p:cNvGrpSpPr/>
-        <p:nvPr/>
-      </p:nvGrpSpPr>
-      <p:grpSpPr>
-        <a:xfrm>
-          <a:off x="0" y="0"/>
-          <a:ext cx="0" cy="0"/>
-          <a:chOff x="0" y="0"/>
-          <a:chExt cx="0" cy="0"/>
-        </a:xfrm>
-      </p:grpSpPr>
-      <p:sp>
-        <p:nvSpPr>
-          <p:cNvPr id="2" name="Title 1"/>
-          <p:cNvSpPr>
-            <a:spLocks noGrp="1"/>
-          </p:cNvSpPr>
-          <p:nvPr>
-            <p:ph type="title"/>
-          </p:nvPr>
-        </p:nvSpPr>
-        <p:spPr>
-          <a:xfrm>
-            <a:off x="1141413" y="609600"/>
-            <a:ext cx="9905998" cy="963827"/>
-          </a:xfrm>
-        </p:spPr>
-        <p:txBody>
-          <a:bodyPr/>
-          <a:lstStyle/>
-          <a:p>
-            <a:r>
-              <a:rPr lang="en-US" dirty="0"/>
-              <a:t>Vulnerability</a:t>
-            </a:r>
-            <a:r>
-              <a:rPr lang="en-US" baseline="0" dirty="0"/>
-              <a:t> Hunt / Bug Bounty</a:t>
-            </a:r>
-            <a:endParaRPr lang="en-US" dirty="0"/>
-          </a:p>
-        </p:txBody>
-      </p:sp>
-      <p:sp>
-        <p:nvSpPr>
-          <p:cNvPr id="3" name="Content Placeholder 2"/>
-          <p:cNvSpPr>
-            <a:spLocks noGrp="1"/>
-          </p:cNvSpPr>
-          <p:nvPr>
-            <p:ph idx="1"/>
-          </p:nvPr>
-        </p:nvSpPr>
-        <p:spPr>
-          <a:xfrm>
-            <a:off x="1141413" y="1754659"/>
-            <a:ext cx="9905998" cy="4036541"/>
-          </a:xfrm>
-        </p:spPr>
-        <p:txBody>
-          <a:bodyPr>
-            <a:normAutofit/>
-          </a:bodyPr>
-          <a:lstStyle/>
-          <a:p>
-            <a:r>
-              <a:rPr lang="en-US" sz="2400" dirty="0"/>
-              <a:t>Did anyone notice security flaws in the code?</a:t>
-            </a:r>
-          </a:p>
-          <a:p>
-            <a:r>
-              <a:rPr lang="en-US" sz="2400" dirty="0"/>
-              <a:t>Prizes</a:t>
-            </a:r>
-          </a:p>
-        </p:txBody>
-      </p:sp>
-    </p:spTree>
-    <p:extLst>
-      <p:ext uri="{BB962C8B-B14F-4D97-AF65-F5344CB8AC3E}">
-        <p14:creationId xmlns:p14="http://schemas.microsoft.com/office/powerpoint/2010/main" val="1492413066"/>
-      </p:ext>
-    </p:extLst>
-  </p:cSld>
-  <p:clrMapOvr>
-    <a:masterClrMapping/>
-  </p:clrMapOvr>
-</p:sld>
-</file>
-
 <file path=ppt/slides/slide18.xml><?xml version="1.0" encoding="utf-8"?>
 <p:sld xmlns:a="http://schemas.openxmlformats.org/drawingml/2006/main" xmlns:r="http://schemas.openxmlformats.org/officeDocument/2006/relationships" xmlns:p="http://schemas.openxmlformats.org/presentationml/2006/main">
   <p:cSld>
@@ -8810,8 +8975,13 @@
           <a:p>
             <a:r>
               <a:rPr lang="en-US" dirty="0"/>
-              <a:t>My Pitch for What to Learn</a:t>
-            </a:r>
+              <a:t>Vulnerability</a:t>
+            </a:r>
+            <a:r>
+              <a:rPr lang="en-US" baseline="0" dirty="0"/>
+              <a:t> Hunt / Bug Bounty</a:t>
+            </a:r>
+            <a:endParaRPr lang="en-US" dirty="0"/>
           </a:p>
         </p:txBody>
       </p:sp>
@@ -8838,38 +9008,14 @@
           <a:lstStyle/>
           <a:p>
             <a:r>
-              <a:rPr lang="en-US" sz="2200" dirty="0"/>
-              <a:t>Regular Expressions: Quick data manipulation</a:t>
-            </a:r>
-          </a:p>
-          <a:p>
-            <a:r>
-              <a:rPr lang="en-US" sz="2200" dirty="0"/>
-              <a:t>Basic Shell Scripting (Bash, </a:t>
-            </a:r>
-            <a:r>
-              <a:rPr lang="en-US" sz="2200" dirty="0" err="1"/>
-              <a:t>Powershell</a:t>
-            </a:r>
-            <a:r>
-              <a:rPr lang="en-US" sz="2200" dirty="0"/>
-              <a:t>): Getting around</a:t>
-            </a:r>
-          </a:p>
-          <a:p>
-            <a:r>
-              <a:rPr lang="en-US" sz="2200" dirty="0"/>
-              <a:t>Python (or Perl): Just about anything – Files, Web, Logic</a:t>
-            </a:r>
-          </a:p>
-          <a:p>
-            <a:r>
-              <a:rPr lang="en-US" sz="2200" dirty="0">
-                <a:solidFill>
-                  <a:schemeClr val="accent2"/>
-                </a:solidFill>
-              </a:rPr>
-              <a:t>Excel: Helps with Analysis and Presentation</a:t>
+              <a:rPr lang="en-US" sz="2400" dirty="0"/>
+              <a:t>Did anyone notice security flaws in the code?</a:t>
+            </a:r>
+          </a:p>
+          <a:p>
+            <a:r>
+              <a:rPr lang="en-US" sz="2400" dirty="0"/>
+              <a:t>Prizes</a:t>
             </a:r>
           </a:p>
         </p:txBody>
@@ -8877,7 +9023,7 @@
     </p:spTree>
     <p:extLst>
       <p:ext uri="{BB962C8B-B14F-4D97-AF65-F5344CB8AC3E}">
-        <p14:creationId xmlns:p14="http://schemas.microsoft.com/office/powerpoint/2010/main" val="1802955238"/>
+        <p14:creationId xmlns:p14="http://schemas.microsoft.com/office/powerpoint/2010/main" val="1492413066"/>
       </p:ext>
     </p:extLst>
   </p:cSld>
@@ -8926,7 +9072,7 @@
           <a:p>
             <a:r>
               <a:rPr lang="en-US" dirty="0"/>
-              <a:t>Summary</a:t>
+              <a:t>My Pitch for What to Learn</a:t>
             </a:r>
           </a:p>
         </p:txBody>
@@ -8954,38 +9100,38 @@
           <a:lstStyle/>
           <a:p>
             <a:r>
-              <a:rPr lang="en-US" sz="2400" dirty="0"/>
-              <a:t>Real world skills are just as (more) important than a certification</a:t>
-            </a:r>
-          </a:p>
-          <a:p>
-            <a:r>
-              <a:rPr lang="en-US" sz="2400" dirty="0"/>
-              <a:t>Be part of the larger team, and hit the gas!</a:t>
-            </a:r>
-          </a:p>
-          <a:p>
-            <a:r>
-              <a:rPr lang="en-US" sz="2400" dirty="0"/>
-              <a:t>Programming is a great skill to have across professions</a:t>
-            </a:r>
-          </a:p>
-          <a:p>
-            <a:pPr lvl="1"/>
+              <a:rPr lang="en-US" sz="2200" dirty="0"/>
+              <a:t>Regular Expressions: Quick data manipulation</a:t>
+            </a:r>
+          </a:p>
+          <a:p>
+            <a:r>
+              <a:rPr lang="en-US" sz="2200" dirty="0"/>
+              <a:t>Basic Shell Scripting (Bash, </a:t>
+            </a:r>
             <a:r>
               <a:rPr lang="en-US" sz="2200" dirty="0" err="1"/>
-              <a:t>RegEx</a:t>
+              <a:t>Powershell</a:t>
             </a:r>
             <a:r>
               <a:rPr lang="en-US" sz="2200" dirty="0"/>
-              <a:t>, Shell, Python, [Excel]</a:t>
-            </a:r>
-          </a:p>
-          <a:p>
-            <a:pPr lvl="1"/>
+              <a:t>): Getting around</a:t>
+            </a:r>
+          </a:p>
+          <a:p>
             <a:r>
               <a:rPr lang="en-US" sz="2200" dirty="0"/>
-              <a:t>AWS (or others) is a great place to Experiment</a:t>
+              <a:t>Python (or Perl): Just about anything – Files, Web, Logic</a:t>
+            </a:r>
+          </a:p>
+          <a:p>
+            <a:r>
+              <a:rPr lang="en-US" sz="2200" dirty="0">
+                <a:solidFill>
+                  <a:schemeClr val="accent2"/>
+                </a:solidFill>
+              </a:rPr>
+              <a:t>Excel: Helps with Analysis and Presentation</a:t>
             </a:r>
           </a:p>
         </p:txBody>
@@ -8993,7 +9139,7 @@
     </p:spTree>
     <p:extLst>
       <p:ext uri="{BB962C8B-B14F-4D97-AF65-F5344CB8AC3E}">
-        <p14:creationId xmlns:p14="http://schemas.microsoft.com/office/powerpoint/2010/main" val="4112922618"/>
+        <p14:creationId xmlns:p14="http://schemas.microsoft.com/office/powerpoint/2010/main" val="1802955238"/>
       </p:ext>
     </p:extLst>
   </p:cSld>
@@ -9106,6 +9252,122 @@
     <p:extLst>
       <p:ext uri="{BB962C8B-B14F-4D97-AF65-F5344CB8AC3E}">
         <p14:creationId xmlns:p14="http://schemas.microsoft.com/office/powerpoint/2010/main" val="2930340389"/>
+      </p:ext>
+    </p:extLst>
+  </p:cSld>
+  <p:clrMapOvr>
+    <a:masterClrMapping/>
+  </p:clrMapOvr>
+</p:sld>
+</file>
+
+<file path=ppt/slides/slide20.xml><?xml version="1.0" encoding="utf-8"?>
+<p:sld xmlns:a="http://schemas.openxmlformats.org/drawingml/2006/main" xmlns:r="http://schemas.openxmlformats.org/officeDocument/2006/relationships" xmlns:p="http://schemas.openxmlformats.org/presentationml/2006/main">
+  <p:cSld>
+    <p:spTree>
+      <p:nvGrpSpPr>
+        <p:cNvPr id="1" name=""/>
+        <p:cNvGrpSpPr/>
+        <p:nvPr/>
+      </p:nvGrpSpPr>
+      <p:grpSpPr>
+        <a:xfrm>
+          <a:off x="0" y="0"/>
+          <a:ext cx="0" cy="0"/>
+          <a:chOff x="0" y="0"/>
+          <a:chExt cx="0" cy="0"/>
+        </a:xfrm>
+      </p:grpSpPr>
+      <p:sp>
+        <p:nvSpPr>
+          <p:cNvPr id="2" name="Title 1"/>
+          <p:cNvSpPr>
+            <a:spLocks noGrp="1"/>
+          </p:cNvSpPr>
+          <p:nvPr>
+            <p:ph type="title"/>
+          </p:nvPr>
+        </p:nvSpPr>
+        <p:spPr>
+          <a:xfrm>
+            <a:off x="1141413" y="609600"/>
+            <a:ext cx="9905998" cy="963827"/>
+          </a:xfrm>
+        </p:spPr>
+        <p:txBody>
+          <a:bodyPr/>
+          <a:lstStyle/>
+          <a:p>
+            <a:r>
+              <a:rPr lang="en-US" dirty="0"/>
+              <a:t>Summary</a:t>
+            </a:r>
+          </a:p>
+        </p:txBody>
+      </p:sp>
+      <p:sp>
+        <p:nvSpPr>
+          <p:cNvPr id="3" name="Content Placeholder 2"/>
+          <p:cNvSpPr>
+            <a:spLocks noGrp="1"/>
+          </p:cNvSpPr>
+          <p:nvPr>
+            <p:ph idx="1"/>
+          </p:nvPr>
+        </p:nvSpPr>
+        <p:spPr>
+          <a:xfrm>
+            <a:off x="1141413" y="1754659"/>
+            <a:ext cx="9905998" cy="4036541"/>
+          </a:xfrm>
+        </p:spPr>
+        <p:txBody>
+          <a:bodyPr>
+            <a:normAutofit/>
+          </a:bodyPr>
+          <a:lstStyle/>
+          <a:p>
+            <a:r>
+              <a:rPr lang="en-US" sz="2400" dirty="0"/>
+              <a:t>Real world skills are just as (more) important than a certification</a:t>
+            </a:r>
+          </a:p>
+          <a:p>
+            <a:r>
+              <a:rPr lang="en-US" sz="2400" dirty="0"/>
+              <a:t>Be part of the larger team, and hit the gas!</a:t>
+            </a:r>
+          </a:p>
+          <a:p>
+            <a:r>
+              <a:rPr lang="en-US" sz="2400" dirty="0"/>
+              <a:t>Programming is a great skill to have across professions</a:t>
+            </a:r>
+          </a:p>
+          <a:p>
+            <a:pPr lvl="1"/>
+            <a:r>
+              <a:rPr lang="en-US" sz="2200" dirty="0" err="1"/>
+              <a:t>RegEx</a:t>
+            </a:r>
+            <a:r>
+              <a:rPr lang="en-US" sz="2200" dirty="0"/>
+              <a:t>, Shell, Python, [Excel]</a:t>
+            </a:r>
+          </a:p>
+          <a:p>
+            <a:pPr lvl="1"/>
+            <a:r>
+              <a:rPr lang="en-US" sz="2200" dirty="0"/>
+              <a:t>AWS (or others) is a great place to Experiment</a:t>
+            </a:r>
+          </a:p>
+        </p:txBody>
+      </p:sp>
+    </p:spTree>
+    <p:extLst>
+      <p:ext uri="{BB962C8B-B14F-4D97-AF65-F5344CB8AC3E}">
+        <p14:creationId xmlns:p14="http://schemas.microsoft.com/office/powerpoint/2010/main" val="4112922618"/>
       </p:ext>
     </p:extLst>
   </p:cSld>
@@ -9264,7 +9526,7 @@
           <a:p>
             <a:r>
               <a:rPr lang="en-US" dirty="0"/>
-              <a:t>My Results: CISSP – Chapter 8 Practice Test</a:t>
+              <a:t>Your Backgrounds?</a:t>
             </a:r>
           </a:p>
         </p:txBody>
@@ -9291,27 +9553,21 @@
           </a:bodyPr>
           <a:lstStyle/>
           <a:p>
-            <a:pPr marL="0" indent="0" algn="ctr">
-              <a:buNone/>
-            </a:pPr>
-            <a:r>
-              <a:rPr lang="en-US" sz="8000" dirty="0"/>
-              <a:t>70%</a:t>
-            </a:r>
-          </a:p>
-          <a:p>
-            <a:pPr marL="0" indent="0" algn="ctr">
-              <a:buNone/>
-            </a:pPr>
-            <a:r>
-              <a:rPr lang="en-US" sz="3600" dirty="0">
-                <a:solidFill>
-                  <a:schemeClr val="accent6">
-                    <a:lumMod val="50000"/>
-                  </a:schemeClr>
-                </a:solidFill>
-              </a:rPr>
-              <a:t>(Fail)</a:t>
+            <a:r>
+              <a:rPr lang="en-US" sz="2400" dirty="0"/>
+              <a:t>Interested in how you found your way to cyber?</a:t>
+            </a:r>
+          </a:p>
+          <a:p>
+            <a:r>
+              <a:rPr lang="en-US" sz="2400" dirty="0"/>
+              <a:t>Development, System Administration, QA, Auditing?</a:t>
+            </a:r>
+          </a:p>
+          <a:p>
+            <a:r>
+              <a:rPr lang="en-US" sz="2400" dirty="0"/>
+              <a:t>Others?</a:t>
             </a:r>
           </a:p>
         </p:txBody>
@@ -9319,7 +9575,7 @@
     </p:spTree>
     <p:extLst>
       <p:ext uri="{BB962C8B-B14F-4D97-AF65-F5344CB8AC3E}">
-        <p14:creationId xmlns:p14="http://schemas.microsoft.com/office/powerpoint/2010/main" val="4190562689"/>
+        <p14:creationId xmlns:p14="http://schemas.microsoft.com/office/powerpoint/2010/main" val="1451969189"/>
       </p:ext>
     </p:extLst>
   </p:cSld>
@@ -9368,7 +9624,7 @@
           <a:p>
             <a:r>
               <a:rPr lang="en-US" dirty="0"/>
-              <a:t>A Few Other Things</a:t>
+              <a:t>My Results: CISSP – Chapter 8 Practice Test</a:t>
             </a:r>
           </a:p>
         </p:txBody>
@@ -9395,70 +9651,27 @@
           </a:bodyPr>
           <a:lstStyle/>
           <a:p>
-            <a:r>
-              <a:rPr lang="en-US" sz="2400" dirty="0"/>
-              <a:t>Notes are optional – not sure how much this will help on the test</a:t>
-            </a:r>
-          </a:p>
-          <a:p>
-            <a:pPr lvl="1"/>
-            <a:r>
-              <a:rPr lang="en-US" sz="2200" dirty="0"/>
-              <a:t>I hope it helps when you are out there working</a:t>
-            </a:r>
-          </a:p>
-          <a:p>
-            <a:r>
-              <a:rPr lang="en-US" sz="2400" dirty="0"/>
-              <a:t>Please ask questions at any time</a:t>
-            </a:r>
-          </a:p>
-          <a:p>
-            <a:r>
-              <a:rPr lang="en-US" sz="2400" dirty="0"/>
-              <a:t>The test will take some real study</a:t>
-            </a:r>
-          </a:p>
-          <a:p>
-            <a:pPr lvl="1"/>
-            <a:r>
-              <a:rPr lang="en-US" sz="2200" dirty="0"/>
-              <a:t>Good breadth and background </a:t>
-            </a:r>
-            <a:r>
-              <a:rPr lang="en-US" sz="2200" dirty="0">
+            <a:pPr marL="0" indent="0" algn="ctr">
+              <a:buNone/>
+            </a:pPr>
+            <a:r>
+              <a:rPr lang="en-US" sz="8000" dirty="0"/>
+              <a:t>70%</a:t>
+            </a:r>
+          </a:p>
+          <a:p>
+            <a:pPr marL="0" indent="0" algn="ctr">
+              <a:buNone/>
+            </a:pPr>
+            <a:r>
+              <a:rPr lang="en-US" sz="3600" dirty="0">
                 <a:solidFill>
                   <a:schemeClr val="accent6">
                     <a:lumMod val="50000"/>
                   </a:schemeClr>
                 </a:solidFill>
               </a:rPr>
-              <a:t>(Mixed with nitpicking)</a:t>
-            </a:r>
-          </a:p>
-          <a:p>
-            <a:r>
-              <a:rPr lang="en-US" sz="2400" dirty="0">
-                <a:hlinkClick r:id="rId2"/>
-              </a:rPr>
-              <a:t>https://github.com/jjdm/cissp-software</a:t>
-            </a:r>
-            <a:endParaRPr lang="en-US" sz="2400" dirty="0"/>
-          </a:p>
-          <a:p>
-            <a:r>
-              <a:rPr lang="en-US" sz="2400" dirty="0"/>
-              <a:t>Feel free to email me (</a:t>
-            </a:r>
-            <a:r>
-              <a:rPr lang="en-US" sz="2400" dirty="0">
-                <a:hlinkClick r:id="rId3"/>
-              </a:rPr>
-              <a:t>josh.martin@gmail.com</a:t>
-            </a:r>
-            <a:r>
-              <a:rPr lang="en-US" sz="2400" dirty="0"/>
-              <a:t>)</a:t>
+              <a:t>(Fail)</a:t>
             </a:r>
           </a:p>
         </p:txBody>
@@ -9466,7 +9679,7 @@
     </p:spTree>
     <p:extLst>
       <p:ext uri="{BB962C8B-B14F-4D97-AF65-F5344CB8AC3E}">
-        <p14:creationId xmlns:p14="http://schemas.microsoft.com/office/powerpoint/2010/main" val="3702787580"/>
+        <p14:creationId xmlns:p14="http://schemas.microsoft.com/office/powerpoint/2010/main" val="4190562689"/>
       </p:ext>
     </p:extLst>
   </p:cSld>
@@ -9515,7 +9728,7 @@
           <a:p>
             <a:r>
               <a:rPr lang="en-US" dirty="0"/>
-              <a:t>Software Perceptions of Cybersecurity</a:t>
+              <a:t>A Few Other Things</a:t>
             </a:r>
           </a:p>
         </p:txBody>
@@ -9544,41 +9757,68 @@
           <a:p>
             <a:r>
               <a:rPr lang="en-US" sz="2400" dirty="0"/>
-              <a:t>Want to be involved early in the process</a:t>
+              <a:t>Notes are optional – not sure how much this will help on the test</a:t>
+            </a:r>
+          </a:p>
+          <a:p>
+            <a:pPr lvl="1"/>
+            <a:r>
+              <a:rPr lang="en-US" sz="2200" dirty="0"/>
+              <a:t>I hope it helps when you are out there working</a:t>
             </a:r>
           </a:p>
           <a:p>
             <a:r>
               <a:rPr lang="en-US" sz="2400" dirty="0"/>
-              <a:t>Why not?</a:t>
+              <a:t>Please ask questions at any time</a:t>
+            </a:r>
+          </a:p>
+          <a:p>
+            <a:r>
+              <a:rPr lang="en-US" sz="2400" dirty="0"/>
+              <a:t>The test will take some real study</a:t>
             </a:r>
           </a:p>
           <a:p>
             <a:pPr lvl="1"/>
             <a:r>
               <a:rPr lang="en-US" sz="2200" dirty="0"/>
-              <a:t>Gas versus Brakes</a:t>
-            </a:r>
-          </a:p>
-          <a:p>
-            <a:pPr lvl="1"/>
-            <a:r>
-              <a:rPr lang="en-US" sz="2200" dirty="0"/>
-              <a:t>“No machine”</a:t>
-            </a:r>
-          </a:p>
-          <a:p>
-            <a:pPr lvl="1"/>
-            <a:r>
-              <a:rPr lang="en-US" sz="2200" dirty="0"/>
-              <a:t>Checklists without understanding</a:t>
-            </a:r>
-          </a:p>
-          <a:p>
-            <a:pPr lvl="1"/>
-            <a:r>
-              <a:rPr lang="en-US" sz="2200" dirty="0"/>
-              <a:t>Slow, Manual Processes</a:t>
+              <a:t>Good breadth and background </a:t>
+            </a:r>
+            <a:r>
+              <a:rPr lang="en-US" sz="2200" dirty="0">
+                <a:solidFill>
+                  <a:schemeClr val="accent6">
+                    <a:lumMod val="50000"/>
+                  </a:schemeClr>
+                </a:solidFill>
+              </a:rPr>
+              <a:t>(Mixed with nitpicking)</a:t>
+            </a:r>
+          </a:p>
+          <a:p>
+            <a:r>
+              <a:rPr lang="en-US" sz="2400" dirty="0">
+                <a:hlinkClick r:id="rId2"/>
+              </a:rPr>
+              <a:t>https://github.com/jjdm/cissp-software</a:t>
+            </a:r>
+            <a:endParaRPr lang="en-US" sz="2400" dirty="0"/>
+          </a:p>
+          <a:p>
+            <a:r>
+              <a:rPr lang="en-US" sz="2400" dirty="0"/>
+              <a:t>Feel free to email me (</a:t>
+            </a:r>
+            <a:r>
+              <a:rPr lang="en-US" sz="2400" dirty="0">
+                <a:hlinkClick r:id="rId3"/>
+              </a:rPr>
+              <a:t>josh.martin@gmail.com</a:t>
+            </a:r>
+            <a:r>
+              <a:rPr lang="en-US" sz="2400" dirty="0"/>
+              <a:t>)</a:t>
             </a:r>
           </a:p>
         </p:txBody>
@@ -9586,7 +9826,7 @@
     </p:spTree>
     <p:extLst>
       <p:ext uri="{BB962C8B-B14F-4D97-AF65-F5344CB8AC3E}">
-        <p14:creationId xmlns:p14="http://schemas.microsoft.com/office/powerpoint/2010/main" val="3603286544"/>
+        <p14:creationId xmlns:p14="http://schemas.microsoft.com/office/powerpoint/2010/main" val="3702787580"/>
       </p:ext>
     </p:extLst>
   </p:cSld>
@@ -9635,6 +9875,126 @@
           <a:p>
             <a:r>
               <a:rPr lang="en-US" dirty="0"/>
+              <a:t>Software Perceptions of Cybersecurity</a:t>
+            </a:r>
+          </a:p>
+        </p:txBody>
+      </p:sp>
+      <p:sp>
+        <p:nvSpPr>
+          <p:cNvPr id="3" name="Content Placeholder 2"/>
+          <p:cNvSpPr>
+            <a:spLocks noGrp="1"/>
+          </p:cNvSpPr>
+          <p:nvPr>
+            <p:ph idx="1"/>
+          </p:nvPr>
+        </p:nvSpPr>
+        <p:spPr>
+          <a:xfrm>
+            <a:off x="1141413" y="1754659"/>
+            <a:ext cx="9905998" cy="4036541"/>
+          </a:xfrm>
+        </p:spPr>
+        <p:txBody>
+          <a:bodyPr>
+            <a:normAutofit/>
+          </a:bodyPr>
+          <a:lstStyle/>
+          <a:p>
+            <a:r>
+              <a:rPr lang="en-US" sz="2400" dirty="0"/>
+              <a:t>Want to be involved early in the process</a:t>
+            </a:r>
+          </a:p>
+          <a:p>
+            <a:r>
+              <a:rPr lang="en-US" sz="2400" dirty="0"/>
+              <a:t>Why not?</a:t>
+            </a:r>
+          </a:p>
+          <a:p>
+            <a:pPr lvl="1"/>
+            <a:r>
+              <a:rPr lang="en-US" sz="2200" dirty="0"/>
+              <a:t>Gas versus Brakes</a:t>
+            </a:r>
+          </a:p>
+          <a:p>
+            <a:pPr lvl="1"/>
+            <a:r>
+              <a:rPr lang="en-US" sz="2200" dirty="0"/>
+              <a:t>“No machine”</a:t>
+            </a:r>
+          </a:p>
+          <a:p>
+            <a:pPr lvl="1"/>
+            <a:r>
+              <a:rPr lang="en-US" sz="2200" dirty="0"/>
+              <a:t>Checklists without understanding</a:t>
+            </a:r>
+          </a:p>
+          <a:p>
+            <a:pPr lvl="1"/>
+            <a:r>
+              <a:rPr lang="en-US" sz="2200" dirty="0"/>
+              <a:t>Slow, Manual Processes</a:t>
+            </a:r>
+          </a:p>
+        </p:txBody>
+      </p:sp>
+    </p:spTree>
+    <p:extLst>
+      <p:ext uri="{BB962C8B-B14F-4D97-AF65-F5344CB8AC3E}">
+        <p14:creationId xmlns:p14="http://schemas.microsoft.com/office/powerpoint/2010/main" val="3603286544"/>
+      </p:ext>
+    </p:extLst>
+  </p:cSld>
+  <p:clrMapOvr>
+    <a:masterClrMapping/>
+  </p:clrMapOvr>
+</p:sld>
+</file>
+
+<file path=ppt/slides/slide8.xml><?xml version="1.0" encoding="utf-8"?>
+<p:sld xmlns:a="http://schemas.openxmlformats.org/drawingml/2006/main" xmlns:r="http://schemas.openxmlformats.org/officeDocument/2006/relationships" xmlns:p="http://schemas.openxmlformats.org/presentationml/2006/main">
+  <p:cSld>
+    <p:spTree>
+      <p:nvGrpSpPr>
+        <p:cNvPr id="1" name=""/>
+        <p:cNvGrpSpPr/>
+        <p:nvPr/>
+      </p:nvGrpSpPr>
+      <p:grpSpPr>
+        <a:xfrm>
+          <a:off x="0" y="0"/>
+          <a:ext cx="0" cy="0"/>
+          <a:chOff x="0" y="0"/>
+          <a:chExt cx="0" cy="0"/>
+        </a:xfrm>
+      </p:grpSpPr>
+      <p:sp>
+        <p:nvSpPr>
+          <p:cNvPr id="2" name="Title 1"/>
+          <p:cNvSpPr>
+            <a:spLocks noGrp="1"/>
+          </p:cNvSpPr>
+          <p:nvPr>
+            <p:ph type="title"/>
+          </p:nvPr>
+        </p:nvSpPr>
+        <p:spPr>
+          <a:xfrm>
+            <a:off x="1141413" y="609600"/>
+            <a:ext cx="9905998" cy="963827"/>
+          </a:xfrm>
+        </p:spPr>
+        <p:txBody>
+          <a:bodyPr/>
+          <a:lstStyle/>
+          <a:p>
+            <a:r>
+              <a:rPr lang="en-US" dirty="0"/>
               <a:t>What COULD help</a:t>
             </a:r>
           </a:p>
@@ -9713,7 +10073,7 @@
 </p:sld>
 </file>
 
-<file path=ppt/slides/slide8.xml><?xml version="1.0" encoding="utf-8"?>
+<file path=ppt/slides/slide9.xml><?xml version="1.0" encoding="utf-8"?>
 <p:sld xmlns:a="http://schemas.openxmlformats.org/drawingml/2006/main" xmlns:r="http://schemas.openxmlformats.org/officeDocument/2006/relationships" xmlns:p="http://schemas.openxmlformats.org/presentationml/2006/main">
   <p:cSld>
     <p:spTree>
@@ -10034,256 +10394,6 @@
     <p:extLst>
       <p:ext uri="{BB962C8B-B14F-4D97-AF65-F5344CB8AC3E}">
         <p14:creationId xmlns:p14="http://schemas.microsoft.com/office/powerpoint/2010/main" val="1017323421"/>
-      </p:ext>
-    </p:extLst>
-  </p:cSld>
-  <p:clrMapOvr>
-    <a:masterClrMapping/>
-  </p:clrMapOvr>
-</p:sld>
-</file>
-
-<file path=ppt/slides/slide9.xml><?xml version="1.0" encoding="utf-8"?>
-<p:sld xmlns:a="http://schemas.openxmlformats.org/drawingml/2006/main" xmlns:r="http://schemas.openxmlformats.org/officeDocument/2006/relationships" xmlns:p="http://schemas.openxmlformats.org/presentationml/2006/main">
-  <p:cSld>
-    <p:spTree>
-      <p:nvGrpSpPr>
-        <p:cNvPr id="1" name=""/>
-        <p:cNvGrpSpPr/>
-        <p:nvPr/>
-      </p:nvGrpSpPr>
-      <p:grpSpPr>
-        <a:xfrm>
-          <a:off x="0" y="0"/>
-          <a:ext cx="0" cy="0"/>
-          <a:chOff x="0" y="0"/>
-          <a:chExt cx="0" cy="0"/>
-        </a:xfrm>
-      </p:grpSpPr>
-      <p:sp>
-        <p:nvSpPr>
-          <p:cNvPr id="2" name="Title 1"/>
-          <p:cNvSpPr>
-            <a:spLocks noGrp="1"/>
-          </p:cNvSpPr>
-          <p:nvPr>
-            <p:ph type="title"/>
-          </p:nvPr>
-        </p:nvSpPr>
-        <p:spPr>
-          <a:xfrm>
-            <a:off x="1141413" y="609600"/>
-            <a:ext cx="9905998" cy="963827"/>
-          </a:xfrm>
-        </p:spPr>
-        <p:txBody>
-          <a:bodyPr/>
-          <a:lstStyle/>
-          <a:p>
-            <a:r>
-              <a:rPr lang="en-US" dirty="0"/>
-              <a:t>Software Development 101</a:t>
-            </a:r>
-          </a:p>
-        </p:txBody>
-      </p:sp>
-      <p:sp>
-        <p:nvSpPr>
-          <p:cNvPr id="3" name="Content Placeholder 2"/>
-          <p:cNvSpPr>
-            <a:spLocks noGrp="1"/>
-          </p:cNvSpPr>
-          <p:nvPr>
-            <p:ph idx="1"/>
-          </p:nvPr>
-        </p:nvSpPr>
-        <p:spPr>
-          <a:xfrm>
-            <a:off x="1141413" y="1754659"/>
-            <a:ext cx="9905998" cy="4036541"/>
-          </a:xfrm>
-        </p:spPr>
-        <p:txBody>
-          <a:bodyPr>
-            <a:normAutofit/>
-          </a:bodyPr>
-          <a:lstStyle/>
-          <a:p>
-            <a:r>
-              <a:rPr lang="en-US" sz="2400" dirty="0"/>
-              <a:t>Decide What To Build (Requirements, Stories)</a:t>
-            </a:r>
-          </a:p>
-          <a:p>
-            <a:r>
-              <a:rPr lang="en-US" sz="2400" dirty="0"/>
-              <a:t>Build It (Coding, Compiling, Testing, Packaging)</a:t>
-            </a:r>
-          </a:p>
-          <a:p>
-            <a:pPr lvl="1"/>
-            <a:r>
-              <a:rPr lang="en-US" sz="2200" dirty="0"/>
-              <a:t>Web and Mobile are main modern interfaces</a:t>
-            </a:r>
-          </a:p>
-          <a:p>
-            <a:pPr lvl="1"/>
-            <a:r>
-              <a:rPr lang="en-US" sz="2200" dirty="0"/>
-              <a:t>Still Have Client / [Server], Too</a:t>
-            </a:r>
-          </a:p>
-          <a:p>
-            <a:r>
-              <a:rPr lang="en-US" sz="2400" dirty="0"/>
-              <a:t>Deploy It (No Longer on Laptop)</a:t>
-            </a:r>
-          </a:p>
-          <a:p>
-            <a:r>
-              <a:rPr lang="en-US" sz="2400" dirty="0"/>
-              <a:t>Test More</a:t>
-            </a:r>
-          </a:p>
-          <a:p>
-            <a:r>
-              <a:rPr lang="en-US" sz="2400" dirty="0"/>
-              <a:t>Promote It (to Production)</a:t>
-            </a:r>
-          </a:p>
-        </p:txBody>
-      </p:sp>
-      <p:cxnSp>
-        <p:nvCxnSpPr>
-          <p:cNvPr id="5" name="Straight Connector 4"/>
-          <p:cNvCxnSpPr/>
-          <p:nvPr/>
-        </p:nvCxnSpPr>
-        <p:spPr>
-          <a:xfrm>
-            <a:off x="9261343" y="2045111"/>
-            <a:ext cx="0" cy="1828800"/>
-          </a:xfrm>
-          <a:prstGeom prst="line">
-            <a:avLst/>
-          </a:prstGeom>
-        </p:spPr>
-        <p:style>
-          <a:lnRef idx="3">
-            <a:schemeClr val="accent1"/>
-          </a:lnRef>
-          <a:fillRef idx="0">
-            <a:schemeClr val="accent1"/>
-          </a:fillRef>
-          <a:effectRef idx="2">
-            <a:schemeClr val="accent1"/>
-          </a:effectRef>
-          <a:fontRef idx="minor">
-            <a:schemeClr val="tx1"/>
-          </a:fontRef>
-        </p:style>
-      </p:cxnSp>
-      <p:cxnSp>
-        <p:nvCxnSpPr>
-          <p:cNvPr id="6" name="Straight Connector 5"/>
-          <p:cNvCxnSpPr/>
-          <p:nvPr/>
-        </p:nvCxnSpPr>
-        <p:spPr>
-          <a:xfrm>
-            <a:off x="10483377" y="2705101"/>
-            <a:ext cx="14748" cy="2820629"/>
-          </a:xfrm>
-          <a:prstGeom prst="line">
-            <a:avLst/>
-          </a:prstGeom>
-        </p:spPr>
-        <p:style>
-          <a:lnRef idx="3">
-            <a:schemeClr val="accent3"/>
-          </a:lnRef>
-          <a:fillRef idx="0">
-            <a:schemeClr val="accent3"/>
-          </a:fillRef>
-          <a:effectRef idx="2">
-            <a:schemeClr val="accent3"/>
-          </a:effectRef>
-          <a:fontRef idx="minor">
-            <a:schemeClr val="tx1"/>
-          </a:fontRef>
-        </p:style>
-      </p:cxnSp>
-      <p:sp>
-        <p:nvSpPr>
-          <p:cNvPr id="10" name="TextBox 9"/>
-          <p:cNvSpPr txBox="1"/>
-          <p:nvPr/>
-        </p:nvSpPr>
-        <p:spPr>
-          <a:xfrm rot="5400000">
-            <a:off x="10093523" y="3884583"/>
-            <a:ext cx="1382110" cy="461665"/>
-          </a:xfrm>
-          <a:prstGeom prst="rect">
-            <a:avLst/>
-          </a:prstGeom>
-          <a:noFill/>
-        </p:spPr>
-        <p:txBody>
-          <a:bodyPr wrap="none" rtlCol="0">
-            <a:spAutoFit/>
-          </a:bodyPr>
-          <a:lstStyle/>
-          <a:p>
-            <a:r>
-              <a:rPr lang="en-US" sz="2400" b="1" dirty="0">
-                <a:solidFill>
-                  <a:schemeClr val="accent3"/>
-                </a:solidFill>
-              </a:rPr>
-              <a:t>DevOps</a:t>
-            </a:r>
-          </a:p>
-        </p:txBody>
-      </p:sp>
-      <p:sp>
-        <p:nvSpPr>
-          <p:cNvPr id="11" name="TextBox 10"/>
-          <p:cNvSpPr txBox="1"/>
-          <p:nvPr/>
-        </p:nvSpPr>
-        <p:spPr>
-          <a:xfrm rot="5400000">
-            <a:off x="9088069" y="2728679"/>
-            <a:ext cx="960519" cy="461665"/>
-          </a:xfrm>
-          <a:prstGeom prst="rect">
-            <a:avLst/>
-          </a:prstGeom>
-          <a:noFill/>
-        </p:spPr>
-        <p:txBody>
-          <a:bodyPr wrap="none" rtlCol="0">
-            <a:spAutoFit/>
-          </a:bodyPr>
-          <a:lstStyle/>
-          <a:p>
-            <a:r>
-              <a:rPr lang="en-US" sz="2400" b="1" dirty="0">
-                <a:solidFill>
-                  <a:schemeClr val="accent1"/>
-                </a:solidFill>
-              </a:rPr>
-              <a:t>Agile</a:t>
-            </a:r>
-          </a:p>
-        </p:txBody>
-      </p:sp>
-    </p:spTree>
-    <p:extLst>
-      <p:ext uri="{BB962C8B-B14F-4D97-AF65-F5344CB8AC3E}">
-        <p14:creationId xmlns:p14="http://schemas.microsoft.com/office/powerpoint/2010/main" val="2935131512"/>
       </p:ext>
     </p:extLst>
   </p:cSld>

--- a/docs/Software Development - CISSP.pptx
+++ b/docs/Software Development - CISSP.pptx
@@ -7,6 +7,9 @@
   <p:notesMasterIdLst>
     <p:notesMasterId r:id="rId22"/>
   </p:notesMasterIdLst>
+  <p:handoutMasterIdLst>
+    <p:handoutMasterId r:id="rId23"/>
+  </p:handoutMasterIdLst>
   <p:sldIdLst>
     <p:sldId id="256" r:id="rId2"/>
     <p:sldId id="258" r:id="rId3"/>
@@ -138,6 +141,171 @@
 <p1510:revInfo xmlns:a="http://schemas.openxmlformats.org/drawingml/2006/main" xmlns:r="http://schemas.openxmlformats.org/officeDocument/2006/relationships" xmlns:p1510="http://schemas.microsoft.com/office/powerpoint/2015/10/main"/>
 </file>
 
+<file path=ppt/handoutMasters/handoutMaster1.xml><?xml version="1.0" encoding="utf-8"?>
+<p:handoutMaster xmlns:a="http://schemas.openxmlformats.org/drawingml/2006/main" xmlns:r="http://schemas.openxmlformats.org/officeDocument/2006/relationships" xmlns:p="http://schemas.openxmlformats.org/presentationml/2006/main">
+  <p:cSld>
+    <p:bg>
+      <p:bgRef idx="1001">
+        <a:schemeClr val="bg1"/>
+      </p:bgRef>
+    </p:bg>
+    <p:spTree>
+      <p:nvGrpSpPr>
+        <p:cNvPr id="1" name=""/>
+        <p:cNvGrpSpPr/>
+        <p:nvPr/>
+      </p:nvGrpSpPr>
+      <p:grpSpPr>
+        <a:xfrm>
+          <a:off x="0" y="0"/>
+          <a:ext cx="0" cy="0"/>
+          <a:chOff x="0" y="0"/>
+          <a:chExt cx="0" cy="0"/>
+        </a:xfrm>
+      </p:grpSpPr>
+      <p:sp>
+        <p:nvSpPr>
+          <p:cNvPr id="2" name="Header Placeholder 1"/>
+          <p:cNvSpPr>
+            <a:spLocks noGrp="1"/>
+          </p:cNvSpPr>
+          <p:nvPr>
+            <p:ph type="hdr" sz="quarter"/>
+          </p:nvPr>
+        </p:nvSpPr>
+        <p:spPr>
+          <a:xfrm>
+            <a:off x="0" y="0"/>
+            <a:ext cx="2971800" cy="458788"/>
+          </a:xfrm>
+          <a:prstGeom prst="rect">
+            <a:avLst/>
+          </a:prstGeom>
+        </p:spPr>
+        <p:txBody>
+          <a:bodyPr vert="horz" lIns="91440" tIns="45720" rIns="91440" bIns="45720" rtlCol="0"/>
+          <a:lstStyle>
+            <a:lvl1pPr algn="l">
+              <a:defRPr sz="1200"/>
+            </a:lvl1pPr>
+          </a:lstStyle>
+          <a:p>
+            <a:endParaRPr lang="en-US"/>
+          </a:p>
+        </p:txBody>
+      </p:sp>
+      <p:sp>
+        <p:nvSpPr>
+          <p:cNvPr id="3" name="Date Placeholder 2"/>
+          <p:cNvSpPr>
+            <a:spLocks noGrp="1"/>
+          </p:cNvSpPr>
+          <p:nvPr>
+            <p:ph type="dt" sz="quarter" idx="1"/>
+          </p:nvPr>
+        </p:nvSpPr>
+        <p:spPr>
+          <a:xfrm>
+            <a:off x="3884613" y="0"/>
+            <a:ext cx="2971800" cy="458788"/>
+          </a:xfrm>
+          <a:prstGeom prst="rect">
+            <a:avLst/>
+          </a:prstGeom>
+        </p:spPr>
+        <p:txBody>
+          <a:bodyPr vert="horz" lIns="91440" tIns="45720" rIns="91440" bIns="45720" rtlCol="0"/>
+          <a:lstStyle>
+            <a:lvl1pPr algn="r">
+              <a:defRPr sz="1200"/>
+            </a:lvl1pPr>
+          </a:lstStyle>
+          <a:p>
+            <a:fld id="{4479618F-C858-4DED-966E-9D4454ABF05F}" type="datetimeFigureOut">
+              <a:rPr lang="en-US" smtClean="0"/>
+              <a:t>11/28/2017</a:t>
+            </a:fld>
+            <a:endParaRPr lang="en-US"/>
+          </a:p>
+        </p:txBody>
+      </p:sp>
+      <p:sp>
+        <p:nvSpPr>
+          <p:cNvPr id="4" name="Footer Placeholder 3"/>
+          <p:cNvSpPr>
+            <a:spLocks noGrp="1"/>
+          </p:cNvSpPr>
+          <p:nvPr>
+            <p:ph type="ftr" sz="quarter" idx="2"/>
+          </p:nvPr>
+        </p:nvSpPr>
+        <p:spPr>
+          <a:xfrm>
+            <a:off x="0" y="8685213"/>
+            <a:ext cx="2971800" cy="458787"/>
+          </a:xfrm>
+          <a:prstGeom prst="rect">
+            <a:avLst/>
+          </a:prstGeom>
+        </p:spPr>
+        <p:txBody>
+          <a:bodyPr vert="horz" lIns="91440" tIns="45720" rIns="91440" bIns="45720" rtlCol="0" anchor="b"/>
+          <a:lstStyle>
+            <a:lvl1pPr algn="l">
+              <a:defRPr sz="1200"/>
+            </a:lvl1pPr>
+          </a:lstStyle>
+          <a:p>
+            <a:endParaRPr lang="en-US"/>
+          </a:p>
+        </p:txBody>
+      </p:sp>
+      <p:sp>
+        <p:nvSpPr>
+          <p:cNvPr id="5" name="Slide Number Placeholder 4"/>
+          <p:cNvSpPr>
+            <a:spLocks noGrp="1"/>
+          </p:cNvSpPr>
+          <p:nvPr>
+            <p:ph type="sldNum" sz="quarter" idx="3"/>
+          </p:nvPr>
+        </p:nvSpPr>
+        <p:spPr>
+          <a:xfrm>
+            <a:off x="3884613" y="8685213"/>
+            <a:ext cx="2971800" cy="458787"/>
+          </a:xfrm>
+          <a:prstGeom prst="rect">
+            <a:avLst/>
+          </a:prstGeom>
+        </p:spPr>
+        <p:txBody>
+          <a:bodyPr vert="horz" lIns="91440" tIns="45720" rIns="91440" bIns="45720" rtlCol="0" anchor="b"/>
+          <a:lstStyle>
+            <a:lvl1pPr algn="r">
+              <a:defRPr sz="1200"/>
+            </a:lvl1pPr>
+          </a:lstStyle>
+          <a:p>
+            <a:fld id="{30EF924F-B50B-4454-81DE-F603847AD638}" type="slidenum">
+              <a:rPr lang="en-US" smtClean="0"/>
+              <a:t>‹#›</a:t>
+            </a:fld>
+            <a:endParaRPr lang="en-US"/>
+          </a:p>
+        </p:txBody>
+      </p:sp>
+    </p:spTree>
+    <p:extLst>
+      <p:ext uri="{BB962C8B-B14F-4D97-AF65-F5344CB8AC3E}">
+        <p14:creationId xmlns:p14="http://schemas.microsoft.com/office/powerpoint/2010/main" val="432289516"/>
+      </p:ext>
+    </p:extLst>
+  </p:cSld>
+  <p:clrMap bg1="lt1" tx1="dk1" bg2="lt2" tx2="dk2" accent1="accent1" accent2="accent2" accent3="accent3" accent4="accent4" accent5="accent5" accent6="accent6" hlink="hlink" folHlink="folHlink"/>
+</p:handoutMaster>
+</file>
+
 <file path=ppt/notesMasters/notesMaster1.xml><?xml version="1.0" encoding="utf-8"?>
 <p:notesMaster xmlns:a="http://schemas.openxmlformats.org/drawingml/2006/main" xmlns:r="http://schemas.openxmlformats.org/officeDocument/2006/relationships" xmlns:p="http://schemas.openxmlformats.org/presentationml/2006/main">
   <p:cSld>
@@ -220,7 +388,7 @@
           <a:p>
             <a:fld id="{D190D2B4-3B5D-40DA-93BE-C4D5E2164FB1}" type="datetimeFigureOut">
               <a:rPr lang="en-US" smtClean="0"/>
-              <a:t>11/27/2017</a:t>
+              <a:t>11/28/2017</a:t>
             </a:fld>
             <a:endParaRPr lang="en-US"/>
           </a:p>
@@ -552,6 +720,90 @@
           <a:p>
             <a:fld id="{1313B7F1-ECE9-4AD9-8377-5918A2E8BDEA}" type="slidenum">
               <a:rPr lang="en-US" smtClean="0"/>
+              <a:t>1</a:t>
+            </a:fld>
+            <a:endParaRPr lang="en-US"/>
+          </a:p>
+        </p:txBody>
+      </p:sp>
+    </p:spTree>
+    <p:extLst>
+      <p:ext uri="{BB962C8B-B14F-4D97-AF65-F5344CB8AC3E}">
+        <p14:creationId xmlns:p14="http://schemas.microsoft.com/office/powerpoint/2010/main" val="528012303"/>
+      </p:ext>
+    </p:extLst>
+  </p:cSld>
+  <p:clrMapOvr>
+    <a:masterClrMapping/>
+  </p:clrMapOvr>
+</p:notes>
+</file>
+
+<file path=ppt/notesSlides/notesSlide10.xml><?xml version="1.0" encoding="utf-8"?>
+<p:notes xmlns:a="http://schemas.openxmlformats.org/drawingml/2006/main" xmlns:r="http://schemas.openxmlformats.org/officeDocument/2006/relationships" xmlns:p="http://schemas.openxmlformats.org/presentationml/2006/main">
+  <p:cSld>
+    <p:spTree>
+      <p:nvGrpSpPr>
+        <p:cNvPr id="1" name=""/>
+        <p:cNvGrpSpPr/>
+        <p:nvPr/>
+      </p:nvGrpSpPr>
+      <p:grpSpPr>
+        <a:xfrm>
+          <a:off x="0" y="0"/>
+          <a:ext cx="0" cy="0"/>
+          <a:chOff x="0" y="0"/>
+          <a:chExt cx="0" cy="0"/>
+        </a:xfrm>
+      </p:grpSpPr>
+      <p:sp>
+        <p:nvSpPr>
+          <p:cNvPr id="2" name="Slide Image Placeholder 1"/>
+          <p:cNvSpPr>
+            <a:spLocks noGrp="1" noRot="1" noChangeAspect="1"/>
+          </p:cNvSpPr>
+          <p:nvPr>
+            <p:ph type="sldImg"/>
+          </p:nvPr>
+        </p:nvSpPr>
+        <p:spPr/>
+      </p:sp>
+      <p:sp>
+        <p:nvSpPr>
+          <p:cNvPr id="3" name="Notes Placeholder 2"/>
+          <p:cNvSpPr>
+            <a:spLocks noGrp="1"/>
+          </p:cNvSpPr>
+          <p:nvPr>
+            <p:ph type="body" idx="1"/>
+          </p:nvPr>
+        </p:nvSpPr>
+        <p:spPr/>
+        <p:txBody>
+          <a:bodyPr/>
+          <a:lstStyle/>
+          <a:p>
+            <a:endParaRPr lang="en-US" dirty="0"/>
+          </a:p>
+        </p:txBody>
+      </p:sp>
+      <p:sp>
+        <p:nvSpPr>
+          <p:cNvPr id="4" name="Slide Number Placeholder 3"/>
+          <p:cNvSpPr>
+            <a:spLocks noGrp="1"/>
+          </p:cNvSpPr>
+          <p:nvPr>
+            <p:ph type="sldNum" sz="quarter" idx="10"/>
+          </p:nvPr>
+        </p:nvSpPr>
+        <p:spPr/>
+        <p:txBody>
+          <a:bodyPr/>
+          <a:lstStyle/>
+          <a:p>
+            <a:fld id="{1313B7F1-ECE9-4AD9-8377-5918A2E8BDEA}" type="slidenum">
+              <a:rPr lang="en-US" smtClean="0"/>
               <a:t>10</a:t>
             </a:fld>
             <a:endParaRPr lang="en-US"/>
@@ -562,6 +814,857 @@
     <p:extLst>
       <p:ext uri="{BB962C8B-B14F-4D97-AF65-F5344CB8AC3E}">
         <p14:creationId xmlns:p14="http://schemas.microsoft.com/office/powerpoint/2010/main" val="36402640"/>
+      </p:ext>
+    </p:extLst>
+  </p:cSld>
+  <p:clrMapOvr>
+    <a:masterClrMapping/>
+  </p:clrMapOvr>
+</p:notes>
+</file>
+
+<file path=ppt/notesSlides/notesSlide11.xml><?xml version="1.0" encoding="utf-8"?>
+<p:notes xmlns:a="http://schemas.openxmlformats.org/drawingml/2006/main" xmlns:r="http://schemas.openxmlformats.org/officeDocument/2006/relationships" xmlns:p="http://schemas.openxmlformats.org/presentationml/2006/main">
+  <p:cSld>
+    <p:spTree>
+      <p:nvGrpSpPr>
+        <p:cNvPr id="1" name=""/>
+        <p:cNvGrpSpPr/>
+        <p:nvPr/>
+      </p:nvGrpSpPr>
+      <p:grpSpPr>
+        <a:xfrm>
+          <a:off x="0" y="0"/>
+          <a:ext cx="0" cy="0"/>
+          <a:chOff x="0" y="0"/>
+          <a:chExt cx="0" cy="0"/>
+        </a:xfrm>
+      </p:grpSpPr>
+      <p:sp>
+        <p:nvSpPr>
+          <p:cNvPr id="2" name="Slide Image Placeholder 1"/>
+          <p:cNvSpPr>
+            <a:spLocks noGrp="1" noRot="1" noChangeAspect="1"/>
+          </p:cNvSpPr>
+          <p:nvPr>
+            <p:ph type="sldImg"/>
+          </p:nvPr>
+        </p:nvSpPr>
+        <p:spPr/>
+      </p:sp>
+      <p:sp>
+        <p:nvSpPr>
+          <p:cNvPr id="3" name="Notes Placeholder 2"/>
+          <p:cNvSpPr>
+            <a:spLocks noGrp="1"/>
+          </p:cNvSpPr>
+          <p:nvPr>
+            <p:ph type="body" idx="1"/>
+          </p:nvPr>
+        </p:nvSpPr>
+        <p:spPr/>
+        <p:txBody>
+          <a:bodyPr/>
+          <a:lstStyle/>
+          <a:p>
+            <a:r>
+              <a:rPr lang="en-US" dirty="0" smtClean="0"/>
+              <a:t>Start off in Notepad,</a:t>
+            </a:r>
+            <a:r>
+              <a:rPr lang="en-US" baseline="0" dirty="0" smtClean="0"/>
+              <a:t> then shift to Notepad++</a:t>
+            </a:r>
+            <a:endParaRPr lang="en-US" dirty="0"/>
+          </a:p>
+        </p:txBody>
+      </p:sp>
+      <p:sp>
+        <p:nvSpPr>
+          <p:cNvPr id="4" name="Slide Number Placeholder 3"/>
+          <p:cNvSpPr>
+            <a:spLocks noGrp="1"/>
+          </p:cNvSpPr>
+          <p:nvPr>
+            <p:ph type="sldNum" sz="quarter" idx="10"/>
+          </p:nvPr>
+        </p:nvSpPr>
+        <p:spPr/>
+        <p:txBody>
+          <a:bodyPr/>
+          <a:lstStyle/>
+          <a:p>
+            <a:fld id="{1313B7F1-ECE9-4AD9-8377-5918A2E8BDEA}" type="slidenum">
+              <a:rPr lang="en-US" smtClean="0"/>
+              <a:t>11</a:t>
+            </a:fld>
+            <a:endParaRPr lang="en-US"/>
+          </a:p>
+        </p:txBody>
+      </p:sp>
+    </p:spTree>
+    <p:extLst>
+      <p:ext uri="{BB962C8B-B14F-4D97-AF65-F5344CB8AC3E}">
+        <p14:creationId xmlns:p14="http://schemas.microsoft.com/office/powerpoint/2010/main" val="1408735049"/>
+      </p:ext>
+    </p:extLst>
+  </p:cSld>
+  <p:clrMapOvr>
+    <a:masterClrMapping/>
+  </p:clrMapOvr>
+</p:notes>
+</file>
+
+<file path=ppt/notesSlides/notesSlide12.xml><?xml version="1.0" encoding="utf-8"?>
+<p:notes xmlns:a="http://schemas.openxmlformats.org/drawingml/2006/main" xmlns:r="http://schemas.openxmlformats.org/officeDocument/2006/relationships" xmlns:p="http://schemas.openxmlformats.org/presentationml/2006/main">
+  <p:cSld>
+    <p:spTree>
+      <p:nvGrpSpPr>
+        <p:cNvPr id="1" name=""/>
+        <p:cNvGrpSpPr/>
+        <p:nvPr/>
+      </p:nvGrpSpPr>
+      <p:grpSpPr>
+        <a:xfrm>
+          <a:off x="0" y="0"/>
+          <a:ext cx="0" cy="0"/>
+          <a:chOff x="0" y="0"/>
+          <a:chExt cx="0" cy="0"/>
+        </a:xfrm>
+      </p:grpSpPr>
+      <p:sp>
+        <p:nvSpPr>
+          <p:cNvPr id="2" name="Slide Image Placeholder 1"/>
+          <p:cNvSpPr>
+            <a:spLocks noGrp="1" noRot="1" noChangeAspect="1"/>
+          </p:cNvSpPr>
+          <p:nvPr>
+            <p:ph type="sldImg"/>
+          </p:nvPr>
+        </p:nvSpPr>
+        <p:spPr/>
+      </p:sp>
+      <p:sp>
+        <p:nvSpPr>
+          <p:cNvPr id="3" name="Notes Placeholder 2"/>
+          <p:cNvSpPr>
+            <a:spLocks noGrp="1"/>
+          </p:cNvSpPr>
+          <p:nvPr>
+            <p:ph type="body" idx="1"/>
+          </p:nvPr>
+        </p:nvSpPr>
+        <p:spPr/>
+        <p:txBody>
+          <a:bodyPr/>
+          <a:lstStyle/>
+          <a:p>
+            <a:r>
+              <a:rPr lang="en-US" dirty="0" smtClean="0"/>
+              <a:t>HSQLDB Editor</a:t>
+            </a:r>
+            <a:endParaRPr lang="en-US" dirty="0"/>
+          </a:p>
+        </p:txBody>
+      </p:sp>
+      <p:sp>
+        <p:nvSpPr>
+          <p:cNvPr id="4" name="Slide Number Placeholder 3"/>
+          <p:cNvSpPr>
+            <a:spLocks noGrp="1"/>
+          </p:cNvSpPr>
+          <p:nvPr>
+            <p:ph type="sldNum" sz="quarter" idx="10"/>
+          </p:nvPr>
+        </p:nvSpPr>
+        <p:spPr/>
+        <p:txBody>
+          <a:bodyPr/>
+          <a:lstStyle/>
+          <a:p>
+            <a:fld id="{1313B7F1-ECE9-4AD9-8377-5918A2E8BDEA}" type="slidenum">
+              <a:rPr lang="en-US" smtClean="0"/>
+              <a:t>12</a:t>
+            </a:fld>
+            <a:endParaRPr lang="en-US"/>
+          </a:p>
+        </p:txBody>
+      </p:sp>
+    </p:spTree>
+    <p:extLst>
+      <p:ext uri="{BB962C8B-B14F-4D97-AF65-F5344CB8AC3E}">
+        <p14:creationId xmlns:p14="http://schemas.microsoft.com/office/powerpoint/2010/main" val="2649205156"/>
+      </p:ext>
+    </p:extLst>
+  </p:cSld>
+  <p:clrMapOvr>
+    <a:masterClrMapping/>
+  </p:clrMapOvr>
+</p:notes>
+</file>
+
+<file path=ppt/notesSlides/notesSlide13.xml><?xml version="1.0" encoding="utf-8"?>
+<p:notes xmlns:a="http://schemas.openxmlformats.org/drawingml/2006/main" xmlns:r="http://schemas.openxmlformats.org/officeDocument/2006/relationships" xmlns:p="http://schemas.openxmlformats.org/presentationml/2006/main">
+  <p:cSld>
+    <p:spTree>
+      <p:nvGrpSpPr>
+        <p:cNvPr id="1" name=""/>
+        <p:cNvGrpSpPr/>
+        <p:nvPr/>
+      </p:nvGrpSpPr>
+      <p:grpSpPr>
+        <a:xfrm>
+          <a:off x="0" y="0"/>
+          <a:ext cx="0" cy="0"/>
+          <a:chOff x="0" y="0"/>
+          <a:chExt cx="0" cy="0"/>
+        </a:xfrm>
+      </p:grpSpPr>
+      <p:sp>
+        <p:nvSpPr>
+          <p:cNvPr id="2" name="Slide Image Placeholder 1"/>
+          <p:cNvSpPr>
+            <a:spLocks noGrp="1" noRot="1" noChangeAspect="1"/>
+          </p:cNvSpPr>
+          <p:nvPr>
+            <p:ph type="sldImg"/>
+          </p:nvPr>
+        </p:nvSpPr>
+        <p:spPr/>
+      </p:sp>
+      <p:sp>
+        <p:nvSpPr>
+          <p:cNvPr id="3" name="Notes Placeholder 2"/>
+          <p:cNvSpPr>
+            <a:spLocks noGrp="1"/>
+          </p:cNvSpPr>
+          <p:nvPr>
+            <p:ph type="body" idx="1"/>
+          </p:nvPr>
+        </p:nvSpPr>
+        <p:spPr/>
+        <p:txBody>
+          <a:bodyPr/>
+          <a:lstStyle/>
+          <a:p>
+            <a:r>
+              <a:rPr lang="en-US" dirty="0" smtClean="0"/>
+              <a:t>Start with small examples of Java and Python.</a:t>
+            </a:r>
+          </a:p>
+          <a:p>
+            <a:r>
+              <a:rPr lang="en-US" dirty="0" smtClean="0"/>
+              <a:t>Open up</a:t>
+            </a:r>
+            <a:r>
+              <a:rPr lang="en-US" baseline="0" dirty="0" smtClean="0"/>
+              <a:t> project in </a:t>
+            </a:r>
+            <a:r>
+              <a:rPr lang="en-US" baseline="0" dirty="0" err="1" smtClean="0"/>
+              <a:t>Netbeans</a:t>
+            </a:r>
+            <a:r>
+              <a:rPr lang="en-US" baseline="0" dirty="0" smtClean="0"/>
+              <a:t> to show an IDE (Java)</a:t>
+            </a:r>
+            <a:endParaRPr lang="en-US" dirty="0"/>
+          </a:p>
+        </p:txBody>
+      </p:sp>
+      <p:sp>
+        <p:nvSpPr>
+          <p:cNvPr id="4" name="Slide Number Placeholder 3"/>
+          <p:cNvSpPr>
+            <a:spLocks noGrp="1"/>
+          </p:cNvSpPr>
+          <p:nvPr>
+            <p:ph type="sldNum" sz="quarter" idx="10"/>
+          </p:nvPr>
+        </p:nvSpPr>
+        <p:spPr/>
+        <p:txBody>
+          <a:bodyPr/>
+          <a:lstStyle/>
+          <a:p>
+            <a:fld id="{1313B7F1-ECE9-4AD9-8377-5918A2E8BDEA}" type="slidenum">
+              <a:rPr lang="en-US" smtClean="0"/>
+              <a:t>13</a:t>
+            </a:fld>
+            <a:endParaRPr lang="en-US"/>
+          </a:p>
+        </p:txBody>
+      </p:sp>
+    </p:spTree>
+    <p:extLst>
+      <p:ext uri="{BB962C8B-B14F-4D97-AF65-F5344CB8AC3E}">
+        <p14:creationId xmlns:p14="http://schemas.microsoft.com/office/powerpoint/2010/main" val="1799265757"/>
+      </p:ext>
+    </p:extLst>
+  </p:cSld>
+  <p:clrMapOvr>
+    <a:masterClrMapping/>
+  </p:clrMapOvr>
+</p:notes>
+</file>
+
+<file path=ppt/notesSlides/notesSlide14.xml><?xml version="1.0" encoding="utf-8"?>
+<p:notes xmlns:a="http://schemas.openxmlformats.org/drawingml/2006/main" xmlns:r="http://schemas.openxmlformats.org/officeDocument/2006/relationships" xmlns:p="http://schemas.openxmlformats.org/presentationml/2006/main">
+  <p:cSld>
+    <p:spTree>
+      <p:nvGrpSpPr>
+        <p:cNvPr id="1" name=""/>
+        <p:cNvGrpSpPr/>
+        <p:nvPr/>
+      </p:nvGrpSpPr>
+      <p:grpSpPr>
+        <a:xfrm>
+          <a:off x="0" y="0"/>
+          <a:ext cx="0" cy="0"/>
+          <a:chOff x="0" y="0"/>
+          <a:chExt cx="0" cy="0"/>
+        </a:xfrm>
+      </p:grpSpPr>
+      <p:sp>
+        <p:nvSpPr>
+          <p:cNvPr id="2" name="Slide Image Placeholder 1"/>
+          <p:cNvSpPr>
+            <a:spLocks noGrp="1" noRot="1" noChangeAspect="1"/>
+          </p:cNvSpPr>
+          <p:nvPr>
+            <p:ph type="sldImg"/>
+          </p:nvPr>
+        </p:nvSpPr>
+        <p:spPr/>
+      </p:sp>
+      <p:sp>
+        <p:nvSpPr>
+          <p:cNvPr id="3" name="Notes Placeholder 2"/>
+          <p:cNvSpPr>
+            <a:spLocks noGrp="1"/>
+          </p:cNvSpPr>
+          <p:nvPr>
+            <p:ph type="body" idx="1"/>
+          </p:nvPr>
+        </p:nvSpPr>
+        <p:spPr/>
+        <p:txBody>
+          <a:bodyPr/>
+          <a:lstStyle/>
+          <a:p>
+            <a:r>
+              <a:rPr lang="en-US" dirty="0" smtClean="0"/>
+              <a:t>Show unit test from project.</a:t>
+            </a:r>
+            <a:endParaRPr lang="en-US" dirty="0"/>
+          </a:p>
+        </p:txBody>
+      </p:sp>
+      <p:sp>
+        <p:nvSpPr>
+          <p:cNvPr id="4" name="Slide Number Placeholder 3"/>
+          <p:cNvSpPr>
+            <a:spLocks noGrp="1"/>
+          </p:cNvSpPr>
+          <p:nvPr>
+            <p:ph type="sldNum" sz="quarter" idx="10"/>
+          </p:nvPr>
+        </p:nvSpPr>
+        <p:spPr/>
+        <p:txBody>
+          <a:bodyPr/>
+          <a:lstStyle/>
+          <a:p>
+            <a:fld id="{1313B7F1-ECE9-4AD9-8377-5918A2E8BDEA}" type="slidenum">
+              <a:rPr lang="en-US" smtClean="0"/>
+              <a:t>14</a:t>
+            </a:fld>
+            <a:endParaRPr lang="en-US"/>
+          </a:p>
+        </p:txBody>
+      </p:sp>
+    </p:spTree>
+    <p:extLst>
+      <p:ext uri="{BB962C8B-B14F-4D97-AF65-F5344CB8AC3E}">
+        <p14:creationId xmlns:p14="http://schemas.microsoft.com/office/powerpoint/2010/main" val="4101384119"/>
+      </p:ext>
+    </p:extLst>
+  </p:cSld>
+  <p:clrMapOvr>
+    <a:masterClrMapping/>
+  </p:clrMapOvr>
+</p:notes>
+</file>
+
+<file path=ppt/notesSlides/notesSlide15.xml><?xml version="1.0" encoding="utf-8"?>
+<p:notes xmlns:a="http://schemas.openxmlformats.org/drawingml/2006/main" xmlns:r="http://schemas.openxmlformats.org/officeDocument/2006/relationships" xmlns:p="http://schemas.openxmlformats.org/presentationml/2006/main">
+  <p:cSld>
+    <p:spTree>
+      <p:nvGrpSpPr>
+        <p:cNvPr id="1" name=""/>
+        <p:cNvGrpSpPr/>
+        <p:nvPr/>
+      </p:nvGrpSpPr>
+      <p:grpSpPr>
+        <a:xfrm>
+          <a:off x="0" y="0"/>
+          <a:ext cx="0" cy="0"/>
+          <a:chOff x="0" y="0"/>
+          <a:chExt cx="0" cy="0"/>
+        </a:xfrm>
+      </p:grpSpPr>
+      <p:sp>
+        <p:nvSpPr>
+          <p:cNvPr id="2" name="Slide Image Placeholder 1"/>
+          <p:cNvSpPr>
+            <a:spLocks noGrp="1" noRot="1" noChangeAspect="1"/>
+          </p:cNvSpPr>
+          <p:nvPr>
+            <p:ph type="sldImg"/>
+          </p:nvPr>
+        </p:nvSpPr>
+        <p:spPr/>
+      </p:sp>
+      <p:sp>
+        <p:nvSpPr>
+          <p:cNvPr id="3" name="Notes Placeholder 2"/>
+          <p:cNvSpPr>
+            <a:spLocks noGrp="1"/>
+          </p:cNvSpPr>
+          <p:nvPr>
+            <p:ph type="body" idx="1"/>
+          </p:nvPr>
+        </p:nvSpPr>
+        <p:spPr/>
+        <p:txBody>
+          <a:bodyPr/>
+          <a:lstStyle/>
+          <a:p>
+            <a:endParaRPr lang="en-US"/>
+          </a:p>
+        </p:txBody>
+      </p:sp>
+      <p:sp>
+        <p:nvSpPr>
+          <p:cNvPr id="4" name="Slide Number Placeholder 3"/>
+          <p:cNvSpPr>
+            <a:spLocks noGrp="1"/>
+          </p:cNvSpPr>
+          <p:nvPr>
+            <p:ph type="sldNum" sz="quarter" idx="10"/>
+          </p:nvPr>
+        </p:nvSpPr>
+        <p:spPr/>
+        <p:txBody>
+          <a:bodyPr/>
+          <a:lstStyle/>
+          <a:p>
+            <a:fld id="{1313B7F1-ECE9-4AD9-8377-5918A2E8BDEA}" type="slidenum">
+              <a:rPr lang="en-US" smtClean="0"/>
+              <a:t>15</a:t>
+            </a:fld>
+            <a:endParaRPr lang="en-US"/>
+          </a:p>
+        </p:txBody>
+      </p:sp>
+    </p:spTree>
+    <p:extLst>
+      <p:ext uri="{BB962C8B-B14F-4D97-AF65-F5344CB8AC3E}">
+        <p14:creationId xmlns:p14="http://schemas.microsoft.com/office/powerpoint/2010/main" val="3922993735"/>
+      </p:ext>
+    </p:extLst>
+  </p:cSld>
+  <p:clrMapOvr>
+    <a:masterClrMapping/>
+  </p:clrMapOvr>
+</p:notes>
+</file>
+
+<file path=ppt/notesSlides/notesSlide16.xml><?xml version="1.0" encoding="utf-8"?>
+<p:notes xmlns:a="http://schemas.openxmlformats.org/drawingml/2006/main" xmlns:r="http://schemas.openxmlformats.org/officeDocument/2006/relationships" xmlns:p="http://schemas.openxmlformats.org/presentationml/2006/main">
+  <p:cSld>
+    <p:spTree>
+      <p:nvGrpSpPr>
+        <p:cNvPr id="1" name=""/>
+        <p:cNvGrpSpPr/>
+        <p:nvPr/>
+      </p:nvGrpSpPr>
+      <p:grpSpPr>
+        <a:xfrm>
+          <a:off x="0" y="0"/>
+          <a:ext cx="0" cy="0"/>
+          <a:chOff x="0" y="0"/>
+          <a:chExt cx="0" cy="0"/>
+        </a:xfrm>
+      </p:grpSpPr>
+      <p:sp>
+        <p:nvSpPr>
+          <p:cNvPr id="2" name="Slide Image Placeholder 1"/>
+          <p:cNvSpPr>
+            <a:spLocks noGrp="1" noRot="1" noChangeAspect="1"/>
+          </p:cNvSpPr>
+          <p:nvPr>
+            <p:ph type="sldImg"/>
+          </p:nvPr>
+        </p:nvSpPr>
+        <p:spPr/>
+      </p:sp>
+      <p:sp>
+        <p:nvSpPr>
+          <p:cNvPr id="3" name="Notes Placeholder 2"/>
+          <p:cNvSpPr>
+            <a:spLocks noGrp="1"/>
+          </p:cNvSpPr>
+          <p:nvPr>
+            <p:ph type="body" idx="1"/>
+          </p:nvPr>
+        </p:nvSpPr>
+        <p:spPr/>
+        <p:txBody>
+          <a:bodyPr/>
+          <a:lstStyle/>
+          <a:p>
+            <a:r>
+              <a:rPr lang="en-US" dirty="0" smtClean="0"/>
+              <a:t>Show </a:t>
+            </a:r>
+            <a:r>
+              <a:rPr lang="en-US" dirty="0" err="1" smtClean="0"/>
+              <a:t>Git</a:t>
+            </a:r>
+            <a:r>
+              <a:rPr lang="en-US" baseline="0" dirty="0" smtClean="0"/>
+              <a:t> and GitHub</a:t>
+            </a:r>
+          </a:p>
+          <a:p>
+            <a:r>
+              <a:rPr lang="en-US" baseline="0" dirty="0" smtClean="0"/>
+              <a:t>Show Tomcat, but then use </a:t>
+            </a:r>
+            <a:r>
+              <a:rPr lang="en-US" baseline="0" dirty="0" err="1" smtClean="0"/>
+              <a:t>mvn</a:t>
+            </a:r>
+            <a:r>
+              <a:rPr lang="en-US" baseline="0" dirty="0" smtClean="0"/>
+              <a:t> </a:t>
+            </a:r>
+            <a:r>
+              <a:rPr lang="en-US" baseline="0" dirty="0" err="1" smtClean="0"/>
+              <a:t>jetty:run</a:t>
+            </a:r>
+            <a:endParaRPr lang="en-US" baseline="0" dirty="0" smtClean="0"/>
+          </a:p>
+        </p:txBody>
+      </p:sp>
+      <p:sp>
+        <p:nvSpPr>
+          <p:cNvPr id="4" name="Slide Number Placeholder 3"/>
+          <p:cNvSpPr>
+            <a:spLocks noGrp="1"/>
+          </p:cNvSpPr>
+          <p:nvPr>
+            <p:ph type="sldNum" sz="quarter" idx="10"/>
+          </p:nvPr>
+        </p:nvSpPr>
+        <p:spPr/>
+        <p:txBody>
+          <a:bodyPr/>
+          <a:lstStyle/>
+          <a:p>
+            <a:fld id="{1313B7F1-ECE9-4AD9-8377-5918A2E8BDEA}" type="slidenum">
+              <a:rPr lang="en-US" smtClean="0"/>
+              <a:t>16</a:t>
+            </a:fld>
+            <a:endParaRPr lang="en-US"/>
+          </a:p>
+        </p:txBody>
+      </p:sp>
+    </p:spTree>
+    <p:extLst>
+      <p:ext uri="{BB962C8B-B14F-4D97-AF65-F5344CB8AC3E}">
+        <p14:creationId xmlns:p14="http://schemas.microsoft.com/office/powerpoint/2010/main" val="2820157855"/>
+      </p:ext>
+    </p:extLst>
+  </p:cSld>
+  <p:clrMapOvr>
+    <a:masterClrMapping/>
+  </p:clrMapOvr>
+</p:notes>
+</file>
+
+<file path=ppt/notesSlides/notesSlide17.xml><?xml version="1.0" encoding="utf-8"?>
+<p:notes xmlns:a="http://schemas.openxmlformats.org/drawingml/2006/main" xmlns:r="http://schemas.openxmlformats.org/officeDocument/2006/relationships" xmlns:p="http://schemas.openxmlformats.org/presentationml/2006/main">
+  <p:cSld>
+    <p:spTree>
+      <p:nvGrpSpPr>
+        <p:cNvPr id="1" name=""/>
+        <p:cNvGrpSpPr/>
+        <p:nvPr/>
+      </p:nvGrpSpPr>
+      <p:grpSpPr>
+        <a:xfrm>
+          <a:off x="0" y="0"/>
+          <a:ext cx="0" cy="0"/>
+          <a:chOff x="0" y="0"/>
+          <a:chExt cx="0" cy="0"/>
+        </a:xfrm>
+      </p:grpSpPr>
+      <p:sp>
+        <p:nvSpPr>
+          <p:cNvPr id="2" name="Slide Image Placeholder 1"/>
+          <p:cNvSpPr>
+            <a:spLocks noGrp="1" noRot="1" noChangeAspect="1"/>
+          </p:cNvSpPr>
+          <p:nvPr>
+            <p:ph type="sldImg"/>
+          </p:nvPr>
+        </p:nvSpPr>
+        <p:spPr/>
+      </p:sp>
+      <p:sp>
+        <p:nvSpPr>
+          <p:cNvPr id="3" name="Notes Placeholder 2"/>
+          <p:cNvSpPr>
+            <a:spLocks noGrp="1"/>
+          </p:cNvSpPr>
+          <p:nvPr>
+            <p:ph type="body" idx="1"/>
+          </p:nvPr>
+        </p:nvSpPr>
+        <p:spPr/>
+        <p:txBody>
+          <a:bodyPr/>
+          <a:lstStyle/>
+          <a:p>
+            <a:pPr marL="0" marR="0" lvl="0" indent="0" algn="l" defTabSz="914400" rtl="0" eaLnBrk="1" fontAlgn="auto" latinLnBrk="0" hangingPunct="1">
+              <a:lnSpc>
+                <a:spcPct val="100000"/>
+              </a:lnSpc>
+              <a:spcBef>
+                <a:spcPts val="0"/>
+              </a:spcBef>
+              <a:spcAft>
+                <a:spcPts val="0"/>
+              </a:spcAft>
+              <a:buClrTx/>
+              <a:buSzTx/>
+              <a:buFontTx/>
+              <a:buNone/>
+              <a:tabLst/>
+              <a:defRPr/>
+            </a:pPr>
+            <a:r>
+              <a:rPr lang="en-US" baseline="0" dirty="0" smtClean="0"/>
+              <a:t>Go through the code, action by action</a:t>
+            </a:r>
+          </a:p>
+          <a:p>
+            <a:r>
+              <a:rPr lang="en-US" dirty="0" smtClean="0"/>
+              <a:t>Deploy to Amazon</a:t>
+            </a:r>
+            <a:endParaRPr lang="en-US" dirty="0"/>
+          </a:p>
+        </p:txBody>
+      </p:sp>
+      <p:sp>
+        <p:nvSpPr>
+          <p:cNvPr id="4" name="Slide Number Placeholder 3"/>
+          <p:cNvSpPr>
+            <a:spLocks noGrp="1"/>
+          </p:cNvSpPr>
+          <p:nvPr>
+            <p:ph type="sldNum" sz="quarter" idx="10"/>
+          </p:nvPr>
+        </p:nvSpPr>
+        <p:spPr/>
+        <p:txBody>
+          <a:bodyPr/>
+          <a:lstStyle/>
+          <a:p>
+            <a:fld id="{1313B7F1-ECE9-4AD9-8377-5918A2E8BDEA}" type="slidenum">
+              <a:rPr lang="en-US" smtClean="0"/>
+              <a:t>17</a:t>
+            </a:fld>
+            <a:endParaRPr lang="en-US"/>
+          </a:p>
+        </p:txBody>
+      </p:sp>
+    </p:spTree>
+    <p:extLst>
+      <p:ext uri="{BB962C8B-B14F-4D97-AF65-F5344CB8AC3E}">
+        <p14:creationId xmlns:p14="http://schemas.microsoft.com/office/powerpoint/2010/main" val="1161106184"/>
+      </p:ext>
+    </p:extLst>
+  </p:cSld>
+  <p:clrMapOvr>
+    <a:masterClrMapping/>
+  </p:clrMapOvr>
+</p:notes>
+</file>
+
+<file path=ppt/notesSlides/notesSlide18.xml><?xml version="1.0" encoding="utf-8"?>
+<p:notes xmlns:a="http://schemas.openxmlformats.org/drawingml/2006/main" xmlns:r="http://schemas.openxmlformats.org/officeDocument/2006/relationships" xmlns:p="http://schemas.openxmlformats.org/presentationml/2006/main">
+  <p:cSld>
+    <p:spTree>
+      <p:nvGrpSpPr>
+        <p:cNvPr id="1" name=""/>
+        <p:cNvGrpSpPr/>
+        <p:nvPr/>
+      </p:nvGrpSpPr>
+      <p:grpSpPr>
+        <a:xfrm>
+          <a:off x="0" y="0"/>
+          <a:ext cx="0" cy="0"/>
+          <a:chOff x="0" y="0"/>
+          <a:chExt cx="0" cy="0"/>
+        </a:xfrm>
+      </p:grpSpPr>
+      <p:sp>
+        <p:nvSpPr>
+          <p:cNvPr id="2" name="Slide Image Placeholder 1"/>
+          <p:cNvSpPr>
+            <a:spLocks noGrp="1" noRot="1" noChangeAspect="1"/>
+          </p:cNvSpPr>
+          <p:nvPr>
+            <p:ph type="sldImg"/>
+          </p:nvPr>
+        </p:nvSpPr>
+        <p:spPr/>
+      </p:sp>
+      <p:sp>
+        <p:nvSpPr>
+          <p:cNvPr id="3" name="Notes Placeholder 2"/>
+          <p:cNvSpPr>
+            <a:spLocks noGrp="1"/>
+          </p:cNvSpPr>
+          <p:nvPr>
+            <p:ph type="body" idx="1"/>
+          </p:nvPr>
+        </p:nvSpPr>
+        <p:spPr/>
+        <p:txBody>
+          <a:bodyPr/>
+          <a:lstStyle/>
+          <a:p>
+            <a:endParaRPr lang="en-US"/>
+          </a:p>
+        </p:txBody>
+      </p:sp>
+      <p:sp>
+        <p:nvSpPr>
+          <p:cNvPr id="4" name="Slide Number Placeholder 3"/>
+          <p:cNvSpPr>
+            <a:spLocks noGrp="1"/>
+          </p:cNvSpPr>
+          <p:nvPr>
+            <p:ph type="sldNum" sz="quarter" idx="10"/>
+          </p:nvPr>
+        </p:nvSpPr>
+        <p:spPr/>
+        <p:txBody>
+          <a:bodyPr/>
+          <a:lstStyle/>
+          <a:p>
+            <a:fld id="{1313B7F1-ECE9-4AD9-8377-5918A2E8BDEA}" type="slidenum">
+              <a:rPr lang="en-US" smtClean="0"/>
+              <a:t>18</a:t>
+            </a:fld>
+            <a:endParaRPr lang="en-US"/>
+          </a:p>
+        </p:txBody>
+      </p:sp>
+    </p:spTree>
+    <p:extLst>
+      <p:ext uri="{BB962C8B-B14F-4D97-AF65-F5344CB8AC3E}">
+        <p14:creationId xmlns:p14="http://schemas.microsoft.com/office/powerpoint/2010/main" val="2366335799"/>
+      </p:ext>
+    </p:extLst>
+  </p:cSld>
+  <p:clrMapOvr>
+    <a:masterClrMapping/>
+  </p:clrMapOvr>
+</p:notes>
+</file>
+
+<file path=ppt/notesSlides/notesSlide19.xml><?xml version="1.0" encoding="utf-8"?>
+<p:notes xmlns:a="http://schemas.openxmlformats.org/drawingml/2006/main" xmlns:r="http://schemas.openxmlformats.org/officeDocument/2006/relationships" xmlns:p="http://schemas.openxmlformats.org/presentationml/2006/main">
+  <p:cSld>
+    <p:spTree>
+      <p:nvGrpSpPr>
+        <p:cNvPr id="1" name=""/>
+        <p:cNvGrpSpPr/>
+        <p:nvPr/>
+      </p:nvGrpSpPr>
+      <p:grpSpPr>
+        <a:xfrm>
+          <a:off x="0" y="0"/>
+          <a:ext cx="0" cy="0"/>
+          <a:chOff x="0" y="0"/>
+          <a:chExt cx="0" cy="0"/>
+        </a:xfrm>
+      </p:grpSpPr>
+      <p:sp>
+        <p:nvSpPr>
+          <p:cNvPr id="2" name="Slide Image Placeholder 1"/>
+          <p:cNvSpPr>
+            <a:spLocks noGrp="1" noRot="1" noChangeAspect="1"/>
+          </p:cNvSpPr>
+          <p:nvPr>
+            <p:ph type="sldImg"/>
+          </p:nvPr>
+        </p:nvSpPr>
+        <p:spPr/>
+      </p:sp>
+      <p:sp>
+        <p:nvSpPr>
+          <p:cNvPr id="3" name="Notes Placeholder 2"/>
+          <p:cNvSpPr>
+            <a:spLocks noGrp="1"/>
+          </p:cNvSpPr>
+          <p:nvPr>
+            <p:ph type="body" idx="1"/>
+          </p:nvPr>
+        </p:nvSpPr>
+        <p:spPr/>
+        <p:txBody>
+          <a:bodyPr/>
+          <a:lstStyle/>
+          <a:p>
+            <a:endParaRPr lang="en-US"/>
+          </a:p>
+        </p:txBody>
+      </p:sp>
+      <p:sp>
+        <p:nvSpPr>
+          <p:cNvPr id="4" name="Slide Number Placeholder 3"/>
+          <p:cNvSpPr>
+            <a:spLocks noGrp="1"/>
+          </p:cNvSpPr>
+          <p:nvPr>
+            <p:ph type="sldNum" sz="quarter" idx="10"/>
+          </p:nvPr>
+        </p:nvSpPr>
+        <p:spPr/>
+        <p:txBody>
+          <a:bodyPr/>
+          <a:lstStyle/>
+          <a:p>
+            <a:fld id="{1313B7F1-ECE9-4AD9-8377-5918A2E8BDEA}" type="slidenum">
+              <a:rPr lang="en-US" smtClean="0"/>
+              <a:t>19</a:t>
+            </a:fld>
+            <a:endParaRPr lang="en-US"/>
+          </a:p>
+        </p:txBody>
+      </p:sp>
+    </p:spTree>
+    <p:extLst>
+      <p:ext uri="{BB962C8B-B14F-4D97-AF65-F5344CB8AC3E}">
+        <p14:creationId xmlns:p14="http://schemas.microsoft.com/office/powerpoint/2010/main" val="974896250"/>
       </p:ext>
     </p:extLst>
   </p:cSld>
@@ -615,7 +1718,7 @@
           <a:bodyPr/>
           <a:lstStyle/>
           <a:p>
-            <a:endParaRPr lang="en-US" dirty="0"/>
+            <a:endParaRPr lang="en-US"/>
           </a:p>
         </p:txBody>
       </p:sp>
@@ -636,7 +1739,7 @@
           <a:p>
             <a:fld id="{1313B7F1-ECE9-4AD9-8377-5918A2E8BDEA}" type="slidenum">
               <a:rPr lang="en-US" smtClean="0"/>
-              <a:t>11</a:t>
+              <a:t>2</a:t>
             </a:fld>
             <a:endParaRPr lang="en-US"/>
           </a:p>
@@ -645,7 +1748,91 @@
     </p:spTree>
     <p:extLst>
       <p:ext uri="{BB962C8B-B14F-4D97-AF65-F5344CB8AC3E}">
-        <p14:creationId xmlns:p14="http://schemas.microsoft.com/office/powerpoint/2010/main" val="1408735049"/>
+        <p14:creationId xmlns:p14="http://schemas.microsoft.com/office/powerpoint/2010/main" val="3793048373"/>
+      </p:ext>
+    </p:extLst>
+  </p:cSld>
+  <p:clrMapOvr>
+    <a:masterClrMapping/>
+  </p:clrMapOvr>
+</p:notes>
+</file>
+
+<file path=ppt/notesSlides/notesSlide20.xml><?xml version="1.0" encoding="utf-8"?>
+<p:notes xmlns:a="http://schemas.openxmlformats.org/drawingml/2006/main" xmlns:r="http://schemas.openxmlformats.org/officeDocument/2006/relationships" xmlns:p="http://schemas.openxmlformats.org/presentationml/2006/main">
+  <p:cSld>
+    <p:spTree>
+      <p:nvGrpSpPr>
+        <p:cNvPr id="1" name=""/>
+        <p:cNvGrpSpPr/>
+        <p:nvPr/>
+      </p:nvGrpSpPr>
+      <p:grpSpPr>
+        <a:xfrm>
+          <a:off x="0" y="0"/>
+          <a:ext cx="0" cy="0"/>
+          <a:chOff x="0" y="0"/>
+          <a:chExt cx="0" cy="0"/>
+        </a:xfrm>
+      </p:grpSpPr>
+      <p:sp>
+        <p:nvSpPr>
+          <p:cNvPr id="2" name="Slide Image Placeholder 1"/>
+          <p:cNvSpPr>
+            <a:spLocks noGrp="1" noRot="1" noChangeAspect="1"/>
+          </p:cNvSpPr>
+          <p:nvPr>
+            <p:ph type="sldImg"/>
+          </p:nvPr>
+        </p:nvSpPr>
+        <p:spPr/>
+      </p:sp>
+      <p:sp>
+        <p:nvSpPr>
+          <p:cNvPr id="3" name="Notes Placeholder 2"/>
+          <p:cNvSpPr>
+            <a:spLocks noGrp="1"/>
+          </p:cNvSpPr>
+          <p:nvPr>
+            <p:ph type="body" idx="1"/>
+          </p:nvPr>
+        </p:nvSpPr>
+        <p:spPr/>
+        <p:txBody>
+          <a:bodyPr/>
+          <a:lstStyle/>
+          <a:p>
+            <a:endParaRPr lang="en-US"/>
+          </a:p>
+        </p:txBody>
+      </p:sp>
+      <p:sp>
+        <p:nvSpPr>
+          <p:cNvPr id="4" name="Slide Number Placeholder 3"/>
+          <p:cNvSpPr>
+            <a:spLocks noGrp="1"/>
+          </p:cNvSpPr>
+          <p:nvPr>
+            <p:ph type="sldNum" sz="quarter" idx="10"/>
+          </p:nvPr>
+        </p:nvSpPr>
+        <p:spPr/>
+        <p:txBody>
+          <a:bodyPr/>
+          <a:lstStyle/>
+          <a:p>
+            <a:fld id="{1313B7F1-ECE9-4AD9-8377-5918A2E8BDEA}" type="slidenum">
+              <a:rPr lang="en-US" smtClean="0"/>
+              <a:t>20</a:t>
+            </a:fld>
+            <a:endParaRPr lang="en-US"/>
+          </a:p>
+        </p:txBody>
+      </p:sp>
+    </p:spTree>
+    <p:extLst>
+      <p:ext uri="{BB962C8B-B14F-4D97-AF65-F5344CB8AC3E}">
+        <p14:creationId xmlns:p14="http://schemas.microsoft.com/office/powerpoint/2010/main" val="3602840581"/>
       </p:ext>
     </p:extLst>
   </p:cSld>
@@ -699,7 +1886,7 @@
           <a:bodyPr/>
           <a:lstStyle/>
           <a:p>
-            <a:endParaRPr lang="en-US" dirty="0"/>
+            <a:endParaRPr lang="en-US"/>
           </a:p>
         </p:txBody>
       </p:sp>
@@ -720,7 +1907,7 @@
           <a:p>
             <a:fld id="{1313B7F1-ECE9-4AD9-8377-5918A2E8BDEA}" type="slidenum">
               <a:rPr lang="en-US" smtClean="0"/>
-              <a:t>16</a:t>
+              <a:t>3</a:t>
             </a:fld>
             <a:endParaRPr lang="en-US"/>
           </a:p>
@@ -729,7 +1916,511 @@
     </p:spTree>
     <p:extLst>
       <p:ext uri="{BB962C8B-B14F-4D97-AF65-F5344CB8AC3E}">
-        <p14:creationId xmlns:p14="http://schemas.microsoft.com/office/powerpoint/2010/main" val="2820157855"/>
+        <p14:creationId xmlns:p14="http://schemas.microsoft.com/office/powerpoint/2010/main" val="2267160398"/>
+      </p:ext>
+    </p:extLst>
+  </p:cSld>
+  <p:clrMapOvr>
+    <a:masterClrMapping/>
+  </p:clrMapOvr>
+</p:notes>
+</file>
+
+<file path=ppt/notesSlides/notesSlide4.xml><?xml version="1.0" encoding="utf-8"?>
+<p:notes xmlns:a="http://schemas.openxmlformats.org/drawingml/2006/main" xmlns:r="http://schemas.openxmlformats.org/officeDocument/2006/relationships" xmlns:p="http://schemas.openxmlformats.org/presentationml/2006/main">
+  <p:cSld>
+    <p:spTree>
+      <p:nvGrpSpPr>
+        <p:cNvPr id="1" name=""/>
+        <p:cNvGrpSpPr/>
+        <p:nvPr/>
+      </p:nvGrpSpPr>
+      <p:grpSpPr>
+        <a:xfrm>
+          <a:off x="0" y="0"/>
+          <a:ext cx="0" cy="0"/>
+          <a:chOff x="0" y="0"/>
+          <a:chExt cx="0" cy="0"/>
+        </a:xfrm>
+      </p:grpSpPr>
+      <p:sp>
+        <p:nvSpPr>
+          <p:cNvPr id="2" name="Slide Image Placeholder 1"/>
+          <p:cNvSpPr>
+            <a:spLocks noGrp="1" noRot="1" noChangeAspect="1"/>
+          </p:cNvSpPr>
+          <p:nvPr>
+            <p:ph type="sldImg"/>
+          </p:nvPr>
+        </p:nvSpPr>
+        <p:spPr/>
+      </p:sp>
+      <p:sp>
+        <p:nvSpPr>
+          <p:cNvPr id="3" name="Notes Placeholder 2"/>
+          <p:cNvSpPr>
+            <a:spLocks noGrp="1"/>
+          </p:cNvSpPr>
+          <p:nvPr>
+            <p:ph type="body" idx="1"/>
+          </p:nvPr>
+        </p:nvSpPr>
+        <p:spPr/>
+        <p:txBody>
+          <a:bodyPr/>
+          <a:lstStyle/>
+          <a:p>
+            <a:endParaRPr lang="en-US"/>
+          </a:p>
+        </p:txBody>
+      </p:sp>
+      <p:sp>
+        <p:nvSpPr>
+          <p:cNvPr id="4" name="Slide Number Placeholder 3"/>
+          <p:cNvSpPr>
+            <a:spLocks noGrp="1"/>
+          </p:cNvSpPr>
+          <p:nvPr>
+            <p:ph type="sldNum" sz="quarter" idx="10"/>
+          </p:nvPr>
+        </p:nvSpPr>
+        <p:spPr/>
+        <p:txBody>
+          <a:bodyPr/>
+          <a:lstStyle/>
+          <a:p>
+            <a:fld id="{1313B7F1-ECE9-4AD9-8377-5918A2E8BDEA}" type="slidenum">
+              <a:rPr lang="en-US" smtClean="0"/>
+              <a:t>4</a:t>
+            </a:fld>
+            <a:endParaRPr lang="en-US"/>
+          </a:p>
+        </p:txBody>
+      </p:sp>
+    </p:spTree>
+    <p:extLst>
+      <p:ext uri="{BB962C8B-B14F-4D97-AF65-F5344CB8AC3E}">
+        <p14:creationId xmlns:p14="http://schemas.microsoft.com/office/powerpoint/2010/main" val="3780393201"/>
+      </p:ext>
+    </p:extLst>
+  </p:cSld>
+  <p:clrMapOvr>
+    <a:masterClrMapping/>
+  </p:clrMapOvr>
+</p:notes>
+</file>
+
+<file path=ppt/notesSlides/notesSlide5.xml><?xml version="1.0" encoding="utf-8"?>
+<p:notes xmlns:a="http://schemas.openxmlformats.org/drawingml/2006/main" xmlns:r="http://schemas.openxmlformats.org/officeDocument/2006/relationships" xmlns:p="http://schemas.openxmlformats.org/presentationml/2006/main">
+  <p:cSld>
+    <p:spTree>
+      <p:nvGrpSpPr>
+        <p:cNvPr id="1" name=""/>
+        <p:cNvGrpSpPr/>
+        <p:nvPr/>
+      </p:nvGrpSpPr>
+      <p:grpSpPr>
+        <a:xfrm>
+          <a:off x="0" y="0"/>
+          <a:ext cx="0" cy="0"/>
+          <a:chOff x="0" y="0"/>
+          <a:chExt cx="0" cy="0"/>
+        </a:xfrm>
+      </p:grpSpPr>
+      <p:sp>
+        <p:nvSpPr>
+          <p:cNvPr id="2" name="Slide Image Placeholder 1"/>
+          <p:cNvSpPr>
+            <a:spLocks noGrp="1" noRot="1" noChangeAspect="1"/>
+          </p:cNvSpPr>
+          <p:nvPr>
+            <p:ph type="sldImg"/>
+          </p:nvPr>
+        </p:nvSpPr>
+        <p:spPr/>
+      </p:sp>
+      <p:sp>
+        <p:nvSpPr>
+          <p:cNvPr id="3" name="Notes Placeholder 2"/>
+          <p:cNvSpPr>
+            <a:spLocks noGrp="1"/>
+          </p:cNvSpPr>
+          <p:nvPr>
+            <p:ph type="body" idx="1"/>
+          </p:nvPr>
+        </p:nvSpPr>
+        <p:spPr/>
+        <p:txBody>
+          <a:bodyPr/>
+          <a:lstStyle/>
+          <a:p>
+            <a:endParaRPr lang="en-US"/>
+          </a:p>
+        </p:txBody>
+      </p:sp>
+      <p:sp>
+        <p:nvSpPr>
+          <p:cNvPr id="4" name="Slide Number Placeholder 3"/>
+          <p:cNvSpPr>
+            <a:spLocks noGrp="1"/>
+          </p:cNvSpPr>
+          <p:nvPr>
+            <p:ph type="sldNum" sz="quarter" idx="10"/>
+          </p:nvPr>
+        </p:nvSpPr>
+        <p:spPr/>
+        <p:txBody>
+          <a:bodyPr/>
+          <a:lstStyle/>
+          <a:p>
+            <a:fld id="{1313B7F1-ECE9-4AD9-8377-5918A2E8BDEA}" type="slidenum">
+              <a:rPr lang="en-US" smtClean="0"/>
+              <a:t>5</a:t>
+            </a:fld>
+            <a:endParaRPr lang="en-US"/>
+          </a:p>
+        </p:txBody>
+      </p:sp>
+    </p:spTree>
+    <p:extLst>
+      <p:ext uri="{BB962C8B-B14F-4D97-AF65-F5344CB8AC3E}">
+        <p14:creationId xmlns:p14="http://schemas.microsoft.com/office/powerpoint/2010/main" val="615805563"/>
+      </p:ext>
+    </p:extLst>
+  </p:cSld>
+  <p:clrMapOvr>
+    <a:masterClrMapping/>
+  </p:clrMapOvr>
+</p:notes>
+</file>
+
+<file path=ppt/notesSlides/notesSlide6.xml><?xml version="1.0" encoding="utf-8"?>
+<p:notes xmlns:a="http://schemas.openxmlformats.org/drawingml/2006/main" xmlns:r="http://schemas.openxmlformats.org/officeDocument/2006/relationships" xmlns:p="http://schemas.openxmlformats.org/presentationml/2006/main">
+  <p:cSld>
+    <p:spTree>
+      <p:nvGrpSpPr>
+        <p:cNvPr id="1" name=""/>
+        <p:cNvGrpSpPr/>
+        <p:nvPr/>
+      </p:nvGrpSpPr>
+      <p:grpSpPr>
+        <a:xfrm>
+          <a:off x="0" y="0"/>
+          <a:ext cx="0" cy="0"/>
+          <a:chOff x="0" y="0"/>
+          <a:chExt cx="0" cy="0"/>
+        </a:xfrm>
+      </p:grpSpPr>
+      <p:sp>
+        <p:nvSpPr>
+          <p:cNvPr id="2" name="Slide Image Placeholder 1"/>
+          <p:cNvSpPr>
+            <a:spLocks noGrp="1" noRot="1" noChangeAspect="1"/>
+          </p:cNvSpPr>
+          <p:nvPr>
+            <p:ph type="sldImg"/>
+          </p:nvPr>
+        </p:nvSpPr>
+        <p:spPr/>
+      </p:sp>
+      <p:sp>
+        <p:nvSpPr>
+          <p:cNvPr id="3" name="Notes Placeholder 2"/>
+          <p:cNvSpPr>
+            <a:spLocks noGrp="1"/>
+          </p:cNvSpPr>
+          <p:nvPr>
+            <p:ph type="body" idx="1"/>
+          </p:nvPr>
+        </p:nvSpPr>
+        <p:spPr/>
+        <p:txBody>
+          <a:bodyPr/>
+          <a:lstStyle/>
+          <a:p>
+            <a:endParaRPr lang="en-US"/>
+          </a:p>
+        </p:txBody>
+      </p:sp>
+      <p:sp>
+        <p:nvSpPr>
+          <p:cNvPr id="4" name="Slide Number Placeholder 3"/>
+          <p:cNvSpPr>
+            <a:spLocks noGrp="1"/>
+          </p:cNvSpPr>
+          <p:nvPr>
+            <p:ph type="sldNum" sz="quarter" idx="10"/>
+          </p:nvPr>
+        </p:nvSpPr>
+        <p:spPr/>
+        <p:txBody>
+          <a:bodyPr/>
+          <a:lstStyle/>
+          <a:p>
+            <a:fld id="{1313B7F1-ECE9-4AD9-8377-5918A2E8BDEA}" type="slidenum">
+              <a:rPr lang="en-US" smtClean="0"/>
+              <a:t>6</a:t>
+            </a:fld>
+            <a:endParaRPr lang="en-US"/>
+          </a:p>
+        </p:txBody>
+      </p:sp>
+    </p:spTree>
+    <p:extLst>
+      <p:ext uri="{BB962C8B-B14F-4D97-AF65-F5344CB8AC3E}">
+        <p14:creationId xmlns:p14="http://schemas.microsoft.com/office/powerpoint/2010/main" val="1596488426"/>
+      </p:ext>
+    </p:extLst>
+  </p:cSld>
+  <p:clrMapOvr>
+    <a:masterClrMapping/>
+  </p:clrMapOvr>
+</p:notes>
+</file>
+
+<file path=ppt/notesSlides/notesSlide7.xml><?xml version="1.0" encoding="utf-8"?>
+<p:notes xmlns:a="http://schemas.openxmlformats.org/drawingml/2006/main" xmlns:r="http://schemas.openxmlformats.org/officeDocument/2006/relationships" xmlns:p="http://schemas.openxmlformats.org/presentationml/2006/main">
+  <p:cSld>
+    <p:spTree>
+      <p:nvGrpSpPr>
+        <p:cNvPr id="1" name=""/>
+        <p:cNvGrpSpPr/>
+        <p:nvPr/>
+      </p:nvGrpSpPr>
+      <p:grpSpPr>
+        <a:xfrm>
+          <a:off x="0" y="0"/>
+          <a:ext cx="0" cy="0"/>
+          <a:chOff x="0" y="0"/>
+          <a:chExt cx="0" cy="0"/>
+        </a:xfrm>
+      </p:grpSpPr>
+      <p:sp>
+        <p:nvSpPr>
+          <p:cNvPr id="2" name="Slide Image Placeholder 1"/>
+          <p:cNvSpPr>
+            <a:spLocks noGrp="1" noRot="1" noChangeAspect="1"/>
+          </p:cNvSpPr>
+          <p:nvPr>
+            <p:ph type="sldImg"/>
+          </p:nvPr>
+        </p:nvSpPr>
+        <p:spPr/>
+      </p:sp>
+      <p:sp>
+        <p:nvSpPr>
+          <p:cNvPr id="3" name="Notes Placeholder 2"/>
+          <p:cNvSpPr>
+            <a:spLocks noGrp="1"/>
+          </p:cNvSpPr>
+          <p:nvPr>
+            <p:ph type="body" idx="1"/>
+          </p:nvPr>
+        </p:nvSpPr>
+        <p:spPr/>
+        <p:txBody>
+          <a:bodyPr/>
+          <a:lstStyle/>
+          <a:p>
+            <a:endParaRPr lang="en-US"/>
+          </a:p>
+        </p:txBody>
+      </p:sp>
+      <p:sp>
+        <p:nvSpPr>
+          <p:cNvPr id="4" name="Slide Number Placeholder 3"/>
+          <p:cNvSpPr>
+            <a:spLocks noGrp="1"/>
+          </p:cNvSpPr>
+          <p:nvPr>
+            <p:ph type="sldNum" sz="quarter" idx="10"/>
+          </p:nvPr>
+        </p:nvSpPr>
+        <p:spPr/>
+        <p:txBody>
+          <a:bodyPr/>
+          <a:lstStyle/>
+          <a:p>
+            <a:fld id="{1313B7F1-ECE9-4AD9-8377-5918A2E8BDEA}" type="slidenum">
+              <a:rPr lang="en-US" smtClean="0"/>
+              <a:t>7</a:t>
+            </a:fld>
+            <a:endParaRPr lang="en-US"/>
+          </a:p>
+        </p:txBody>
+      </p:sp>
+    </p:spTree>
+    <p:extLst>
+      <p:ext uri="{BB962C8B-B14F-4D97-AF65-F5344CB8AC3E}">
+        <p14:creationId xmlns:p14="http://schemas.microsoft.com/office/powerpoint/2010/main" val="462480916"/>
+      </p:ext>
+    </p:extLst>
+  </p:cSld>
+  <p:clrMapOvr>
+    <a:masterClrMapping/>
+  </p:clrMapOvr>
+</p:notes>
+</file>
+
+<file path=ppt/notesSlides/notesSlide8.xml><?xml version="1.0" encoding="utf-8"?>
+<p:notes xmlns:a="http://schemas.openxmlformats.org/drawingml/2006/main" xmlns:r="http://schemas.openxmlformats.org/officeDocument/2006/relationships" xmlns:p="http://schemas.openxmlformats.org/presentationml/2006/main">
+  <p:cSld>
+    <p:spTree>
+      <p:nvGrpSpPr>
+        <p:cNvPr id="1" name=""/>
+        <p:cNvGrpSpPr/>
+        <p:nvPr/>
+      </p:nvGrpSpPr>
+      <p:grpSpPr>
+        <a:xfrm>
+          <a:off x="0" y="0"/>
+          <a:ext cx="0" cy="0"/>
+          <a:chOff x="0" y="0"/>
+          <a:chExt cx="0" cy="0"/>
+        </a:xfrm>
+      </p:grpSpPr>
+      <p:sp>
+        <p:nvSpPr>
+          <p:cNvPr id="2" name="Slide Image Placeholder 1"/>
+          <p:cNvSpPr>
+            <a:spLocks noGrp="1" noRot="1" noChangeAspect="1"/>
+          </p:cNvSpPr>
+          <p:nvPr>
+            <p:ph type="sldImg"/>
+          </p:nvPr>
+        </p:nvSpPr>
+        <p:spPr/>
+      </p:sp>
+      <p:sp>
+        <p:nvSpPr>
+          <p:cNvPr id="3" name="Notes Placeholder 2"/>
+          <p:cNvSpPr>
+            <a:spLocks noGrp="1"/>
+          </p:cNvSpPr>
+          <p:nvPr>
+            <p:ph type="body" idx="1"/>
+          </p:nvPr>
+        </p:nvSpPr>
+        <p:spPr/>
+        <p:txBody>
+          <a:bodyPr/>
+          <a:lstStyle/>
+          <a:p>
+            <a:endParaRPr lang="en-US"/>
+          </a:p>
+        </p:txBody>
+      </p:sp>
+      <p:sp>
+        <p:nvSpPr>
+          <p:cNvPr id="4" name="Slide Number Placeholder 3"/>
+          <p:cNvSpPr>
+            <a:spLocks noGrp="1"/>
+          </p:cNvSpPr>
+          <p:nvPr>
+            <p:ph type="sldNum" sz="quarter" idx="10"/>
+          </p:nvPr>
+        </p:nvSpPr>
+        <p:spPr/>
+        <p:txBody>
+          <a:bodyPr/>
+          <a:lstStyle/>
+          <a:p>
+            <a:fld id="{1313B7F1-ECE9-4AD9-8377-5918A2E8BDEA}" type="slidenum">
+              <a:rPr lang="en-US" smtClean="0"/>
+              <a:t>8</a:t>
+            </a:fld>
+            <a:endParaRPr lang="en-US"/>
+          </a:p>
+        </p:txBody>
+      </p:sp>
+    </p:spTree>
+    <p:extLst>
+      <p:ext uri="{BB962C8B-B14F-4D97-AF65-F5344CB8AC3E}">
+        <p14:creationId xmlns:p14="http://schemas.microsoft.com/office/powerpoint/2010/main" val="1647514355"/>
+      </p:ext>
+    </p:extLst>
+  </p:cSld>
+  <p:clrMapOvr>
+    <a:masterClrMapping/>
+  </p:clrMapOvr>
+</p:notes>
+</file>
+
+<file path=ppt/notesSlides/notesSlide9.xml><?xml version="1.0" encoding="utf-8"?>
+<p:notes xmlns:a="http://schemas.openxmlformats.org/drawingml/2006/main" xmlns:r="http://schemas.openxmlformats.org/officeDocument/2006/relationships" xmlns:p="http://schemas.openxmlformats.org/presentationml/2006/main">
+  <p:cSld>
+    <p:spTree>
+      <p:nvGrpSpPr>
+        <p:cNvPr id="1" name=""/>
+        <p:cNvGrpSpPr/>
+        <p:nvPr/>
+      </p:nvGrpSpPr>
+      <p:grpSpPr>
+        <a:xfrm>
+          <a:off x="0" y="0"/>
+          <a:ext cx="0" cy="0"/>
+          <a:chOff x="0" y="0"/>
+          <a:chExt cx="0" cy="0"/>
+        </a:xfrm>
+      </p:grpSpPr>
+      <p:sp>
+        <p:nvSpPr>
+          <p:cNvPr id="2" name="Slide Image Placeholder 1"/>
+          <p:cNvSpPr>
+            <a:spLocks noGrp="1" noRot="1" noChangeAspect="1"/>
+          </p:cNvSpPr>
+          <p:nvPr>
+            <p:ph type="sldImg"/>
+          </p:nvPr>
+        </p:nvSpPr>
+        <p:spPr/>
+      </p:sp>
+      <p:sp>
+        <p:nvSpPr>
+          <p:cNvPr id="3" name="Notes Placeholder 2"/>
+          <p:cNvSpPr>
+            <a:spLocks noGrp="1"/>
+          </p:cNvSpPr>
+          <p:nvPr>
+            <p:ph type="body" idx="1"/>
+          </p:nvPr>
+        </p:nvSpPr>
+        <p:spPr/>
+        <p:txBody>
+          <a:bodyPr/>
+          <a:lstStyle/>
+          <a:p>
+            <a:endParaRPr lang="en-US"/>
+          </a:p>
+        </p:txBody>
+      </p:sp>
+      <p:sp>
+        <p:nvSpPr>
+          <p:cNvPr id="4" name="Slide Number Placeholder 3"/>
+          <p:cNvSpPr>
+            <a:spLocks noGrp="1"/>
+          </p:cNvSpPr>
+          <p:nvPr>
+            <p:ph type="sldNum" sz="quarter" idx="10"/>
+          </p:nvPr>
+        </p:nvSpPr>
+        <p:spPr/>
+        <p:txBody>
+          <a:bodyPr/>
+          <a:lstStyle/>
+          <a:p>
+            <a:fld id="{1313B7F1-ECE9-4AD9-8377-5918A2E8BDEA}" type="slidenum">
+              <a:rPr lang="en-US" smtClean="0"/>
+              <a:t>9</a:t>
+            </a:fld>
+            <a:endParaRPr lang="en-US"/>
+          </a:p>
+        </p:txBody>
+      </p:sp>
+    </p:spTree>
+    <p:extLst>
+      <p:ext uri="{BB962C8B-B14F-4D97-AF65-F5344CB8AC3E}">
+        <p14:creationId xmlns:p14="http://schemas.microsoft.com/office/powerpoint/2010/main" val="3164423544"/>
       </p:ext>
     </p:extLst>
   </p:cSld>
@@ -942,7 +2633,7 @@
             <a:fld id="{B61BEF0D-F0BB-DE4B-95CE-6DB70DBA9567}" type="datetimeFigureOut">
               <a:rPr lang="en-US" smtClean="0"/>
               <a:pPr/>
-              <a:t>11/27/2017</a:t>
+              <a:t>11/28/2017</a:t>
             </a:fld>
             <a:endParaRPr lang="en-US" dirty="0"/>
           </a:p>
@@ -1240,7 +2931,7 @@
             <a:fld id="{B61BEF0D-F0BB-DE4B-95CE-6DB70DBA9567}" type="datetimeFigureOut">
               <a:rPr lang="en-US" smtClean="0"/>
               <a:pPr/>
-              <a:t>11/27/2017</a:t>
+              <a:t>11/28/2017</a:t>
             </a:fld>
             <a:endParaRPr lang="en-US" dirty="0"/>
           </a:p>
@@ -1490,7 +3181,7 @@
             <a:fld id="{B61BEF0D-F0BB-DE4B-95CE-6DB70DBA9567}" type="datetimeFigureOut">
               <a:rPr lang="en-US" smtClean="0"/>
               <a:pPr/>
-              <a:t>11/27/2017</a:t>
+              <a:t>11/28/2017</a:t>
             </a:fld>
             <a:endParaRPr lang="en-US" dirty="0"/>
           </a:p>
@@ -2028,7 +3719,7 @@
             <a:fld id="{B61BEF0D-F0BB-DE4B-95CE-6DB70DBA9567}" type="datetimeFigureOut">
               <a:rPr lang="en-US" smtClean="0"/>
               <a:pPr/>
-              <a:t>11/27/2017</a:t>
+              <a:t>11/28/2017</a:t>
             </a:fld>
             <a:endParaRPr lang="en-US" dirty="0"/>
           </a:p>
@@ -2278,7 +3969,7 @@
             <a:fld id="{B61BEF0D-F0BB-DE4B-95CE-6DB70DBA9567}" type="datetimeFigureOut">
               <a:rPr lang="en-US" smtClean="0"/>
               <a:pPr/>
-              <a:t>11/27/2017</a:t>
+              <a:t>11/28/2017</a:t>
             </a:fld>
             <a:endParaRPr lang="en-US" dirty="0"/>
           </a:p>
@@ -2823,7 +4514,7 @@
             <a:fld id="{B61BEF0D-F0BB-DE4B-95CE-6DB70DBA9567}" type="datetimeFigureOut">
               <a:rPr lang="en-US" smtClean="0"/>
               <a:pPr/>
-              <a:t>11/27/2017</a:t>
+              <a:t>11/28/2017</a:t>
             </a:fld>
             <a:endParaRPr lang="en-US" dirty="0"/>
           </a:p>
@@ -3135,7 +4826,7 @@
             <a:fld id="{B61BEF0D-F0BB-DE4B-95CE-6DB70DBA9567}" type="datetimeFigureOut">
               <a:rPr lang="en-US" smtClean="0"/>
               <a:pPr/>
-              <a:t>11/27/2017</a:t>
+              <a:t>11/28/2017</a:t>
             </a:fld>
             <a:endParaRPr lang="en-US" dirty="0"/>
           </a:p>
@@ -3312,7 +5003,7 @@
             <a:fld id="{B61BEF0D-F0BB-DE4B-95CE-6DB70DBA9567}" type="datetimeFigureOut">
               <a:rPr lang="en-US" smtClean="0"/>
               <a:pPr/>
-              <a:t>11/27/2017</a:t>
+              <a:t>11/28/2017</a:t>
             </a:fld>
             <a:endParaRPr lang="en-US" dirty="0"/>
           </a:p>
@@ -3494,7 +5185,7 @@
             <a:fld id="{B61BEF0D-F0BB-DE4B-95CE-6DB70DBA9567}" type="datetimeFigureOut">
               <a:rPr lang="en-US" smtClean="0"/>
               <a:pPr/>
-              <a:t>11/27/2017</a:t>
+              <a:t>11/28/2017</a:t>
             </a:fld>
             <a:endParaRPr lang="en-US" dirty="0"/>
           </a:p>
@@ -3671,7 +5362,7 @@
             <a:fld id="{B61BEF0D-F0BB-DE4B-95CE-6DB70DBA9567}" type="datetimeFigureOut">
               <a:rPr lang="en-US" smtClean="0"/>
               <a:pPr/>
-              <a:t>11/27/2017</a:t>
+              <a:t>11/28/2017</a:t>
             </a:fld>
             <a:endParaRPr lang="en-US" dirty="0"/>
           </a:p>
@@ -3919,7 +5610,7 @@
             <a:fld id="{B61BEF0D-F0BB-DE4B-95CE-6DB70DBA9567}" type="datetimeFigureOut">
               <a:rPr lang="en-US" smtClean="0"/>
               <a:pPr/>
-              <a:t>11/27/2017</a:t>
+              <a:t>11/28/2017</a:t>
             </a:fld>
             <a:endParaRPr lang="en-US" dirty="0"/>
           </a:p>
@@ -4218,7 +5909,7 @@
             <a:fld id="{B61BEF0D-F0BB-DE4B-95CE-6DB70DBA9567}" type="datetimeFigureOut">
               <a:rPr lang="en-US" smtClean="0"/>
               <a:pPr/>
-              <a:t>11/27/2017</a:t>
+              <a:t>11/28/2017</a:t>
             </a:fld>
             <a:endParaRPr lang="en-US" dirty="0"/>
           </a:p>
@@ -4650,7 +6341,7 @@
             <a:fld id="{B61BEF0D-F0BB-DE4B-95CE-6DB70DBA9567}" type="datetimeFigureOut">
               <a:rPr lang="en-US" smtClean="0"/>
               <a:pPr/>
-              <a:t>11/27/2017</a:t>
+              <a:t>11/28/2017</a:t>
             </a:fld>
             <a:endParaRPr lang="en-US" dirty="0"/>
           </a:p>
@@ -4770,7 +6461,7 @@
             <a:fld id="{B61BEF0D-F0BB-DE4B-95CE-6DB70DBA9567}" type="datetimeFigureOut">
               <a:rPr lang="en-US" smtClean="0"/>
               <a:pPr/>
-              <a:t>11/27/2017</a:t>
+              <a:t>11/28/2017</a:t>
             </a:fld>
             <a:endParaRPr lang="en-US" dirty="0"/>
           </a:p>
@@ -4867,7 +6558,7 @@
             <a:fld id="{B61BEF0D-F0BB-DE4B-95CE-6DB70DBA9567}" type="datetimeFigureOut">
               <a:rPr lang="en-US" smtClean="0"/>
               <a:pPr/>
-              <a:t>11/27/2017</a:t>
+              <a:t>11/28/2017</a:t>
             </a:fld>
             <a:endParaRPr lang="en-US" dirty="0"/>
           </a:p>
@@ -5152,7 +6843,7 @@
             <a:fld id="{B61BEF0D-F0BB-DE4B-95CE-6DB70DBA9567}" type="datetimeFigureOut">
               <a:rPr lang="en-US" smtClean="0"/>
               <a:pPr/>
-              <a:t>11/27/2017</a:t>
+              <a:t>11/28/2017</a:t>
             </a:fld>
             <a:endParaRPr lang="en-US" dirty="0"/>
           </a:p>
@@ -5445,7 +7136,7 @@
             <a:fld id="{B61BEF0D-F0BB-DE4B-95CE-6DB70DBA9567}" type="datetimeFigureOut">
               <a:rPr lang="en-US" smtClean="0"/>
               <a:pPr/>
-              <a:t>11/27/2017</a:t>
+              <a:t>11/28/2017</a:t>
             </a:fld>
             <a:endParaRPr lang="en-US" dirty="0"/>
           </a:p>
@@ -5684,7 +7375,7 @@
             <a:fld id="{B61BEF0D-F0BB-DE4B-95CE-6DB70DBA9567}" type="datetimeFigureOut">
               <a:rPr lang="en-US" smtClean="0"/>
               <a:pPr/>
-              <a:t>11/27/2017</a:t>
+              <a:t>11/28/2017</a:t>
             </a:fld>
             <a:endParaRPr lang="en-US" dirty="0"/>
           </a:p>
@@ -6433,7 +8124,7 @@
           <p:cNvPr id="5" name="Straight Connector 4">
             <a:extLst>
               <a:ext uri="{FF2B5EF4-FFF2-40B4-BE49-F238E27FC236}">
-                <a16:creationId xmlns:a16="http://schemas.microsoft.com/office/drawing/2014/main" id="{FA70666D-1B80-4090-B917-DAD4D31032A6}"/>
+                <a16:creationId xmlns="" xmlns:a16="http://schemas.microsoft.com/office/drawing/2014/main" id="{FA70666D-1B80-4090-B917-DAD4D31032A6}"/>
               </a:ext>
             </a:extLst>
           </p:cNvPr>
@@ -6474,6 +8165,13 @@
   <p:clrMapOvr>
     <a:masterClrMapping/>
   </p:clrMapOvr>
+  <p:timing>
+    <p:tnLst>
+      <p:par>
+        <p:cTn id="1" dur="indefinite" restart="never" nodeType="tmRoot"/>
+      </p:par>
+    </p:tnLst>
+  </p:timing>
 </p:sld>
 </file>
 
@@ -6879,7 +8577,7 @@
           <p:cNvPr id="5" name="Rectangle 4">
             <a:extLst>
               <a:ext uri="{FF2B5EF4-FFF2-40B4-BE49-F238E27FC236}">
-                <a16:creationId xmlns:a16="http://schemas.microsoft.com/office/drawing/2014/main" id="{4AFEE50C-D6BA-48BA-BD4F-0BC2A3027C0D}"/>
+                <a16:creationId xmlns="" xmlns:a16="http://schemas.microsoft.com/office/drawing/2014/main" id="{4AFEE50C-D6BA-48BA-BD4F-0BC2A3027C0D}"/>
               </a:ext>
             </a:extLst>
           </p:cNvPr>
@@ -7280,7 +8978,7 @@
           <p:cNvPr id="4" name="Rectangle 3">
             <a:extLst>
               <a:ext uri="{FF2B5EF4-FFF2-40B4-BE49-F238E27FC236}">
-                <a16:creationId xmlns:a16="http://schemas.microsoft.com/office/drawing/2014/main" id="{66F6E9EE-56AC-4C91-BCC8-B2AB79A38D83}"/>
+                <a16:creationId xmlns="" xmlns:a16="http://schemas.microsoft.com/office/drawing/2014/main" id="{66F6E9EE-56AC-4C91-BCC8-B2AB79A38D83}"/>
               </a:ext>
             </a:extLst>
           </p:cNvPr>
@@ -8225,7 +9923,7 @@
           <p:cNvPr id="4" name="Content Placeholder 2">
             <a:extLst>
               <a:ext uri="{FF2B5EF4-FFF2-40B4-BE49-F238E27FC236}">
-                <a16:creationId xmlns:a16="http://schemas.microsoft.com/office/drawing/2014/main" id="{444E3BA5-B9E7-4C01-9F37-A4ECB2434A43}"/>
+                <a16:creationId xmlns="" xmlns:a16="http://schemas.microsoft.com/office/drawing/2014/main" id="{444E3BA5-B9E7-4C01-9F37-A4ECB2434A43}"/>
               </a:ext>
             </a:extLst>
           </p:cNvPr>
@@ -8892,7 +10590,7 @@
           <p:cNvPr id="6" name="Straight Connector 5">
             <a:extLst>
               <a:ext uri="{FF2B5EF4-FFF2-40B4-BE49-F238E27FC236}">
-                <a16:creationId xmlns:a16="http://schemas.microsoft.com/office/drawing/2014/main" id="{F434FCDB-F4C3-4BE3-BD04-7944106B39DD}"/>
+                <a16:creationId xmlns="" xmlns:a16="http://schemas.microsoft.com/office/drawing/2014/main" id="{F434FCDB-F4C3-4BE3-BD04-7944106B39DD}"/>
               </a:ext>
             </a:extLst>
           </p:cNvPr>
@@ -9258,6 +10956,13 @@
   <p:clrMapOvr>
     <a:masterClrMapping/>
   </p:clrMapOvr>
+  <p:timing>
+    <p:tnLst>
+      <p:par>
+        <p:cTn id="1" dur="indefinite" restart="never" nodeType="tmRoot"/>
+      </p:par>
+    </p:tnLst>
+  </p:timing>
 </p:sld>
 </file>
 
@@ -9799,7 +11504,7 @@
           <a:p>
             <a:r>
               <a:rPr lang="en-US" sz="2400" dirty="0">
-                <a:hlinkClick r:id="rId2"/>
+                <a:hlinkClick r:id="rId3"/>
               </a:rPr>
               <a:t>https://github.com/jjdm/cissp-software</a:t>
             </a:r>
@@ -9812,7 +11517,7 @@
             </a:r>
             <a:r>
               <a:rPr lang="en-US" sz="2400" dirty="0">
-                <a:hlinkClick r:id="rId3"/>
+                <a:hlinkClick r:id="rId4"/>
               </a:rPr>
               <a:t>josh.martin@gmail.com</a:t>
             </a:r>
@@ -10167,7 +11872,7 @@
           <p:nvPr/>
         </p:nvPicPr>
         <p:blipFill>
-          <a:blip r:embed="rId2" cstate="email">
+          <a:blip r:embed="rId3" cstate="email">
             <a:extLst>
               <a:ext uri="{28A0092B-C50C-407E-A947-70E740481C1C}">
                 <a14:useLocalDpi xmlns:a14="http://schemas.microsoft.com/office/drawing/2010/main"/>
@@ -10208,7 +11913,7 @@
           <p:nvPr/>
         </p:nvPicPr>
         <p:blipFill>
-          <a:blip r:embed="rId3" cstate="email">
+          <a:blip r:embed="rId4" cstate="email">
             <a:extLst>
               <a:ext uri="{28A0092B-C50C-407E-A947-70E740481C1C}">
                 <a14:useLocalDpi xmlns:a14="http://schemas.microsoft.com/office/drawing/2010/main"/>
@@ -10249,7 +11954,7 @@
           <p:nvPr/>
         </p:nvPicPr>
         <p:blipFill>
-          <a:blip r:embed="rId4" cstate="email">
+          <a:blip r:embed="rId5" cstate="email">
             <a:extLst>
               <a:ext uri="{28A0092B-C50C-407E-A947-70E740481C1C}">
                 <a14:useLocalDpi xmlns:a14="http://schemas.microsoft.com/office/drawing/2010/main"/>
@@ -10290,7 +11995,7 @@
           <p:nvPr/>
         </p:nvPicPr>
         <p:blipFill>
-          <a:blip r:embed="rId5" cstate="email">
+          <a:blip r:embed="rId6" cstate="email">
             <a:extLst>
               <a:ext uri="{28A0092B-C50C-407E-A947-70E740481C1C}">
                 <a14:useLocalDpi xmlns:a14="http://schemas.microsoft.com/office/drawing/2010/main"/>
@@ -10331,7 +12036,7 @@
           <p:nvPr/>
         </p:nvPicPr>
         <p:blipFill rotWithShape="1">
-          <a:blip r:embed="rId6" cstate="email">
+          <a:blip r:embed="rId7" cstate="email">
             <a:extLst>
               <a:ext uri="{28A0092B-C50C-407E-A947-70E740481C1C}">
                 <a14:useLocalDpi xmlns:a14="http://schemas.microsoft.com/office/drawing/2010/main"/>
@@ -10360,7 +12065,7 @@
           <p:nvPr/>
         </p:nvPicPr>
         <p:blipFill rotWithShape="1">
-          <a:blip r:embed="rId7" cstate="email">
+          <a:blip r:embed="rId8" cstate="email">
             <a:extLst>
               <a:ext uri="{28A0092B-C50C-407E-A947-70E740481C1C}">
                 <a14:useLocalDpi xmlns:a14="http://schemas.microsoft.com/office/drawing/2010/main"/>
@@ -10918,4 +12623,265 @@
     </a:ext>
   </a:extLst>
 </a:theme>
+</file>
+
+<file path=ppt/theme/theme3.xml><?xml version="1.0" encoding="utf-8"?>
+<a:theme xmlns:a="http://schemas.openxmlformats.org/drawingml/2006/main" name="Office Theme">
+  <a:themeElements>
+    <a:clrScheme name="Office">
+      <a:dk1>
+        <a:sysClr val="windowText" lastClr="000000"/>
+      </a:dk1>
+      <a:lt1>
+        <a:sysClr val="window" lastClr="FFFFFF"/>
+      </a:lt1>
+      <a:dk2>
+        <a:srgbClr val="44546A"/>
+      </a:dk2>
+      <a:lt2>
+        <a:srgbClr val="E7E6E6"/>
+      </a:lt2>
+      <a:accent1>
+        <a:srgbClr val="5B9BD5"/>
+      </a:accent1>
+      <a:accent2>
+        <a:srgbClr val="ED7D31"/>
+      </a:accent2>
+      <a:accent3>
+        <a:srgbClr val="A5A5A5"/>
+      </a:accent3>
+      <a:accent4>
+        <a:srgbClr val="FFC000"/>
+      </a:accent4>
+      <a:accent5>
+        <a:srgbClr val="4472C4"/>
+      </a:accent5>
+      <a:accent6>
+        <a:srgbClr val="70AD47"/>
+      </a:accent6>
+      <a:hlink>
+        <a:srgbClr val="0563C1"/>
+      </a:hlink>
+      <a:folHlink>
+        <a:srgbClr val="954F72"/>
+      </a:folHlink>
+    </a:clrScheme>
+    <a:fontScheme name="Office">
+      <a:majorFont>
+        <a:latin typeface="Calibri Light" panose="020F0302020204030204"/>
+        <a:ea typeface=""/>
+        <a:cs typeface=""/>
+        <a:font script="Jpan" typeface="ＭＳ Ｐゴシック"/>
+        <a:font script="Hang" typeface="맑은 고딕"/>
+        <a:font script="Hans" typeface="宋体"/>
+        <a:font script="Hant" typeface="新細明體"/>
+        <a:font script="Arab" typeface="Times New Roman"/>
+        <a:font script="Hebr" typeface="Times New Roman"/>
+        <a:font script="Thai" typeface="Angsana New"/>
+        <a:font script="Ethi" typeface="Nyala"/>
+        <a:font script="Beng" typeface="Vrinda"/>
+        <a:font script="Gujr" typeface="Shruti"/>
+        <a:font script="Khmr" typeface="MoolBoran"/>
+        <a:font script="Knda" typeface="Tunga"/>
+        <a:font script="Guru" typeface="Raavi"/>
+        <a:font script="Cans" typeface="Euphemia"/>
+        <a:font script="Cher" typeface="Plantagenet Cherokee"/>
+        <a:font script="Yiii" typeface="Microsoft Yi Baiti"/>
+        <a:font script="Tibt" typeface="Microsoft Himalaya"/>
+        <a:font script="Thaa" typeface="MV Boli"/>
+        <a:font script="Deva" typeface="Mangal"/>
+        <a:font script="Telu" typeface="Gautami"/>
+        <a:font script="Taml" typeface="Latha"/>
+        <a:font script="Syrc" typeface="Estrangelo Edessa"/>
+        <a:font script="Orya" typeface="Kalinga"/>
+        <a:font script="Mlym" typeface="Kartika"/>
+        <a:font script="Laoo" typeface="DokChampa"/>
+        <a:font script="Sinh" typeface="Iskoola Pota"/>
+        <a:font script="Mong" typeface="Mongolian Baiti"/>
+        <a:font script="Viet" typeface="Times New Roman"/>
+        <a:font script="Uigh" typeface="Microsoft Uighur"/>
+        <a:font script="Geor" typeface="Sylfaen"/>
+      </a:majorFont>
+      <a:minorFont>
+        <a:latin typeface="Calibri" panose="020F0502020204030204"/>
+        <a:ea typeface=""/>
+        <a:cs typeface=""/>
+        <a:font script="Jpan" typeface="ＭＳ Ｐゴシック"/>
+        <a:font script="Hang" typeface="맑은 고딕"/>
+        <a:font script="Hans" typeface="宋体"/>
+        <a:font script="Hant" typeface="新細明體"/>
+        <a:font script="Arab" typeface="Arial"/>
+        <a:font script="Hebr" typeface="Arial"/>
+        <a:font script="Thai" typeface="Cordia New"/>
+        <a:font script="Ethi" typeface="Nyala"/>
+        <a:font script="Beng" typeface="Vrinda"/>
+        <a:font script="Gujr" typeface="Shruti"/>
+        <a:font script="Khmr" typeface="DaunPenh"/>
+        <a:font script="Knda" typeface="Tunga"/>
+        <a:font script="Guru" typeface="Raavi"/>
+        <a:font script="Cans" typeface="Euphemia"/>
+        <a:font script="Cher" typeface="Plantagenet Cherokee"/>
+        <a:font script="Yiii" typeface="Microsoft Yi Baiti"/>
+        <a:font script="Tibt" typeface="Microsoft Himalaya"/>
+        <a:font script="Thaa" typeface="MV Boli"/>
+        <a:font script="Deva" typeface="Mangal"/>
+        <a:font script="Telu" typeface="Gautami"/>
+        <a:font script="Taml" typeface="Latha"/>
+        <a:font script="Syrc" typeface="Estrangelo Edessa"/>
+        <a:font script="Orya" typeface="Kalinga"/>
+        <a:font script="Mlym" typeface="Kartika"/>
+        <a:font script="Laoo" typeface="DokChampa"/>
+        <a:font script="Sinh" typeface="Iskoola Pota"/>
+        <a:font script="Mong" typeface="Mongolian Baiti"/>
+        <a:font script="Viet" typeface="Arial"/>
+        <a:font script="Uigh" typeface="Microsoft Uighur"/>
+        <a:font script="Geor" typeface="Sylfaen"/>
+      </a:minorFont>
+    </a:fontScheme>
+    <a:fmtScheme name="Office">
+      <a:fillStyleLst>
+        <a:solidFill>
+          <a:schemeClr val="phClr"/>
+        </a:solidFill>
+        <a:gradFill rotWithShape="1">
+          <a:gsLst>
+            <a:gs pos="0">
+              <a:schemeClr val="phClr">
+                <a:lumMod val="110000"/>
+                <a:satMod val="105000"/>
+                <a:tint val="67000"/>
+              </a:schemeClr>
+            </a:gs>
+            <a:gs pos="50000">
+              <a:schemeClr val="phClr">
+                <a:lumMod val="105000"/>
+                <a:satMod val="103000"/>
+                <a:tint val="73000"/>
+              </a:schemeClr>
+            </a:gs>
+            <a:gs pos="100000">
+              <a:schemeClr val="phClr">
+                <a:lumMod val="105000"/>
+                <a:satMod val="109000"/>
+                <a:tint val="81000"/>
+              </a:schemeClr>
+            </a:gs>
+          </a:gsLst>
+          <a:lin ang="5400000" scaled="0"/>
+        </a:gradFill>
+        <a:gradFill rotWithShape="1">
+          <a:gsLst>
+            <a:gs pos="0">
+              <a:schemeClr val="phClr">
+                <a:satMod val="103000"/>
+                <a:lumMod val="102000"/>
+                <a:tint val="94000"/>
+              </a:schemeClr>
+            </a:gs>
+            <a:gs pos="50000">
+              <a:schemeClr val="phClr">
+                <a:satMod val="110000"/>
+                <a:lumMod val="100000"/>
+                <a:shade val="100000"/>
+              </a:schemeClr>
+            </a:gs>
+            <a:gs pos="100000">
+              <a:schemeClr val="phClr">
+                <a:lumMod val="99000"/>
+                <a:satMod val="120000"/>
+                <a:shade val="78000"/>
+              </a:schemeClr>
+            </a:gs>
+          </a:gsLst>
+          <a:lin ang="5400000" scaled="0"/>
+        </a:gradFill>
+      </a:fillStyleLst>
+      <a:lnStyleLst>
+        <a:ln w="6350" cap="flat" cmpd="sng" algn="ctr">
+          <a:solidFill>
+            <a:schemeClr val="phClr"/>
+          </a:solidFill>
+          <a:prstDash val="solid"/>
+          <a:miter lim="800000"/>
+        </a:ln>
+        <a:ln w="12700" cap="flat" cmpd="sng" algn="ctr">
+          <a:solidFill>
+            <a:schemeClr val="phClr"/>
+          </a:solidFill>
+          <a:prstDash val="solid"/>
+          <a:miter lim="800000"/>
+        </a:ln>
+        <a:ln w="19050" cap="flat" cmpd="sng" algn="ctr">
+          <a:solidFill>
+            <a:schemeClr val="phClr"/>
+          </a:solidFill>
+          <a:prstDash val="solid"/>
+          <a:miter lim="800000"/>
+        </a:ln>
+      </a:lnStyleLst>
+      <a:effectStyleLst>
+        <a:effectStyle>
+          <a:effectLst/>
+        </a:effectStyle>
+        <a:effectStyle>
+          <a:effectLst/>
+        </a:effectStyle>
+        <a:effectStyle>
+          <a:effectLst>
+            <a:outerShdw blurRad="57150" dist="19050" dir="5400000" algn="ctr" rotWithShape="0">
+              <a:srgbClr val="000000">
+                <a:alpha val="63000"/>
+              </a:srgbClr>
+            </a:outerShdw>
+          </a:effectLst>
+        </a:effectStyle>
+      </a:effectStyleLst>
+      <a:bgFillStyleLst>
+        <a:solidFill>
+          <a:schemeClr val="phClr"/>
+        </a:solidFill>
+        <a:solidFill>
+          <a:schemeClr val="phClr">
+            <a:tint val="95000"/>
+            <a:satMod val="170000"/>
+          </a:schemeClr>
+        </a:solidFill>
+        <a:gradFill rotWithShape="1">
+          <a:gsLst>
+            <a:gs pos="0">
+              <a:schemeClr val="phClr">
+                <a:tint val="93000"/>
+                <a:satMod val="150000"/>
+                <a:shade val="98000"/>
+                <a:lumMod val="102000"/>
+              </a:schemeClr>
+            </a:gs>
+            <a:gs pos="50000">
+              <a:schemeClr val="phClr">
+                <a:tint val="98000"/>
+                <a:satMod val="130000"/>
+                <a:shade val="90000"/>
+                <a:lumMod val="103000"/>
+              </a:schemeClr>
+            </a:gs>
+            <a:gs pos="100000">
+              <a:schemeClr val="phClr">
+                <a:shade val="63000"/>
+                <a:satMod val="120000"/>
+              </a:schemeClr>
+            </a:gs>
+          </a:gsLst>
+          <a:lin ang="5400000" scaled="0"/>
+        </a:gradFill>
+      </a:bgFillStyleLst>
+    </a:fmtScheme>
+  </a:themeElements>
+  <a:objectDefaults/>
+  <a:extraClrSchemeLst/>
+  <a:extLst>
+    <a:ext uri="{05A4C25C-085E-4340-85A3-A5531E510DB2}">
+      <thm15:themeFamily xmlns:thm15="http://schemas.microsoft.com/office/thememl/2012/main" name="Office Theme" id="{62F939B6-93AF-4DB8-9C6B-D6C7DFDC589F}" vid="{4A3C46E8-61CC-4603-A589-7422A47A8E4A}"/>
+    </a:ext>
+  </a:extLst>
+</a:theme>
 </file>
--- a/docs/Software Development - CISSP.pptx
+++ b/docs/Software Development - CISSP.pptx
@@ -223,7 +223,7 @@
           <a:p>
             <a:fld id="{4479618F-C858-4DED-966E-9D4454ABF05F}" type="datetimeFigureOut">
               <a:rPr lang="en-US" smtClean="0"/>
-              <a:t>11/28/2017</a:t>
+              <a:t>11/27/2018</a:t>
             </a:fld>
             <a:endParaRPr lang="en-US"/>
           </a:p>
@@ -388,7 +388,7 @@
           <a:p>
             <a:fld id="{D190D2B4-3B5D-40DA-93BE-C4D5E2164FB1}" type="datetimeFigureOut">
               <a:rPr lang="en-US" smtClean="0"/>
-              <a:t>11/28/2017</a:t>
+              <a:t>11/27/2018</a:t>
             </a:fld>
             <a:endParaRPr lang="en-US"/>
           </a:p>
@@ -2633,7 +2633,7 @@
             <a:fld id="{B61BEF0D-F0BB-DE4B-95CE-6DB70DBA9567}" type="datetimeFigureOut">
               <a:rPr lang="en-US" smtClean="0"/>
               <a:pPr/>
-              <a:t>11/28/2017</a:t>
+              <a:t>11/27/2018</a:t>
             </a:fld>
             <a:endParaRPr lang="en-US" dirty="0"/>
           </a:p>
@@ -2931,7 +2931,7 @@
             <a:fld id="{B61BEF0D-F0BB-DE4B-95CE-6DB70DBA9567}" type="datetimeFigureOut">
               <a:rPr lang="en-US" smtClean="0"/>
               <a:pPr/>
-              <a:t>11/28/2017</a:t>
+              <a:t>11/27/2018</a:t>
             </a:fld>
             <a:endParaRPr lang="en-US" dirty="0"/>
           </a:p>
@@ -3181,7 +3181,7 @@
             <a:fld id="{B61BEF0D-F0BB-DE4B-95CE-6DB70DBA9567}" type="datetimeFigureOut">
               <a:rPr lang="en-US" smtClean="0"/>
               <a:pPr/>
-              <a:t>11/28/2017</a:t>
+              <a:t>11/27/2018</a:t>
             </a:fld>
             <a:endParaRPr lang="en-US" dirty="0"/>
           </a:p>
@@ -3719,7 +3719,7 @@
             <a:fld id="{B61BEF0D-F0BB-DE4B-95CE-6DB70DBA9567}" type="datetimeFigureOut">
               <a:rPr lang="en-US" smtClean="0"/>
               <a:pPr/>
-              <a:t>11/28/2017</a:t>
+              <a:t>11/27/2018</a:t>
             </a:fld>
             <a:endParaRPr lang="en-US" dirty="0"/>
           </a:p>
@@ -3969,7 +3969,7 @@
             <a:fld id="{B61BEF0D-F0BB-DE4B-95CE-6DB70DBA9567}" type="datetimeFigureOut">
               <a:rPr lang="en-US" smtClean="0"/>
               <a:pPr/>
-              <a:t>11/28/2017</a:t>
+              <a:t>11/27/2018</a:t>
             </a:fld>
             <a:endParaRPr lang="en-US" dirty="0"/>
           </a:p>
@@ -4514,7 +4514,7 @@
             <a:fld id="{B61BEF0D-F0BB-DE4B-95CE-6DB70DBA9567}" type="datetimeFigureOut">
               <a:rPr lang="en-US" smtClean="0"/>
               <a:pPr/>
-              <a:t>11/28/2017</a:t>
+              <a:t>11/27/2018</a:t>
             </a:fld>
             <a:endParaRPr lang="en-US" dirty="0"/>
           </a:p>
@@ -4826,7 +4826,7 @@
             <a:fld id="{B61BEF0D-F0BB-DE4B-95CE-6DB70DBA9567}" type="datetimeFigureOut">
               <a:rPr lang="en-US" smtClean="0"/>
               <a:pPr/>
-              <a:t>11/28/2017</a:t>
+              <a:t>11/27/2018</a:t>
             </a:fld>
             <a:endParaRPr lang="en-US" dirty="0"/>
           </a:p>
@@ -5003,7 +5003,7 @@
             <a:fld id="{B61BEF0D-F0BB-DE4B-95CE-6DB70DBA9567}" type="datetimeFigureOut">
               <a:rPr lang="en-US" smtClean="0"/>
               <a:pPr/>
-              <a:t>11/28/2017</a:t>
+              <a:t>11/27/2018</a:t>
             </a:fld>
             <a:endParaRPr lang="en-US" dirty="0"/>
           </a:p>
@@ -5185,7 +5185,7 @@
             <a:fld id="{B61BEF0D-F0BB-DE4B-95CE-6DB70DBA9567}" type="datetimeFigureOut">
               <a:rPr lang="en-US" smtClean="0"/>
               <a:pPr/>
-              <a:t>11/28/2017</a:t>
+              <a:t>11/27/2018</a:t>
             </a:fld>
             <a:endParaRPr lang="en-US" dirty="0"/>
           </a:p>
@@ -5362,7 +5362,7 @@
             <a:fld id="{B61BEF0D-F0BB-DE4B-95CE-6DB70DBA9567}" type="datetimeFigureOut">
               <a:rPr lang="en-US" smtClean="0"/>
               <a:pPr/>
-              <a:t>11/28/2017</a:t>
+              <a:t>11/27/2018</a:t>
             </a:fld>
             <a:endParaRPr lang="en-US" dirty="0"/>
           </a:p>
@@ -5610,7 +5610,7 @@
             <a:fld id="{B61BEF0D-F0BB-DE4B-95CE-6DB70DBA9567}" type="datetimeFigureOut">
               <a:rPr lang="en-US" smtClean="0"/>
               <a:pPr/>
-              <a:t>11/28/2017</a:t>
+              <a:t>11/27/2018</a:t>
             </a:fld>
             <a:endParaRPr lang="en-US" dirty="0"/>
           </a:p>
@@ -5909,7 +5909,7 @@
             <a:fld id="{B61BEF0D-F0BB-DE4B-95CE-6DB70DBA9567}" type="datetimeFigureOut">
               <a:rPr lang="en-US" smtClean="0"/>
               <a:pPr/>
-              <a:t>11/28/2017</a:t>
+              <a:t>11/27/2018</a:t>
             </a:fld>
             <a:endParaRPr lang="en-US" dirty="0"/>
           </a:p>
@@ -6341,7 +6341,7 @@
             <a:fld id="{B61BEF0D-F0BB-DE4B-95CE-6DB70DBA9567}" type="datetimeFigureOut">
               <a:rPr lang="en-US" smtClean="0"/>
               <a:pPr/>
-              <a:t>11/28/2017</a:t>
+              <a:t>11/27/2018</a:t>
             </a:fld>
             <a:endParaRPr lang="en-US" dirty="0"/>
           </a:p>
@@ -6461,7 +6461,7 @@
             <a:fld id="{B61BEF0D-F0BB-DE4B-95CE-6DB70DBA9567}" type="datetimeFigureOut">
               <a:rPr lang="en-US" smtClean="0"/>
               <a:pPr/>
-              <a:t>11/28/2017</a:t>
+              <a:t>11/27/2018</a:t>
             </a:fld>
             <a:endParaRPr lang="en-US" dirty="0"/>
           </a:p>
@@ -6558,7 +6558,7 @@
             <a:fld id="{B61BEF0D-F0BB-DE4B-95CE-6DB70DBA9567}" type="datetimeFigureOut">
               <a:rPr lang="en-US" smtClean="0"/>
               <a:pPr/>
-              <a:t>11/28/2017</a:t>
+              <a:t>11/27/2018</a:t>
             </a:fld>
             <a:endParaRPr lang="en-US" dirty="0"/>
           </a:p>
@@ -6843,7 +6843,7 @@
             <a:fld id="{B61BEF0D-F0BB-DE4B-95CE-6DB70DBA9567}" type="datetimeFigureOut">
               <a:rPr lang="en-US" smtClean="0"/>
               <a:pPr/>
-              <a:t>11/28/2017</a:t>
+              <a:t>11/27/2018</a:t>
             </a:fld>
             <a:endParaRPr lang="en-US" dirty="0"/>
           </a:p>
@@ -7136,7 +7136,7 @@
             <a:fld id="{B61BEF0D-F0BB-DE4B-95CE-6DB70DBA9567}" type="datetimeFigureOut">
               <a:rPr lang="en-US" smtClean="0"/>
               <a:pPr/>
-              <a:t>11/28/2017</a:t>
+              <a:t>11/27/2018</a:t>
             </a:fld>
             <a:endParaRPr lang="en-US" dirty="0"/>
           </a:p>
@@ -7375,7 +7375,7 @@
             <a:fld id="{B61BEF0D-F0BB-DE4B-95CE-6DB70DBA9567}" type="datetimeFigureOut">
               <a:rPr lang="en-US" smtClean="0"/>
               <a:pPr/>
-              <a:t>11/28/2017</a:t>
+              <a:t>11/27/2018</a:t>
             </a:fld>
             <a:endParaRPr lang="en-US" dirty="0"/>
           </a:p>
@@ -8124,7 +8124,7 @@
           <p:cNvPr id="5" name="Straight Connector 4">
             <a:extLst>
               <a:ext uri="{FF2B5EF4-FFF2-40B4-BE49-F238E27FC236}">
-                <a16:creationId xmlns="" xmlns:a16="http://schemas.microsoft.com/office/drawing/2014/main" id="{FA70666D-1B80-4090-B917-DAD4D31032A6}"/>
+                <a16:creationId xmlns:a16="http://schemas.microsoft.com/office/drawing/2014/main" xmlns="" id="{FA70666D-1B80-4090-B917-DAD4D31032A6}"/>
               </a:ext>
             </a:extLst>
           </p:cNvPr>
@@ -8577,7 +8577,7 @@
           <p:cNvPr id="5" name="Rectangle 4">
             <a:extLst>
               <a:ext uri="{FF2B5EF4-FFF2-40B4-BE49-F238E27FC236}">
-                <a16:creationId xmlns="" xmlns:a16="http://schemas.microsoft.com/office/drawing/2014/main" id="{4AFEE50C-D6BA-48BA-BD4F-0BC2A3027C0D}"/>
+                <a16:creationId xmlns:a16="http://schemas.microsoft.com/office/drawing/2014/main" xmlns="" id="{4AFEE50C-D6BA-48BA-BD4F-0BC2A3027C0D}"/>
               </a:ext>
             </a:extLst>
           </p:cNvPr>
@@ -8978,7 +8978,7 @@
           <p:cNvPr id="4" name="Rectangle 3">
             <a:extLst>
               <a:ext uri="{FF2B5EF4-FFF2-40B4-BE49-F238E27FC236}">
-                <a16:creationId xmlns="" xmlns:a16="http://schemas.microsoft.com/office/drawing/2014/main" id="{66F6E9EE-56AC-4C91-BCC8-B2AB79A38D83}"/>
+                <a16:creationId xmlns:a16="http://schemas.microsoft.com/office/drawing/2014/main" xmlns="" id="{66F6E9EE-56AC-4C91-BCC8-B2AB79A38D83}"/>
               </a:ext>
             </a:extLst>
           </p:cNvPr>
@@ -9923,7 +9923,7 @@
           <p:cNvPr id="4" name="Content Placeholder 2">
             <a:extLst>
               <a:ext uri="{FF2B5EF4-FFF2-40B4-BE49-F238E27FC236}">
-                <a16:creationId xmlns="" xmlns:a16="http://schemas.microsoft.com/office/drawing/2014/main" id="{444E3BA5-B9E7-4C01-9F37-A4ECB2434A43}"/>
+                <a16:creationId xmlns:a16="http://schemas.microsoft.com/office/drawing/2014/main" xmlns="" id="{444E3BA5-B9E7-4C01-9F37-A4ECB2434A43}"/>
               </a:ext>
             </a:extLst>
           </p:cNvPr>
@@ -10590,7 +10590,7 @@
           <p:cNvPr id="6" name="Straight Connector 5">
             <a:extLst>
               <a:ext uri="{FF2B5EF4-FFF2-40B4-BE49-F238E27FC236}">
-                <a16:creationId xmlns="" xmlns:a16="http://schemas.microsoft.com/office/drawing/2014/main" id="{F434FCDB-F4C3-4BE3-BD04-7944106B39DD}"/>
+                <a16:creationId xmlns:a16="http://schemas.microsoft.com/office/drawing/2014/main" xmlns="" id="{F434FCDB-F4C3-4BE3-BD04-7944106B39DD}"/>
               </a:ext>
             </a:extLst>
           </p:cNvPr>
@@ -10707,14 +10707,17 @@
           <a:p>
             <a:r>
               <a:rPr lang="en-US" sz="2400" dirty="0"/>
-              <a:t>Did anyone notice security flaws in the code?</a:t>
-            </a:r>
-          </a:p>
-          <a:p>
-            <a:r>
-              <a:rPr lang="en-US" sz="2400" dirty="0"/>
-              <a:t>Prizes</a:t>
-            </a:r>
+              <a:t>Did anyone notice security flaws in the </a:t>
+            </a:r>
+            <a:r>
+              <a:rPr lang="en-US" sz="2400"/>
+              <a:t>code</a:t>
+            </a:r>
+            <a:r>
+              <a:rPr lang="en-US" sz="2400" smtClean="0"/>
+              <a:t>?</a:t>
+            </a:r>
+            <a:endParaRPr lang="en-US" sz="2400" dirty="0"/>
           </a:p>
         </p:txBody>
       </p:sp>

--- a/docs/Software Development - CISSP.pptx
+++ b/docs/Software Development - CISSP.pptx
@@ -137,10 +137,6 @@
 </p:presentation>
 </file>
 
-<file path=ppt/revisionInfo.xml><?xml version="1.0" encoding="utf-8"?>
-<p1510:revInfo xmlns:a="http://schemas.openxmlformats.org/drawingml/2006/main" xmlns:r="http://schemas.openxmlformats.org/officeDocument/2006/relationships" xmlns:p1510="http://schemas.microsoft.com/office/powerpoint/2015/10/main"/>
-</file>
-
 <file path=ppt/handoutMasters/handoutMaster1.xml><?xml version="1.0" encoding="utf-8"?>
 <p:handoutMaster xmlns:a="http://schemas.openxmlformats.org/drawingml/2006/main" xmlns:r="http://schemas.openxmlformats.org/officeDocument/2006/relationships" xmlns:p="http://schemas.openxmlformats.org/presentationml/2006/main">
   <p:cSld>
@@ -223,7 +219,7 @@
           <a:p>
             <a:fld id="{4479618F-C858-4DED-966E-9D4454ABF05F}" type="datetimeFigureOut">
               <a:rPr lang="en-US" smtClean="0"/>
-              <a:t>11/27/2018</a:t>
+              <a:t>4/17/2019</a:t>
             </a:fld>
             <a:endParaRPr lang="en-US"/>
           </a:p>
@@ -388,7 +384,7 @@
           <a:p>
             <a:fld id="{D190D2B4-3B5D-40DA-93BE-C4D5E2164FB1}" type="datetimeFigureOut">
               <a:rPr lang="en-US" smtClean="0"/>
-              <a:t>11/27/2018</a:t>
+              <a:t>4/17/2019</a:t>
             </a:fld>
             <a:endParaRPr lang="en-US"/>
           </a:p>
@@ -868,11 +864,11 @@
           <a:lstStyle/>
           <a:p>
             <a:r>
-              <a:rPr lang="en-US" dirty="0" smtClean="0"/>
+              <a:rPr lang="en-US" dirty="0"/>
               <a:t>Start off in Notepad,</a:t>
             </a:r>
             <a:r>
-              <a:rPr lang="en-US" baseline="0" dirty="0" smtClean="0"/>
+              <a:rPr lang="en-US" baseline="0" dirty="0"/>
               <a:t> then shift to Notepad++</a:t>
             </a:r>
             <a:endParaRPr lang="en-US" dirty="0"/>
@@ -960,10 +956,9 @@
           <a:lstStyle/>
           <a:p>
             <a:r>
-              <a:rPr lang="en-US" dirty="0" smtClean="0"/>
+              <a:rPr lang="en-US" dirty="0"/>
               <a:t>HSQLDB Editor</a:t>
             </a:r>
-            <a:endParaRPr lang="en-US" dirty="0"/>
           </a:p>
         </p:txBody>
       </p:sp>
@@ -1048,25 +1043,25 @@
           <a:lstStyle/>
           <a:p>
             <a:r>
-              <a:rPr lang="en-US" dirty="0" smtClean="0"/>
+              <a:rPr lang="en-US" dirty="0"/>
               <a:t>Start with small examples of Java and Python.</a:t>
             </a:r>
           </a:p>
           <a:p>
             <a:r>
-              <a:rPr lang="en-US" dirty="0" smtClean="0"/>
+              <a:rPr lang="en-US" dirty="0"/>
               <a:t>Open up</a:t>
             </a:r>
             <a:r>
-              <a:rPr lang="en-US" baseline="0" dirty="0" smtClean="0"/>
+              <a:rPr lang="en-US" baseline="0" dirty="0"/>
               <a:t> project in </a:t>
             </a:r>
             <a:r>
-              <a:rPr lang="en-US" baseline="0" dirty="0" err="1" smtClean="0"/>
+              <a:rPr lang="en-US" baseline="0" dirty="0" err="1"/>
               <a:t>Netbeans</a:t>
             </a:r>
             <a:r>
-              <a:rPr lang="en-US" baseline="0" dirty="0" smtClean="0"/>
+              <a:rPr lang="en-US" baseline="0" dirty="0"/>
               <a:t> to show an IDE (Java)</a:t>
             </a:r>
             <a:endParaRPr lang="en-US" dirty="0"/>
@@ -1154,10 +1149,9 @@
           <a:lstStyle/>
           <a:p>
             <a:r>
-              <a:rPr lang="en-US" dirty="0" smtClean="0"/>
+              <a:rPr lang="en-US" dirty="0"/>
               <a:t>Show unit test from project.</a:t>
             </a:r>
-            <a:endParaRPr lang="en-US" dirty="0"/>
           </a:p>
         </p:txBody>
       </p:sp>
@@ -1326,36 +1320,36 @@
           <a:lstStyle/>
           <a:p>
             <a:r>
-              <a:rPr lang="en-US" dirty="0" smtClean="0"/>
+              <a:rPr lang="en-US" dirty="0"/>
               <a:t>Show </a:t>
             </a:r>
             <a:r>
-              <a:rPr lang="en-US" dirty="0" err="1" smtClean="0"/>
+              <a:rPr lang="en-US" dirty="0" err="1"/>
               <a:t>Git</a:t>
             </a:r>
             <a:r>
-              <a:rPr lang="en-US" baseline="0" dirty="0" smtClean="0"/>
+              <a:rPr lang="en-US" baseline="0" dirty="0"/>
               <a:t> and GitHub</a:t>
             </a:r>
           </a:p>
           <a:p>
             <a:r>
-              <a:rPr lang="en-US" baseline="0" dirty="0" smtClean="0"/>
+              <a:rPr lang="en-US" baseline="0" dirty="0"/>
               <a:t>Show Tomcat, but then use </a:t>
             </a:r>
             <a:r>
-              <a:rPr lang="en-US" baseline="0" dirty="0" err="1" smtClean="0"/>
+              <a:rPr lang="en-US" baseline="0" dirty="0" err="1"/>
               <a:t>mvn</a:t>
             </a:r>
             <a:r>
-              <a:rPr lang="en-US" baseline="0" dirty="0" smtClean="0"/>
+              <a:rPr lang="en-US" baseline="0" dirty="0"/>
               <a:t> </a:t>
             </a:r>
             <a:r>
-              <a:rPr lang="en-US" baseline="0" dirty="0" err="1" smtClean="0"/>
+              <a:rPr lang="en-US" baseline="0" dirty="0" err="1"/>
               <a:t>jetty:run</a:t>
             </a:r>
-            <a:endParaRPr lang="en-US" baseline="0" dirty="0" smtClean="0"/>
+            <a:endParaRPr lang="en-US" baseline="0" dirty="0"/>
           </a:p>
         </p:txBody>
       </p:sp>
@@ -1457,16 +1451,15 @@
               <a:defRPr/>
             </a:pPr>
             <a:r>
-              <a:rPr lang="en-US" baseline="0" dirty="0" smtClean="0"/>
+              <a:rPr lang="en-US" baseline="0" dirty="0"/>
               <a:t>Go through the code, action by action</a:t>
             </a:r>
           </a:p>
           <a:p>
             <a:r>
-              <a:rPr lang="en-US" dirty="0" smtClean="0"/>
+              <a:rPr lang="en-US" dirty="0"/>
               <a:t>Deploy to Amazon</a:t>
             </a:r>
-            <a:endParaRPr lang="en-US" dirty="0"/>
           </a:p>
         </p:txBody>
       </p:sp>
@@ -2633,7 +2626,7 @@
             <a:fld id="{B61BEF0D-F0BB-DE4B-95CE-6DB70DBA9567}" type="datetimeFigureOut">
               <a:rPr lang="en-US" smtClean="0"/>
               <a:pPr/>
-              <a:t>11/27/2018</a:t>
+              <a:t>4/17/2019</a:t>
             </a:fld>
             <a:endParaRPr lang="en-US" dirty="0"/>
           </a:p>
@@ -2931,7 +2924,7 @@
             <a:fld id="{B61BEF0D-F0BB-DE4B-95CE-6DB70DBA9567}" type="datetimeFigureOut">
               <a:rPr lang="en-US" smtClean="0"/>
               <a:pPr/>
-              <a:t>11/27/2018</a:t>
+              <a:t>4/17/2019</a:t>
             </a:fld>
             <a:endParaRPr lang="en-US" dirty="0"/>
           </a:p>
@@ -3181,7 +3174,7 @@
             <a:fld id="{B61BEF0D-F0BB-DE4B-95CE-6DB70DBA9567}" type="datetimeFigureOut">
               <a:rPr lang="en-US" smtClean="0"/>
               <a:pPr/>
-              <a:t>11/27/2018</a:t>
+              <a:t>4/17/2019</a:t>
             </a:fld>
             <a:endParaRPr lang="en-US" dirty="0"/>
           </a:p>
@@ -3719,7 +3712,7 @@
             <a:fld id="{B61BEF0D-F0BB-DE4B-95CE-6DB70DBA9567}" type="datetimeFigureOut">
               <a:rPr lang="en-US" smtClean="0"/>
               <a:pPr/>
-              <a:t>11/27/2018</a:t>
+              <a:t>4/17/2019</a:t>
             </a:fld>
             <a:endParaRPr lang="en-US" dirty="0"/>
           </a:p>
@@ -3969,7 +3962,7 @@
             <a:fld id="{B61BEF0D-F0BB-DE4B-95CE-6DB70DBA9567}" type="datetimeFigureOut">
               <a:rPr lang="en-US" smtClean="0"/>
               <a:pPr/>
-              <a:t>11/27/2018</a:t>
+              <a:t>4/17/2019</a:t>
             </a:fld>
             <a:endParaRPr lang="en-US" dirty="0"/>
           </a:p>
@@ -4514,7 +4507,7 @@
             <a:fld id="{B61BEF0D-F0BB-DE4B-95CE-6DB70DBA9567}" type="datetimeFigureOut">
               <a:rPr lang="en-US" smtClean="0"/>
               <a:pPr/>
-              <a:t>11/27/2018</a:t>
+              <a:t>4/17/2019</a:t>
             </a:fld>
             <a:endParaRPr lang="en-US" dirty="0"/>
           </a:p>
@@ -4826,7 +4819,7 @@
             <a:fld id="{B61BEF0D-F0BB-DE4B-95CE-6DB70DBA9567}" type="datetimeFigureOut">
               <a:rPr lang="en-US" smtClean="0"/>
               <a:pPr/>
-              <a:t>11/27/2018</a:t>
+              <a:t>4/17/2019</a:t>
             </a:fld>
             <a:endParaRPr lang="en-US" dirty="0"/>
           </a:p>
@@ -5003,7 +4996,7 @@
             <a:fld id="{B61BEF0D-F0BB-DE4B-95CE-6DB70DBA9567}" type="datetimeFigureOut">
               <a:rPr lang="en-US" smtClean="0"/>
               <a:pPr/>
-              <a:t>11/27/2018</a:t>
+              <a:t>4/17/2019</a:t>
             </a:fld>
             <a:endParaRPr lang="en-US" dirty="0"/>
           </a:p>
@@ -5185,7 +5178,7 @@
             <a:fld id="{B61BEF0D-F0BB-DE4B-95CE-6DB70DBA9567}" type="datetimeFigureOut">
               <a:rPr lang="en-US" smtClean="0"/>
               <a:pPr/>
-              <a:t>11/27/2018</a:t>
+              <a:t>4/17/2019</a:t>
             </a:fld>
             <a:endParaRPr lang="en-US" dirty="0"/>
           </a:p>
@@ -5362,7 +5355,7 @@
             <a:fld id="{B61BEF0D-F0BB-DE4B-95CE-6DB70DBA9567}" type="datetimeFigureOut">
               <a:rPr lang="en-US" smtClean="0"/>
               <a:pPr/>
-              <a:t>11/27/2018</a:t>
+              <a:t>4/17/2019</a:t>
             </a:fld>
             <a:endParaRPr lang="en-US" dirty="0"/>
           </a:p>
@@ -5610,7 +5603,7 @@
             <a:fld id="{B61BEF0D-F0BB-DE4B-95CE-6DB70DBA9567}" type="datetimeFigureOut">
               <a:rPr lang="en-US" smtClean="0"/>
               <a:pPr/>
-              <a:t>11/27/2018</a:t>
+              <a:t>4/17/2019</a:t>
             </a:fld>
             <a:endParaRPr lang="en-US" dirty="0"/>
           </a:p>
@@ -5909,7 +5902,7 @@
             <a:fld id="{B61BEF0D-F0BB-DE4B-95CE-6DB70DBA9567}" type="datetimeFigureOut">
               <a:rPr lang="en-US" smtClean="0"/>
               <a:pPr/>
-              <a:t>11/27/2018</a:t>
+              <a:t>4/17/2019</a:t>
             </a:fld>
             <a:endParaRPr lang="en-US" dirty="0"/>
           </a:p>
@@ -6341,7 +6334,7 @@
             <a:fld id="{B61BEF0D-F0BB-DE4B-95CE-6DB70DBA9567}" type="datetimeFigureOut">
               <a:rPr lang="en-US" smtClean="0"/>
               <a:pPr/>
-              <a:t>11/27/2018</a:t>
+              <a:t>4/17/2019</a:t>
             </a:fld>
             <a:endParaRPr lang="en-US" dirty="0"/>
           </a:p>
@@ -6461,7 +6454,7 @@
             <a:fld id="{B61BEF0D-F0BB-DE4B-95CE-6DB70DBA9567}" type="datetimeFigureOut">
               <a:rPr lang="en-US" smtClean="0"/>
               <a:pPr/>
-              <a:t>11/27/2018</a:t>
+              <a:t>4/17/2019</a:t>
             </a:fld>
             <a:endParaRPr lang="en-US" dirty="0"/>
           </a:p>
@@ -6558,7 +6551,7 @@
             <a:fld id="{B61BEF0D-F0BB-DE4B-95CE-6DB70DBA9567}" type="datetimeFigureOut">
               <a:rPr lang="en-US" smtClean="0"/>
               <a:pPr/>
-              <a:t>11/27/2018</a:t>
+              <a:t>4/17/2019</a:t>
             </a:fld>
             <a:endParaRPr lang="en-US" dirty="0"/>
           </a:p>
@@ -6843,7 +6836,7 @@
             <a:fld id="{B61BEF0D-F0BB-DE4B-95CE-6DB70DBA9567}" type="datetimeFigureOut">
               <a:rPr lang="en-US" smtClean="0"/>
               <a:pPr/>
-              <a:t>11/27/2018</a:t>
+              <a:t>4/17/2019</a:t>
             </a:fld>
             <a:endParaRPr lang="en-US" dirty="0"/>
           </a:p>
@@ -7136,7 +7129,7 @@
             <a:fld id="{B61BEF0D-F0BB-DE4B-95CE-6DB70DBA9567}" type="datetimeFigureOut">
               <a:rPr lang="en-US" smtClean="0"/>
               <a:pPr/>
-              <a:t>11/27/2018</a:t>
+              <a:t>4/17/2019</a:t>
             </a:fld>
             <a:endParaRPr lang="en-US" dirty="0"/>
           </a:p>
@@ -7375,7 +7368,7 @@
             <a:fld id="{B61BEF0D-F0BB-DE4B-95CE-6DB70DBA9567}" type="datetimeFigureOut">
               <a:rPr lang="en-US" smtClean="0"/>
               <a:pPr/>
-              <a:t>11/27/2018</a:t>
+              <a:t>4/17/2019</a:t>
             </a:fld>
             <a:endParaRPr lang="en-US" dirty="0"/>
           </a:p>
@@ -8124,7 +8117,7 @@
           <p:cNvPr id="5" name="Straight Connector 4">
             <a:extLst>
               <a:ext uri="{FF2B5EF4-FFF2-40B4-BE49-F238E27FC236}">
-                <a16:creationId xmlns:a16="http://schemas.microsoft.com/office/drawing/2014/main" xmlns="" id="{FA70666D-1B80-4090-B917-DAD4D31032A6}"/>
+                <a16:creationId xmlns:a16="http://schemas.microsoft.com/office/drawing/2014/main" id="{FA70666D-1B80-4090-B917-DAD4D31032A6}"/>
               </a:ext>
             </a:extLst>
           </p:cNvPr>
@@ -8165,13 +8158,6 @@
   <p:clrMapOvr>
     <a:masterClrMapping/>
   </p:clrMapOvr>
-  <p:timing>
-    <p:tnLst>
-      <p:par>
-        <p:cTn id="1" dur="indefinite" restart="never" nodeType="tmRoot"/>
-      </p:par>
-    </p:tnLst>
-  </p:timing>
 </p:sld>
 </file>
 
@@ -8577,7 +8563,7 @@
           <p:cNvPr id="5" name="Rectangle 4">
             <a:extLst>
               <a:ext uri="{FF2B5EF4-FFF2-40B4-BE49-F238E27FC236}">
-                <a16:creationId xmlns:a16="http://schemas.microsoft.com/office/drawing/2014/main" xmlns="" id="{4AFEE50C-D6BA-48BA-BD4F-0BC2A3027C0D}"/>
+                <a16:creationId xmlns:a16="http://schemas.microsoft.com/office/drawing/2014/main" id="{4AFEE50C-D6BA-48BA-BD4F-0BC2A3027C0D}"/>
               </a:ext>
             </a:extLst>
           </p:cNvPr>
@@ -8978,7 +8964,7 @@
           <p:cNvPr id="4" name="Rectangle 3">
             <a:extLst>
               <a:ext uri="{FF2B5EF4-FFF2-40B4-BE49-F238E27FC236}">
-                <a16:creationId xmlns:a16="http://schemas.microsoft.com/office/drawing/2014/main" xmlns="" id="{66F6E9EE-56AC-4C91-BCC8-B2AB79A38D83}"/>
+                <a16:creationId xmlns:a16="http://schemas.microsoft.com/office/drawing/2014/main" id="{66F6E9EE-56AC-4C91-BCC8-B2AB79A38D83}"/>
               </a:ext>
             </a:extLst>
           </p:cNvPr>
@@ -9923,7 +9909,7 @@
           <p:cNvPr id="4" name="Content Placeholder 2">
             <a:extLst>
               <a:ext uri="{FF2B5EF4-FFF2-40B4-BE49-F238E27FC236}">
-                <a16:creationId xmlns:a16="http://schemas.microsoft.com/office/drawing/2014/main" xmlns="" id="{444E3BA5-B9E7-4C01-9F37-A4ECB2434A43}"/>
+                <a16:creationId xmlns:a16="http://schemas.microsoft.com/office/drawing/2014/main" id="{444E3BA5-B9E7-4C01-9F37-A4ECB2434A43}"/>
               </a:ext>
             </a:extLst>
           </p:cNvPr>
@@ -10590,7 +10576,7 @@
           <p:cNvPr id="6" name="Straight Connector 5">
             <a:extLst>
               <a:ext uri="{FF2B5EF4-FFF2-40B4-BE49-F238E27FC236}">
-                <a16:creationId xmlns:a16="http://schemas.microsoft.com/office/drawing/2014/main" xmlns="" id="{F434FCDB-F4C3-4BE3-BD04-7944106B39DD}"/>
+                <a16:creationId xmlns:a16="http://schemas.microsoft.com/office/drawing/2014/main" id="{F434FCDB-F4C3-4BE3-BD04-7944106B39DD}"/>
               </a:ext>
             </a:extLst>
           </p:cNvPr>
@@ -10707,17 +10693,46 @@
           <a:p>
             <a:r>
               <a:rPr lang="en-US" sz="2400" dirty="0"/>
-              <a:t>Did anyone notice security flaws in the </a:t>
-            </a:r>
-            <a:r>
-              <a:rPr lang="en-US" sz="2400"/>
-              <a:t>code</a:t>
-            </a:r>
-            <a:r>
-              <a:rPr lang="en-US" sz="2400" smtClean="0"/>
-              <a:t>?</a:t>
-            </a:r>
-            <a:endParaRPr lang="en-US" sz="2400" dirty="0"/>
+              <a:t>Did anyone notice security flaws in the code?</a:t>
+            </a:r>
+          </a:p>
+        </p:txBody>
+      </p:sp>
+      <p:sp>
+        <p:nvSpPr>
+          <p:cNvPr id="4" name="Rectangle 3">
+            <a:extLst>
+              <a:ext uri="{FF2B5EF4-FFF2-40B4-BE49-F238E27FC236}">
+                <a16:creationId xmlns:a16="http://schemas.microsoft.com/office/drawing/2014/main" id="{C46656C9-4941-4E23-8CF7-3906C8A09F46}"/>
+              </a:ext>
+            </a:extLst>
+          </p:cNvPr>
+          <p:cNvSpPr/>
+          <p:nvPr/>
+        </p:nvSpPr>
+        <p:spPr>
+          <a:xfrm>
+            <a:off x="4178663" y="5421868"/>
+            <a:ext cx="3831498" cy="369332"/>
+          </a:xfrm>
+          <a:prstGeom prst="rect">
+            <a:avLst/>
+          </a:prstGeom>
+        </p:spPr>
+        <p:txBody>
+          <a:bodyPr wrap="none">
+            <a:spAutoFit/>
+          </a:bodyPr>
+          <a:lstStyle/>
+          <a:p>
+            <a:r>
+              <a:rPr lang="en-US" dirty="0">
+                <a:solidFill>
+                  <a:schemeClr val="bg2"/>
+                </a:solidFill>
+              </a:rPr>
+              <a:t>description'; delete from items; --</a:t>
+            </a:r>
           </a:p>
         </p:txBody>
       </p:sp>
@@ -10959,13 +10974,6 @@
   <p:clrMapOvr>
     <a:masterClrMapping/>
   </p:clrMapOvr>
-  <p:timing>
-    <p:tnLst>
-      <p:par>
-        <p:cTn id="1" dur="indefinite" restart="never" nodeType="tmRoot"/>
-      </p:par>
-    </p:tnLst>
-  </p:timing>
 </p:sld>
 </file>
 

--- a/docs/Software Development - CISSP.pptx
+++ b/docs/Software Development - CISSP.pptx
@@ -22,8 +22,8 @@
     <p:sldId id="261" r:id="rId10"/>
     <p:sldId id="264" r:id="rId11"/>
     <p:sldId id="265" r:id="rId12"/>
-    <p:sldId id="267" r:id="rId13"/>
-    <p:sldId id="266" r:id="rId14"/>
+    <p:sldId id="266" r:id="rId13"/>
+    <p:sldId id="267" r:id="rId14"/>
     <p:sldId id="271" r:id="rId15"/>
     <p:sldId id="272" r:id="rId16"/>
     <p:sldId id="269" r:id="rId17"/>
@@ -957,8 +957,27 @@
           <a:p>
             <a:r>
               <a:rPr lang="en-US" dirty="0"/>
-              <a:t>HSQLDB Editor</a:t>
-            </a:r>
+              <a:t>Start with small examples of Java and Python.</a:t>
+            </a:r>
+          </a:p>
+          <a:p>
+            <a:r>
+              <a:rPr lang="en-US" dirty="0"/>
+              <a:t>Open up</a:t>
+            </a:r>
+            <a:r>
+              <a:rPr lang="en-US" baseline="0" dirty="0"/>
+              <a:t> project in </a:t>
+            </a:r>
+            <a:r>
+              <a:rPr lang="en-US" baseline="0" dirty="0" err="1"/>
+              <a:t>Netbeans</a:t>
+            </a:r>
+            <a:r>
+              <a:rPr lang="en-US" baseline="0" dirty="0"/>
+              <a:t> to show an IDE (Java)</a:t>
+            </a:r>
+            <a:endParaRPr lang="en-US" dirty="0"/>
           </a:p>
         </p:txBody>
       </p:sp>
@@ -988,7 +1007,7 @@
     </p:spTree>
     <p:extLst>
       <p:ext uri="{BB962C8B-B14F-4D97-AF65-F5344CB8AC3E}">
-        <p14:creationId xmlns:p14="http://schemas.microsoft.com/office/powerpoint/2010/main" val="2649205156"/>
+        <p14:creationId xmlns:p14="http://schemas.microsoft.com/office/powerpoint/2010/main" val="1799265757"/>
       </p:ext>
     </p:extLst>
   </p:cSld>
@@ -1044,27 +1063,8 @@
           <a:p>
             <a:r>
               <a:rPr lang="en-US" dirty="0"/>
-              <a:t>Start with small examples of Java and Python.</a:t>
-            </a:r>
-          </a:p>
-          <a:p>
-            <a:r>
-              <a:rPr lang="en-US" dirty="0"/>
-              <a:t>Open up</a:t>
-            </a:r>
-            <a:r>
-              <a:rPr lang="en-US" baseline="0" dirty="0"/>
-              <a:t> project in </a:t>
-            </a:r>
-            <a:r>
-              <a:rPr lang="en-US" baseline="0" dirty="0" err="1"/>
-              <a:t>Netbeans</a:t>
-            </a:r>
-            <a:r>
-              <a:rPr lang="en-US" baseline="0" dirty="0"/>
-              <a:t> to show an IDE (Java)</a:t>
-            </a:r>
-            <a:endParaRPr lang="en-US" dirty="0"/>
+              <a:t>HSQLDB Editor</a:t>
+            </a:r>
           </a:p>
         </p:txBody>
       </p:sp>
@@ -1094,7 +1094,7 @@
     </p:spTree>
     <p:extLst>
       <p:ext uri="{BB962C8B-B14F-4D97-AF65-F5344CB8AC3E}">
-        <p14:creationId xmlns:p14="http://schemas.microsoft.com/office/powerpoint/2010/main" val="1799265757"/>
+        <p14:creationId xmlns:p14="http://schemas.microsoft.com/office/powerpoint/2010/main" val="2649205156"/>
       </p:ext>
     </p:extLst>
   </p:cSld>
@@ -8666,13 +8666,8 @@
           <a:p>
             <a:r>
               <a:rPr lang="en-US" dirty="0"/>
-              <a:t>The</a:t>
-            </a:r>
-            <a:r>
-              <a:rPr lang="en-US" baseline="0" dirty="0"/>
-              <a:t> “Backend”</a:t>
-            </a:r>
-            <a:endParaRPr lang="en-US" dirty="0"/>
+              <a:t>Middleware – The Glue</a:t>
+            </a:r>
           </a:p>
         </p:txBody>
       </p:sp>
@@ -8700,128 +8695,103 @@
           <a:p>
             <a:r>
               <a:rPr lang="en-US" sz="2400" dirty="0"/>
-              <a:t>Traditionally, a relational database (e.g. Oracle, Postgres, </a:t>
+              <a:t>Middleware resides on the server (not browser)</a:t>
+            </a:r>
+          </a:p>
+          <a:p>
+            <a:r>
+              <a:rPr lang="en-US" sz="2400" dirty="0"/>
+              <a:t>Talks to Data sources (databases, Files, Web Services)</a:t>
+            </a:r>
+          </a:p>
+          <a:p>
+            <a:pPr lvl="1"/>
+            <a:r>
+              <a:rPr lang="en-US" sz="2200" dirty="0"/>
+              <a:t>Modern </a:t>
+            </a:r>
+            <a:r>
+              <a:rPr lang="en-US" sz="2200" dirty="0" err="1"/>
+              <a:t>Javascript</a:t>
+            </a:r>
+            <a:r>
+              <a:rPr lang="en-US" sz="2200" dirty="0"/>
+              <a:t> in Browsers can also call Web Services</a:t>
+            </a:r>
+          </a:p>
+          <a:p>
+            <a:r>
+              <a:rPr lang="en-US" sz="2400" dirty="0"/>
+              <a:t>Business Logic, Security, Integration, Services</a:t>
+            </a:r>
+          </a:p>
+          <a:p>
+            <a:r>
+              <a:rPr lang="en-US" sz="2400" dirty="0"/>
+              <a:t>Languages: Java, C#, Python, Ruby, C++, </a:t>
             </a:r>
             <a:r>
               <a:rPr lang="en-US" sz="2400" dirty="0" err="1"/>
-              <a:t>MySql</a:t>
+              <a:t>Javascript</a:t>
             </a:r>
             <a:r>
               <a:rPr lang="en-US" sz="2400" dirty="0"/>
-              <a:t>)</a:t>
-            </a:r>
-          </a:p>
-          <a:p>
-            <a:pPr lvl="1"/>
-            <a:r>
-              <a:rPr lang="en-US" sz="2200" dirty="0"/>
-              <a:t>SQL: </a:t>
-            </a:r>
-            <a:r>
-              <a:rPr lang="en-US" sz="2200" dirty="0">
-                <a:solidFill>
-                  <a:schemeClr val="accent2">
-                    <a:lumMod val="60000"/>
-                    <a:lumOff val="40000"/>
-                  </a:schemeClr>
-                </a:solidFill>
-                <a:effectLst>
-                  <a:glow rad="38100">
-                    <a:schemeClr val="bg1">
-                      <a:lumMod val="50000"/>
-                      <a:lumOff val="50000"/>
-                      <a:alpha val="20000"/>
-                    </a:schemeClr>
-                  </a:glow>
-                </a:effectLst>
-                <a:latin typeface="Consolas" panose="020B0609020204030204" pitchFamily="49" charset="0"/>
-              </a:rPr>
-              <a:t>SELECT * FROM ITEMS WHERE ID = 17</a:t>
+              <a:t>*</a:t>
             </a:r>
           </a:p>
           <a:p>
             <a:r>
               <a:rPr lang="en-US" sz="2400" dirty="0"/>
-              <a:t>Also have </a:t>
-            </a:r>
-            <a:r>
-              <a:rPr lang="en-US" sz="2400" dirty="0" err="1"/>
-              <a:t>NoSql</a:t>
-            </a:r>
-            <a:r>
-              <a:rPr lang="en-US" sz="2400" dirty="0"/>
-              <a:t> Options (Mongo, Dynamo, </a:t>
-            </a:r>
-            <a:r>
-              <a:rPr lang="en-US" sz="2400" dirty="0" err="1"/>
-              <a:t>Redis</a:t>
-            </a:r>
-            <a:r>
-              <a:rPr lang="en-US" sz="2400" dirty="0"/>
-              <a:t>)</a:t>
-            </a:r>
-          </a:p>
-          <a:p>
-            <a:pPr lvl="1"/>
-            <a:r>
-              <a:rPr lang="en-US" sz="2200" dirty="0"/>
-              <a:t>Objects: </a:t>
-            </a:r>
-            <a:r>
-              <a:rPr lang="en-US" sz="2200" cap="none" dirty="0" err="1">
-                <a:solidFill>
-                  <a:schemeClr val="accent2">
-                    <a:lumMod val="60000"/>
-                    <a:lumOff val="40000"/>
-                  </a:schemeClr>
-                </a:solidFill>
-                <a:effectLst>
-                  <a:glow rad="38100">
-                    <a:schemeClr val="bg1">
-                      <a:lumMod val="50000"/>
-                      <a:lumOff val="50000"/>
-                      <a:alpha val="20000"/>
-                    </a:schemeClr>
-                  </a:glow>
-                </a:effectLst>
-                <a:latin typeface="Consolas" panose="020B0609020204030204" pitchFamily="49" charset="0"/>
-              </a:rPr>
-              <a:t>db.items.find</a:t>
-            </a:r>
-            <a:r>
-              <a:rPr lang="en-US" sz="2200" cap="none" dirty="0">
-                <a:solidFill>
-                  <a:schemeClr val="accent2">
-                    <a:lumMod val="60000"/>
-                    <a:lumOff val="40000"/>
-                  </a:schemeClr>
-                </a:solidFill>
-                <a:effectLst>
-                  <a:glow rad="38100">
-                    <a:schemeClr val="bg1">
-                      <a:lumMod val="50000"/>
-                      <a:lumOff val="50000"/>
-                      <a:alpha val="20000"/>
-                    </a:schemeClr>
-                  </a:glow>
-                </a:effectLst>
-                <a:latin typeface="Consolas" panose="020B0609020204030204" pitchFamily="49" charset="0"/>
-              </a:rPr>
-              <a:t>( { id: 17 } )</a:t>
-            </a:r>
-            <a:endParaRPr lang="en-US" sz="2200" cap="none" dirty="0"/>
-          </a:p>
-          <a:p>
-            <a:r>
-              <a:rPr lang="en-US" sz="2400" dirty="0"/>
-              <a:t>Also Have Unstructured Data – Images, Files</a:t>
-            </a:r>
-          </a:p>
-          <a:p>
-            <a:pPr lvl="1"/>
-            <a:r>
-              <a:rPr lang="en-US" sz="2200" dirty="0"/>
-              <a:t>Data mining, Natural Language Processing, Pattern Matching</a:t>
+              <a:t>Need a Container to run code (Tomcat, Node, etc.)</a:t>
+            </a:r>
+          </a:p>
+        </p:txBody>
+      </p:sp>
+      <p:sp>
+        <p:nvSpPr>
+          <p:cNvPr id="4" name="Rectangle 3">
+            <a:extLst>
+              <a:ext uri="{FF2B5EF4-FFF2-40B4-BE49-F238E27FC236}">
+                <a16:creationId xmlns:a16="http://schemas.microsoft.com/office/drawing/2014/main" id="{66F6E9EE-56AC-4C91-BCC8-B2AB79A38D83}"/>
+              </a:ext>
+            </a:extLst>
+          </p:cNvPr>
+          <p:cNvSpPr/>
+          <p:nvPr/>
+        </p:nvSpPr>
+        <p:spPr>
+          <a:xfrm>
+            <a:off x="10001250" y="1066800"/>
+            <a:ext cx="1293811" cy="1600200"/>
+          </a:xfrm>
+          <a:prstGeom prst="rect">
+            <a:avLst/>
+          </a:prstGeom>
+        </p:spPr>
+        <p:style>
+          <a:lnRef idx="2">
+            <a:schemeClr val="accent6">
+              <a:shade val="50000"/>
+            </a:schemeClr>
+          </a:lnRef>
+          <a:fillRef idx="1">
+            <a:schemeClr val="accent6"/>
+          </a:fillRef>
+          <a:effectRef idx="0">
+            <a:schemeClr val="accent6"/>
+          </a:effectRef>
+          <a:fontRef idx="minor">
+            <a:schemeClr val="lt1"/>
+          </a:fontRef>
+        </p:style>
+        <p:txBody>
+          <a:bodyPr rtlCol="0" anchor="ctr"/>
+          <a:lstStyle/>
+          <a:p>
+            <a:pPr algn="ctr"/>
+            <a:r>
+              <a:rPr lang="en-US" dirty="0"/>
+              <a:t>IDEs</a:t>
             </a:r>
           </a:p>
         </p:txBody>
@@ -8829,7 +8799,7 @@
     </p:spTree>
     <p:extLst>
       <p:ext uri="{BB962C8B-B14F-4D97-AF65-F5344CB8AC3E}">
-        <p14:creationId xmlns:p14="http://schemas.microsoft.com/office/powerpoint/2010/main" val="683496896"/>
+        <p14:creationId xmlns:p14="http://schemas.microsoft.com/office/powerpoint/2010/main" val="1024953526"/>
       </p:ext>
     </p:extLst>
   </p:cSld>
@@ -8878,8 +8848,13 @@
           <a:p>
             <a:r>
               <a:rPr lang="en-US" dirty="0"/>
-              <a:t>Middleware – The Glue</a:t>
-            </a:r>
+              <a:t>The</a:t>
+            </a:r>
+            <a:r>
+              <a:rPr lang="en-US" baseline="0" dirty="0"/>
+              <a:t> “Backend”</a:t>
+            </a:r>
+            <a:endParaRPr lang="en-US" dirty="0"/>
           </a:p>
         </p:txBody>
       </p:sp>
@@ -8907,103 +8882,128 @@
           <a:p>
             <a:r>
               <a:rPr lang="en-US" sz="2400" dirty="0"/>
-              <a:t>Middleware resides on the server (not browser)</a:t>
-            </a:r>
-          </a:p>
-          <a:p>
+              <a:t>Traditionally, a relational database (e.g. Oracle, Postgres, </a:t>
+            </a:r>
+            <a:r>
+              <a:rPr lang="en-US" sz="2400" dirty="0" err="1"/>
+              <a:t>MySql</a:t>
+            </a:r>
             <a:r>
               <a:rPr lang="en-US" sz="2400" dirty="0"/>
-              <a:t>Talks to Data sources (databases, Files, Web Services)</a:t>
+              <a:t>)</a:t>
             </a:r>
           </a:p>
           <a:p>
             <a:pPr lvl="1"/>
             <a:r>
               <a:rPr lang="en-US" sz="2200" dirty="0"/>
-              <a:t>Modern </a:t>
-            </a:r>
-            <a:r>
-              <a:rPr lang="en-US" sz="2200" dirty="0" err="1"/>
-              <a:t>Javascript</a:t>
-            </a:r>
+              <a:t>SQL: </a:t>
+            </a:r>
+            <a:r>
+              <a:rPr lang="en-US" sz="2200" dirty="0">
+                <a:solidFill>
+                  <a:schemeClr val="accent2">
+                    <a:lumMod val="60000"/>
+                    <a:lumOff val="40000"/>
+                  </a:schemeClr>
+                </a:solidFill>
+                <a:effectLst>
+                  <a:glow rad="38100">
+                    <a:schemeClr val="bg1">
+                      <a:lumMod val="50000"/>
+                      <a:lumOff val="50000"/>
+                      <a:alpha val="20000"/>
+                    </a:schemeClr>
+                  </a:glow>
+                </a:effectLst>
+                <a:latin typeface="Consolas" panose="020B0609020204030204" pitchFamily="49" charset="0"/>
+              </a:rPr>
+              <a:t>SELECT * FROM ITEMS WHERE ID = 17</a:t>
+            </a:r>
+          </a:p>
+          <a:p>
+            <a:r>
+              <a:rPr lang="en-US" sz="2400" dirty="0"/>
+              <a:t>Also have </a:t>
+            </a:r>
+            <a:r>
+              <a:rPr lang="en-US" sz="2400" dirty="0" err="1"/>
+              <a:t>NoSql</a:t>
+            </a:r>
+            <a:r>
+              <a:rPr lang="en-US" sz="2400" dirty="0"/>
+              <a:t> Options (Mongo, Dynamo, </a:t>
+            </a:r>
+            <a:r>
+              <a:rPr lang="en-US" sz="2400" dirty="0" err="1"/>
+              <a:t>Redis</a:t>
+            </a:r>
+            <a:r>
+              <a:rPr lang="en-US" sz="2400" dirty="0"/>
+              <a:t>)</a:t>
+            </a:r>
+          </a:p>
+          <a:p>
+            <a:pPr lvl="1"/>
             <a:r>
               <a:rPr lang="en-US" sz="2200" dirty="0"/>
-              <a:t> in Browsers can also call Web Services</a:t>
-            </a:r>
+              <a:t>Objects: </a:t>
+            </a:r>
+            <a:r>
+              <a:rPr lang="en-US" sz="2200" cap="none" dirty="0" err="1">
+                <a:solidFill>
+                  <a:schemeClr val="accent2">
+                    <a:lumMod val="60000"/>
+                    <a:lumOff val="40000"/>
+                  </a:schemeClr>
+                </a:solidFill>
+                <a:effectLst>
+                  <a:glow rad="38100">
+                    <a:schemeClr val="bg1">
+                      <a:lumMod val="50000"/>
+                      <a:lumOff val="50000"/>
+                      <a:alpha val="20000"/>
+                    </a:schemeClr>
+                  </a:glow>
+                </a:effectLst>
+                <a:latin typeface="Consolas" panose="020B0609020204030204" pitchFamily="49" charset="0"/>
+              </a:rPr>
+              <a:t>db.items.find</a:t>
+            </a:r>
+            <a:r>
+              <a:rPr lang="en-US" sz="2200" cap="none" dirty="0">
+                <a:solidFill>
+                  <a:schemeClr val="accent2">
+                    <a:lumMod val="60000"/>
+                    <a:lumOff val="40000"/>
+                  </a:schemeClr>
+                </a:solidFill>
+                <a:effectLst>
+                  <a:glow rad="38100">
+                    <a:schemeClr val="bg1">
+                      <a:lumMod val="50000"/>
+                      <a:lumOff val="50000"/>
+                      <a:alpha val="20000"/>
+                    </a:schemeClr>
+                  </a:glow>
+                </a:effectLst>
+                <a:latin typeface="Consolas" panose="020B0609020204030204" pitchFamily="49" charset="0"/>
+              </a:rPr>
+              <a:t>( { id: 17 } )</a:t>
+            </a:r>
+            <a:endParaRPr lang="en-US" sz="2200" cap="none" dirty="0"/>
           </a:p>
           <a:p>
             <a:r>
               <a:rPr lang="en-US" sz="2400" dirty="0"/>
-              <a:t>Business Logic, Security, Integration, Services</a:t>
-            </a:r>
-          </a:p>
-          <a:p>
-            <a:r>
-              <a:rPr lang="en-US" sz="2400" dirty="0"/>
-              <a:t>Languages: Java, C#, Python, Ruby, C++, </a:t>
-            </a:r>
-            <a:r>
-              <a:rPr lang="en-US" sz="2400" dirty="0" err="1"/>
-              <a:t>Javascript</a:t>
-            </a:r>
-            <a:r>
-              <a:rPr lang="en-US" sz="2400" dirty="0"/>
-              <a:t>*</a:t>
-            </a:r>
-          </a:p>
-          <a:p>
-            <a:r>
-              <a:rPr lang="en-US" sz="2400" dirty="0"/>
-              <a:t>Need a Container to run code (Tomcat, Node, etc.)</a:t>
-            </a:r>
-          </a:p>
-        </p:txBody>
-      </p:sp>
-      <p:sp>
-        <p:nvSpPr>
-          <p:cNvPr id="4" name="Rectangle 3">
-            <a:extLst>
-              <a:ext uri="{FF2B5EF4-FFF2-40B4-BE49-F238E27FC236}">
-                <a16:creationId xmlns:a16="http://schemas.microsoft.com/office/drawing/2014/main" id="{66F6E9EE-56AC-4C91-BCC8-B2AB79A38D83}"/>
-              </a:ext>
-            </a:extLst>
-          </p:cNvPr>
-          <p:cNvSpPr/>
-          <p:nvPr/>
-        </p:nvSpPr>
-        <p:spPr>
-          <a:xfrm>
-            <a:off x="10001250" y="1066800"/>
-            <a:ext cx="1293811" cy="1600200"/>
-          </a:xfrm>
-          <a:prstGeom prst="rect">
-            <a:avLst/>
-          </a:prstGeom>
-        </p:spPr>
-        <p:style>
-          <a:lnRef idx="2">
-            <a:schemeClr val="accent6">
-              <a:shade val="50000"/>
-            </a:schemeClr>
-          </a:lnRef>
-          <a:fillRef idx="1">
-            <a:schemeClr val="accent6"/>
-          </a:fillRef>
-          <a:effectRef idx="0">
-            <a:schemeClr val="accent6"/>
-          </a:effectRef>
-          <a:fontRef idx="minor">
-            <a:schemeClr val="lt1"/>
-          </a:fontRef>
-        </p:style>
-        <p:txBody>
-          <a:bodyPr rtlCol="0" anchor="ctr"/>
-          <a:lstStyle/>
-          <a:p>
-            <a:pPr algn="ctr"/>
-            <a:r>
-              <a:rPr lang="en-US" dirty="0"/>
-              <a:t>IDEs</a:t>
+              <a:t>Also Have Unstructured Data – Images, Files</a:t>
+            </a:r>
+          </a:p>
+          <a:p>
+            <a:pPr lvl="1"/>
+            <a:r>
+              <a:rPr lang="en-US" sz="2200" dirty="0"/>
+              <a:t>Data mining, Natural Language Processing, Pattern Matching</a:t>
             </a:r>
           </a:p>
         </p:txBody>
@@ -9011,7 +9011,7 @@
     </p:spTree>
     <p:extLst>
       <p:ext uri="{BB962C8B-B14F-4D97-AF65-F5344CB8AC3E}">
-        <p14:creationId xmlns:p14="http://schemas.microsoft.com/office/powerpoint/2010/main" val="1024953526"/>
+        <p14:creationId xmlns:p14="http://schemas.microsoft.com/office/powerpoint/2010/main" val="683496896"/>
       </p:ext>
     </p:extLst>
   </p:cSld>
